--- a/Java8/Lambda/Streams.pptx
+++ b/Java8/Lambda/Streams.pptx
@@ -7,6 +7,10 @@
   <p:sldIdLst>
     <p:sldId id="256" r:id="rId2"/>
     <p:sldId id="257" r:id="rId3"/>
+    <p:sldId id="258" r:id="rId4"/>
+    <p:sldId id="259" r:id="rId5"/>
+    <p:sldId id="260" r:id="rId6"/>
+    <p:sldId id="261" r:id="rId7"/>
   </p:sldIdLst>
   <p:sldSz cx="12192000" cy="6858000"/>
   <p:notesSz cx="6858000" cy="9144000"/>
@@ -105,6 +109,11 @@
       </a:defRPr>
     </a:lvl9pPr>
   </p:defaultTextStyle>
+  <p:extLst>
+    <p:ext uri="{EFAFB233-063F-42B5-8137-9DF3F51BA10A}">
+      <p15:sldGuideLst xmlns:p15="http://schemas.microsoft.com/office/powerpoint/2012/main"/>
+    </p:ext>
+  </p:extLst>
 </p:presentation>
 </file>
 
@@ -3451,7 +3460,7 @@
         </p:spPr>
         <p:txBody>
           <a:bodyPr>
-            <a:normAutofit lnSpcReduction="10000"/>
+            <a:normAutofit fontScale="92500" lnSpcReduction="10000"/>
           </a:bodyPr>
           <a:lstStyle/>
           <a:p>
@@ -3634,6 +3643,20 @@
                 </a:solidFill>
               </a:rPr>
               <a:t>If we want to perform multiple operations on stream, we have to perform it in one line only. Because the data flows itself on stream . Its like a river, once water flows out, we can’t bring back the stream.</a:t>
+            </a:r>
+          </a:p>
+          <a:p>
+            <a:pPr lvl="0">
+              <a:buFont typeface="Wingdings" panose="05000000000000000000" pitchFamily="2" charset="2"/>
+              <a:buChar char="Ø"/>
+            </a:pPr>
+            <a:r>
+              <a:rPr lang="en-US" sz="2400" dirty="0">
+                <a:solidFill>
+                  <a:prstClr val="black"/>
+                </a:solidFill>
+              </a:rPr>
+              <a:t>A stream is not a data structure, as it does not store any data in itself.</a:t>
             </a:r>
           </a:p>
           <a:p>
@@ -4095,6 +4118,2053 @@
                       </p:childTnLst>
                     </p:cTn>
                   </p:par>
+                  <p:par>
+                    <p:cTn id="37" fill="hold">
+                      <p:stCondLst>
+                        <p:cond delay="indefinite"/>
+                      </p:stCondLst>
+                      <p:childTnLst>
+                        <p:par>
+                          <p:cTn id="38" fill="hold">
+                            <p:stCondLst>
+                              <p:cond delay="0"/>
+                            </p:stCondLst>
+                            <p:childTnLst>
+                              <p:par>
+                                <p:cTn id="39" presetID="1" presetClass="entr" presetSubtype="0" fill="hold" nodeType="clickEffect">
+                                  <p:stCondLst>
+                                    <p:cond delay="0"/>
+                                  </p:stCondLst>
+                                  <p:childTnLst>
+                                    <p:set>
+                                      <p:cBhvr>
+                                        <p:cTn id="40" dur="1" fill="hold">
+                                          <p:stCondLst>
+                                            <p:cond delay="0"/>
+                                          </p:stCondLst>
+                                        </p:cTn>
+                                        <p:tgtEl>
+                                          <p:spTgt spid="3">
+                                            <p:txEl>
+                                              <p:pRg st="12" end="12"/>
+                                            </p:txEl>
+                                          </p:spTgt>
+                                        </p:tgtEl>
+                                        <p:attrNameLst>
+                                          <p:attrName>style.visibility</p:attrName>
+                                        </p:attrNameLst>
+                                      </p:cBhvr>
+                                      <p:to>
+                                        <p:strVal val="visible"/>
+                                      </p:to>
+                                    </p:set>
+                                  </p:childTnLst>
+                                </p:cTn>
+                              </p:par>
+                            </p:childTnLst>
+                          </p:cTn>
+                        </p:par>
+                      </p:childTnLst>
+                    </p:cTn>
+                  </p:par>
+                </p:childTnLst>
+              </p:cTn>
+              <p:prevCondLst>
+                <p:cond evt="onPrev" delay="0">
+                  <p:tgtEl>
+                    <p:sldTgt/>
+                  </p:tgtEl>
+                </p:cond>
+              </p:prevCondLst>
+              <p:nextCondLst>
+                <p:cond evt="onNext" delay="0">
+                  <p:tgtEl>
+                    <p:sldTgt/>
+                  </p:tgtEl>
+                </p:cond>
+              </p:nextCondLst>
+            </p:seq>
+          </p:childTnLst>
+        </p:cTn>
+      </p:par>
+    </p:tnLst>
+  </p:timing>
+</p:sld>
+</file>
+
+<file path=ppt/slides/slide3.xml><?xml version="1.0" encoding="utf-8"?>
+<p:sld xmlns:a="http://schemas.openxmlformats.org/drawingml/2006/main" xmlns:r="http://schemas.openxmlformats.org/officeDocument/2006/relationships" xmlns:p="http://schemas.openxmlformats.org/presentationml/2006/main">
+  <p:cSld>
+    <p:spTree>
+      <p:nvGrpSpPr>
+        <p:cNvPr id="1" name=""/>
+        <p:cNvGrpSpPr/>
+        <p:nvPr/>
+      </p:nvGrpSpPr>
+      <p:grpSpPr>
+        <a:xfrm>
+          <a:off x="0" y="0"/>
+          <a:ext cx="0" cy="0"/>
+          <a:chOff x="0" y="0"/>
+          <a:chExt cx="0" cy="0"/>
+        </a:xfrm>
+      </p:grpSpPr>
+      <p:sp>
+        <p:nvSpPr>
+          <p:cNvPr id="3" name="Content Placeholder 2">
+            <a:extLst>
+              <a:ext uri="{FF2B5EF4-FFF2-40B4-BE49-F238E27FC236}">
+                <a16:creationId xmlns:a16="http://schemas.microsoft.com/office/drawing/2014/main" id="{531C1700-B706-4775-8A7B-335459DA5931}"/>
+              </a:ext>
+            </a:extLst>
+          </p:cNvPr>
+          <p:cNvSpPr>
+            <a:spLocks noGrp="1"/>
+          </p:cNvSpPr>
+          <p:nvPr>
+            <p:ph idx="1"/>
+          </p:nvPr>
+        </p:nvSpPr>
+        <p:spPr>
+          <a:xfrm>
+            <a:off x="838200" y="320511"/>
+            <a:ext cx="10515600" cy="5856452"/>
+          </a:xfrm>
+        </p:spPr>
+        <p:txBody>
+          <a:bodyPr/>
+          <a:lstStyle/>
+          <a:p>
+            <a:r>
+              <a:rPr lang="en-US" dirty="0"/>
+              <a:t>3 parts of stream:-</a:t>
+            </a:r>
+          </a:p>
+          <a:p>
+            <a:pPr marL="514350" indent="-514350">
+              <a:buFont typeface="+mj-lt"/>
+              <a:buAutoNum type="arabicPeriod"/>
+            </a:pPr>
+            <a:r>
+              <a:rPr lang="en-US" dirty="0">
+                <a:solidFill>
+                  <a:srgbClr val="FF0000"/>
+                </a:solidFill>
+              </a:rPr>
+              <a:t>Source</a:t>
+            </a:r>
+            <a:r>
+              <a:rPr lang="en-US" dirty="0"/>
+              <a:t>:- can be collection, array, file, or one or more values</a:t>
+            </a:r>
+          </a:p>
+          <a:p>
+            <a:pPr marL="514350" indent="-514350">
+              <a:buFont typeface="+mj-lt"/>
+              <a:buAutoNum type="arabicPeriod"/>
+            </a:pPr>
+            <a:r>
+              <a:rPr lang="en-US" dirty="0">
+                <a:solidFill>
+                  <a:srgbClr val="FF0000"/>
+                </a:solidFill>
+              </a:rPr>
+              <a:t>Intermediate operations:- </a:t>
+            </a:r>
+            <a:r>
+              <a:rPr lang="en-US" dirty="0"/>
+              <a:t>They operate on stream, and returns a </a:t>
+            </a:r>
+            <a:r>
+              <a:rPr lang="en-US" dirty="0" err="1"/>
+              <a:t>stream.Example</a:t>
+            </a:r>
+            <a:r>
+              <a:rPr lang="en-US" dirty="0"/>
+              <a:t>: filter()—uses a predicate</a:t>
+            </a:r>
+          </a:p>
+          <a:p>
+            <a:pPr marL="514350" indent="-514350">
+              <a:buFont typeface="+mj-lt"/>
+              <a:buAutoNum type="arabicPeriod"/>
+            </a:pPr>
+            <a:r>
+              <a:rPr lang="en-US" dirty="0">
+                <a:solidFill>
+                  <a:srgbClr val="FF0000"/>
+                </a:solidFill>
+              </a:rPr>
+              <a:t>Terminal operations</a:t>
+            </a:r>
+            <a:r>
+              <a:rPr lang="en-US" dirty="0"/>
+              <a:t>:- They terminate the </a:t>
+            </a:r>
+            <a:r>
+              <a:rPr lang="en-US" dirty="0" err="1"/>
+              <a:t>stream,returning</a:t>
+            </a:r>
+            <a:r>
+              <a:rPr lang="en-US" dirty="0"/>
+              <a:t> a value . They don’t return stream or void.</a:t>
+            </a:r>
+            <a:r>
+              <a:rPr lang="en-IN" dirty="0"/>
+              <a:t> Example: </a:t>
+            </a:r>
+            <a:br>
+              <a:rPr lang="en-IN" dirty="0"/>
+            </a:br>
+            <a:r>
+              <a:rPr lang="en-IN" dirty="0">
+                <a:solidFill>
+                  <a:srgbClr val="FF0000"/>
+                </a:solidFill>
+              </a:rPr>
+              <a:t>Foreach</a:t>
+            </a:r>
+            <a:r>
+              <a:rPr lang="en-IN" dirty="0"/>
+              <a:t> method takes a consumer and display the values at end of stream here.</a:t>
+            </a:r>
+            <a:br>
+              <a:rPr lang="en-IN" dirty="0"/>
+            </a:br>
+            <a:r>
+              <a:rPr lang="en-IN" dirty="0" err="1"/>
+              <a:t>Stream.of</a:t>
+            </a:r>
+            <a:r>
+              <a:rPr lang="en-IN" dirty="0"/>
+              <a:t>(“</a:t>
+            </a:r>
+            <a:r>
+              <a:rPr lang="en-IN" dirty="0" err="1"/>
+              <a:t>foo”,”bar</a:t>
+            </a:r>
+            <a:r>
+              <a:rPr lang="en-IN" dirty="0"/>
+              <a:t>”).foreach(</a:t>
+            </a:r>
+            <a:r>
+              <a:rPr lang="en-IN" dirty="0" err="1"/>
+              <a:t>System.out:println</a:t>
+            </a:r>
+            <a:r>
+              <a:rPr lang="en-IN" dirty="0"/>
+              <a:t>)</a:t>
+            </a:r>
+            <a:br>
+              <a:rPr lang="en-IN" dirty="0"/>
+            </a:br>
+            <a:r>
+              <a:rPr lang="en-IN" dirty="0">
+                <a:solidFill>
+                  <a:srgbClr val="FF0000"/>
+                </a:solidFill>
+              </a:rPr>
+              <a:t>Count:-</a:t>
+            </a:r>
+            <a:r>
+              <a:rPr lang="en-IN" dirty="0"/>
+              <a:t>count elements in the stream</a:t>
+            </a:r>
+          </a:p>
+          <a:p>
+            <a:pPr marL="514350" indent="-514350">
+              <a:buFont typeface="+mj-lt"/>
+              <a:buAutoNum type="arabicPeriod"/>
+            </a:pPr>
+            <a:endParaRPr lang="en-US" dirty="0"/>
+          </a:p>
+        </p:txBody>
+      </p:sp>
+    </p:spTree>
+    <p:extLst>
+      <p:ext uri="{BB962C8B-B14F-4D97-AF65-F5344CB8AC3E}">
+        <p14:creationId xmlns:p14="http://schemas.microsoft.com/office/powerpoint/2010/main" val="2001401444"/>
+      </p:ext>
+    </p:extLst>
+  </p:cSld>
+  <p:clrMapOvr>
+    <a:masterClrMapping/>
+  </p:clrMapOvr>
+  <p:timing>
+    <p:tnLst>
+      <p:par>
+        <p:cTn id="1" dur="indefinite" restart="never" nodeType="tmRoot">
+          <p:childTnLst>
+            <p:seq concurrent="1" nextAc="seek">
+              <p:cTn id="2" dur="indefinite" nodeType="mainSeq">
+                <p:childTnLst>
+                  <p:par>
+                    <p:cTn id="3" fill="hold">
+                      <p:stCondLst>
+                        <p:cond delay="indefinite"/>
+                      </p:stCondLst>
+                      <p:childTnLst>
+                        <p:par>
+                          <p:cTn id="4" fill="hold">
+                            <p:stCondLst>
+                              <p:cond delay="0"/>
+                            </p:stCondLst>
+                            <p:childTnLst>
+                              <p:par>
+                                <p:cTn id="5" presetID="1" presetClass="entr" presetSubtype="0" fill="hold" nodeType="clickEffect">
+                                  <p:stCondLst>
+                                    <p:cond delay="0"/>
+                                  </p:stCondLst>
+                                  <p:childTnLst>
+                                    <p:set>
+                                      <p:cBhvr>
+                                        <p:cTn id="6" dur="1" fill="hold">
+                                          <p:stCondLst>
+                                            <p:cond delay="0"/>
+                                          </p:stCondLst>
+                                        </p:cTn>
+                                        <p:tgtEl>
+                                          <p:spTgt spid="3">
+                                            <p:txEl>
+                                              <p:pRg st="0" end="0"/>
+                                            </p:txEl>
+                                          </p:spTgt>
+                                        </p:tgtEl>
+                                        <p:attrNameLst>
+                                          <p:attrName>style.visibility</p:attrName>
+                                        </p:attrNameLst>
+                                      </p:cBhvr>
+                                      <p:to>
+                                        <p:strVal val="visible"/>
+                                      </p:to>
+                                    </p:set>
+                                  </p:childTnLst>
+                                </p:cTn>
+                              </p:par>
+                            </p:childTnLst>
+                          </p:cTn>
+                        </p:par>
+                      </p:childTnLst>
+                    </p:cTn>
+                  </p:par>
+                  <p:par>
+                    <p:cTn id="7" fill="hold">
+                      <p:stCondLst>
+                        <p:cond delay="indefinite"/>
+                      </p:stCondLst>
+                      <p:childTnLst>
+                        <p:par>
+                          <p:cTn id="8" fill="hold">
+                            <p:stCondLst>
+                              <p:cond delay="0"/>
+                            </p:stCondLst>
+                            <p:childTnLst>
+                              <p:par>
+                                <p:cTn id="9" presetID="1" presetClass="entr" presetSubtype="0" fill="hold" nodeType="clickEffect">
+                                  <p:stCondLst>
+                                    <p:cond delay="0"/>
+                                  </p:stCondLst>
+                                  <p:childTnLst>
+                                    <p:set>
+                                      <p:cBhvr>
+                                        <p:cTn id="10" dur="1" fill="hold">
+                                          <p:stCondLst>
+                                            <p:cond delay="0"/>
+                                          </p:stCondLst>
+                                        </p:cTn>
+                                        <p:tgtEl>
+                                          <p:spTgt spid="3">
+                                            <p:txEl>
+                                              <p:pRg st="1" end="1"/>
+                                            </p:txEl>
+                                          </p:spTgt>
+                                        </p:tgtEl>
+                                        <p:attrNameLst>
+                                          <p:attrName>style.visibility</p:attrName>
+                                        </p:attrNameLst>
+                                      </p:cBhvr>
+                                      <p:to>
+                                        <p:strVal val="visible"/>
+                                      </p:to>
+                                    </p:set>
+                                  </p:childTnLst>
+                                </p:cTn>
+                              </p:par>
+                            </p:childTnLst>
+                          </p:cTn>
+                        </p:par>
+                      </p:childTnLst>
+                    </p:cTn>
+                  </p:par>
+                  <p:par>
+                    <p:cTn id="11" fill="hold">
+                      <p:stCondLst>
+                        <p:cond delay="indefinite"/>
+                      </p:stCondLst>
+                      <p:childTnLst>
+                        <p:par>
+                          <p:cTn id="12" fill="hold">
+                            <p:stCondLst>
+                              <p:cond delay="0"/>
+                            </p:stCondLst>
+                            <p:childTnLst>
+                              <p:par>
+                                <p:cTn id="13" presetID="1" presetClass="entr" presetSubtype="0" fill="hold" nodeType="clickEffect">
+                                  <p:stCondLst>
+                                    <p:cond delay="0"/>
+                                  </p:stCondLst>
+                                  <p:childTnLst>
+                                    <p:set>
+                                      <p:cBhvr>
+                                        <p:cTn id="14" dur="1" fill="hold">
+                                          <p:stCondLst>
+                                            <p:cond delay="0"/>
+                                          </p:stCondLst>
+                                        </p:cTn>
+                                        <p:tgtEl>
+                                          <p:spTgt spid="3">
+                                            <p:txEl>
+                                              <p:pRg st="2" end="2"/>
+                                            </p:txEl>
+                                          </p:spTgt>
+                                        </p:tgtEl>
+                                        <p:attrNameLst>
+                                          <p:attrName>style.visibility</p:attrName>
+                                        </p:attrNameLst>
+                                      </p:cBhvr>
+                                      <p:to>
+                                        <p:strVal val="visible"/>
+                                      </p:to>
+                                    </p:set>
+                                  </p:childTnLst>
+                                </p:cTn>
+                              </p:par>
+                            </p:childTnLst>
+                          </p:cTn>
+                        </p:par>
+                      </p:childTnLst>
+                    </p:cTn>
+                  </p:par>
+                  <p:par>
+                    <p:cTn id="15" fill="hold">
+                      <p:stCondLst>
+                        <p:cond delay="indefinite"/>
+                      </p:stCondLst>
+                      <p:childTnLst>
+                        <p:par>
+                          <p:cTn id="16" fill="hold">
+                            <p:stCondLst>
+                              <p:cond delay="0"/>
+                            </p:stCondLst>
+                            <p:childTnLst>
+                              <p:par>
+                                <p:cTn id="17" presetID="1" presetClass="entr" presetSubtype="0" fill="hold" nodeType="clickEffect">
+                                  <p:stCondLst>
+                                    <p:cond delay="0"/>
+                                  </p:stCondLst>
+                                  <p:childTnLst>
+                                    <p:set>
+                                      <p:cBhvr>
+                                        <p:cTn id="18" dur="1" fill="hold">
+                                          <p:stCondLst>
+                                            <p:cond delay="0"/>
+                                          </p:stCondLst>
+                                        </p:cTn>
+                                        <p:tgtEl>
+                                          <p:spTgt spid="3">
+                                            <p:txEl>
+                                              <p:pRg st="3" end="3"/>
+                                            </p:txEl>
+                                          </p:spTgt>
+                                        </p:tgtEl>
+                                        <p:attrNameLst>
+                                          <p:attrName>style.visibility</p:attrName>
+                                        </p:attrNameLst>
+                                      </p:cBhvr>
+                                      <p:to>
+                                        <p:strVal val="visible"/>
+                                      </p:to>
+                                    </p:set>
+                                  </p:childTnLst>
+                                </p:cTn>
+                              </p:par>
+                            </p:childTnLst>
+                          </p:cTn>
+                        </p:par>
+                      </p:childTnLst>
+                    </p:cTn>
+                  </p:par>
+                </p:childTnLst>
+              </p:cTn>
+              <p:prevCondLst>
+                <p:cond evt="onPrev" delay="0">
+                  <p:tgtEl>
+                    <p:sldTgt/>
+                  </p:tgtEl>
+                </p:cond>
+              </p:prevCondLst>
+              <p:nextCondLst>
+                <p:cond evt="onNext" delay="0">
+                  <p:tgtEl>
+                    <p:sldTgt/>
+                  </p:tgtEl>
+                </p:cond>
+              </p:nextCondLst>
+            </p:seq>
+          </p:childTnLst>
+        </p:cTn>
+      </p:par>
+    </p:tnLst>
+  </p:timing>
+</p:sld>
+</file>
+
+<file path=ppt/slides/slide4.xml><?xml version="1.0" encoding="utf-8"?>
+<p:sld xmlns:a="http://schemas.openxmlformats.org/drawingml/2006/main" xmlns:r="http://schemas.openxmlformats.org/officeDocument/2006/relationships" xmlns:p="http://schemas.openxmlformats.org/presentationml/2006/main">
+  <p:cSld>
+    <p:spTree>
+      <p:nvGrpSpPr>
+        <p:cNvPr id="1" name=""/>
+        <p:cNvGrpSpPr/>
+        <p:nvPr/>
+      </p:nvGrpSpPr>
+      <p:grpSpPr>
+        <a:xfrm>
+          <a:off x="0" y="0"/>
+          <a:ext cx="0" cy="0"/>
+          <a:chOff x="0" y="0"/>
+          <a:chExt cx="0" cy="0"/>
+        </a:xfrm>
+      </p:grpSpPr>
+      <p:sp>
+        <p:nvSpPr>
+          <p:cNvPr id="3" name="Content Placeholder 2">
+            <a:extLst>
+              <a:ext uri="{FF2B5EF4-FFF2-40B4-BE49-F238E27FC236}">
+                <a16:creationId xmlns:a16="http://schemas.microsoft.com/office/drawing/2014/main" id="{1B73287C-31F5-4122-A8E7-F4142CD3DA08}"/>
+              </a:ext>
+            </a:extLst>
+          </p:cNvPr>
+          <p:cNvSpPr>
+            <a:spLocks noGrp="1"/>
+          </p:cNvSpPr>
+          <p:nvPr>
+            <p:ph idx="1"/>
+          </p:nvPr>
+        </p:nvSpPr>
+        <p:spPr>
+          <a:xfrm>
+            <a:off x="838200" y="565608"/>
+            <a:ext cx="10515600" cy="6052008"/>
+          </a:xfrm>
+        </p:spPr>
+        <p:txBody>
+          <a:bodyPr>
+            <a:normAutofit/>
+          </a:bodyPr>
+          <a:lstStyle/>
+          <a:p>
+            <a:r>
+              <a:rPr lang="en-US" dirty="0"/>
+              <a:t>HOW TO CREATE STREAM?</a:t>
+            </a:r>
+          </a:p>
+          <a:p>
+            <a:pPr marL="514350" indent="-514350">
+              <a:buFont typeface="+mj-lt"/>
+              <a:buAutoNum type="arabicPeriod"/>
+            </a:pPr>
+            <a:r>
+              <a:rPr lang="en-US" dirty="0"/>
+              <a:t>From </a:t>
+            </a:r>
+            <a:r>
+              <a:rPr lang="en-US" dirty="0">
+                <a:solidFill>
+                  <a:srgbClr val="FF0000"/>
+                </a:solidFill>
+              </a:rPr>
+              <a:t>Collections</a:t>
+            </a:r>
+            <a:r>
+              <a:rPr lang="en-US" dirty="0"/>
+              <a:t> as Data Source.</a:t>
+            </a:r>
+            <a:br>
+              <a:rPr lang="en-US" dirty="0"/>
+            </a:br>
+            <a:r>
+              <a:rPr lang="en-US" sz="2800" dirty="0"/>
+              <a:t>Collections have a method called stream()</a:t>
+            </a:r>
+            <a:br>
+              <a:rPr lang="en-US" sz="2800" dirty="0"/>
+            </a:br>
+            <a:r>
+              <a:rPr lang="en-US" sz="2800" dirty="0"/>
+              <a:t>List&lt;Double&gt; </a:t>
+            </a:r>
+            <a:r>
+              <a:rPr lang="en-US" sz="2800" dirty="0" err="1"/>
+              <a:t>tempList</a:t>
+            </a:r>
+            <a:r>
+              <a:rPr lang="en-US" sz="2800" dirty="0"/>
+              <a:t>=</a:t>
+            </a:r>
+            <a:r>
+              <a:rPr lang="en-US" sz="2800" dirty="0" err="1"/>
+              <a:t>Arrays.asList</a:t>
+            </a:r>
+            <a:r>
+              <a:rPr lang="en-US" sz="2800" dirty="0"/>
+              <a:t>(123.6,128.1);</a:t>
+            </a:r>
+            <a:br>
+              <a:rPr lang="en-US" sz="2800" dirty="0"/>
+            </a:br>
+            <a:r>
+              <a:rPr lang="en-US" sz="2800" dirty="0" err="1">
+                <a:solidFill>
+                  <a:srgbClr val="FF0000"/>
+                </a:solidFill>
+              </a:rPr>
+              <a:t>tempList.stream</a:t>
+            </a:r>
+            <a:r>
+              <a:rPr lang="en-US" sz="2800" dirty="0">
+                <a:solidFill>
+                  <a:srgbClr val="FF0000"/>
+                </a:solidFill>
+              </a:rPr>
+              <a:t>().</a:t>
+            </a:r>
+            <a:r>
+              <a:rPr lang="en-US" sz="2800" dirty="0"/>
+              <a:t>filter(t-&gt;t&gt;110).count();</a:t>
+            </a:r>
+            <a:br>
+              <a:rPr lang="en-US" sz="2800" dirty="0"/>
+            </a:br>
+            <a:br>
+              <a:rPr lang="en-US" sz="2800" dirty="0"/>
+            </a:br>
+            <a:r>
+              <a:rPr lang="en-US" sz="2800" dirty="0"/>
+              <a:t>If we want to create stream for a Map( which is not a collection inheriting from Collection), then first we must use </a:t>
+            </a:r>
+            <a:r>
+              <a:rPr lang="en-US" sz="2800" dirty="0" err="1"/>
+              <a:t>entrySet</a:t>
+            </a:r>
+            <a:r>
+              <a:rPr lang="en-US" sz="2800" dirty="0"/>
+              <a:t>() method to turn Map into   a set.</a:t>
+            </a:r>
+          </a:p>
+          <a:p>
+            <a:pPr marL="0" indent="0">
+              <a:buNone/>
+            </a:pPr>
+            <a:r>
+              <a:rPr lang="en-US" sz="2800" dirty="0"/>
+              <a:t>	example: </a:t>
+            </a:r>
+            <a:br>
+              <a:rPr lang="en-US" sz="2800" dirty="0"/>
+            </a:br>
+            <a:r>
+              <a:rPr lang="en-US" sz="2800" dirty="0"/>
+              <a:t>	</a:t>
+            </a:r>
+            <a:r>
+              <a:rPr lang="en-US" sz="2800" dirty="0" err="1"/>
+              <a:t>MyMap</a:t>
+            </a:r>
+            <a:r>
+              <a:rPr lang="en-US" sz="2800" dirty="0"/>
+              <a:t> &lt;String , Integer&gt;map;</a:t>
+            </a:r>
+          </a:p>
+          <a:p>
+            <a:pPr marL="0" indent="0">
+              <a:buNone/>
+            </a:pPr>
+            <a:r>
+              <a:rPr lang="en-US" sz="2800" dirty="0"/>
+              <a:t>	</a:t>
+            </a:r>
+            <a:r>
+              <a:rPr lang="en-US" sz="2800" dirty="0" err="1"/>
+              <a:t>map.entrySet</a:t>
+            </a:r>
+            <a:r>
+              <a:rPr lang="en-US" sz="2800" dirty="0"/>
+              <a:t>().stream().filter(d-&gt;</a:t>
+            </a:r>
+            <a:r>
+              <a:rPr lang="en-US" sz="2800" dirty="0" err="1"/>
+              <a:t>d.getvalue</a:t>
+            </a:r>
+            <a:r>
+              <a:rPr lang="en-US" sz="2800" dirty="0"/>
+              <a:t>()&gt;4</a:t>
+            </a:r>
+          </a:p>
+          <a:p>
+            <a:pPr marL="0" indent="0">
+              <a:buNone/>
+            </a:pPr>
+            <a:br>
+              <a:rPr lang="en-US" dirty="0"/>
+            </a:br>
+            <a:endParaRPr lang="en-US" dirty="0"/>
+          </a:p>
+        </p:txBody>
+      </p:sp>
+    </p:spTree>
+    <p:extLst>
+      <p:ext uri="{BB962C8B-B14F-4D97-AF65-F5344CB8AC3E}">
+        <p14:creationId xmlns:p14="http://schemas.microsoft.com/office/powerpoint/2010/main" val="3113326339"/>
+      </p:ext>
+    </p:extLst>
+  </p:cSld>
+  <p:clrMapOvr>
+    <a:masterClrMapping/>
+  </p:clrMapOvr>
+  <p:timing>
+    <p:tnLst>
+      <p:par>
+        <p:cTn id="1" dur="indefinite" restart="never" nodeType="tmRoot">
+          <p:childTnLst>
+            <p:seq concurrent="1" nextAc="seek">
+              <p:cTn id="2" dur="indefinite" nodeType="mainSeq">
+                <p:childTnLst>
+                  <p:par>
+                    <p:cTn id="3" fill="hold">
+                      <p:stCondLst>
+                        <p:cond delay="indefinite"/>
+                      </p:stCondLst>
+                      <p:childTnLst>
+                        <p:par>
+                          <p:cTn id="4" fill="hold">
+                            <p:stCondLst>
+                              <p:cond delay="0"/>
+                            </p:stCondLst>
+                            <p:childTnLst>
+                              <p:par>
+                                <p:cTn id="5" presetID="1" presetClass="entr" presetSubtype="0" fill="hold" nodeType="clickEffect">
+                                  <p:stCondLst>
+                                    <p:cond delay="0"/>
+                                  </p:stCondLst>
+                                  <p:childTnLst>
+                                    <p:set>
+                                      <p:cBhvr>
+                                        <p:cTn id="6" dur="1" fill="hold">
+                                          <p:stCondLst>
+                                            <p:cond delay="0"/>
+                                          </p:stCondLst>
+                                        </p:cTn>
+                                        <p:tgtEl>
+                                          <p:spTgt spid="3">
+                                            <p:txEl>
+                                              <p:pRg st="1" end="1"/>
+                                            </p:txEl>
+                                          </p:spTgt>
+                                        </p:tgtEl>
+                                        <p:attrNameLst>
+                                          <p:attrName>style.visibility</p:attrName>
+                                        </p:attrNameLst>
+                                      </p:cBhvr>
+                                      <p:to>
+                                        <p:strVal val="visible"/>
+                                      </p:to>
+                                    </p:set>
+                                  </p:childTnLst>
+                                </p:cTn>
+                              </p:par>
+                              <p:par>
+                                <p:cTn id="7" presetID="1" presetClass="entr" presetSubtype="0" fill="hold" nodeType="withEffect">
+                                  <p:stCondLst>
+                                    <p:cond delay="0"/>
+                                  </p:stCondLst>
+                                  <p:childTnLst>
+                                    <p:set>
+                                      <p:cBhvr>
+                                        <p:cTn id="8" dur="1" fill="hold">
+                                          <p:stCondLst>
+                                            <p:cond delay="0"/>
+                                          </p:stCondLst>
+                                        </p:cTn>
+                                        <p:tgtEl>
+                                          <p:spTgt spid="3">
+                                            <p:txEl>
+                                              <p:pRg st="2" end="2"/>
+                                            </p:txEl>
+                                          </p:spTgt>
+                                        </p:tgtEl>
+                                        <p:attrNameLst>
+                                          <p:attrName>style.visibility</p:attrName>
+                                        </p:attrNameLst>
+                                      </p:cBhvr>
+                                      <p:to>
+                                        <p:strVal val="visible"/>
+                                      </p:to>
+                                    </p:set>
+                                  </p:childTnLst>
+                                </p:cTn>
+                              </p:par>
+                              <p:par>
+                                <p:cTn id="9" presetID="1" presetClass="entr" presetSubtype="0" fill="hold" nodeType="withEffect">
+                                  <p:stCondLst>
+                                    <p:cond delay="0"/>
+                                  </p:stCondLst>
+                                  <p:childTnLst>
+                                    <p:set>
+                                      <p:cBhvr>
+                                        <p:cTn id="10" dur="1" fill="hold">
+                                          <p:stCondLst>
+                                            <p:cond delay="0"/>
+                                          </p:stCondLst>
+                                        </p:cTn>
+                                        <p:tgtEl>
+                                          <p:spTgt spid="3">
+                                            <p:txEl>
+                                              <p:pRg st="3" end="3"/>
+                                            </p:txEl>
+                                          </p:spTgt>
+                                        </p:tgtEl>
+                                        <p:attrNameLst>
+                                          <p:attrName>style.visibility</p:attrName>
+                                        </p:attrNameLst>
+                                      </p:cBhvr>
+                                      <p:to>
+                                        <p:strVal val="visible"/>
+                                      </p:to>
+                                    </p:set>
+                                  </p:childTnLst>
+                                </p:cTn>
+                              </p:par>
+                            </p:childTnLst>
+                          </p:cTn>
+                        </p:par>
+                      </p:childTnLst>
+                    </p:cTn>
+                  </p:par>
+                </p:childTnLst>
+              </p:cTn>
+              <p:prevCondLst>
+                <p:cond evt="onPrev" delay="0">
+                  <p:tgtEl>
+                    <p:sldTgt/>
+                  </p:tgtEl>
+                </p:cond>
+              </p:prevCondLst>
+              <p:nextCondLst>
+                <p:cond evt="onNext" delay="0">
+                  <p:tgtEl>
+                    <p:sldTgt/>
+                  </p:tgtEl>
+                </p:cond>
+              </p:nextCondLst>
+            </p:seq>
+          </p:childTnLst>
+        </p:cTn>
+      </p:par>
+    </p:tnLst>
+  </p:timing>
+</p:sld>
+</file>
+
+<file path=ppt/slides/slide5.xml><?xml version="1.0" encoding="utf-8"?>
+<p:sld xmlns:a="http://schemas.openxmlformats.org/drawingml/2006/main" xmlns:r="http://schemas.openxmlformats.org/officeDocument/2006/relationships" xmlns:p="http://schemas.openxmlformats.org/presentationml/2006/main">
+  <p:cSld>
+    <p:spTree>
+      <p:nvGrpSpPr>
+        <p:cNvPr id="1" name=""/>
+        <p:cNvGrpSpPr/>
+        <p:nvPr/>
+      </p:nvGrpSpPr>
+      <p:grpSpPr>
+        <a:xfrm>
+          <a:off x="0" y="0"/>
+          <a:ext cx="0" cy="0"/>
+          <a:chOff x="0" y="0"/>
+          <a:chExt cx="0" cy="0"/>
+        </a:xfrm>
+      </p:grpSpPr>
+      <p:sp>
+        <p:nvSpPr>
+          <p:cNvPr id="3" name="Content Placeholder 2">
+            <a:extLst>
+              <a:ext uri="{FF2B5EF4-FFF2-40B4-BE49-F238E27FC236}">
+                <a16:creationId xmlns:a16="http://schemas.microsoft.com/office/drawing/2014/main" id="{DBA51F10-2E28-4193-BFDC-1AEF4BB4D33A}"/>
+              </a:ext>
+            </a:extLst>
+          </p:cNvPr>
+          <p:cNvSpPr>
+            <a:spLocks noGrp="1"/>
+          </p:cNvSpPr>
+          <p:nvPr>
+            <p:ph idx="1"/>
+          </p:nvPr>
+        </p:nvSpPr>
+        <p:spPr>
+          <a:xfrm>
+            <a:off x="838200" y="443060"/>
+            <a:ext cx="10515600" cy="5733903"/>
+          </a:xfrm>
+        </p:spPr>
+        <p:txBody>
+          <a:bodyPr>
+            <a:normAutofit lnSpcReduction="10000"/>
+          </a:bodyPr>
+          <a:lstStyle/>
+          <a:p>
+            <a:pPr marL="0" indent="0">
+              <a:buNone/>
+            </a:pPr>
+            <a:r>
+              <a:rPr lang="en-US" dirty="0"/>
+              <a:t>HOW TO CREATE STREAM?</a:t>
+            </a:r>
+          </a:p>
+          <a:p>
+            <a:pPr marL="0" indent="0">
+              <a:buNone/>
+            </a:pPr>
+            <a:r>
+              <a:rPr lang="en-US" dirty="0"/>
+              <a:t>2. From </a:t>
+            </a:r>
+            <a:r>
+              <a:rPr lang="en-US" dirty="0">
+                <a:solidFill>
+                  <a:srgbClr val="FF0000"/>
+                </a:solidFill>
+              </a:rPr>
+              <a:t>Arrays as  data Source</a:t>
+            </a:r>
+            <a:r>
+              <a:rPr lang="en-US" dirty="0"/>
+              <a:t>.</a:t>
+            </a:r>
+          </a:p>
+          <a:p>
+            <a:pPr marL="457200" lvl="1" indent="0">
+              <a:buNone/>
+            </a:pPr>
+            <a:r>
+              <a:rPr lang="en-US" sz="1600" dirty="0"/>
+              <a:t>String []dogs={“</a:t>
+            </a:r>
+            <a:r>
+              <a:rPr lang="en-US" sz="1600" dirty="0" err="1"/>
+              <a:t>Boi</a:t>
+            </a:r>
+            <a:r>
+              <a:rPr lang="en-US" sz="1600" dirty="0"/>
+              <a:t>”,”Zooey”};</a:t>
+            </a:r>
+          </a:p>
+          <a:p>
+            <a:pPr marL="457200" lvl="1" indent="0">
+              <a:buNone/>
+            </a:pPr>
+            <a:r>
+              <a:rPr lang="en-US" sz="1600" dirty="0"/>
+              <a:t>Stream&lt;String&gt; </a:t>
+            </a:r>
+            <a:r>
+              <a:rPr lang="en-US" sz="1600" dirty="0" err="1"/>
+              <a:t>dogstream</a:t>
+            </a:r>
+            <a:r>
+              <a:rPr lang="en-US" sz="1600" dirty="0"/>
+              <a:t>=</a:t>
+            </a:r>
+            <a:r>
+              <a:rPr lang="en-US" sz="1600" dirty="0" err="1"/>
+              <a:t>Arrays.stream</a:t>
+            </a:r>
+            <a:r>
+              <a:rPr lang="en-US" sz="1600" dirty="0"/>
+              <a:t>(dogs);</a:t>
+            </a:r>
+          </a:p>
+          <a:p>
+            <a:pPr marL="0" indent="0">
+              <a:buNone/>
+            </a:pPr>
+            <a:r>
+              <a:rPr lang="en-US" dirty="0"/>
+              <a:t>3. From </a:t>
+            </a:r>
+            <a:r>
+              <a:rPr lang="en-US" dirty="0">
+                <a:solidFill>
+                  <a:srgbClr val="FF0000"/>
+                </a:solidFill>
+              </a:rPr>
+              <a:t>Primitives</a:t>
+            </a:r>
+            <a:r>
+              <a:rPr lang="en-US" dirty="0"/>
+              <a:t>:</a:t>
+            </a:r>
+          </a:p>
+          <a:p>
+            <a:pPr marL="457200" lvl="1" indent="0">
+              <a:buNone/>
+            </a:pPr>
+            <a:r>
+              <a:rPr lang="en-US" sz="1800" dirty="0"/>
+              <a:t>There are predefined streams in java for primitives like </a:t>
+            </a:r>
+            <a:r>
+              <a:rPr lang="en-US" sz="1800" dirty="0" err="1"/>
+              <a:t>IntStream,DoubleStream</a:t>
+            </a:r>
+            <a:r>
+              <a:rPr lang="en-US" sz="1800" dirty="0"/>
+              <a:t>.</a:t>
+            </a:r>
+          </a:p>
+          <a:p>
+            <a:pPr marL="457200" lvl="1" indent="0">
+              <a:buNone/>
+            </a:pPr>
+            <a:r>
+              <a:rPr lang="en-US" sz="1800" dirty="0"/>
+              <a:t>Example:-</a:t>
+            </a:r>
+          </a:p>
+          <a:p>
+            <a:pPr marL="457200" lvl="1" indent="0">
+              <a:buNone/>
+            </a:pPr>
+            <a:r>
+              <a:rPr lang="en-US" sz="1800" dirty="0"/>
+              <a:t>	double[] </a:t>
+            </a:r>
+            <a:r>
+              <a:rPr lang="en-US" sz="1800" dirty="0" err="1"/>
+              <a:t>doublearray</a:t>
+            </a:r>
+            <a:r>
+              <a:rPr lang="en-US" sz="1800" dirty="0"/>
+              <a:t>={123.1,123.2}; </a:t>
+            </a:r>
+          </a:p>
+          <a:p>
+            <a:pPr marL="457200" lvl="1" indent="0">
+              <a:buNone/>
+            </a:pPr>
+            <a:r>
+              <a:rPr lang="en-US" sz="1800" dirty="0"/>
+              <a:t>	</a:t>
+            </a:r>
+            <a:r>
+              <a:rPr lang="en-US" sz="1800" dirty="0" err="1"/>
+              <a:t>DoubleStream</a:t>
+            </a:r>
+            <a:r>
+              <a:rPr lang="en-US" sz="1800" dirty="0"/>
+              <a:t> ds=</a:t>
+            </a:r>
+            <a:r>
+              <a:rPr lang="en-US" sz="1800" dirty="0" err="1"/>
+              <a:t>Arrays.stream</a:t>
+            </a:r>
+            <a:r>
+              <a:rPr lang="en-US" sz="1800" dirty="0"/>
+              <a:t>(</a:t>
+            </a:r>
+            <a:r>
+              <a:rPr lang="en-US" sz="1800" dirty="0" err="1"/>
+              <a:t>doublearray</a:t>
+            </a:r>
+            <a:r>
+              <a:rPr lang="en-US" sz="1800" dirty="0"/>
+              <a:t>);</a:t>
+            </a:r>
+          </a:p>
+          <a:p>
+            <a:pPr marL="457200" lvl="1" indent="0">
+              <a:buNone/>
+            </a:pPr>
+            <a:r>
+              <a:rPr lang="en-US" sz="1800" dirty="0"/>
+              <a:t>	</a:t>
+            </a:r>
+            <a:r>
+              <a:rPr lang="en-US" sz="1800" dirty="0" err="1"/>
+              <a:t>ds.forEach</a:t>
+            </a:r>
+            <a:r>
+              <a:rPr lang="en-US" sz="1800" dirty="0"/>
+              <a:t>(</a:t>
+            </a:r>
+            <a:r>
+              <a:rPr lang="en-US" sz="1800" dirty="0" err="1"/>
+              <a:t>System.out</a:t>
+            </a:r>
+            <a:r>
+              <a:rPr lang="en-US" sz="1800" dirty="0"/>
+              <a:t>::</a:t>
+            </a:r>
+            <a:r>
+              <a:rPr lang="en-US" sz="1800" dirty="0" err="1"/>
+              <a:t>println</a:t>
+            </a:r>
+            <a:r>
+              <a:rPr lang="en-US" sz="1800" dirty="0"/>
+              <a:t>);</a:t>
+            </a:r>
+          </a:p>
+          <a:p>
+            <a:pPr marL="457200" lvl="1" indent="0">
+              <a:buNone/>
+            </a:pPr>
+            <a:endParaRPr lang="en-US" sz="1800" dirty="0"/>
+          </a:p>
+          <a:p>
+            <a:pPr marL="0" indent="0">
+              <a:buNone/>
+            </a:pPr>
+            <a:r>
+              <a:rPr lang="en-US" dirty="0"/>
+              <a:t>4. Using </a:t>
+            </a:r>
+            <a:r>
+              <a:rPr lang="en-US" dirty="0">
+                <a:solidFill>
+                  <a:srgbClr val="FF0000"/>
+                </a:solidFill>
+              </a:rPr>
+              <a:t>of </a:t>
+            </a:r>
+            <a:r>
+              <a:rPr lang="en-US" dirty="0"/>
+              <a:t>keyword</a:t>
+            </a:r>
+          </a:p>
+          <a:p>
+            <a:pPr marL="0" indent="0">
+              <a:buNone/>
+            </a:pPr>
+            <a:r>
+              <a:rPr lang="en-US" dirty="0"/>
+              <a:t>    	This is very flexible to use as it can take any object.</a:t>
+            </a:r>
+          </a:p>
+          <a:p>
+            <a:pPr marL="0" indent="0">
+              <a:buNone/>
+            </a:pPr>
+            <a:r>
+              <a:rPr lang="en-US" dirty="0"/>
+              <a:t>	</a:t>
+            </a:r>
+            <a:r>
+              <a:rPr lang="en-US" sz="1800" dirty="0"/>
+              <a:t>Stream&lt;Object&gt; </a:t>
+            </a:r>
+            <a:r>
+              <a:rPr lang="en-US" sz="1800" dirty="0" err="1"/>
+              <a:t>myStream</a:t>
+            </a:r>
+            <a:r>
+              <a:rPr lang="en-US" sz="1800" dirty="0"/>
+              <a:t>=</a:t>
+            </a:r>
+            <a:r>
+              <a:rPr lang="en-US" sz="1800" dirty="0" err="1"/>
+              <a:t>Stream.</a:t>
+            </a:r>
+            <a:r>
+              <a:rPr lang="en-US" sz="1800" i="1" dirty="0" err="1"/>
+              <a:t>of</a:t>
+            </a:r>
+            <a:r>
+              <a:rPr lang="en-US" sz="1800" i="1" dirty="0"/>
+              <a:t>(1,2,"hello");</a:t>
+            </a:r>
+          </a:p>
+          <a:p>
+            <a:pPr marL="0" indent="0">
+              <a:buNone/>
+            </a:pPr>
+            <a:r>
+              <a:rPr lang="en-IN" sz="1800" dirty="0"/>
+              <a:t>	</a:t>
+            </a:r>
+            <a:r>
+              <a:rPr lang="en-IN" sz="1800" dirty="0" err="1"/>
+              <a:t>myStream.forEach</a:t>
+            </a:r>
+            <a:r>
+              <a:rPr lang="en-IN" sz="1800" dirty="0"/>
+              <a:t>(</a:t>
+            </a:r>
+            <a:r>
+              <a:rPr lang="en-IN" sz="1800" dirty="0" err="1"/>
+              <a:t>System.</a:t>
+            </a:r>
+            <a:r>
+              <a:rPr lang="en-IN" sz="1800" b="1" i="1" dirty="0" err="1"/>
+              <a:t>out</a:t>
+            </a:r>
+            <a:r>
+              <a:rPr lang="en-IN" sz="1800" b="1" i="1" dirty="0"/>
+              <a:t>::</a:t>
+            </a:r>
+            <a:r>
+              <a:rPr lang="en-IN" sz="1800" b="1" i="1" dirty="0" err="1"/>
+              <a:t>println</a:t>
+            </a:r>
+            <a:r>
+              <a:rPr lang="en-IN" sz="1800" b="1" i="1" dirty="0"/>
+              <a:t>);</a:t>
+            </a:r>
+            <a:endParaRPr lang="en-US" sz="1100" dirty="0"/>
+          </a:p>
+        </p:txBody>
+      </p:sp>
+    </p:spTree>
+    <p:extLst>
+      <p:ext uri="{BB962C8B-B14F-4D97-AF65-F5344CB8AC3E}">
+        <p14:creationId xmlns:p14="http://schemas.microsoft.com/office/powerpoint/2010/main" val="3582347090"/>
+      </p:ext>
+    </p:extLst>
+  </p:cSld>
+  <p:clrMapOvr>
+    <a:masterClrMapping/>
+  </p:clrMapOvr>
+  <p:timing>
+    <p:tnLst>
+      <p:par>
+        <p:cTn id="1" dur="indefinite" restart="never" nodeType="tmRoot">
+          <p:childTnLst>
+            <p:seq concurrent="1" nextAc="seek">
+              <p:cTn id="2" dur="indefinite" nodeType="mainSeq">
+                <p:childTnLst>
+                  <p:par>
+                    <p:cTn id="3" fill="hold">
+                      <p:stCondLst>
+                        <p:cond delay="indefinite"/>
+                      </p:stCondLst>
+                      <p:childTnLst>
+                        <p:par>
+                          <p:cTn id="4" fill="hold">
+                            <p:stCondLst>
+                              <p:cond delay="0"/>
+                            </p:stCondLst>
+                            <p:childTnLst>
+                              <p:par>
+                                <p:cTn id="5" presetID="1" presetClass="entr" presetSubtype="0" fill="hold" nodeType="clickEffect">
+                                  <p:stCondLst>
+                                    <p:cond delay="0"/>
+                                  </p:stCondLst>
+                                  <p:childTnLst>
+                                    <p:set>
+                                      <p:cBhvr>
+                                        <p:cTn id="6" dur="1" fill="hold">
+                                          <p:stCondLst>
+                                            <p:cond delay="0"/>
+                                          </p:stCondLst>
+                                        </p:cTn>
+                                        <p:tgtEl>
+                                          <p:spTgt spid="3">
+                                            <p:txEl>
+                                              <p:pRg st="1" end="1"/>
+                                            </p:txEl>
+                                          </p:spTgt>
+                                        </p:tgtEl>
+                                        <p:attrNameLst>
+                                          <p:attrName>style.visibility</p:attrName>
+                                        </p:attrNameLst>
+                                      </p:cBhvr>
+                                      <p:to>
+                                        <p:strVal val="visible"/>
+                                      </p:to>
+                                    </p:set>
+                                  </p:childTnLst>
+                                </p:cTn>
+                              </p:par>
+                              <p:par>
+                                <p:cTn id="7" presetID="1" presetClass="entr" presetSubtype="0" fill="hold" nodeType="withEffect">
+                                  <p:stCondLst>
+                                    <p:cond delay="0"/>
+                                  </p:stCondLst>
+                                  <p:childTnLst>
+                                    <p:set>
+                                      <p:cBhvr>
+                                        <p:cTn id="8" dur="1" fill="hold">
+                                          <p:stCondLst>
+                                            <p:cond delay="0"/>
+                                          </p:stCondLst>
+                                        </p:cTn>
+                                        <p:tgtEl>
+                                          <p:spTgt spid="3">
+                                            <p:txEl>
+                                              <p:pRg st="2" end="2"/>
+                                            </p:txEl>
+                                          </p:spTgt>
+                                        </p:tgtEl>
+                                        <p:attrNameLst>
+                                          <p:attrName>style.visibility</p:attrName>
+                                        </p:attrNameLst>
+                                      </p:cBhvr>
+                                      <p:to>
+                                        <p:strVal val="visible"/>
+                                      </p:to>
+                                    </p:set>
+                                  </p:childTnLst>
+                                </p:cTn>
+                              </p:par>
+                              <p:par>
+                                <p:cTn id="9" presetID="1" presetClass="entr" presetSubtype="0" fill="hold" nodeType="withEffect">
+                                  <p:stCondLst>
+                                    <p:cond delay="0"/>
+                                  </p:stCondLst>
+                                  <p:childTnLst>
+                                    <p:set>
+                                      <p:cBhvr>
+                                        <p:cTn id="10" dur="1" fill="hold">
+                                          <p:stCondLst>
+                                            <p:cond delay="0"/>
+                                          </p:stCondLst>
+                                        </p:cTn>
+                                        <p:tgtEl>
+                                          <p:spTgt spid="3">
+                                            <p:txEl>
+                                              <p:pRg st="3" end="3"/>
+                                            </p:txEl>
+                                          </p:spTgt>
+                                        </p:tgtEl>
+                                        <p:attrNameLst>
+                                          <p:attrName>style.visibility</p:attrName>
+                                        </p:attrNameLst>
+                                      </p:cBhvr>
+                                      <p:to>
+                                        <p:strVal val="visible"/>
+                                      </p:to>
+                                    </p:set>
+                                  </p:childTnLst>
+                                </p:cTn>
+                              </p:par>
+                            </p:childTnLst>
+                          </p:cTn>
+                        </p:par>
+                      </p:childTnLst>
+                    </p:cTn>
+                  </p:par>
+                  <p:par>
+                    <p:cTn id="11" fill="hold">
+                      <p:stCondLst>
+                        <p:cond delay="indefinite"/>
+                      </p:stCondLst>
+                      <p:childTnLst>
+                        <p:par>
+                          <p:cTn id="12" fill="hold">
+                            <p:stCondLst>
+                              <p:cond delay="0"/>
+                            </p:stCondLst>
+                            <p:childTnLst>
+                              <p:par>
+                                <p:cTn id="13" presetID="1" presetClass="entr" presetSubtype="0" fill="hold" nodeType="clickEffect">
+                                  <p:stCondLst>
+                                    <p:cond delay="0"/>
+                                  </p:stCondLst>
+                                  <p:childTnLst>
+                                    <p:set>
+                                      <p:cBhvr>
+                                        <p:cTn id="14" dur="1" fill="hold">
+                                          <p:stCondLst>
+                                            <p:cond delay="0"/>
+                                          </p:stCondLst>
+                                        </p:cTn>
+                                        <p:tgtEl>
+                                          <p:spTgt spid="3">
+                                            <p:txEl>
+                                              <p:pRg st="4" end="4"/>
+                                            </p:txEl>
+                                          </p:spTgt>
+                                        </p:tgtEl>
+                                        <p:attrNameLst>
+                                          <p:attrName>style.visibility</p:attrName>
+                                        </p:attrNameLst>
+                                      </p:cBhvr>
+                                      <p:to>
+                                        <p:strVal val="visible"/>
+                                      </p:to>
+                                    </p:set>
+                                  </p:childTnLst>
+                                </p:cTn>
+                              </p:par>
+                            </p:childTnLst>
+                          </p:cTn>
+                        </p:par>
+                      </p:childTnLst>
+                    </p:cTn>
+                  </p:par>
+                  <p:par>
+                    <p:cTn id="15" fill="hold">
+                      <p:stCondLst>
+                        <p:cond delay="indefinite"/>
+                      </p:stCondLst>
+                      <p:childTnLst>
+                        <p:par>
+                          <p:cTn id="16" fill="hold">
+                            <p:stCondLst>
+                              <p:cond delay="0"/>
+                            </p:stCondLst>
+                            <p:childTnLst>
+                              <p:par>
+                                <p:cTn id="17" presetID="1" presetClass="entr" presetSubtype="0" fill="hold" nodeType="clickEffect">
+                                  <p:stCondLst>
+                                    <p:cond delay="0"/>
+                                  </p:stCondLst>
+                                  <p:childTnLst>
+                                    <p:set>
+                                      <p:cBhvr>
+                                        <p:cTn id="18" dur="1" fill="hold">
+                                          <p:stCondLst>
+                                            <p:cond delay="0"/>
+                                          </p:stCondLst>
+                                        </p:cTn>
+                                        <p:tgtEl>
+                                          <p:spTgt spid="3">
+                                            <p:txEl>
+                                              <p:pRg st="5" end="5"/>
+                                            </p:txEl>
+                                          </p:spTgt>
+                                        </p:tgtEl>
+                                        <p:attrNameLst>
+                                          <p:attrName>style.visibility</p:attrName>
+                                        </p:attrNameLst>
+                                      </p:cBhvr>
+                                      <p:to>
+                                        <p:strVal val="visible"/>
+                                      </p:to>
+                                    </p:set>
+                                  </p:childTnLst>
+                                </p:cTn>
+                              </p:par>
+                            </p:childTnLst>
+                          </p:cTn>
+                        </p:par>
+                      </p:childTnLst>
+                    </p:cTn>
+                  </p:par>
+                  <p:par>
+                    <p:cTn id="19" fill="hold">
+                      <p:stCondLst>
+                        <p:cond delay="indefinite"/>
+                      </p:stCondLst>
+                      <p:childTnLst>
+                        <p:par>
+                          <p:cTn id="20" fill="hold">
+                            <p:stCondLst>
+                              <p:cond delay="0"/>
+                            </p:stCondLst>
+                            <p:childTnLst>
+                              <p:par>
+                                <p:cTn id="21" presetID="1" presetClass="entr" presetSubtype="0" fill="hold" nodeType="clickEffect">
+                                  <p:stCondLst>
+                                    <p:cond delay="0"/>
+                                  </p:stCondLst>
+                                  <p:childTnLst>
+                                    <p:set>
+                                      <p:cBhvr>
+                                        <p:cTn id="22" dur="1" fill="hold">
+                                          <p:stCondLst>
+                                            <p:cond delay="0"/>
+                                          </p:stCondLst>
+                                        </p:cTn>
+                                        <p:tgtEl>
+                                          <p:spTgt spid="3">
+                                            <p:txEl>
+                                              <p:pRg st="6" end="6"/>
+                                            </p:txEl>
+                                          </p:spTgt>
+                                        </p:tgtEl>
+                                        <p:attrNameLst>
+                                          <p:attrName>style.visibility</p:attrName>
+                                        </p:attrNameLst>
+                                      </p:cBhvr>
+                                      <p:to>
+                                        <p:strVal val="visible"/>
+                                      </p:to>
+                                    </p:set>
+                                  </p:childTnLst>
+                                </p:cTn>
+                              </p:par>
+                            </p:childTnLst>
+                          </p:cTn>
+                        </p:par>
+                      </p:childTnLst>
+                    </p:cTn>
+                  </p:par>
+                  <p:par>
+                    <p:cTn id="23" fill="hold">
+                      <p:stCondLst>
+                        <p:cond delay="indefinite"/>
+                      </p:stCondLst>
+                      <p:childTnLst>
+                        <p:par>
+                          <p:cTn id="24" fill="hold">
+                            <p:stCondLst>
+                              <p:cond delay="0"/>
+                            </p:stCondLst>
+                            <p:childTnLst>
+                              <p:par>
+                                <p:cTn id="25" presetID="1" presetClass="entr" presetSubtype="0" fill="hold" nodeType="clickEffect">
+                                  <p:stCondLst>
+                                    <p:cond delay="0"/>
+                                  </p:stCondLst>
+                                  <p:childTnLst>
+                                    <p:set>
+                                      <p:cBhvr>
+                                        <p:cTn id="26" dur="1" fill="hold">
+                                          <p:stCondLst>
+                                            <p:cond delay="0"/>
+                                          </p:stCondLst>
+                                        </p:cTn>
+                                        <p:tgtEl>
+                                          <p:spTgt spid="3">
+                                            <p:txEl>
+                                              <p:pRg st="7" end="7"/>
+                                            </p:txEl>
+                                          </p:spTgt>
+                                        </p:tgtEl>
+                                        <p:attrNameLst>
+                                          <p:attrName>style.visibility</p:attrName>
+                                        </p:attrNameLst>
+                                      </p:cBhvr>
+                                      <p:to>
+                                        <p:strVal val="visible"/>
+                                      </p:to>
+                                    </p:set>
+                                  </p:childTnLst>
+                                </p:cTn>
+                              </p:par>
+                            </p:childTnLst>
+                          </p:cTn>
+                        </p:par>
+                      </p:childTnLst>
+                    </p:cTn>
+                  </p:par>
+                  <p:par>
+                    <p:cTn id="27" fill="hold">
+                      <p:stCondLst>
+                        <p:cond delay="indefinite"/>
+                      </p:stCondLst>
+                      <p:childTnLst>
+                        <p:par>
+                          <p:cTn id="28" fill="hold">
+                            <p:stCondLst>
+                              <p:cond delay="0"/>
+                            </p:stCondLst>
+                            <p:childTnLst>
+                              <p:par>
+                                <p:cTn id="29" presetID="1" presetClass="entr" presetSubtype="0" fill="hold" nodeType="clickEffect">
+                                  <p:stCondLst>
+                                    <p:cond delay="0"/>
+                                  </p:stCondLst>
+                                  <p:childTnLst>
+                                    <p:set>
+                                      <p:cBhvr>
+                                        <p:cTn id="30" dur="1" fill="hold">
+                                          <p:stCondLst>
+                                            <p:cond delay="0"/>
+                                          </p:stCondLst>
+                                        </p:cTn>
+                                        <p:tgtEl>
+                                          <p:spTgt spid="3">
+                                            <p:txEl>
+                                              <p:pRg st="8" end="8"/>
+                                            </p:txEl>
+                                          </p:spTgt>
+                                        </p:tgtEl>
+                                        <p:attrNameLst>
+                                          <p:attrName>style.visibility</p:attrName>
+                                        </p:attrNameLst>
+                                      </p:cBhvr>
+                                      <p:to>
+                                        <p:strVal val="visible"/>
+                                      </p:to>
+                                    </p:set>
+                                  </p:childTnLst>
+                                </p:cTn>
+                              </p:par>
+                            </p:childTnLst>
+                          </p:cTn>
+                        </p:par>
+                      </p:childTnLst>
+                    </p:cTn>
+                  </p:par>
+                  <p:par>
+                    <p:cTn id="31" fill="hold">
+                      <p:stCondLst>
+                        <p:cond delay="indefinite"/>
+                      </p:stCondLst>
+                      <p:childTnLst>
+                        <p:par>
+                          <p:cTn id="32" fill="hold">
+                            <p:stCondLst>
+                              <p:cond delay="0"/>
+                            </p:stCondLst>
+                            <p:childTnLst>
+                              <p:par>
+                                <p:cTn id="33" presetID="1" presetClass="entr" presetSubtype="0" fill="hold" nodeType="clickEffect">
+                                  <p:stCondLst>
+                                    <p:cond delay="0"/>
+                                  </p:stCondLst>
+                                  <p:childTnLst>
+                                    <p:set>
+                                      <p:cBhvr>
+                                        <p:cTn id="34" dur="1" fill="hold">
+                                          <p:stCondLst>
+                                            <p:cond delay="0"/>
+                                          </p:stCondLst>
+                                        </p:cTn>
+                                        <p:tgtEl>
+                                          <p:spTgt spid="3">
+                                            <p:txEl>
+                                              <p:pRg st="9" end="9"/>
+                                            </p:txEl>
+                                          </p:spTgt>
+                                        </p:tgtEl>
+                                        <p:attrNameLst>
+                                          <p:attrName>style.visibility</p:attrName>
+                                        </p:attrNameLst>
+                                      </p:cBhvr>
+                                      <p:to>
+                                        <p:strVal val="visible"/>
+                                      </p:to>
+                                    </p:set>
+                                  </p:childTnLst>
+                                </p:cTn>
+                              </p:par>
+                            </p:childTnLst>
+                          </p:cTn>
+                        </p:par>
+                      </p:childTnLst>
+                    </p:cTn>
+                  </p:par>
+                  <p:par>
+                    <p:cTn id="35" fill="hold">
+                      <p:stCondLst>
+                        <p:cond delay="indefinite"/>
+                      </p:stCondLst>
+                      <p:childTnLst>
+                        <p:par>
+                          <p:cTn id="36" fill="hold">
+                            <p:stCondLst>
+                              <p:cond delay="0"/>
+                            </p:stCondLst>
+                            <p:childTnLst>
+                              <p:par>
+                                <p:cTn id="37" presetID="1" presetClass="entr" presetSubtype="0" fill="hold" nodeType="clickEffect">
+                                  <p:stCondLst>
+                                    <p:cond delay="0"/>
+                                  </p:stCondLst>
+                                  <p:childTnLst>
+                                    <p:set>
+                                      <p:cBhvr>
+                                        <p:cTn id="38" dur="1" fill="hold">
+                                          <p:stCondLst>
+                                            <p:cond delay="0"/>
+                                          </p:stCondLst>
+                                        </p:cTn>
+                                        <p:tgtEl>
+                                          <p:spTgt spid="3">
+                                            <p:txEl>
+                                              <p:pRg st="11" end="11"/>
+                                            </p:txEl>
+                                          </p:spTgt>
+                                        </p:tgtEl>
+                                        <p:attrNameLst>
+                                          <p:attrName>style.visibility</p:attrName>
+                                        </p:attrNameLst>
+                                      </p:cBhvr>
+                                      <p:to>
+                                        <p:strVal val="visible"/>
+                                      </p:to>
+                                    </p:set>
+                                  </p:childTnLst>
+                                </p:cTn>
+                              </p:par>
+                            </p:childTnLst>
+                          </p:cTn>
+                        </p:par>
+                      </p:childTnLst>
+                    </p:cTn>
+                  </p:par>
+                  <p:par>
+                    <p:cTn id="39" fill="hold">
+                      <p:stCondLst>
+                        <p:cond delay="indefinite"/>
+                      </p:stCondLst>
+                      <p:childTnLst>
+                        <p:par>
+                          <p:cTn id="40" fill="hold">
+                            <p:stCondLst>
+                              <p:cond delay="0"/>
+                            </p:stCondLst>
+                            <p:childTnLst>
+                              <p:par>
+                                <p:cTn id="41" presetID="1" presetClass="entr" presetSubtype="0" fill="hold" nodeType="clickEffect">
+                                  <p:stCondLst>
+                                    <p:cond delay="0"/>
+                                  </p:stCondLst>
+                                  <p:childTnLst>
+                                    <p:set>
+                                      <p:cBhvr>
+                                        <p:cTn id="42" dur="1" fill="hold">
+                                          <p:stCondLst>
+                                            <p:cond delay="0"/>
+                                          </p:stCondLst>
+                                        </p:cTn>
+                                        <p:tgtEl>
+                                          <p:spTgt spid="3">
+                                            <p:txEl>
+                                              <p:pRg st="12" end="12"/>
+                                            </p:txEl>
+                                          </p:spTgt>
+                                        </p:tgtEl>
+                                        <p:attrNameLst>
+                                          <p:attrName>style.visibility</p:attrName>
+                                        </p:attrNameLst>
+                                      </p:cBhvr>
+                                      <p:to>
+                                        <p:strVal val="visible"/>
+                                      </p:to>
+                                    </p:set>
+                                  </p:childTnLst>
+                                </p:cTn>
+                              </p:par>
+                            </p:childTnLst>
+                          </p:cTn>
+                        </p:par>
+                      </p:childTnLst>
+                    </p:cTn>
+                  </p:par>
+                  <p:par>
+                    <p:cTn id="43" fill="hold">
+                      <p:stCondLst>
+                        <p:cond delay="indefinite"/>
+                      </p:stCondLst>
+                      <p:childTnLst>
+                        <p:par>
+                          <p:cTn id="44" fill="hold">
+                            <p:stCondLst>
+                              <p:cond delay="0"/>
+                            </p:stCondLst>
+                            <p:childTnLst>
+                              <p:par>
+                                <p:cTn id="45" presetID="1" presetClass="entr" presetSubtype="0" fill="hold" nodeType="clickEffect">
+                                  <p:stCondLst>
+                                    <p:cond delay="0"/>
+                                  </p:stCondLst>
+                                  <p:childTnLst>
+                                    <p:set>
+                                      <p:cBhvr>
+                                        <p:cTn id="46" dur="1" fill="hold">
+                                          <p:stCondLst>
+                                            <p:cond delay="0"/>
+                                          </p:stCondLst>
+                                        </p:cTn>
+                                        <p:tgtEl>
+                                          <p:spTgt spid="3">
+                                            <p:txEl>
+                                              <p:pRg st="13" end="13"/>
+                                            </p:txEl>
+                                          </p:spTgt>
+                                        </p:tgtEl>
+                                        <p:attrNameLst>
+                                          <p:attrName>style.visibility</p:attrName>
+                                        </p:attrNameLst>
+                                      </p:cBhvr>
+                                      <p:to>
+                                        <p:strVal val="visible"/>
+                                      </p:to>
+                                    </p:set>
+                                  </p:childTnLst>
+                                </p:cTn>
+                              </p:par>
+                            </p:childTnLst>
+                          </p:cTn>
+                        </p:par>
+                      </p:childTnLst>
+                    </p:cTn>
+                  </p:par>
+                  <p:par>
+                    <p:cTn id="47" fill="hold">
+                      <p:stCondLst>
+                        <p:cond delay="indefinite"/>
+                      </p:stCondLst>
+                      <p:childTnLst>
+                        <p:par>
+                          <p:cTn id="48" fill="hold">
+                            <p:stCondLst>
+                              <p:cond delay="0"/>
+                            </p:stCondLst>
+                            <p:childTnLst>
+                              <p:par>
+                                <p:cTn id="49" presetID="1" presetClass="entr" presetSubtype="0" fill="hold" nodeType="clickEffect">
+                                  <p:stCondLst>
+                                    <p:cond delay="0"/>
+                                  </p:stCondLst>
+                                  <p:childTnLst>
+                                    <p:set>
+                                      <p:cBhvr>
+                                        <p:cTn id="50" dur="1" fill="hold">
+                                          <p:stCondLst>
+                                            <p:cond delay="0"/>
+                                          </p:stCondLst>
+                                        </p:cTn>
+                                        <p:tgtEl>
+                                          <p:spTgt spid="3">
+                                            <p:txEl>
+                                              <p:pRg st="14" end="14"/>
+                                            </p:txEl>
+                                          </p:spTgt>
+                                        </p:tgtEl>
+                                        <p:attrNameLst>
+                                          <p:attrName>style.visibility</p:attrName>
+                                        </p:attrNameLst>
+                                      </p:cBhvr>
+                                      <p:to>
+                                        <p:strVal val="visible"/>
+                                      </p:to>
+                                    </p:set>
+                                  </p:childTnLst>
+                                </p:cTn>
+                              </p:par>
+                            </p:childTnLst>
+                          </p:cTn>
+                        </p:par>
+                      </p:childTnLst>
+                    </p:cTn>
+                  </p:par>
+                </p:childTnLst>
+              </p:cTn>
+              <p:prevCondLst>
+                <p:cond evt="onPrev" delay="0">
+                  <p:tgtEl>
+                    <p:sldTgt/>
+                  </p:tgtEl>
+                </p:cond>
+              </p:prevCondLst>
+              <p:nextCondLst>
+                <p:cond evt="onNext" delay="0">
+                  <p:tgtEl>
+                    <p:sldTgt/>
+                  </p:tgtEl>
+                </p:cond>
+              </p:nextCondLst>
+            </p:seq>
+          </p:childTnLst>
+        </p:cTn>
+      </p:par>
+    </p:tnLst>
+  </p:timing>
+</p:sld>
+</file>
+
+<file path=ppt/slides/slide6.xml><?xml version="1.0" encoding="utf-8"?>
+<p:sld xmlns:a="http://schemas.openxmlformats.org/drawingml/2006/main" xmlns:r="http://schemas.openxmlformats.org/officeDocument/2006/relationships" xmlns:p="http://schemas.openxmlformats.org/presentationml/2006/main">
+  <p:cSld>
+    <p:spTree>
+      <p:nvGrpSpPr>
+        <p:cNvPr id="1" name=""/>
+        <p:cNvGrpSpPr/>
+        <p:nvPr/>
+      </p:nvGrpSpPr>
+      <p:grpSpPr>
+        <a:xfrm>
+          <a:off x="0" y="0"/>
+          <a:ext cx="0" cy="0"/>
+          <a:chOff x="0" y="0"/>
+          <a:chExt cx="0" cy="0"/>
+        </a:xfrm>
+      </p:grpSpPr>
+      <p:sp>
+        <p:nvSpPr>
+          <p:cNvPr id="3" name="Content Placeholder 2">
+            <a:extLst>
+              <a:ext uri="{FF2B5EF4-FFF2-40B4-BE49-F238E27FC236}">
+                <a16:creationId xmlns:a16="http://schemas.microsoft.com/office/drawing/2014/main" id="{162FF6D9-862C-44DE-BE0B-97CFA64F54A0}"/>
+              </a:ext>
+            </a:extLst>
+          </p:cNvPr>
+          <p:cNvSpPr>
+            <a:spLocks noGrp="1"/>
+          </p:cNvSpPr>
+          <p:nvPr>
+            <p:ph idx="1"/>
+          </p:nvPr>
+        </p:nvSpPr>
+        <p:spPr/>
+        <p:txBody>
+          <a:bodyPr/>
+          <a:lstStyle/>
+          <a:p>
+            <a:pPr marL="0" indent="0">
+              <a:buNone/>
+            </a:pPr>
+            <a:r>
+              <a:rPr lang="en-US" dirty="0"/>
+              <a:t>5. Creating  a stream from file using </a:t>
+            </a:r>
+            <a:r>
+              <a:rPr lang="en-US" dirty="0" err="1"/>
+              <a:t>Files.lines</a:t>
+            </a:r>
+            <a:r>
+              <a:rPr lang="en-US" dirty="0"/>
+              <a:t> method</a:t>
+            </a:r>
+          </a:p>
+          <a:p>
+            <a:pPr marL="0" indent="0">
+              <a:buNone/>
+            </a:pPr>
+            <a:endParaRPr lang="en-US" dirty="0"/>
+          </a:p>
+          <a:p>
+            <a:pPr marL="0" indent="0">
+              <a:buNone/>
+            </a:pPr>
+            <a:r>
+              <a:rPr lang="en-US" dirty="0"/>
+              <a:t>Stream&lt;String) stream=</a:t>
+            </a:r>
+            <a:r>
+              <a:rPr lang="en-US" dirty="0" err="1">
+                <a:solidFill>
+                  <a:srgbClr val="FF0000"/>
+                </a:solidFill>
+              </a:rPr>
+              <a:t>Files.lines</a:t>
+            </a:r>
+            <a:r>
+              <a:rPr lang="en-US" dirty="0"/>
+              <a:t>(</a:t>
+            </a:r>
+            <a:r>
+              <a:rPr lang="en-US" dirty="0" err="1"/>
+              <a:t>Paths.get</a:t>
+            </a:r>
+            <a:r>
+              <a:rPr lang="en-US" dirty="0"/>
+              <a:t>(filename));</a:t>
+            </a:r>
+            <a:endParaRPr lang="en-IN" dirty="0"/>
+          </a:p>
+        </p:txBody>
+      </p:sp>
+    </p:spTree>
+    <p:extLst>
+      <p:ext uri="{BB962C8B-B14F-4D97-AF65-F5344CB8AC3E}">
+        <p14:creationId xmlns:p14="http://schemas.microsoft.com/office/powerpoint/2010/main" val="2233552417"/>
+      </p:ext>
+    </p:extLst>
+  </p:cSld>
+  <p:clrMapOvr>
+    <a:masterClrMapping/>
+  </p:clrMapOvr>
+  <p:timing>
+    <p:tnLst>
+      <p:par>
+        <p:cTn id="1" dur="indefinite" restart="never" nodeType="tmRoot">
+          <p:childTnLst>
+            <p:seq concurrent="1" nextAc="seek">
+              <p:cTn id="2" dur="indefinite" nodeType="mainSeq">
+                <p:childTnLst>
+                  <p:par>
+                    <p:cTn id="3" fill="hold">
+                      <p:stCondLst>
+                        <p:cond delay="indefinite"/>
+                      </p:stCondLst>
+                      <p:childTnLst>
+                        <p:par>
+                          <p:cTn id="4" fill="hold">
+                            <p:stCondLst>
+                              <p:cond delay="0"/>
+                            </p:stCondLst>
+                            <p:childTnLst>
+                              <p:par>
+                                <p:cTn id="5" presetID="1" presetClass="entr" presetSubtype="0" fill="hold" nodeType="clickEffect">
+                                  <p:stCondLst>
+                                    <p:cond delay="0"/>
+                                  </p:stCondLst>
+                                  <p:childTnLst>
+                                    <p:set>
+                                      <p:cBhvr>
+                                        <p:cTn id="6" dur="1" fill="hold">
+                                          <p:stCondLst>
+                                            <p:cond delay="0"/>
+                                          </p:stCondLst>
+                                        </p:cTn>
+                                        <p:tgtEl>
+                                          <p:spTgt spid="3">
+                                            <p:txEl>
+                                              <p:pRg st="0" end="0"/>
+                                            </p:txEl>
+                                          </p:spTgt>
+                                        </p:tgtEl>
+                                        <p:attrNameLst>
+                                          <p:attrName>style.visibility</p:attrName>
+                                        </p:attrNameLst>
+                                      </p:cBhvr>
+                                      <p:to>
+                                        <p:strVal val="visible"/>
+                                      </p:to>
+                                    </p:set>
+                                  </p:childTnLst>
+                                </p:cTn>
+                              </p:par>
+                              <p:par>
+                                <p:cTn id="7" presetID="1" presetClass="entr" presetSubtype="0" fill="hold" nodeType="withEffect">
+                                  <p:stCondLst>
+                                    <p:cond delay="0"/>
+                                  </p:stCondLst>
+                                  <p:childTnLst>
+                                    <p:set>
+                                      <p:cBhvr>
+                                        <p:cTn id="8" dur="1" fill="hold">
+                                          <p:stCondLst>
+                                            <p:cond delay="0"/>
+                                          </p:stCondLst>
+                                        </p:cTn>
+                                        <p:tgtEl>
+                                          <p:spTgt spid="3">
+                                            <p:txEl>
+                                              <p:pRg st="2" end="2"/>
+                                            </p:txEl>
+                                          </p:spTgt>
+                                        </p:tgtEl>
+                                        <p:attrNameLst>
+                                          <p:attrName>style.visibility</p:attrName>
+                                        </p:attrNameLst>
+                                      </p:cBhvr>
+                                      <p:to>
+                                        <p:strVal val="visible"/>
+                                      </p:to>
+                                    </p:set>
+                                  </p:childTnLst>
+                                </p:cTn>
+                              </p:par>
+                            </p:childTnLst>
+                          </p:cTn>
+                        </p:par>
+                      </p:childTnLst>
+                    </p:cTn>
+                  </p:par>
                 </p:childTnLst>
               </p:cTn>
               <p:prevCondLst>

--- a/Java8/Lambda/Streams.pptx
+++ b/Java8/Lambda/Streams.pptx
@@ -11,6 +11,9 @@
     <p:sldId id="259" r:id="rId5"/>
     <p:sldId id="260" r:id="rId6"/>
     <p:sldId id="261" r:id="rId7"/>
+    <p:sldId id="262" r:id="rId8"/>
+    <p:sldId id="263" r:id="rId9"/>
+    <p:sldId id="264" r:id="rId10"/>
   </p:sldIdLst>
   <p:sldSz cx="12192000" cy="6858000"/>
   <p:notesSz cx="6858000" cy="9144000"/>
@@ -6190,6 +6193,1135 @@
 </p:sld>
 </file>
 
+<file path=ppt/slides/slide7.xml><?xml version="1.0" encoding="utf-8"?>
+<p:sld xmlns:a="http://schemas.openxmlformats.org/drawingml/2006/main" xmlns:r="http://schemas.openxmlformats.org/officeDocument/2006/relationships" xmlns:p="http://schemas.openxmlformats.org/presentationml/2006/main">
+  <p:cSld>
+    <p:spTree>
+      <p:nvGrpSpPr>
+        <p:cNvPr id="1" name=""/>
+        <p:cNvGrpSpPr/>
+        <p:nvPr/>
+      </p:nvGrpSpPr>
+      <p:grpSpPr>
+        <a:xfrm>
+          <a:off x="0" y="0"/>
+          <a:ext cx="0" cy="0"/>
+          <a:chOff x="0" y="0"/>
+          <a:chExt cx="0" cy="0"/>
+        </a:xfrm>
+      </p:grpSpPr>
+      <p:sp>
+        <p:nvSpPr>
+          <p:cNvPr id="3" name="Content Placeholder 2">
+            <a:extLst>
+              <a:ext uri="{FF2B5EF4-FFF2-40B4-BE49-F238E27FC236}">
+                <a16:creationId xmlns:a16="http://schemas.microsoft.com/office/drawing/2014/main" id="{A5B175E1-F8CB-4C09-976A-1095D6BE15FE}"/>
+              </a:ext>
+            </a:extLst>
+          </p:cNvPr>
+          <p:cNvSpPr>
+            <a:spLocks noGrp="1"/>
+          </p:cNvSpPr>
+          <p:nvPr>
+            <p:ph idx="1"/>
+          </p:nvPr>
+        </p:nvSpPr>
+        <p:spPr>
+          <a:xfrm>
+            <a:off x="838200" y="358219"/>
+            <a:ext cx="10515600" cy="5818744"/>
+          </a:xfrm>
+        </p:spPr>
+        <p:txBody>
+          <a:bodyPr>
+            <a:normAutofit/>
+          </a:bodyPr>
+          <a:lstStyle/>
+          <a:p>
+            <a:r>
+              <a:rPr lang="en-US" dirty="0"/>
+              <a:t>Why streams instead of collections?</a:t>
+            </a:r>
+          </a:p>
+          <a:p>
+            <a:r>
+              <a:rPr lang="en-US" dirty="0"/>
+              <a:t>Ans:- 1.Pipeline usage 2. They are lazy</a:t>
+            </a:r>
+          </a:p>
+          <a:p>
+            <a:pPr marL="514350" indent="-514350">
+              <a:buFont typeface="+mj-lt"/>
+              <a:buAutoNum type="arabicPeriod"/>
+            </a:pPr>
+            <a:r>
+              <a:rPr lang="en-US" dirty="0"/>
+              <a:t>Pipelines:- </a:t>
+            </a:r>
+            <a:br>
+              <a:rPr lang="en-US" dirty="0"/>
+            </a:br>
+            <a:r>
+              <a:rPr lang="en-US" sz="1900" dirty="0" err="1"/>
+              <a:t>Arrays.asList</a:t>
+            </a:r>
+            <a:r>
+              <a:rPr lang="en-US" sz="1900" dirty="0"/>
+              <a:t>(“</a:t>
+            </a:r>
+            <a:r>
+              <a:rPr lang="en-US" sz="1900" dirty="0" err="1"/>
+              <a:t>Boi</a:t>
+            </a:r>
+            <a:r>
+              <a:rPr lang="en-US" sz="1900" dirty="0"/>
+              <a:t>”,”Hello”).stream().filter(s-</a:t>
+            </a:r>
+            <a:r>
+              <a:rPr lang="en-US" sz="1900" dirty="0" err="1"/>
+              <a:t>s.startswith</a:t>
+            </a:r>
+            <a:r>
+              <a:rPr lang="en-US" sz="1900" dirty="0"/>
+              <a:t>(“B”)).filter(s-</a:t>
+            </a:r>
+            <a:r>
+              <a:rPr lang="en-US" sz="1900" dirty="0" err="1"/>
+              <a:t>s.length</a:t>
+            </a:r>
+            <a:r>
+              <a:rPr lang="en-US" sz="1900" dirty="0"/>
+              <a:t>()&gt;5).foreach(</a:t>
+            </a:r>
+            <a:r>
+              <a:rPr lang="en-US" sz="1900" dirty="0" err="1"/>
+              <a:t>System.out</a:t>
+            </a:r>
+            <a:r>
+              <a:rPr lang="en-US" sz="1900" dirty="0"/>
+              <a:t>::</a:t>
+            </a:r>
+            <a:r>
+              <a:rPr lang="en-US" sz="1900" dirty="0" err="1"/>
+              <a:t>println</a:t>
+            </a:r>
+            <a:r>
+              <a:rPr lang="en-US" sz="1900" dirty="0"/>
+              <a:t>);</a:t>
+            </a:r>
+          </a:p>
+          <a:p>
+            <a:pPr marL="457200" lvl="1" indent="0">
+              <a:buNone/>
+            </a:pPr>
+            <a:r>
+              <a:rPr lang="en-US" sz="1900" dirty="0"/>
+              <a:t>Here above , we can see we have 2 intermediate operations on stream. These 2 operations runs sequentially and </a:t>
+            </a:r>
+            <a:r>
+              <a:rPr lang="en-US" sz="1900" dirty="0" err="1"/>
+              <a:t>parall</a:t>
+            </a:r>
+            <a:r>
+              <a:rPr lang="en-US" sz="1900" dirty="0"/>
+              <a:t> too. Data keeps flowing from left to right at each intermediate step. Its called a pipeline or assembly line. It makes processing faster and this also helps to achieve parallel programming which we will see later.</a:t>
+            </a:r>
+          </a:p>
+          <a:p>
+            <a:pPr marL="514350" indent="-514350">
+              <a:buFont typeface="+mj-lt"/>
+              <a:buAutoNum type="arabicPeriod"/>
+            </a:pPr>
+            <a:endParaRPr lang="en-US" dirty="0"/>
+          </a:p>
+          <a:p>
+            <a:pPr marL="514350" indent="-514350">
+              <a:buFont typeface="+mj-lt"/>
+              <a:buAutoNum type="arabicPeriod"/>
+            </a:pPr>
+            <a:r>
+              <a:rPr lang="en-US" sz="2800" dirty="0"/>
+              <a:t>Lazy</a:t>
+            </a:r>
+          </a:p>
+          <a:p>
+            <a:pPr marL="0" indent="0">
+              <a:buNone/>
+            </a:pPr>
+            <a:r>
+              <a:rPr lang="en-US" sz="2000" dirty="0"/>
+              <a:t>	Until we define any terminal operation on stream, no data flows through stream as streams don’t contain any data on their own.</a:t>
+            </a:r>
+          </a:p>
+          <a:p>
+            <a:pPr marL="514350" indent="-514350">
+              <a:buFont typeface="+mj-lt"/>
+              <a:buAutoNum type="arabicPeriod"/>
+            </a:pPr>
+            <a:endParaRPr lang="en-US" dirty="0"/>
+          </a:p>
+          <a:p>
+            <a:pPr marL="514350" indent="-514350">
+              <a:buFont typeface="+mj-lt"/>
+              <a:buAutoNum type="arabicPeriod"/>
+            </a:pPr>
+            <a:endParaRPr lang="en-US" dirty="0"/>
+          </a:p>
+          <a:p>
+            <a:pPr marL="0" indent="0">
+              <a:buNone/>
+            </a:pPr>
+            <a:endParaRPr lang="en-US" dirty="0"/>
+          </a:p>
+          <a:p>
+            <a:pPr marL="0" indent="0">
+              <a:buNone/>
+            </a:pPr>
+            <a:endParaRPr lang="en-US" sz="3600" dirty="0"/>
+          </a:p>
+        </p:txBody>
+      </p:sp>
+    </p:spTree>
+    <p:extLst>
+      <p:ext uri="{BB962C8B-B14F-4D97-AF65-F5344CB8AC3E}">
+        <p14:creationId xmlns:p14="http://schemas.microsoft.com/office/powerpoint/2010/main" val="4038797144"/>
+      </p:ext>
+    </p:extLst>
+  </p:cSld>
+  <p:clrMapOvr>
+    <a:masterClrMapping/>
+  </p:clrMapOvr>
+  <p:timing>
+    <p:tnLst>
+      <p:par>
+        <p:cTn id="1" dur="indefinite" restart="never" nodeType="tmRoot">
+          <p:childTnLst>
+            <p:seq concurrent="1" nextAc="seek">
+              <p:cTn id="2" dur="indefinite" nodeType="mainSeq">
+                <p:childTnLst>
+                  <p:par>
+                    <p:cTn id="3" fill="hold">
+                      <p:stCondLst>
+                        <p:cond delay="indefinite"/>
+                      </p:stCondLst>
+                      <p:childTnLst>
+                        <p:par>
+                          <p:cTn id="4" fill="hold">
+                            <p:stCondLst>
+                              <p:cond delay="0"/>
+                            </p:stCondLst>
+                            <p:childTnLst>
+                              <p:par>
+                                <p:cTn id="5" presetID="1" presetClass="entr" presetSubtype="0" fill="hold" nodeType="clickEffect">
+                                  <p:stCondLst>
+                                    <p:cond delay="0"/>
+                                  </p:stCondLst>
+                                  <p:childTnLst>
+                                    <p:set>
+                                      <p:cBhvr>
+                                        <p:cTn id="6" dur="1" fill="hold">
+                                          <p:stCondLst>
+                                            <p:cond delay="0"/>
+                                          </p:stCondLst>
+                                        </p:cTn>
+                                        <p:tgtEl>
+                                          <p:spTgt spid="3">
+                                            <p:txEl>
+                                              <p:pRg st="1" end="1"/>
+                                            </p:txEl>
+                                          </p:spTgt>
+                                        </p:tgtEl>
+                                        <p:attrNameLst>
+                                          <p:attrName>style.visibility</p:attrName>
+                                        </p:attrNameLst>
+                                      </p:cBhvr>
+                                      <p:to>
+                                        <p:strVal val="visible"/>
+                                      </p:to>
+                                    </p:set>
+                                  </p:childTnLst>
+                                </p:cTn>
+                              </p:par>
+                            </p:childTnLst>
+                          </p:cTn>
+                        </p:par>
+                      </p:childTnLst>
+                    </p:cTn>
+                  </p:par>
+                  <p:par>
+                    <p:cTn id="7" fill="hold">
+                      <p:stCondLst>
+                        <p:cond delay="indefinite"/>
+                      </p:stCondLst>
+                      <p:childTnLst>
+                        <p:par>
+                          <p:cTn id="8" fill="hold">
+                            <p:stCondLst>
+                              <p:cond delay="0"/>
+                            </p:stCondLst>
+                            <p:childTnLst>
+                              <p:par>
+                                <p:cTn id="9" presetID="1" presetClass="entr" presetSubtype="0" fill="hold" nodeType="clickEffect">
+                                  <p:stCondLst>
+                                    <p:cond delay="0"/>
+                                  </p:stCondLst>
+                                  <p:childTnLst>
+                                    <p:set>
+                                      <p:cBhvr>
+                                        <p:cTn id="10" dur="1" fill="hold">
+                                          <p:stCondLst>
+                                            <p:cond delay="0"/>
+                                          </p:stCondLst>
+                                        </p:cTn>
+                                        <p:tgtEl>
+                                          <p:spTgt spid="3">
+                                            <p:txEl>
+                                              <p:pRg st="2" end="2"/>
+                                            </p:txEl>
+                                          </p:spTgt>
+                                        </p:tgtEl>
+                                        <p:attrNameLst>
+                                          <p:attrName>style.visibility</p:attrName>
+                                        </p:attrNameLst>
+                                      </p:cBhvr>
+                                      <p:to>
+                                        <p:strVal val="visible"/>
+                                      </p:to>
+                                    </p:set>
+                                  </p:childTnLst>
+                                </p:cTn>
+                              </p:par>
+                              <p:par>
+                                <p:cTn id="11" presetID="1" presetClass="entr" presetSubtype="0" fill="hold" nodeType="withEffect">
+                                  <p:stCondLst>
+                                    <p:cond delay="0"/>
+                                  </p:stCondLst>
+                                  <p:childTnLst>
+                                    <p:set>
+                                      <p:cBhvr>
+                                        <p:cTn id="12" dur="1" fill="hold">
+                                          <p:stCondLst>
+                                            <p:cond delay="0"/>
+                                          </p:stCondLst>
+                                        </p:cTn>
+                                        <p:tgtEl>
+                                          <p:spTgt spid="3">
+                                            <p:txEl>
+                                              <p:pRg st="3" end="3"/>
+                                            </p:txEl>
+                                          </p:spTgt>
+                                        </p:tgtEl>
+                                        <p:attrNameLst>
+                                          <p:attrName>style.visibility</p:attrName>
+                                        </p:attrNameLst>
+                                      </p:cBhvr>
+                                      <p:to>
+                                        <p:strVal val="visible"/>
+                                      </p:to>
+                                    </p:set>
+                                  </p:childTnLst>
+                                </p:cTn>
+                              </p:par>
+                            </p:childTnLst>
+                          </p:cTn>
+                        </p:par>
+                      </p:childTnLst>
+                    </p:cTn>
+                  </p:par>
+                  <p:par>
+                    <p:cTn id="13" fill="hold">
+                      <p:stCondLst>
+                        <p:cond delay="indefinite"/>
+                      </p:stCondLst>
+                      <p:childTnLst>
+                        <p:par>
+                          <p:cTn id="14" fill="hold">
+                            <p:stCondLst>
+                              <p:cond delay="0"/>
+                            </p:stCondLst>
+                            <p:childTnLst>
+                              <p:par>
+                                <p:cTn id="15" presetID="1" presetClass="entr" presetSubtype="0" fill="hold" nodeType="clickEffect">
+                                  <p:stCondLst>
+                                    <p:cond delay="0"/>
+                                  </p:stCondLst>
+                                  <p:childTnLst>
+                                    <p:set>
+                                      <p:cBhvr>
+                                        <p:cTn id="16" dur="1" fill="hold">
+                                          <p:stCondLst>
+                                            <p:cond delay="0"/>
+                                          </p:stCondLst>
+                                        </p:cTn>
+                                        <p:tgtEl>
+                                          <p:spTgt spid="3">
+                                            <p:txEl>
+                                              <p:pRg st="5" end="5"/>
+                                            </p:txEl>
+                                          </p:spTgt>
+                                        </p:tgtEl>
+                                        <p:attrNameLst>
+                                          <p:attrName>style.visibility</p:attrName>
+                                        </p:attrNameLst>
+                                      </p:cBhvr>
+                                      <p:to>
+                                        <p:strVal val="visible"/>
+                                      </p:to>
+                                    </p:set>
+                                  </p:childTnLst>
+                                </p:cTn>
+                              </p:par>
+                              <p:par>
+                                <p:cTn id="17" presetID="1" presetClass="entr" presetSubtype="0" fill="hold" nodeType="withEffect">
+                                  <p:stCondLst>
+                                    <p:cond delay="0"/>
+                                  </p:stCondLst>
+                                  <p:childTnLst>
+                                    <p:set>
+                                      <p:cBhvr>
+                                        <p:cTn id="18" dur="1" fill="hold">
+                                          <p:stCondLst>
+                                            <p:cond delay="0"/>
+                                          </p:stCondLst>
+                                        </p:cTn>
+                                        <p:tgtEl>
+                                          <p:spTgt spid="3">
+                                            <p:txEl>
+                                              <p:pRg st="6" end="6"/>
+                                            </p:txEl>
+                                          </p:spTgt>
+                                        </p:tgtEl>
+                                        <p:attrNameLst>
+                                          <p:attrName>style.visibility</p:attrName>
+                                        </p:attrNameLst>
+                                      </p:cBhvr>
+                                      <p:to>
+                                        <p:strVal val="visible"/>
+                                      </p:to>
+                                    </p:set>
+                                  </p:childTnLst>
+                                </p:cTn>
+                              </p:par>
+                            </p:childTnLst>
+                          </p:cTn>
+                        </p:par>
+                      </p:childTnLst>
+                    </p:cTn>
+                  </p:par>
+                </p:childTnLst>
+              </p:cTn>
+              <p:prevCondLst>
+                <p:cond evt="onPrev" delay="0">
+                  <p:tgtEl>
+                    <p:sldTgt/>
+                  </p:tgtEl>
+                </p:cond>
+              </p:prevCondLst>
+              <p:nextCondLst>
+                <p:cond evt="onNext" delay="0">
+                  <p:tgtEl>
+                    <p:sldTgt/>
+                  </p:tgtEl>
+                </p:cond>
+              </p:nextCondLst>
+            </p:seq>
+          </p:childTnLst>
+        </p:cTn>
+      </p:par>
+    </p:tnLst>
+  </p:timing>
+</p:sld>
+</file>
+
+<file path=ppt/slides/slide8.xml><?xml version="1.0" encoding="utf-8"?>
+<p:sld xmlns:a="http://schemas.openxmlformats.org/drawingml/2006/main" xmlns:r="http://schemas.openxmlformats.org/officeDocument/2006/relationships" xmlns:p="http://schemas.openxmlformats.org/presentationml/2006/main">
+  <p:cSld>
+    <p:spTree>
+      <p:nvGrpSpPr>
+        <p:cNvPr id="1" name=""/>
+        <p:cNvGrpSpPr/>
+        <p:nvPr/>
+      </p:nvGrpSpPr>
+      <p:grpSpPr>
+        <a:xfrm>
+          <a:off x="0" y="0"/>
+          <a:ext cx="0" cy="0"/>
+          <a:chOff x="0" y="0"/>
+          <a:chExt cx="0" cy="0"/>
+        </a:xfrm>
+      </p:grpSpPr>
+      <p:sp>
+        <p:nvSpPr>
+          <p:cNvPr id="3" name="Content Placeholder 2">
+            <a:extLst>
+              <a:ext uri="{FF2B5EF4-FFF2-40B4-BE49-F238E27FC236}">
+                <a16:creationId xmlns:a16="http://schemas.microsoft.com/office/drawing/2014/main" id="{4149DE74-FD66-42CD-AD5C-C29D953F4DBE}"/>
+              </a:ext>
+            </a:extLst>
+          </p:cNvPr>
+          <p:cNvSpPr>
+            <a:spLocks noGrp="1"/>
+          </p:cNvSpPr>
+          <p:nvPr>
+            <p:ph idx="1"/>
+          </p:nvPr>
+        </p:nvSpPr>
+        <p:spPr>
+          <a:xfrm>
+            <a:off x="838200" y="395926"/>
+            <a:ext cx="10515600" cy="5781037"/>
+          </a:xfrm>
+        </p:spPr>
+        <p:txBody>
+          <a:bodyPr/>
+          <a:lstStyle/>
+          <a:p>
+            <a:r>
+              <a:rPr lang="en-US" dirty="0"/>
+              <a:t>Operating inside a stream using map() method and peek() method</a:t>
+            </a:r>
+          </a:p>
+          <a:p>
+            <a:endParaRPr lang="en-US" dirty="0"/>
+          </a:p>
+          <a:p>
+            <a:pPr marL="514350" indent="-514350">
+              <a:buFont typeface="+mj-lt"/>
+              <a:buAutoNum type="arabicPeriod"/>
+            </a:pPr>
+            <a:r>
+              <a:rPr lang="en-US" sz="2000" dirty="0"/>
+              <a:t>The Map filter reduce is an abstraction for elements that operate on sequence of elements</a:t>
+            </a:r>
+          </a:p>
+          <a:p>
+            <a:pPr marL="514350" indent="-514350">
+              <a:buFont typeface="+mj-lt"/>
+              <a:buAutoNum type="arabicPeriod"/>
+            </a:pPr>
+            <a:r>
+              <a:rPr lang="en-US" sz="2000" dirty="0"/>
+              <a:t>Here  </a:t>
+            </a:r>
+            <a:br>
+              <a:rPr lang="en-US" sz="2000" dirty="0"/>
+            </a:br>
+            <a:r>
+              <a:rPr lang="en-US" sz="2000" dirty="0"/>
+              <a:t>Map:-&gt; does mapping operation</a:t>
+            </a:r>
+            <a:r>
+              <a:rPr lang="en-US" sz="2000" dirty="0">
+                <a:solidFill>
+                  <a:srgbClr val="FF0000"/>
+                </a:solidFill>
+              </a:rPr>
+              <a:t>(intermediate operation)</a:t>
+            </a:r>
+            <a:br>
+              <a:rPr lang="en-US" sz="2000" dirty="0">
+                <a:solidFill>
+                  <a:srgbClr val="FF0000"/>
+                </a:solidFill>
+              </a:rPr>
+            </a:br>
+            <a:r>
+              <a:rPr lang="en-US" sz="2000" dirty="0"/>
+              <a:t>Filter-&gt; does filtering operation </a:t>
+            </a:r>
+            <a:r>
+              <a:rPr lang="en-US" sz="2000" dirty="0">
+                <a:solidFill>
+                  <a:srgbClr val="FF0000"/>
+                </a:solidFill>
+              </a:rPr>
+              <a:t>(intermediate operation)</a:t>
+            </a:r>
+            <a:br>
+              <a:rPr lang="en-US" sz="2000" dirty="0"/>
+            </a:br>
+            <a:r>
+              <a:rPr lang="en-US" sz="2000" dirty="0"/>
+              <a:t>Reduce-&gt; perform terminal operation</a:t>
+            </a:r>
+          </a:p>
+          <a:p>
+            <a:pPr marL="514350" indent="-514350">
+              <a:buFont typeface="+mj-lt"/>
+              <a:buAutoNum type="arabicPeriod"/>
+            </a:pPr>
+            <a:r>
+              <a:rPr lang="en-US" sz="2000" dirty="0"/>
+              <a:t>Mapping transforms an element in a stream from one value to other.</a:t>
+            </a:r>
+            <a:br>
+              <a:rPr lang="en-US" sz="2000" dirty="0"/>
+            </a:br>
+            <a:r>
+              <a:rPr lang="en-US" sz="2000" dirty="0" err="1">
+                <a:solidFill>
+                  <a:srgbClr val="FF0000"/>
+                </a:solidFill>
+              </a:rPr>
+              <a:t>OutputValue</a:t>
+            </a:r>
+            <a:r>
+              <a:rPr lang="en-US" sz="2000" dirty="0"/>
+              <a:t> map(</a:t>
+            </a:r>
+            <a:r>
+              <a:rPr lang="en-US" sz="2000" dirty="0" err="1">
+                <a:solidFill>
+                  <a:srgbClr val="FF0000"/>
+                </a:solidFill>
+              </a:rPr>
+              <a:t>FunctionI</a:t>
+            </a:r>
+            <a:r>
+              <a:rPr lang="en-US" sz="2000" dirty="0" err="1"/>
+              <a:t>nput</a:t>
+            </a:r>
+            <a:r>
+              <a:rPr lang="en-US" sz="2000" dirty="0"/>
+              <a:t>) method. </a:t>
+            </a:r>
+          </a:p>
+          <a:p>
+            <a:pPr marL="514350" indent="-514350">
+              <a:buFont typeface="+mj-lt"/>
+              <a:buAutoNum type="arabicPeriod"/>
+            </a:pPr>
+            <a:r>
+              <a:rPr lang="en-US" sz="2000" dirty="0"/>
+              <a:t>Filter takes a </a:t>
+            </a:r>
+            <a:r>
+              <a:rPr lang="en-US" sz="2000" dirty="0">
+                <a:solidFill>
+                  <a:srgbClr val="FF0000"/>
+                </a:solidFill>
+              </a:rPr>
+              <a:t>predicate , </a:t>
+            </a:r>
+            <a:r>
+              <a:rPr lang="en-US" sz="2000" dirty="0"/>
+              <a:t>and passes stream value to next intermediate operation if result is true</a:t>
+            </a:r>
+          </a:p>
+          <a:p>
+            <a:pPr marL="514350" indent="-514350">
+              <a:buFont typeface="+mj-lt"/>
+              <a:buAutoNum type="arabicPeriod"/>
+            </a:pPr>
+            <a:endParaRPr lang="en-US" sz="2000" dirty="0"/>
+          </a:p>
+        </p:txBody>
+      </p:sp>
+    </p:spTree>
+    <p:extLst>
+      <p:ext uri="{BB962C8B-B14F-4D97-AF65-F5344CB8AC3E}">
+        <p14:creationId xmlns:p14="http://schemas.microsoft.com/office/powerpoint/2010/main" val="1428189796"/>
+      </p:ext>
+    </p:extLst>
+  </p:cSld>
+  <p:clrMapOvr>
+    <a:masterClrMapping/>
+  </p:clrMapOvr>
+</p:sld>
+</file>
+
+<file path=ppt/slides/slide9.xml><?xml version="1.0" encoding="utf-8"?>
+<p:sld xmlns:a="http://schemas.openxmlformats.org/drawingml/2006/main" xmlns:r="http://schemas.openxmlformats.org/officeDocument/2006/relationships" xmlns:p="http://schemas.openxmlformats.org/presentationml/2006/main">
+  <p:cSld>
+    <p:spTree>
+      <p:nvGrpSpPr>
+        <p:cNvPr id="1" name=""/>
+        <p:cNvGrpSpPr/>
+        <p:nvPr/>
+      </p:nvGrpSpPr>
+      <p:grpSpPr>
+        <a:xfrm>
+          <a:off x="0" y="0"/>
+          <a:ext cx="0" cy="0"/>
+          <a:chOff x="0" y="0"/>
+          <a:chExt cx="0" cy="0"/>
+        </a:xfrm>
+      </p:grpSpPr>
+      <p:sp>
+        <p:nvSpPr>
+          <p:cNvPr id="2" name="Title 1">
+            <a:extLst>
+              <a:ext uri="{FF2B5EF4-FFF2-40B4-BE49-F238E27FC236}">
+                <a16:creationId xmlns:a16="http://schemas.microsoft.com/office/drawing/2014/main" id="{5D72D7F5-A7A5-44AC-834C-5C8BE6C4E5B8}"/>
+              </a:ext>
+            </a:extLst>
+          </p:cNvPr>
+          <p:cNvSpPr>
+            <a:spLocks noGrp="1"/>
+          </p:cNvSpPr>
+          <p:nvPr>
+            <p:ph type="title"/>
+          </p:nvPr>
+        </p:nvSpPr>
+        <p:spPr/>
+        <p:txBody>
+          <a:bodyPr/>
+          <a:lstStyle/>
+          <a:p>
+            <a:r>
+              <a:rPr lang="en-US" dirty="0"/>
+              <a:t>Peek() method</a:t>
+            </a:r>
+            <a:endParaRPr lang="en-IN" dirty="0"/>
+          </a:p>
+        </p:txBody>
+      </p:sp>
+      <p:sp>
+        <p:nvSpPr>
+          <p:cNvPr id="3" name="Content Placeholder 2">
+            <a:extLst>
+              <a:ext uri="{FF2B5EF4-FFF2-40B4-BE49-F238E27FC236}">
+                <a16:creationId xmlns:a16="http://schemas.microsoft.com/office/drawing/2014/main" id="{817C3E68-C9E0-4EE0-80E9-5A29847E5ED7}"/>
+              </a:ext>
+            </a:extLst>
+          </p:cNvPr>
+          <p:cNvSpPr>
+            <a:spLocks noGrp="1"/>
+          </p:cNvSpPr>
+          <p:nvPr>
+            <p:ph idx="1"/>
+          </p:nvPr>
+        </p:nvSpPr>
+        <p:spPr/>
+        <p:txBody>
+          <a:bodyPr>
+            <a:normAutofit fontScale="92500" lnSpcReduction="10000"/>
+          </a:bodyPr>
+          <a:lstStyle/>
+          <a:p>
+            <a:r>
+              <a:rPr lang="en-US" dirty="0"/>
+              <a:t>The peek method allows us to peek into the stream as elements flow by in.</a:t>
+            </a:r>
+          </a:p>
+          <a:p>
+            <a:r>
+              <a:rPr lang="en-US" dirty="0"/>
+              <a:t>It takes a consumer and </a:t>
+            </a:r>
+            <a:r>
+              <a:rPr lang="en-US" dirty="0">
+                <a:solidFill>
+                  <a:srgbClr val="FF0000"/>
+                </a:solidFill>
+              </a:rPr>
+              <a:t>produces the same exact stream</a:t>
+            </a:r>
+            <a:r>
+              <a:rPr lang="en-US" dirty="0"/>
+              <a:t>. It can’t modify anything inside stream.</a:t>
+            </a:r>
+          </a:p>
+          <a:p>
+            <a:pPr algn="l"/>
+            <a:r>
+              <a:rPr lang="en-US" sz="1800" dirty="0">
+                <a:solidFill>
+                  <a:srgbClr val="000000"/>
+                </a:solidFill>
+                <a:latin typeface="Consolas" panose="020B0609020204030204" pitchFamily="49" charset="0"/>
+              </a:rPr>
+              <a:t>Stream&lt;Integer&gt; </a:t>
+            </a:r>
+            <a:r>
+              <a:rPr lang="en-US" sz="1800" dirty="0" err="1">
+                <a:solidFill>
+                  <a:srgbClr val="6A3E3E"/>
+                </a:solidFill>
+                <a:latin typeface="Consolas" panose="020B0609020204030204" pitchFamily="49" charset="0"/>
+              </a:rPr>
+              <a:t>myStream</a:t>
+            </a:r>
+            <a:r>
+              <a:rPr lang="en-US" sz="1800" dirty="0">
+                <a:solidFill>
+                  <a:srgbClr val="000000"/>
+                </a:solidFill>
+                <a:latin typeface="Consolas" panose="020B0609020204030204" pitchFamily="49" charset="0"/>
+              </a:rPr>
+              <a:t>=</a:t>
+            </a:r>
+            <a:r>
+              <a:rPr lang="en-US" sz="1800" dirty="0" err="1">
+                <a:solidFill>
+                  <a:srgbClr val="000000"/>
+                </a:solidFill>
+                <a:latin typeface="Consolas" panose="020B0609020204030204" pitchFamily="49" charset="0"/>
+              </a:rPr>
+              <a:t>Stream.</a:t>
+            </a:r>
+            <a:r>
+              <a:rPr lang="en-US" sz="1800" i="1" dirty="0" err="1">
+                <a:solidFill>
+                  <a:srgbClr val="000000"/>
+                </a:solidFill>
+                <a:latin typeface="Consolas" panose="020B0609020204030204" pitchFamily="49" charset="0"/>
+              </a:rPr>
+              <a:t>of</a:t>
+            </a:r>
+            <a:r>
+              <a:rPr lang="en-US" sz="1800" i="1" dirty="0">
+                <a:solidFill>
+                  <a:srgbClr val="000000"/>
+                </a:solidFill>
+                <a:latin typeface="Consolas" panose="020B0609020204030204" pitchFamily="49" charset="0"/>
+              </a:rPr>
+              <a:t>(1,2);</a:t>
+            </a:r>
+          </a:p>
+          <a:p>
+            <a:pPr algn="l"/>
+            <a:r>
+              <a:rPr lang="en-IN" sz="1800" dirty="0" err="1">
+                <a:solidFill>
+                  <a:srgbClr val="6A3E3E"/>
+                </a:solidFill>
+                <a:latin typeface="Consolas" panose="020B0609020204030204" pitchFamily="49" charset="0"/>
+              </a:rPr>
+              <a:t>myStream</a:t>
+            </a:r>
+            <a:r>
+              <a:rPr lang="en-IN" sz="1800" dirty="0" err="1">
+                <a:solidFill>
+                  <a:srgbClr val="000000"/>
+                </a:solidFill>
+                <a:latin typeface="Consolas" panose="020B0609020204030204" pitchFamily="49" charset="0"/>
+              </a:rPr>
+              <a:t>.peek</a:t>
+            </a:r>
+            <a:r>
+              <a:rPr lang="en-IN" sz="1800" dirty="0">
+                <a:solidFill>
+                  <a:srgbClr val="000000"/>
+                </a:solidFill>
+                <a:latin typeface="Consolas" panose="020B0609020204030204" pitchFamily="49" charset="0"/>
+              </a:rPr>
+              <a:t>(</a:t>
+            </a:r>
+            <a:r>
+              <a:rPr lang="en-IN" sz="1800" dirty="0" err="1">
+                <a:solidFill>
+                  <a:srgbClr val="000000"/>
+                </a:solidFill>
+                <a:latin typeface="Consolas" panose="020B0609020204030204" pitchFamily="49" charset="0"/>
+              </a:rPr>
+              <a:t>System.</a:t>
+            </a:r>
+            <a:r>
+              <a:rPr lang="en-IN" sz="1800" b="1" i="1" dirty="0" err="1">
+                <a:solidFill>
+                  <a:srgbClr val="0000C0"/>
+                </a:solidFill>
+                <a:latin typeface="Consolas" panose="020B0609020204030204" pitchFamily="49" charset="0"/>
+              </a:rPr>
+              <a:t>out</a:t>
+            </a:r>
+            <a:r>
+              <a:rPr lang="en-IN" sz="1800" b="1" i="1" dirty="0">
+                <a:solidFill>
+                  <a:srgbClr val="000000"/>
+                </a:solidFill>
+                <a:latin typeface="Consolas" panose="020B0609020204030204" pitchFamily="49" charset="0"/>
+              </a:rPr>
+              <a:t>::</a:t>
+            </a:r>
+            <a:r>
+              <a:rPr lang="en-IN" sz="1800" b="1" i="1" dirty="0" err="1">
+                <a:solidFill>
+                  <a:srgbClr val="000000"/>
+                </a:solidFill>
+                <a:latin typeface="Consolas" panose="020B0609020204030204" pitchFamily="49" charset="0"/>
+              </a:rPr>
+              <a:t>println</a:t>
+            </a:r>
+            <a:r>
+              <a:rPr lang="en-IN" sz="1800" b="1" i="1" dirty="0">
+                <a:solidFill>
+                  <a:srgbClr val="000000"/>
+                </a:solidFill>
+                <a:latin typeface="Consolas" panose="020B0609020204030204" pitchFamily="49" charset="0"/>
+              </a:rPr>
+              <a:t>).map(</a:t>
+            </a:r>
+            <a:r>
+              <a:rPr lang="en-IN" sz="1800" b="1" i="1" dirty="0">
+                <a:solidFill>
+                  <a:srgbClr val="6A3E3E"/>
+                </a:solidFill>
+                <a:latin typeface="Consolas" panose="020B0609020204030204" pitchFamily="49" charset="0"/>
+              </a:rPr>
+              <a:t>n</a:t>
+            </a:r>
+            <a:r>
+              <a:rPr lang="en-IN" sz="1800" b="1" i="1" dirty="0">
+                <a:solidFill>
+                  <a:srgbClr val="000000"/>
+                </a:solidFill>
+                <a:latin typeface="Consolas" panose="020B0609020204030204" pitchFamily="49" charset="0"/>
+              </a:rPr>
+              <a:t>-&gt; </a:t>
+            </a:r>
+            <a:r>
+              <a:rPr lang="en-IN" sz="1800" b="1" i="1" dirty="0">
+                <a:solidFill>
+                  <a:srgbClr val="6A3E3E"/>
+                </a:solidFill>
+                <a:latin typeface="Consolas" panose="020B0609020204030204" pitchFamily="49" charset="0"/>
+              </a:rPr>
+              <a:t>n</a:t>
+            </a:r>
+            <a:r>
+              <a:rPr lang="en-IN" sz="1800" b="1" i="1" dirty="0">
+                <a:solidFill>
+                  <a:srgbClr val="000000"/>
+                </a:solidFill>
+                <a:latin typeface="Consolas" panose="020B0609020204030204" pitchFamily="49" charset="0"/>
+              </a:rPr>
+              <a:t>*</a:t>
+            </a:r>
+            <a:r>
+              <a:rPr lang="en-IN" sz="1800" b="1" i="1" dirty="0">
+                <a:solidFill>
+                  <a:srgbClr val="6A3E3E"/>
+                </a:solidFill>
+                <a:latin typeface="Consolas" panose="020B0609020204030204" pitchFamily="49" charset="0"/>
+              </a:rPr>
+              <a:t>n</a:t>
+            </a:r>
+            <a:r>
+              <a:rPr lang="en-IN" sz="1800" b="1" i="1" dirty="0">
+                <a:solidFill>
+                  <a:srgbClr val="000000"/>
+                </a:solidFill>
+                <a:latin typeface="Consolas" panose="020B0609020204030204" pitchFamily="49" charset="0"/>
+              </a:rPr>
+              <a:t>).</a:t>
+            </a:r>
+            <a:r>
+              <a:rPr lang="en-IN" sz="1800" b="1" i="1" dirty="0" err="1">
+                <a:solidFill>
+                  <a:srgbClr val="000000"/>
+                </a:solidFill>
+                <a:latin typeface="Consolas" panose="020B0609020204030204" pitchFamily="49" charset="0"/>
+              </a:rPr>
+              <a:t>forEach</a:t>
+            </a:r>
+            <a:r>
+              <a:rPr lang="en-IN" sz="1800" b="1" i="1" dirty="0">
+                <a:solidFill>
+                  <a:srgbClr val="000000"/>
+                </a:solidFill>
+                <a:latin typeface="Consolas" panose="020B0609020204030204" pitchFamily="49" charset="0"/>
+              </a:rPr>
+              <a:t>(</a:t>
+            </a:r>
+            <a:r>
+              <a:rPr lang="en-IN" sz="1800" b="1" i="1" dirty="0">
+                <a:solidFill>
+                  <a:srgbClr val="6A3E3E"/>
+                </a:solidFill>
+                <a:latin typeface="Consolas" panose="020B0609020204030204" pitchFamily="49" charset="0"/>
+              </a:rPr>
+              <a:t>h</a:t>
+            </a:r>
+            <a:r>
+              <a:rPr lang="en-IN" sz="1800" b="1" i="1" dirty="0">
+                <a:solidFill>
+                  <a:srgbClr val="000000"/>
+                </a:solidFill>
+                <a:latin typeface="Consolas" panose="020B0609020204030204" pitchFamily="49" charset="0"/>
+              </a:rPr>
+              <a:t>-&gt;</a:t>
+            </a:r>
+            <a:r>
+              <a:rPr lang="en-IN" sz="1800" b="1" i="1" dirty="0" err="1">
+                <a:solidFill>
+                  <a:srgbClr val="000000"/>
+                </a:solidFill>
+                <a:latin typeface="Consolas" panose="020B0609020204030204" pitchFamily="49" charset="0"/>
+              </a:rPr>
+              <a:t>System.</a:t>
+            </a:r>
+            <a:r>
+              <a:rPr lang="en-IN" sz="1800" b="1" i="1" dirty="0" err="1">
+                <a:solidFill>
+                  <a:srgbClr val="0000C0"/>
+                </a:solidFill>
+                <a:latin typeface="Consolas" panose="020B0609020204030204" pitchFamily="49" charset="0"/>
+              </a:rPr>
+              <a:t>out</a:t>
+            </a:r>
+            <a:r>
+              <a:rPr lang="en-IN" sz="1800" b="1" i="1" dirty="0" err="1">
+                <a:solidFill>
+                  <a:srgbClr val="000000"/>
+                </a:solidFill>
+                <a:latin typeface="Consolas" panose="020B0609020204030204" pitchFamily="49" charset="0"/>
+              </a:rPr>
+              <a:t>.println</a:t>
+            </a:r>
+            <a:r>
+              <a:rPr lang="en-IN" sz="1800" b="1" i="1" dirty="0">
+                <a:solidFill>
+                  <a:srgbClr val="000000"/>
+                </a:solidFill>
+                <a:latin typeface="Consolas" panose="020B0609020204030204" pitchFamily="49" charset="0"/>
+              </a:rPr>
+              <a:t>(</a:t>
+            </a:r>
+            <a:r>
+              <a:rPr lang="en-IN" sz="1800" b="1" i="1" dirty="0">
+                <a:solidFill>
+                  <a:srgbClr val="2A00FF"/>
+                </a:solidFill>
+                <a:latin typeface="Consolas" panose="020B0609020204030204" pitchFamily="49" charset="0"/>
+              </a:rPr>
+              <a:t>"square is "</a:t>
+            </a:r>
+            <a:r>
+              <a:rPr lang="en-IN" sz="1800" b="1" i="1" dirty="0">
+                <a:solidFill>
+                  <a:srgbClr val="000000"/>
+                </a:solidFill>
+                <a:latin typeface="Consolas" panose="020B0609020204030204" pitchFamily="49" charset="0"/>
+              </a:rPr>
+              <a:t>+</a:t>
+            </a:r>
+            <a:r>
+              <a:rPr lang="en-IN" sz="1800" b="1" i="1" dirty="0">
+                <a:solidFill>
+                  <a:srgbClr val="6A3E3E"/>
+                </a:solidFill>
+                <a:latin typeface="Consolas" panose="020B0609020204030204" pitchFamily="49" charset="0"/>
+              </a:rPr>
+              <a:t>h</a:t>
+            </a:r>
+            <a:r>
+              <a:rPr lang="en-IN" sz="1800" b="1" i="1" dirty="0">
+                <a:solidFill>
+                  <a:srgbClr val="000000"/>
+                </a:solidFill>
+                <a:latin typeface="Consolas" panose="020B0609020204030204" pitchFamily="49" charset="0"/>
+              </a:rPr>
+              <a:t>));</a:t>
+            </a:r>
+          </a:p>
+          <a:p>
+            <a:pPr algn="l"/>
+            <a:endParaRPr lang="en-IN" sz="1800" b="1" i="1" dirty="0">
+              <a:solidFill>
+                <a:srgbClr val="000000"/>
+              </a:solidFill>
+              <a:latin typeface="Consolas" panose="020B0609020204030204" pitchFamily="49" charset="0"/>
+            </a:endParaRPr>
+          </a:p>
+          <a:p>
+            <a:pPr algn="l"/>
+            <a:r>
+              <a:rPr lang="en-IN" sz="1800" b="1" i="1" dirty="0">
+                <a:solidFill>
+                  <a:srgbClr val="000000"/>
+                </a:solidFill>
+                <a:latin typeface="Consolas" panose="020B0609020204030204" pitchFamily="49" charset="0"/>
+              </a:rPr>
+              <a:t>Output:-( </a:t>
+            </a:r>
+            <a:r>
+              <a:rPr lang="en-IN" sz="1800" b="1" i="1" dirty="0">
+                <a:solidFill>
+                  <a:srgbClr val="FF0000"/>
+                </a:solidFill>
+                <a:latin typeface="Consolas" panose="020B0609020204030204" pitchFamily="49" charset="0"/>
+              </a:rPr>
+              <a:t>Notice the pipelining</a:t>
+            </a:r>
+            <a:r>
+              <a:rPr lang="en-IN" sz="1800" b="1" i="1" dirty="0">
+                <a:solidFill>
+                  <a:srgbClr val="000000"/>
+                </a:solidFill>
+                <a:latin typeface="Consolas" panose="020B0609020204030204" pitchFamily="49" charset="0"/>
+              </a:rPr>
+              <a:t>)</a:t>
+            </a:r>
+          </a:p>
+          <a:p>
+            <a:pPr algn="l"/>
+            <a:r>
+              <a:rPr lang="en-IN" sz="1800" dirty="0">
+                <a:solidFill>
+                  <a:srgbClr val="000000"/>
+                </a:solidFill>
+                <a:latin typeface="Consolas" panose="020B0609020204030204" pitchFamily="49" charset="0"/>
+              </a:rPr>
+              <a:t>1</a:t>
+            </a:r>
+          </a:p>
+          <a:p>
+            <a:pPr algn="l"/>
+            <a:r>
+              <a:rPr lang="en-IN" sz="1800" dirty="0">
+                <a:solidFill>
+                  <a:srgbClr val="000000"/>
+                </a:solidFill>
+                <a:latin typeface="Consolas" panose="020B0609020204030204" pitchFamily="49" charset="0"/>
+              </a:rPr>
+              <a:t>square is 1</a:t>
+            </a:r>
+          </a:p>
+          <a:p>
+            <a:pPr algn="l"/>
+            <a:r>
+              <a:rPr lang="en-IN" sz="1800" dirty="0">
+                <a:solidFill>
+                  <a:srgbClr val="000000"/>
+                </a:solidFill>
+                <a:latin typeface="Consolas" panose="020B0609020204030204" pitchFamily="49" charset="0"/>
+              </a:rPr>
+              <a:t>2</a:t>
+            </a:r>
+          </a:p>
+          <a:p>
+            <a:pPr algn="l"/>
+            <a:r>
+              <a:rPr lang="en-IN" sz="1800" dirty="0">
+                <a:solidFill>
+                  <a:srgbClr val="000000"/>
+                </a:solidFill>
+                <a:latin typeface="Consolas" panose="020B0609020204030204" pitchFamily="49" charset="0"/>
+              </a:rPr>
+              <a:t>square is 4</a:t>
+            </a:r>
+          </a:p>
+          <a:p>
+            <a:pPr algn="l"/>
+            <a:endParaRPr lang="en-IN" dirty="0"/>
+          </a:p>
+        </p:txBody>
+      </p:sp>
+    </p:spTree>
+    <p:extLst>
+      <p:ext uri="{BB962C8B-B14F-4D97-AF65-F5344CB8AC3E}">
+        <p14:creationId xmlns:p14="http://schemas.microsoft.com/office/powerpoint/2010/main" val="3136735285"/>
+      </p:ext>
+    </p:extLst>
+  </p:cSld>
+  <p:clrMapOvr>
+    <a:masterClrMapping/>
+  </p:clrMapOvr>
+</p:sld>
+</file>
+
 <file path=ppt/theme/theme1.xml><?xml version="1.0" encoding="utf-8"?>
 <a:theme xmlns:a="http://schemas.openxmlformats.org/drawingml/2006/main" name="Office Theme">
   <a:themeElements>

--- a/Java8/Lambda/Streams.pptx
+++ b/Java8/Lambda/Streams.pptx
@@ -14,6 +14,12 @@
     <p:sldId id="262" r:id="rId8"/>
     <p:sldId id="263" r:id="rId9"/>
     <p:sldId id="264" r:id="rId10"/>
+    <p:sldId id="265" r:id="rId11"/>
+    <p:sldId id="266" r:id="rId12"/>
+    <p:sldId id="267" r:id="rId13"/>
+    <p:sldId id="268" r:id="rId14"/>
+    <p:sldId id="269" r:id="rId15"/>
+    <p:sldId id="270" r:id="rId16"/>
   </p:sldIdLst>
   <p:sldSz cx="12192000" cy="6858000"/>
   <p:notesSz cx="6858000" cy="9144000"/>
@@ -120,6 +126,18 @@
 </p:presentation>
 </file>
 
+<file path=ppt/commentAuthors.xml><?xml version="1.0" encoding="utf-8"?>
+<p:cmAuthorLst xmlns:a="http://schemas.openxmlformats.org/drawingml/2006/main" xmlns:r="http://schemas.openxmlformats.org/officeDocument/2006/relationships" xmlns:p="http://schemas.openxmlformats.org/presentationml/2006/main">
+  <p:cmAuthor id="1" name="nishant arora" initials="na" lastIdx="1" clrIdx="0">
+    <p:extLst>
+      <p:ext uri="{19B8F6BF-5375-455C-9EA6-DF929625EA0E}">
+        <p15:presenceInfo xmlns:p15="http://schemas.microsoft.com/office/powerpoint/2012/main" userId="363d2b0a0ffb6990" providerId="Windows Live"/>
+      </p:ext>
+    </p:extLst>
+  </p:cmAuthor>
+</p:cmAuthorLst>
+</file>
+
 <file path=ppt/slideLayouts/slideLayout1.xml><?xml version="1.0" encoding="utf-8"?>
 <p:sldLayout xmlns:a="http://schemas.openxmlformats.org/drawingml/2006/main" xmlns:r="http://schemas.openxmlformats.org/officeDocument/2006/relationships" xmlns:p="http://schemas.openxmlformats.org/presentationml/2006/main" type="title" preserve="1">
   <p:cSld name="Title Slide">
@@ -269,7 +287,7 @@
           <a:p>
             <a:fld id="{3EECC916-8326-4398-98E3-595A05AF34C3}" type="datetimeFigureOut">
               <a:rPr lang="en-IN" smtClean="0"/>
-              <a:t>22-10-2021</a:t>
+              <a:t>23-10-2021</a:t>
             </a:fld>
             <a:endParaRPr lang="en-IN"/>
           </a:p>
@@ -469,7 +487,7 @@
           <a:p>
             <a:fld id="{3EECC916-8326-4398-98E3-595A05AF34C3}" type="datetimeFigureOut">
               <a:rPr lang="en-IN" smtClean="0"/>
-              <a:t>22-10-2021</a:t>
+              <a:t>23-10-2021</a:t>
             </a:fld>
             <a:endParaRPr lang="en-IN"/>
           </a:p>
@@ -679,7 +697,7 @@
           <a:p>
             <a:fld id="{3EECC916-8326-4398-98E3-595A05AF34C3}" type="datetimeFigureOut">
               <a:rPr lang="en-IN" smtClean="0"/>
-              <a:t>22-10-2021</a:t>
+              <a:t>23-10-2021</a:t>
             </a:fld>
             <a:endParaRPr lang="en-IN"/>
           </a:p>
@@ -879,7 +897,7 @@
           <a:p>
             <a:fld id="{3EECC916-8326-4398-98E3-595A05AF34C3}" type="datetimeFigureOut">
               <a:rPr lang="en-IN" smtClean="0"/>
-              <a:t>22-10-2021</a:t>
+              <a:t>23-10-2021</a:t>
             </a:fld>
             <a:endParaRPr lang="en-IN"/>
           </a:p>
@@ -1155,7 +1173,7 @@
           <a:p>
             <a:fld id="{3EECC916-8326-4398-98E3-595A05AF34C3}" type="datetimeFigureOut">
               <a:rPr lang="en-IN" smtClean="0"/>
-              <a:t>22-10-2021</a:t>
+              <a:t>23-10-2021</a:t>
             </a:fld>
             <a:endParaRPr lang="en-IN"/>
           </a:p>
@@ -1423,7 +1441,7 @@
           <a:p>
             <a:fld id="{3EECC916-8326-4398-98E3-595A05AF34C3}" type="datetimeFigureOut">
               <a:rPr lang="en-IN" smtClean="0"/>
-              <a:t>22-10-2021</a:t>
+              <a:t>23-10-2021</a:t>
             </a:fld>
             <a:endParaRPr lang="en-IN"/>
           </a:p>
@@ -1838,7 +1856,7 @@
           <a:p>
             <a:fld id="{3EECC916-8326-4398-98E3-595A05AF34C3}" type="datetimeFigureOut">
               <a:rPr lang="en-IN" smtClean="0"/>
-              <a:t>22-10-2021</a:t>
+              <a:t>23-10-2021</a:t>
             </a:fld>
             <a:endParaRPr lang="en-IN"/>
           </a:p>
@@ -1980,7 +1998,7 @@
           <a:p>
             <a:fld id="{3EECC916-8326-4398-98E3-595A05AF34C3}" type="datetimeFigureOut">
               <a:rPr lang="en-IN" smtClean="0"/>
-              <a:t>22-10-2021</a:t>
+              <a:t>23-10-2021</a:t>
             </a:fld>
             <a:endParaRPr lang="en-IN"/>
           </a:p>
@@ -2093,7 +2111,7 @@
           <a:p>
             <a:fld id="{3EECC916-8326-4398-98E3-595A05AF34C3}" type="datetimeFigureOut">
               <a:rPr lang="en-IN" smtClean="0"/>
-              <a:t>22-10-2021</a:t>
+              <a:t>23-10-2021</a:t>
             </a:fld>
             <a:endParaRPr lang="en-IN"/>
           </a:p>
@@ -2406,7 +2424,7 @@
           <a:p>
             <a:fld id="{3EECC916-8326-4398-98E3-595A05AF34C3}" type="datetimeFigureOut">
               <a:rPr lang="en-IN" smtClean="0"/>
-              <a:t>22-10-2021</a:t>
+              <a:t>23-10-2021</a:t>
             </a:fld>
             <a:endParaRPr lang="en-IN"/>
           </a:p>
@@ -2695,7 +2713,7 @@
           <a:p>
             <a:fld id="{3EECC916-8326-4398-98E3-595A05AF34C3}" type="datetimeFigureOut">
               <a:rPr lang="en-IN" smtClean="0"/>
-              <a:t>22-10-2021</a:t>
+              <a:t>23-10-2021</a:t>
             </a:fld>
             <a:endParaRPr lang="en-IN"/>
           </a:p>
@@ -2938,7 +2956,7 @@
           <a:p>
             <a:fld id="{3EECC916-8326-4398-98E3-595A05AF34C3}" type="datetimeFigureOut">
               <a:rPr lang="en-IN" smtClean="0"/>
-              <a:t>22-10-2021</a:t>
+              <a:t>23-10-2021</a:t>
             </a:fld>
             <a:endParaRPr lang="en-IN"/>
           </a:p>
@@ -3413,6 +3431,2228 @@
     <p:extLst>
       <p:ext uri="{BB962C8B-B14F-4D97-AF65-F5344CB8AC3E}">
         <p14:creationId xmlns:p14="http://schemas.microsoft.com/office/powerpoint/2010/main" val="3745957300"/>
+      </p:ext>
+    </p:extLst>
+  </p:cSld>
+  <p:clrMapOvr>
+    <a:masterClrMapping/>
+  </p:clrMapOvr>
+</p:sld>
+</file>
+
+<file path=ppt/slides/slide10.xml><?xml version="1.0" encoding="utf-8"?>
+<p:sld xmlns:a="http://schemas.openxmlformats.org/drawingml/2006/main" xmlns:r="http://schemas.openxmlformats.org/officeDocument/2006/relationships" xmlns:p="http://schemas.openxmlformats.org/presentationml/2006/main">
+  <p:cSld>
+    <p:spTree>
+      <p:nvGrpSpPr>
+        <p:cNvPr id="1" name=""/>
+        <p:cNvGrpSpPr/>
+        <p:nvPr/>
+      </p:nvGrpSpPr>
+      <p:grpSpPr>
+        <a:xfrm>
+          <a:off x="0" y="0"/>
+          <a:ext cx="0" cy="0"/>
+          <a:chOff x="0" y="0"/>
+          <a:chExt cx="0" cy="0"/>
+        </a:xfrm>
+      </p:grpSpPr>
+      <p:sp>
+        <p:nvSpPr>
+          <p:cNvPr id="3" name="Content Placeholder 2">
+            <a:extLst>
+              <a:ext uri="{FF2B5EF4-FFF2-40B4-BE49-F238E27FC236}">
+                <a16:creationId xmlns:a16="http://schemas.microsoft.com/office/drawing/2014/main" id="{08F96734-8D09-4989-8FE9-333AA704DF99}"/>
+              </a:ext>
+            </a:extLst>
+          </p:cNvPr>
+          <p:cNvSpPr>
+            <a:spLocks noGrp="1"/>
+          </p:cNvSpPr>
+          <p:nvPr>
+            <p:ph idx="1"/>
+          </p:nvPr>
+        </p:nvSpPr>
+        <p:spPr>
+          <a:xfrm>
+            <a:off x="838200" y="527901"/>
+            <a:ext cx="10515600" cy="5649062"/>
+          </a:xfrm>
+        </p:spPr>
+        <p:txBody>
+          <a:bodyPr/>
+          <a:lstStyle/>
+          <a:p>
+            <a:pPr marL="0" indent="0">
+              <a:buNone/>
+            </a:pPr>
+            <a:r>
+              <a:rPr lang="en-US" b="1" dirty="0"/>
+              <a:t>Develop a code to extract primitive data from an object using Map keyword</a:t>
+            </a:r>
+          </a:p>
+          <a:p>
+            <a:r>
+              <a:rPr lang="en-US" dirty="0"/>
+              <a:t>Example:-</a:t>
+            </a:r>
+          </a:p>
+          <a:p>
+            <a:pPr marL="0" indent="0" algn="l">
+              <a:buNone/>
+            </a:pPr>
+            <a:r>
+              <a:rPr lang="en-IN" sz="1800" b="1" dirty="0">
+                <a:solidFill>
+                  <a:srgbClr val="7F0055"/>
+                </a:solidFill>
+                <a:latin typeface="Consolas" panose="020B0609020204030204" pitchFamily="49" charset="0"/>
+              </a:rPr>
+              <a:t>class</a:t>
+            </a:r>
+            <a:r>
+              <a:rPr lang="en-IN" sz="1800" b="1" dirty="0">
+                <a:solidFill>
+                  <a:srgbClr val="000000"/>
+                </a:solidFill>
+                <a:latin typeface="Consolas" panose="020B0609020204030204" pitchFamily="49" charset="0"/>
+              </a:rPr>
+              <a:t> Reading</a:t>
+            </a:r>
+          </a:p>
+          <a:p>
+            <a:pPr marL="0" indent="0" algn="l">
+              <a:buNone/>
+            </a:pPr>
+            <a:r>
+              <a:rPr lang="en-IN" sz="1800" dirty="0">
+                <a:solidFill>
+                  <a:srgbClr val="000000"/>
+                </a:solidFill>
+                <a:latin typeface="Consolas" panose="020B0609020204030204" pitchFamily="49" charset="0"/>
+              </a:rPr>
+              <a:t>{</a:t>
+            </a:r>
+          </a:p>
+          <a:p>
+            <a:pPr marL="0" indent="0" algn="l">
+              <a:buNone/>
+            </a:pPr>
+            <a:r>
+              <a:rPr lang="en-IN" sz="1800" b="1" dirty="0">
+                <a:solidFill>
+                  <a:srgbClr val="7F0055"/>
+                </a:solidFill>
+                <a:latin typeface="Consolas" panose="020B0609020204030204" pitchFamily="49" charset="0"/>
+              </a:rPr>
+              <a:t>double</a:t>
+            </a:r>
+            <a:r>
+              <a:rPr lang="en-IN" sz="1800" b="1" dirty="0">
+                <a:solidFill>
+                  <a:srgbClr val="000000"/>
+                </a:solidFill>
+                <a:latin typeface="Consolas" panose="020B0609020204030204" pitchFamily="49" charset="0"/>
+              </a:rPr>
+              <a:t> </a:t>
+            </a:r>
+            <a:r>
+              <a:rPr lang="en-IN" sz="1800" b="1" dirty="0" err="1">
+                <a:solidFill>
+                  <a:srgbClr val="0000C0"/>
+                </a:solidFill>
+                <a:latin typeface="Consolas" panose="020B0609020204030204" pitchFamily="49" charset="0"/>
+              </a:rPr>
+              <a:t>doublevalue</a:t>
+            </a:r>
+            <a:r>
+              <a:rPr lang="en-IN" sz="1800" b="1" dirty="0">
+                <a:solidFill>
+                  <a:srgbClr val="000000"/>
+                </a:solidFill>
+                <a:latin typeface="Consolas" panose="020B0609020204030204" pitchFamily="49" charset="0"/>
+              </a:rPr>
+              <a:t>;</a:t>
+            </a:r>
+          </a:p>
+          <a:p>
+            <a:pPr marL="0" indent="0" algn="l">
+              <a:buNone/>
+            </a:pPr>
+            <a:r>
+              <a:rPr lang="en-IN" sz="1800" dirty="0">
+                <a:solidFill>
+                  <a:srgbClr val="000000"/>
+                </a:solidFill>
+                <a:latin typeface="Consolas" panose="020B0609020204030204" pitchFamily="49" charset="0"/>
+              </a:rPr>
+              <a:t>}</a:t>
+            </a:r>
+            <a:endParaRPr lang="en-US" dirty="0"/>
+          </a:p>
+          <a:p>
+            <a:pPr marL="0" indent="0" algn="l">
+              <a:buNone/>
+            </a:pPr>
+            <a:r>
+              <a:rPr lang="en-US" sz="1600" dirty="0">
+                <a:solidFill>
+                  <a:srgbClr val="000000"/>
+                </a:solidFill>
+                <a:latin typeface="Consolas" panose="020B0609020204030204" pitchFamily="49" charset="0"/>
+              </a:rPr>
+              <a:t>List&lt;Reading&gt; </a:t>
+            </a:r>
+            <a:r>
+              <a:rPr lang="en-US" sz="1600" dirty="0">
+                <a:solidFill>
+                  <a:srgbClr val="6A3E3E"/>
+                </a:solidFill>
+                <a:latin typeface="Consolas" panose="020B0609020204030204" pitchFamily="49" charset="0"/>
+              </a:rPr>
+              <a:t>readings</a:t>
+            </a:r>
+            <a:r>
+              <a:rPr lang="en-US" sz="1600" dirty="0">
+                <a:solidFill>
+                  <a:srgbClr val="000000"/>
+                </a:solidFill>
+                <a:latin typeface="Consolas" panose="020B0609020204030204" pitchFamily="49" charset="0"/>
+              </a:rPr>
+              <a:t>=</a:t>
+            </a:r>
+            <a:r>
+              <a:rPr lang="en-US" sz="1600" b="1" u="sng" dirty="0">
+                <a:solidFill>
+                  <a:srgbClr val="7F0055"/>
+                </a:solidFill>
+                <a:latin typeface="Consolas" panose="020B0609020204030204" pitchFamily="49" charset="0"/>
+              </a:rPr>
+              <a:t>new</a:t>
+            </a:r>
+            <a:r>
+              <a:rPr lang="en-US" sz="1600" b="1" u="sng" dirty="0">
+                <a:solidFill>
+                  <a:srgbClr val="000000"/>
+                </a:solidFill>
+                <a:latin typeface="Consolas" panose="020B0609020204030204" pitchFamily="49" charset="0"/>
+              </a:rPr>
+              <a:t> </a:t>
+            </a:r>
+            <a:r>
+              <a:rPr lang="en-US" sz="1600" b="1" u="sng" dirty="0" err="1">
+                <a:solidFill>
+                  <a:srgbClr val="000000"/>
+                </a:solidFill>
+                <a:latin typeface="Consolas" panose="020B0609020204030204" pitchFamily="49" charset="0"/>
+              </a:rPr>
+              <a:t>ArrayList</a:t>
+            </a:r>
+            <a:r>
+              <a:rPr lang="en-US" sz="1600" b="1" u="sng" dirty="0">
+                <a:solidFill>
+                  <a:srgbClr val="000000"/>
+                </a:solidFill>
+                <a:latin typeface="Consolas" panose="020B0609020204030204" pitchFamily="49" charset="0"/>
+              </a:rPr>
+              <a:t>();</a:t>
+            </a:r>
+          </a:p>
+          <a:p>
+            <a:pPr marL="0" indent="0" algn="l">
+              <a:buNone/>
+            </a:pPr>
+            <a:r>
+              <a:rPr lang="en-US" sz="1600" dirty="0">
+                <a:solidFill>
+                  <a:srgbClr val="000000"/>
+                </a:solidFill>
+                <a:latin typeface="Consolas" panose="020B0609020204030204" pitchFamily="49" charset="0"/>
+              </a:rPr>
+              <a:t>Stream&lt;Double&gt; </a:t>
+            </a:r>
+            <a:r>
+              <a:rPr lang="en-US" sz="1600" u="sng" dirty="0">
+                <a:solidFill>
+                  <a:srgbClr val="6A3E3E"/>
+                </a:solidFill>
+                <a:latin typeface="Consolas" panose="020B0609020204030204" pitchFamily="49" charset="0"/>
+              </a:rPr>
+              <a:t>k1</a:t>
+            </a:r>
+            <a:r>
+              <a:rPr lang="en-US" sz="1600" u="sng" dirty="0">
+                <a:solidFill>
+                  <a:srgbClr val="000000"/>
+                </a:solidFill>
+                <a:latin typeface="Consolas" panose="020B0609020204030204" pitchFamily="49" charset="0"/>
+              </a:rPr>
+              <a:t> = </a:t>
+            </a:r>
+            <a:r>
+              <a:rPr lang="en-US" sz="1600" u="sng" dirty="0" err="1">
+                <a:solidFill>
+                  <a:srgbClr val="6A3E3E"/>
+                </a:solidFill>
+                <a:latin typeface="Consolas" panose="020B0609020204030204" pitchFamily="49" charset="0"/>
+              </a:rPr>
+              <a:t>readings</a:t>
+            </a:r>
+            <a:r>
+              <a:rPr lang="en-US" sz="1600" u="sng" dirty="0" err="1">
+                <a:solidFill>
+                  <a:srgbClr val="000000"/>
+                </a:solidFill>
+                <a:latin typeface="Consolas" panose="020B0609020204030204" pitchFamily="49" charset="0"/>
+              </a:rPr>
+              <a:t>.stream</a:t>
+            </a:r>
+            <a:r>
+              <a:rPr lang="en-US" sz="1600" u="sng" dirty="0">
+                <a:solidFill>
+                  <a:srgbClr val="000000"/>
+                </a:solidFill>
+                <a:latin typeface="Consolas" panose="020B0609020204030204" pitchFamily="49" charset="0"/>
+              </a:rPr>
+              <a:t>().map(</a:t>
+            </a:r>
+            <a:r>
+              <a:rPr lang="en-US" sz="1600" u="sng" dirty="0">
+                <a:solidFill>
+                  <a:srgbClr val="6A3E3E"/>
+                </a:solidFill>
+                <a:latin typeface="Consolas" panose="020B0609020204030204" pitchFamily="49" charset="0"/>
+              </a:rPr>
+              <a:t>r</a:t>
+            </a:r>
+            <a:r>
+              <a:rPr lang="en-US" sz="1600" u="sng" dirty="0">
+                <a:solidFill>
+                  <a:srgbClr val="000000"/>
+                </a:solidFill>
+                <a:latin typeface="Consolas" panose="020B0609020204030204" pitchFamily="49" charset="0"/>
+              </a:rPr>
+              <a:t>-&gt;</a:t>
+            </a:r>
+            <a:r>
+              <a:rPr lang="en-US" sz="1600" u="sng" dirty="0" err="1">
+                <a:solidFill>
+                  <a:srgbClr val="6A3E3E"/>
+                </a:solidFill>
+                <a:latin typeface="Consolas" panose="020B0609020204030204" pitchFamily="49" charset="0"/>
+              </a:rPr>
+              <a:t>r</a:t>
+            </a:r>
+            <a:r>
+              <a:rPr lang="en-US" sz="1600" u="sng" dirty="0" err="1">
+                <a:solidFill>
+                  <a:srgbClr val="000000"/>
+                </a:solidFill>
+                <a:latin typeface="Consolas" panose="020B0609020204030204" pitchFamily="49" charset="0"/>
+              </a:rPr>
+              <a:t>.</a:t>
+            </a:r>
+            <a:r>
+              <a:rPr lang="en-US" sz="1600" u="sng" dirty="0" err="1">
+                <a:solidFill>
+                  <a:srgbClr val="0000C0"/>
+                </a:solidFill>
+                <a:latin typeface="Consolas" panose="020B0609020204030204" pitchFamily="49" charset="0"/>
+              </a:rPr>
+              <a:t>doublevalue</a:t>
+            </a:r>
+            <a:r>
+              <a:rPr lang="en-US" sz="1600" u="sng" dirty="0">
+                <a:solidFill>
+                  <a:srgbClr val="000000"/>
+                </a:solidFill>
+                <a:latin typeface="Consolas" panose="020B0609020204030204" pitchFamily="49" charset="0"/>
+              </a:rPr>
+              <a:t>);</a:t>
+            </a:r>
+            <a:r>
+              <a:rPr lang="en-US" sz="1600" dirty="0">
+                <a:solidFill>
+                  <a:srgbClr val="000000"/>
+                </a:solidFill>
+                <a:latin typeface="Consolas" panose="020B0609020204030204" pitchFamily="49" charset="0"/>
+              </a:rPr>
+              <a:t>// here we cant use methods like average on k1 since we have </a:t>
+            </a:r>
+            <a:r>
+              <a:rPr lang="en-US" sz="1600" dirty="0">
+                <a:solidFill>
+                  <a:srgbClr val="FF0000"/>
+                </a:solidFill>
+                <a:latin typeface="Consolas" panose="020B0609020204030204" pitchFamily="49" charset="0"/>
+              </a:rPr>
+              <a:t>returned a stream of Object</a:t>
+            </a:r>
+            <a:r>
+              <a:rPr lang="en-US" sz="1600" dirty="0">
+                <a:solidFill>
+                  <a:srgbClr val="000000"/>
+                </a:solidFill>
+                <a:latin typeface="Consolas" panose="020B0609020204030204" pitchFamily="49" charset="0"/>
+              </a:rPr>
+              <a:t>, which don’t have average method</a:t>
+            </a:r>
+          </a:p>
+          <a:p>
+            <a:pPr marL="0" indent="0" algn="l">
+              <a:buNone/>
+            </a:pPr>
+            <a:r>
+              <a:rPr lang="en-US" sz="1600" b="1" dirty="0" err="1">
+                <a:solidFill>
+                  <a:srgbClr val="FF0000"/>
+                </a:solidFill>
+                <a:latin typeface="Consolas" panose="020B0609020204030204" pitchFamily="49" charset="0"/>
+              </a:rPr>
+              <a:t>DoubleStream</a:t>
+            </a:r>
+            <a:r>
+              <a:rPr lang="en-US" sz="1600" dirty="0">
+                <a:solidFill>
+                  <a:srgbClr val="000000"/>
+                </a:solidFill>
+                <a:latin typeface="Consolas" panose="020B0609020204030204" pitchFamily="49" charset="0"/>
+              </a:rPr>
+              <a:t> </a:t>
+            </a:r>
+            <a:r>
+              <a:rPr lang="en-US" sz="1600" dirty="0">
+                <a:solidFill>
+                  <a:srgbClr val="6A3E3E"/>
+                </a:solidFill>
+                <a:latin typeface="Consolas" panose="020B0609020204030204" pitchFamily="49" charset="0"/>
+              </a:rPr>
+              <a:t>k2</a:t>
+            </a:r>
+            <a:r>
+              <a:rPr lang="en-US" sz="1600" dirty="0">
+                <a:solidFill>
+                  <a:srgbClr val="000000"/>
+                </a:solidFill>
+                <a:latin typeface="Consolas" panose="020B0609020204030204" pitchFamily="49" charset="0"/>
+              </a:rPr>
+              <a:t>=</a:t>
+            </a:r>
+            <a:r>
+              <a:rPr lang="en-US" sz="1600" dirty="0" err="1">
+                <a:solidFill>
+                  <a:srgbClr val="6A3E3E"/>
+                </a:solidFill>
+                <a:latin typeface="Consolas" panose="020B0609020204030204" pitchFamily="49" charset="0"/>
+              </a:rPr>
+              <a:t>readings</a:t>
+            </a:r>
+            <a:r>
+              <a:rPr lang="en-US" sz="1600" dirty="0" err="1">
+                <a:solidFill>
+                  <a:srgbClr val="000000"/>
+                </a:solidFill>
+                <a:latin typeface="Consolas" panose="020B0609020204030204" pitchFamily="49" charset="0"/>
+              </a:rPr>
+              <a:t>.stream</a:t>
+            </a:r>
+            <a:r>
+              <a:rPr lang="en-US" sz="1600" dirty="0">
+                <a:solidFill>
+                  <a:srgbClr val="000000"/>
+                </a:solidFill>
+                <a:latin typeface="Consolas" panose="020B0609020204030204" pitchFamily="49" charset="0"/>
+              </a:rPr>
+              <a:t>().</a:t>
+            </a:r>
+            <a:r>
+              <a:rPr lang="en-US" sz="1600" dirty="0" err="1">
+                <a:solidFill>
+                  <a:srgbClr val="000000"/>
+                </a:solidFill>
+                <a:latin typeface="Consolas" panose="020B0609020204030204" pitchFamily="49" charset="0"/>
+              </a:rPr>
+              <a:t>mapToDouble</a:t>
+            </a:r>
+            <a:r>
+              <a:rPr lang="en-US" sz="1600" dirty="0">
+                <a:solidFill>
+                  <a:srgbClr val="000000"/>
+                </a:solidFill>
+                <a:latin typeface="Consolas" panose="020B0609020204030204" pitchFamily="49" charset="0"/>
+              </a:rPr>
+              <a:t>(</a:t>
+            </a:r>
+            <a:r>
+              <a:rPr lang="en-US" sz="1600" dirty="0">
+                <a:solidFill>
+                  <a:srgbClr val="6A3E3E"/>
+                </a:solidFill>
+                <a:latin typeface="Consolas" panose="020B0609020204030204" pitchFamily="49" charset="0"/>
+              </a:rPr>
+              <a:t>r</a:t>
+            </a:r>
+            <a:r>
+              <a:rPr lang="en-US" sz="1600" dirty="0">
+                <a:solidFill>
+                  <a:srgbClr val="000000"/>
+                </a:solidFill>
+                <a:latin typeface="Consolas" panose="020B0609020204030204" pitchFamily="49" charset="0"/>
+              </a:rPr>
+              <a:t>-&gt;</a:t>
+            </a:r>
+            <a:r>
+              <a:rPr lang="en-US" sz="1600" dirty="0" err="1">
+                <a:solidFill>
+                  <a:srgbClr val="6A3E3E"/>
+                </a:solidFill>
+                <a:latin typeface="Consolas" panose="020B0609020204030204" pitchFamily="49" charset="0"/>
+              </a:rPr>
+              <a:t>r</a:t>
+            </a:r>
+            <a:r>
+              <a:rPr lang="en-US" sz="1600" dirty="0" err="1">
+                <a:solidFill>
+                  <a:srgbClr val="000000"/>
+                </a:solidFill>
+                <a:latin typeface="Consolas" panose="020B0609020204030204" pitchFamily="49" charset="0"/>
+              </a:rPr>
+              <a:t>.</a:t>
+            </a:r>
+            <a:r>
+              <a:rPr lang="en-US" sz="1600" dirty="0" err="1">
+                <a:solidFill>
+                  <a:srgbClr val="0000C0"/>
+                </a:solidFill>
+                <a:latin typeface="Consolas" panose="020B0609020204030204" pitchFamily="49" charset="0"/>
+              </a:rPr>
+              <a:t>doublevalue</a:t>
+            </a:r>
+            <a:r>
+              <a:rPr lang="en-US" sz="1600" dirty="0">
+                <a:solidFill>
+                  <a:srgbClr val="000000"/>
+                </a:solidFill>
+                <a:latin typeface="Consolas" panose="020B0609020204030204" pitchFamily="49" charset="0"/>
+              </a:rPr>
+              <a:t>); // here we have returned a </a:t>
+            </a:r>
+            <a:r>
+              <a:rPr lang="en-US" sz="1600" dirty="0" err="1">
+                <a:solidFill>
+                  <a:srgbClr val="FF0000"/>
+                </a:solidFill>
+                <a:latin typeface="Consolas" panose="020B0609020204030204" pitchFamily="49" charset="0"/>
+              </a:rPr>
+              <a:t>DoubleStream</a:t>
+            </a:r>
+            <a:r>
+              <a:rPr lang="en-US" sz="1600" dirty="0">
+                <a:solidFill>
+                  <a:srgbClr val="FF0000"/>
+                </a:solidFill>
+                <a:latin typeface="Consolas" panose="020B0609020204030204" pitchFamily="49" charset="0"/>
+              </a:rPr>
+              <a:t> </a:t>
+            </a:r>
+            <a:r>
+              <a:rPr lang="en-US" sz="1600" dirty="0">
+                <a:solidFill>
+                  <a:srgbClr val="000000"/>
+                </a:solidFill>
+                <a:latin typeface="Consolas" panose="020B0609020204030204" pitchFamily="49" charset="0"/>
+              </a:rPr>
+              <a:t>Object which can have primitives inside it. Similarly we have </a:t>
+            </a:r>
+            <a:r>
+              <a:rPr lang="en-US" sz="1600" dirty="0" err="1">
+                <a:solidFill>
+                  <a:srgbClr val="000000"/>
+                </a:solidFill>
+                <a:latin typeface="Consolas" panose="020B0609020204030204" pitchFamily="49" charset="0"/>
+              </a:rPr>
+              <a:t>IntStream</a:t>
+            </a:r>
+            <a:r>
+              <a:rPr lang="en-US" sz="1600" dirty="0">
+                <a:solidFill>
+                  <a:srgbClr val="000000"/>
+                </a:solidFill>
+                <a:latin typeface="Consolas" panose="020B0609020204030204" pitchFamily="49" charset="0"/>
+              </a:rPr>
+              <a:t> and </a:t>
+            </a:r>
+            <a:r>
+              <a:rPr lang="en-US" sz="1600" dirty="0" err="1">
+                <a:solidFill>
+                  <a:srgbClr val="000000"/>
+                </a:solidFill>
+                <a:latin typeface="Consolas" panose="020B0609020204030204" pitchFamily="49" charset="0"/>
+              </a:rPr>
+              <a:t>Longstream</a:t>
+            </a:r>
+            <a:r>
+              <a:rPr lang="en-US" sz="1600" dirty="0">
+                <a:solidFill>
+                  <a:srgbClr val="000000"/>
+                </a:solidFill>
+                <a:latin typeface="Consolas" panose="020B0609020204030204" pitchFamily="49" charset="0"/>
+              </a:rPr>
+              <a:t> for int and long primitive values.</a:t>
+            </a:r>
+          </a:p>
+          <a:p>
+            <a:pPr marL="0" indent="0" algn="l">
+              <a:buNone/>
+            </a:pPr>
+            <a:endParaRPr lang="en-IN" sz="2400" dirty="0"/>
+          </a:p>
+        </p:txBody>
+      </p:sp>
+    </p:spTree>
+    <p:extLst>
+      <p:ext uri="{BB962C8B-B14F-4D97-AF65-F5344CB8AC3E}">
+        <p14:creationId xmlns:p14="http://schemas.microsoft.com/office/powerpoint/2010/main" val="3295022430"/>
+      </p:ext>
+    </p:extLst>
+  </p:cSld>
+  <p:clrMapOvr>
+    <a:masterClrMapping/>
+  </p:clrMapOvr>
+</p:sld>
+</file>
+
+<file path=ppt/slides/slide11.xml><?xml version="1.0" encoding="utf-8"?>
+<p:sld xmlns:a="http://schemas.openxmlformats.org/drawingml/2006/main" xmlns:r="http://schemas.openxmlformats.org/officeDocument/2006/relationships" xmlns:p="http://schemas.openxmlformats.org/presentationml/2006/main">
+  <p:cSld>
+    <p:spTree>
+      <p:nvGrpSpPr>
+        <p:cNvPr id="1" name=""/>
+        <p:cNvGrpSpPr/>
+        <p:nvPr/>
+      </p:nvGrpSpPr>
+      <p:grpSpPr>
+        <a:xfrm>
+          <a:off x="0" y="0"/>
+          <a:ext cx="0" cy="0"/>
+          <a:chOff x="0" y="0"/>
+          <a:chExt cx="0" cy="0"/>
+        </a:xfrm>
+      </p:grpSpPr>
+      <p:sp>
+        <p:nvSpPr>
+          <p:cNvPr id="3" name="Content Placeholder 2">
+            <a:extLst>
+              <a:ext uri="{FF2B5EF4-FFF2-40B4-BE49-F238E27FC236}">
+                <a16:creationId xmlns:a16="http://schemas.microsoft.com/office/drawing/2014/main" id="{59E1DFEB-7A5D-461B-AFAA-F907B96E8AE6}"/>
+              </a:ext>
+            </a:extLst>
+          </p:cNvPr>
+          <p:cNvSpPr>
+            <a:spLocks noGrp="1"/>
+          </p:cNvSpPr>
+          <p:nvPr>
+            <p:ph idx="1"/>
+          </p:nvPr>
+        </p:nvSpPr>
+        <p:spPr>
+          <a:xfrm>
+            <a:off x="838200" y="395926"/>
+            <a:ext cx="10515600" cy="5781037"/>
+          </a:xfrm>
+        </p:spPr>
+        <p:txBody>
+          <a:bodyPr/>
+          <a:lstStyle/>
+          <a:p>
+            <a:r>
+              <a:rPr lang="en-US" b="1" dirty="0"/>
+              <a:t>Reductions:-</a:t>
+            </a:r>
+          </a:p>
+          <a:p>
+            <a:endParaRPr lang="en-US" b="1" dirty="0"/>
+          </a:p>
+          <a:p>
+            <a:endParaRPr lang="en-IN" b="1" dirty="0"/>
+          </a:p>
+        </p:txBody>
+      </p:sp>
+      <p:graphicFrame>
+        <p:nvGraphicFramePr>
+          <p:cNvPr id="4" name="Table 4">
+            <a:extLst>
+              <a:ext uri="{FF2B5EF4-FFF2-40B4-BE49-F238E27FC236}">
+                <a16:creationId xmlns:a16="http://schemas.microsoft.com/office/drawing/2014/main" id="{942666C2-07C0-4BE2-B6DC-CFFB7664208B}"/>
+              </a:ext>
+            </a:extLst>
+          </p:cNvPr>
+          <p:cNvGraphicFramePr>
+            <a:graphicFrameLocks noGrp="1"/>
+          </p:cNvGraphicFramePr>
+          <p:nvPr>
+            <p:extLst>
+              <p:ext uri="{D42A27DB-BD31-4B8C-83A1-F6EECF244321}">
+                <p14:modId xmlns:p14="http://schemas.microsoft.com/office/powerpoint/2010/main" val="3062390943"/>
+              </p:ext>
+            </p:extLst>
+          </p:nvPr>
+        </p:nvGraphicFramePr>
+        <p:xfrm>
+          <a:off x="228600" y="868363"/>
+          <a:ext cx="10887075" cy="5308600"/>
+        </p:xfrm>
+        <a:graphic>
+          <a:graphicData uri="http://schemas.openxmlformats.org/drawingml/2006/table">
+            <a:tbl>
+              <a:tblPr firstRow="1" bandRow="1">
+                <a:tableStyleId>{5C22544A-7EE6-4342-B048-85BDC9FD1C3A}</a:tableStyleId>
+              </a:tblPr>
+              <a:tblGrid>
+                <a:gridCol w="5684134">
+                  <a:extLst>
+                    <a:ext uri="{9D8B030D-6E8A-4147-A177-3AD203B41FA5}">
+                      <a16:colId xmlns:a16="http://schemas.microsoft.com/office/drawing/2014/main" val="3762158321"/>
+                    </a:ext>
+                  </a:extLst>
+                </a:gridCol>
+                <a:gridCol w="5202941">
+                  <a:extLst>
+                    <a:ext uri="{9D8B030D-6E8A-4147-A177-3AD203B41FA5}">
+                      <a16:colId xmlns:a16="http://schemas.microsoft.com/office/drawing/2014/main" val="2558047403"/>
+                    </a:ext>
+                  </a:extLst>
+                </a:gridCol>
+              </a:tblGrid>
+              <a:tr h="370840">
+                <a:tc>
+                  <a:txBody>
+                    <a:bodyPr/>
+                    <a:lstStyle/>
+                    <a:p>
+                      <a:r>
+                        <a:rPr lang="en-US" dirty="0"/>
+                        <a:t>Own Method for reduction</a:t>
+                      </a:r>
+                      <a:endParaRPr lang="en-IN" dirty="0"/>
+                    </a:p>
+                  </a:txBody>
+                  <a:tcPr/>
+                </a:tc>
+                <a:tc>
+                  <a:txBody>
+                    <a:bodyPr/>
+                    <a:lstStyle/>
+                    <a:p>
+                      <a:r>
+                        <a:rPr lang="en-US" dirty="0"/>
+                        <a:t>Defined by Java</a:t>
+                      </a:r>
+                      <a:endParaRPr lang="en-IN" dirty="0"/>
+                    </a:p>
+                  </a:txBody>
+                  <a:tcPr/>
+                </a:tc>
+                <a:extLst>
+                  <a:ext uri="{0D108BD9-81ED-4DB2-BD59-A6C34878D82A}">
+                    <a16:rowId xmlns:a16="http://schemas.microsoft.com/office/drawing/2014/main" val="4209490674"/>
+                  </a:ext>
+                </a:extLst>
+              </a:tr>
+              <a:tr h="370840">
+                <a:tc>
+                  <a:txBody>
+                    <a:bodyPr/>
+                    <a:lstStyle/>
+                    <a:p>
+                      <a:r>
+                        <a:rPr lang="en-US" sz="1400" dirty="0"/>
+                        <a:t>Optional reduce(</a:t>
+                      </a:r>
+                      <a:r>
+                        <a:rPr lang="en-US" sz="1400" dirty="0" err="1"/>
+                        <a:t>BinaryOperator</a:t>
+                      </a:r>
+                      <a:r>
+                        <a:rPr lang="en-US" sz="1400" dirty="0"/>
+                        <a:t> accumulator)</a:t>
+                      </a:r>
+                    </a:p>
+                    <a:p>
+                      <a:r>
+                        <a:rPr lang="en-US" sz="1400" i="1" dirty="0"/>
+                        <a:t>An operator is a function that takes a value and return value of same type.</a:t>
+                      </a:r>
+                    </a:p>
+                    <a:p>
+                      <a:endParaRPr lang="en-US" sz="1400" dirty="0"/>
+                    </a:p>
+                    <a:p>
+                      <a:r>
+                        <a:rPr lang="en-US" sz="1400" dirty="0">
+                          <a:effectLst/>
+                        </a:rPr>
+                        <a:t>Performs a </a:t>
+                      </a:r>
+                      <a:r>
+                        <a:rPr lang="en-US" sz="1400" kern="1200" dirty="0">
+                          <a:solidFill>
+                            <a:schemeClr val="dk1"/>
+                          </a:solidFill>
+                          <a:effectLst/>
+                          <a:latin typeface="+mn-lt"/>
+                          <a:ea typeface="+mn-ea"/>
+                          <a:cs typeface="+mn-cs"/>
+                          <a:hlinkClick r:id="rId2"/>
+                        </a:rPr>
+                        <a:t>reduction</a:t>
+                      </a:r>
+                      <a:r>
+                        <a:rPr lang="en-US" sz="1400" dirty="0">
+                          <a:effectLst/>
+                        </a:rPr>
+                        <a:t> on the elements of this stream, using an </a:t>
+                      </a:r>
+                      <a:r>
+                        <a:rPr lang="en-US" sz="1400" kern="1200" dirty="0">
+                          <a:solidFill>
+                            <a:schemeClr val="dk1"/>
+                          </a:solidFill>
+                          <a:effectLst/>
+                          <a:latin typeface="+mn-lt"/>
+                          <a:ea typeface="+mn-ea"/>
+                          <a:cs typeface="+mn-cs"/>
+                          <a:hlinkClick r:id="rId3"/>
+                        </a:rPr>
+                        <a:t>associative</a:t>
+                      </a:r>
+                      <a:r>
+                        <a:rPr lang="en-US" sz="1400" dirty="0">
+                          <a:effectLst/>
+                        </a:rPr>
+                        <a:t> accumulation function, and returns an Optional describing the reduced value, if any. </a:t>
+                      </a:r>
+                      <a:endParaRPr lang="en-IN" sz="1400" dirty="0"/>
+                    </a:p>
+                  </a:txBody>
+                  <a:tcPr/>
+                </a:tc>
+                <a:tc>
+                  <a:txBody>
+                    <a:bodyPr/>
+                    <a:lstStyle/>
+                    <a:p>
+                      <a:r>
+                        <a:rPr lang="en-US" dirty="0"/>
+                        <a:t>average</a:t>
+                      </a:r>
+                    </a:p>
+                    <a:p>
+                      <a:r>
+                        <a:rPr lang="en-US" dirty="0"/>
+                        <a:t>sum</a:t>
+                      </a:r>
+                    </a:p>
+                    <a:p>
+                      <a:r>
+                        <a:rPr lang="en-US" dirty="0"/>
+                        <a:t>count</a:t>
+                      </a:r>
+                    </a:p>
+                    <a:p>
+                      <a:endParaRPr lang="en-IN" dirty="0"/>
+                    </a:p>
+                  </a:txBody>
+                  <a:tcPr/>
+                </a:tc>
+                <a:extLst>
+                  <a:ext uri="{0D108BD9-81ED-4DB2-BD59-A6C34878D82A}">
+                    <a16:rowId xmlns:a16="http://schemas.microsoft.com/office/drawing/2014/main" val="604080394"/>
+                  </a:ext>
+                </a:extLst>
+              </a:tr>
+              <a:tr h="370840">
+                <a:tc>
+                  <a:txBody>
+                    <a:bodyPr/>
+                    <a:lstStyle/>
+                    <a:p>
+                      <a:r>
+                        <a:rPr lang="en-US" dirty="0"/>
+                        <a:t>An associative function is that </a:t>
+                      </a:r>
+                      <a:br>
+                        <a:rPr lang="en-US" dirty="0"/>
+                      </a:br>
+                      <a:r>
+                        <a:rPr lang="en-US" dirty="0"/>
+                        <a:t>(A operator B)operator C= A operator (B operator C)</a:t>
+                      </a:r>
+                      <a:endParaRPr lang="en-IN" dirty="0"/>
+                    </a:p>
+                  </a:txBody>
+                  <a:tcPr/>
+                </a:tc>
+                <a:tc>
+                  <a:txBody>
+                    <a:bodyPr/>
+                    <a:lstStyle/>
+                    <a:p>
+                      <a:pPr algn="ctr"/>
+                      <a:r>
+                        <a:rPr lang="en-US" dirty="0"/>
+                        <a:t>Therefore sum, count are those functions which we can also perform using reduce method. Whereas average is not </a:t>
+                      </a:r>
+                      <a:r>
+                        <a:rPr lang="en-US" dirty="0" err="1"/>
+                        <a:t>associativ</a:t>
+                      </a:r>
+                      <a:endParaRPr lang="en-IN" dirty="0"/>
+                    </a:p>
+                  </a:txBody>
+                  <a:tcPr/>
+                </a:tc>
+                <a:extLst>
+                  <a:ext uri="{0D108BD9-81ED-4DB2-BD59-A6C34878D82A}">
+                    <a16:rowId xmlns:a16="http://schemas.microsoft.com/office/drawing/2014/main" val="413507459"/>
+                  </a:ext>
+                </a:extLst>
+              </a:tr>
+              <a:tr h="370840">
+                <a:tc>
+                  <a:txBody>
+                    <a:bodyPr/>
+                    <a:lstStyle/>
+                    <a:p>
+                      <a:r>
+                        <a:rPr lang="en-US" dirty="0"/>
+                        <a:t>If by chance filter method don’t return any output, or optional is not present, then in that case we have another version of reduce</a:t>
+                      </a:r>
+                      <a:br>
+                        <a:rPr lang="en-US" dirty="0"/>
+                      </a:br>
+                      <a:r>
+                        <a:rPr lang="en-US" dirty="0"/>
+                        <a:t>i.e. </a:t>
+                      </a:r>
+                      <a:br>
+                        <a:rPr lang="en-US" dirty="0"/>
+                      </a:br>
+                      <a:r>
+                        <a:rPr lang="en-US" dirty="0"/>
+                        <a:t>Double reduce (</a:t>
+                      </a:r>
+                      <a:r>
+                        <a:rPr lang="en-US" dirty="0">
+                          <a:solidFill>
+                            <a:srgbClr val="FF0000"/>
+                          </a:solidFill>
+                        </a:rPr>
+                        <a:t>double identity, </a:t>
+                      </a:r>
+                      <a:r>
+                        <a:rPr lang="en-US" dirty="0" err="1">
+                          <a:solidFill>
+                            <a:schemeClr val="tx1"/>
+                          </a:solidFill>
+                        </a:rPr>
+                        <a:t>DoubleBinaryOperator</a:t>
+                      </a:r>
+                      <a:r>
+                        <a:rPr lang="en-US" dirty="0">
+                          <a:solidFill>
+                            <a:schemeClr val="tx1"/>
+                          </a:solidFill>
+                        </a:rPr>
+                        <a:t>)</a:t>
+                      </a:r>
+                      <a:endParaRPr lang="en-IN" dirty="0">
+                        <a:solidFill>
+                          <a:schemeClr val="tx1"/>
+                        </a:solidFill>
+                      </a:endParaRPr>
+                    </a:p>
+                  </a:txBody>
+                  <a:tcPr/>
+                </a:tc>
+                <a:tc>
+                  <a:txBody>
+                    <a:bodyPr/>
+                    <a:lstStyle/>
+                    <a:p>
+                      <a:pPr algn="ctr"/>
+                      <a:endParaRPr lang="en-IN" dirty="0"/>
+                    </a:p>
+                  </a:txBody>
+                  <a:tcPr/>
+                </a:tc>
+                <a:extLst>
+                  <a:ext uri="{0D108BD9-81ED-4DB2-BD59-A6C34878D82A}">
+                    <a16:rowId xmlns:a16="http://schemas.microsoft.com/office/drawing/2014/main" val="1390043626"/>
+                  </a:ext>
+                </a:extLst>
+              </a:tr>
+              <a:tr h="370840">
+                <a:tc>
+                  <a:txBody>
+                    <a:bodyPr/>
+                    <a:lstStyle/>
+                    <a:p>
+                      <a:r>
+                        <a:rPr lang="en-US" dirty="0">
+                          <a:solidFill>
+                            <a:schemeClr val="tx1"/>
+                          </a:solidFill>
+                        </a:rPr>
+                        <a:t>double sum = </a:t>
+                      </a:r>
+                      <a:r>
+                        <a:rPr lang="en-US" dirty="0" err="1">
+                          <a:solidFill>
+                            <a:schemeClr val="tx1"/>
+                          </a:solidFill>
+                        </a:rPr>
+                        <a:t>readings.stream</a:t>
+                      </a:r>
+                      <a:r>
+                        <a:rPr lang="en-US" dirty="0">
+                          <a:solidFill>
+                            <a:schemeClr val="tx1"/>
+                          </a:solidFill>
+                        </a:rPr>
+                        <a:t>().</a:t>
+                      </a:r>
+                      <a:r>
+                        <a:rPr lang="en-US" dirty="0" err="1">
+                          <a:solidFill>
+                            <a:schemeClr val="tx1"/>
+                          </a:solidFill>
+                        </a:rPr>
+                        <a:t>maptoDouble</a:t>
+                      </a:r>
+                      <a:r>
+                        <a:rPr lang="en-US" dirty="0">
+                          <a:solidFill>
+                            <a:schemeClr val="tx1"/>
+                          </a:solidFill>
+                        </a:rPr>
+                        <a:t>(r-&gt;</a:t>
+                      </a:r>
+                      <a:r>
+                        <a:rPr lang="en-US" dirty="0" err="1">
+                          <a:solidFill>
+                            <a:schemeClr val="tx1"/>
+                          </a:solidFill>
+                        </a:rPr>
+                        <a:t>r.value</a:t>
+                      </a:r>
+                      <a:r>
+                        <a:rPr lang="en-US" dirty="0">
+                          <a:solidFill>
+                            <a:schemeClr val="tx1"/>
+                          </a:solidFill>
+                        </a:rPr>
+                        <a:t>).reduce(0.0, (v1,v2)-&gt;v1+v2);</a:t>
+                      </a:r>
+                      <a:endParaRPr lang="en-IN" dirty="0">
+                        <a:solidFill>
+                          <a:schemeClr val="tx1"/>
+                        </a:solidFill>
+                      </a:endParaRPr>
+                    </a:p>
+                  </a:txBody>
+                  <a:tcPr/>
+                </a:tc>
+                <a:tc>
+                  <a:txBody>
+                    <a:bodyPr/>
+                    <a:lstStyle/>
+                    <a:p>
+                      <a:pPr marL="0" marR="0" lvl="0" indent="0" algn="ctr" defTabSz="914400" rtl="0" eaLnBrk="1" fontAlgn="auto" latinLnBrk="0" hangingPunct="1">
+                        <a:lnSpc>
+                          <a:spcPct val="100000"/>
+                        </a:lnSpc>
+                        <a:spcBef>
+                          <a:spcPts val="0"/>
+                        </a:spcBef>
+                        <a:spcAft>
+                          <a:spcPts val="0"/>
+                        </a:spcAft>
+                        <a:buClrTx/>
+                        <a:buSzTx/>
+                        <a:buFontTx/>
+                        <a:buNone/>
+                        <a:tabLst/>
+                        <a:defRPr/>
+                      </a:pPr>
+                      <a:r>
+                        <a:rPr lang="en-US" dirty="0">
+                          <a:solidFill>
+                            <a:schemeClr val="tx1"/>
+                          </a:solidFill>
+                        </a:rPr>
+                        <a:t>double sum = </a:t>
+                      </a:r>
+                      <a:r>
+                        <a:rPr lang="en-US" dirty="0" err="1">
+                          <a:solidFill>
+                            <a:schemeClr val="tx1"/>
+                          </a:solidFill>
+                        </a:rPr>
+                        <a:t>readings.stream</a:t>
+                      </a:r>
+                      <a:r>
+                        <a:rPr lang="en-US" dirty="0">
+                          <a:solidFill>
+                            <a:schemeClr val="tx1"/>
+                          </a:solidFill>
+                        </a:rPr>
+                        <a:t>().</a:t>
+                      </a:r>
+                      <a:r>
+                        <a:rPr lang="en-US" dirty="0" err="1">
+                          <a:solidFill>
+                            <a:schemeClr val="tx1"/>
+                          </a:solidFill>
+                        </a:rPr>
+                        <a:t>maptoDouble</a:t>
+                      </a:r>
+                      <a:r>
+                        <a:rPr lang="en-US" dirty="0">
+                          <a:solidFill>
+                            <a:schemeClr val="tx1"/>
+                          </a:solidFill>
+                        </a:rPr>
+                        <a:t>(r-&gt;</a:t>
+                      </a:r>
+                      <a:r>
+                        <a:rPr lang="en-US" dirty="0" err="1">
+                          <a:solidFill>
+                            <a:schemeClr val="tx1"/>
+                          </a:solidFill>
+                        </a:rPr>
+                        <a:t>r.value</a:t>
+                      </a:r>
+                      <a:r>
+                        <a:rPr lang="en-US" dirty="0">
+                          <a:solidFill>
+                            <a:schemeClr val="tx1"/>
+                          </a:solidFill>
+                        </a:rPr>
+                        <a:t>).sum();--</a:t>
+                      </a:r>
+                      <a:r>
+                        <a:rPr lang="en-US" dirty="0">
+                          <a:solidFill>
+                            <a:srgbClr val="FF0000"/>
+                          </a:solidFill>
+                        </a:rPr>
+                        <a:t>sum return value directly without returning optional</a:t>
+                      </a:r>
+                      <a:endParaRPr lang="en-IN" dirty="0">
+                        <a:solidFill>
+                          <a:srgbClr val="FF0000"/>
+                        </a:solidFill>
+                      </a:endParaRPr>
+                    </a:p>
+                    <a:p>
+                      <a:pPr algn="ctr"/>
+                      <a:endParaRPr lang="en-IN" dirty="0"/>
+                    </a:p>
+                  </a:txBody>
+                  <a:tcPr/>
+                </a:tc>
+                <a:extLst>
+                  <a:ext uri="{0D108BD9-81ED-4DB2-BD59-A6C34878D82A}">
+                    <a16:rowId xmlns:a16="http://schemas.microsoft.com/office/drawing/2014/main" val="604765635"/>
+                  </a:ext>
+                </a:extLst>
+              </a:tr>
+            </a:tbl>
+          </a:graphicData>
+        </a:graphic>
+      </p:graphicFrame>
+    </p:spTree>
+    <p:extLst>
+      <p:ext uri="{BB962C8B-B14F-4D97-AF65-F5344CB8AC3E}">
+        <p14:creationId xmlns:p14="http://schemas.microsoft.com/office/powerpoint/2010/main" val="3561214417"/>
+      </p:ext>
+    </p:extLst>
+  </p:cSld>
+  <p:clrMapOvr>
+    <a:masterClrMapping/>
+  </p:clrMapOvr>
+</p:sld>
+</file>
+
+<file path=ppt/slides/slide12.xml><?xml version="1.0" encoding="utf-8"?>
+<p:sld xmlns:a="http://schemas.openxmlformats.org/drawingml/2006/main" xmlns:r="http://schemas.openxmlformats.org/officeDocument/2006/relationships" xmlns:p="http://schemas.openxmlformats.org/presentationml/2006/main">
+  <p:cSld>
+    <p:spTree>
+      <p:nvGrpSpPr>
+        <p:cNvPr id="1" name=""/>
+        <p:cNvGrpSpPr/>
+        <p:nvPr/>
+      </p:nvGrpSpPr>
+      <p:grpSpPr>
+        <a:xfrm>
+          <a:off x="0" y="0"/>
+          <a:ext cx="0" cy="0"/>
+          <a:chOff x="0" y="0"/>
+          <a:chExt cx="0" cy="0"/>
+        </a:xfrm>
+      </p:grpSpPr>
+      <p:sp>
+        <p:nvSpPr>
+          <p:cNvPr id="2" name="Title 1">
+            <a:extLst>
+              <a:ext uri="{FF2B5EF4-FFF2-40B4-BE49-F238E27FC236}">
+                <a16:creationId xmlns:a16="http://schemas.microsoft.com/office/drawing/2014/main" id="{3DB7AC21-A61B-4966-803A-01C24538CCE2}"/>
+              </a:ext>
+            </a:extLst>
+          </p:cNvPr>
+          <p:cNvSpPr>
+            <a:spLocks noGrp="1"/>
+          </p:cNvSpPr>
+          <p:nvPr>
+            <p:ph type="title"/>
+          </p:nvPr>
+        </p:nvSpPr>
+        <p:spPr>
+          <a:xfrm>
+            <a:off x="3143250" y="2508250"/>
+            <a:ext cx="10515600" cy="1325563"/>
+          </a:xfrm>
+        </p:spPr>
+        <p:txBody>
+          <a:bodyPr>
+            <a:normAutofit/>
+          </a:bodyPr>
+          <a:lstStyle/>
+          <a:p>
+            <a:r>
+              <a:rPr lang="en-US" sz="8000" dirty="0"/>
+              <a:t>OPTIONALS</a:t>
+            </a:r>
+            <a:endParaRPr lang="en-IN" sz="8000" dirty="0"/>
+          </a:p>
+        </p:txBody>
+      </p:sp>
+    </p:spTree>
+    <p:extLst>
+      <p:ext uri="{BB962C8B-B14F-4D97-AF65-F5344CB8AC3E}">
+        <p14:creationId xmlns:p14="http://schemas.microsoft.com/office/powerpoint/2010/main" val="237285641"/>
+      </p:ext>
+    </p:extLst>
+  </p:cSld>
+  <p:clrMapOvr>
+    <a:masterClrMapping/>
+  </p:clrMapOvr>
+</p:sld>
+</file>
+
+<file path=ppt/slides/slide13.xml><?xml version="1.0" encoding="utf-8"?>
+<p:sld xmlns:a="http://schemas.openxmlformats.org/drawingml/2006/main" xmlns:r="http://schemas.openxmlformats.org/officeDocument/2006/relationships" xmlns:p="http://schemas.openxmlformats.org/presentationml/2006/main">
+  <p:cSld>
+    <p:spTree>
+      <p:nvGrpSpPr>
+        <p:cNvPr id="1" name=""/>
+        <p:cNvGrpSpPr/>
+        <p:nvPr/>
+      </p:nvGrpSpPr>
+      <p:grpSpPr>
+        <a:xfrm>
+          <a:off x="0" y="0"/>
+          <a:ext cx="0" cy="0"/>
+          <a:chOff x="0" y="0"/>
+          <a:chExt cx="0" cy="0"/>
+        </a:xfrm>
+      </p:grpSpPr>
+      <p:sp>
+        <p:nvSpPr>
+          <p:cNvPr id="3" name="Content Placeholder 2">
+            <a:extLst>
+              <a:ext uri="{FF2B5EF4-FFF2-40B4-BE49-F238E27FC236}">
+                <a16:creationId xmlns:a16="http://schemas.microsoft.com/office/drawing/2014/main" id="{61A461C3-0A2D-4A89-8870-D4BD355D7729}"/>
+              </a:ext>
+            </a:extLst>
+          </p:cNvPr>
+          <p:cNvSpPr>
+            <a:spLocks noGrp="1"/>
+          </p:cNvSpPr>
+          <p:nvPr>
+            <p:ph idx="1"/>
+          </p:nvPr>
+        </p:nvSpPr>
+        <p:spPr>
+          <a:xfrm>
+            <a:off x="838200" y="552450"/>
+            <a:ext cx="10515600" cy="5195888"/>
+          </a:xfrm>
+        </p:spPr>
+        <p:txBody>
+          <a:bodyPr/>
+          <a:lstStyle/>
+          <a:p>
+            <a:pPr marL="0" indent="0">
+              <a:buNone/>
+            </a:pPr>
+            <a:r>
+              <a:rPr lang="en-US" dirty="0"/>
+              <a:t>1. An optional is a </a:t>
+            </a:r>
+            <a:r>
+              <a:rPr lang="en-US" dirty="0">
+                <a:solidFill>
+                  <a:srgbClr val="FF0000"/>
+                </a:solidFill>
+              </a:rPr>
+              <a:t>container/wrapper </a:t>
+            </a:r>
+            <a:r>
+              <a:rPr lang="en-US" dirty="0"/>
+              <a:t>that may or </a:t>
+            </a:r>
+            <a:r>
+              <a:rPr lang="en-US" dirty="0" err="1"/>
+              <a:t>maynot</a:t>
+            </a:r>
+            <a:r>
+              <a:rPr lang="en-US" dirty="0"/>
+              <a:t> contain a value.</a:t>
+            </a:r>
+          </a:p>
+          <a:p>
+            <a:r>
+              <a:rPr lang="en-US" sz="2000" dirty="0"/>
+              <a:t>If Stream is empty, then operations </a:t>
+            </a:r>
+            <a:r>
+              <a:rPr lang="en-US" sz="2000" dirty="0">
+                <a:solidFill>
+                  <a:srgbClr val="FF0000"/>
+                </a:solidFill>
+              </a:rPr>
+              <a:t>which also do not produce </a:t>
+            </a:r>
+            <a:r>
+              <a:rPr lang="en-US" sz="2000" dirty="0"/>
+              <a:t>any values ,return Optional.</a:t>
+            </a:r>
+          </a:p>
+          <a:p>
+            <a:r>
+              <a:rPr lang="en-US" sz="2000" dirty="0"/>
+              <a:t>Example:- </a:t>
+            </a:r>
+            <a:r>
+              <a:rPr lang="en-US" sz="2000" dirty="0" err="1"/>
+              <a:t>findFirst</a:t>
+            </a:r>
+            <a:r>
+              <a:rPr lang="en-US" sz="2000" dirty="0"/>
+              <a:t>(),</a:t>
+            </a:r>
+            <a:r>
+              <a:rPr lang="en-US" sz="2000" dirty="0" err="1"/>
+              <a:t>findAny</a:t>
+            </a:r>
+            <a:r>
+              <a:rPr lang="en-US" sz="2000" dirty="0"/>
+              <a:t>(),max(),min(),and average –all produce </a:t>
+            </a:r>
+            <a:r>
+              <a:rPr lang="en-US" sz="2000" dirty="0" err="1"/>
+              <a:t>optionals</a:t>
+            </a:r>
+            <a:r>
+              <a:rPr lang="en-US" sz="2000" dirty="0"/>
+              <a:t>.</a:t>
+            </a:r>
+            <a:br>
+              <a:rPr lang="en-US" sz="2000" dirty="0"/>
+            </a:br>
+            <a:endParaRPr lang="en-US" sz="2000" dirty="0"/>
+          </a:p>
+          <a:p>
+            <a:endParaRPr lang="en-US" sz="2000" dirty="0"/>
+          </a:p>
+          <a:p>
+            <a:pPr marL="0" indent="0">
+              <a:buNone/>
+            </a:pPr>
+            <a:r>
+              <a:rPr lang="en-US" sz="2000" dirty="0"/>
+              <a:t>2. </a:t>
+            </a:r>
+            <a:r>
+              <a:rPr lang="en-US" dirty="0"/>
+              <a:t>Types of </a:t>
+            </a:r>
+            <a:r>
+              <a:rPr lang="en-US" dirty="0" err="1"/>
+              <a:t>optionals</a:t>
+            </a:r>
+            <a:r>
+              <a:rPr lang="en-US" dirty="0"/>
+              <a:t>:-</a:t>
+            </a:r>
+          </a:p>
+          <a:p>
+            <a:pPr marL="0" indent="0">
+              <a:buNone/>
+            </a:pPr>
+            <a:r>
+              <a:rPr lang="en-US" sz="2000" dirty="0"/>
+              <a:t>a)Optional &lt;T&gt;:-- for objects , returned by </a:t>
+            </a:r>
+            <a:r>
+              <a:rPr lang="en-US" sz="2000" dirty="0" err="1"/>
+              <a:t>findany,findfirst,min,max,reduce..All</a:t>
+            </a:r>
+            <a:r>
+              <a:rPr lang="en-US" sz="2000" dirty="0"/>
+              <a:t> are present in stream interface.</a:t>
+            </a:r>
+          </a:p>
+          <a:p>
+            <a:pPr marL="0" indent="0">
+              <a:buNone/>
+            </a:pPr>
+            <a:r>
+              <a:rPr lang="en-US" sz="2000" dirty="0"/>
+              <a:t>b) </a:t>
+            </a:r>
+            <a:r>
+              <a:rPr lang="en-US" sz="2000" dirty="0" err="1"/>
+              <a:t>OptionalDouble</a:t>
+            </a:r>
+            <a:r>
+              <a:rPr lang="en-US" sz="2000" dirty="0"/>
+              <a:t> average(),max(),min(),reduce—contained in </a:t>
+            </a:r>
+            <a:r>
+              <a:rPr lang="en-US" sz="2000" dirty="0" err="1"/>
+              <a:t>DoubleStream</a:t>
+            </a:r>
+            <a:r>
+              <a:rPr lang="en-US" sz="2000" dirty="0"/>
+              <a:t> class</a:t>
+            </a:r>
+          </a:p>
+          <a:p>
+            <a:pPr marL="0" indent="0">
+              <a:buNone/>
+            </a:pPr>
+            <a:r>
+              <a:rPr lang="en-US" sz="2000" dirty="0"/>
+              <a:t>c) </a:t>
+            </a:r>
+            <a:r>
+              <a:rPr lang="en-US" sz="2000" dirty="0" err="1"/>
+              <a:t>OptionalInteger</a:t>
+            </a:r>
+            <a:r>
+              <a:rPr lang="en-US" sz="2000" dirty="0"/>
+              <a:t> average(),max(),min(),reduce—contained in </a:t>
+            </a:r>
+            <a:r>
+              <a:rPr lang="en-US" sz="2000" dirty="0" err="1"/>
+              <a:t>IntegerStream</a:t>
+            </a:r>
+            <a:r>
+              <a:rPr lang="en-US" sz="2000" dirty="0"/>
+              <a:t> class</a:t>
+            </a:r>
+          </a:p>
+          <a:p>
+            <a:pPr marL="0" indent="0">
+              <a:buNone/>
+            </a:pPr>
+            <a:r>
+              <a:rPr lang="en-US" sz="2000" dirty="0"/>
+              <a:t>d) </a:t>
+            </a:r>
+            <a:r>
+              <a:rPr lang="en-US" sz="2000" dirty="0" err="1"/>
+              <a:t>OptionalLong</a:t>
+            </a:r>
+            <a:r>
+              <a:rPr lang="en-US" sz="2000" dirty="0"/>
+              <a:t> average(),max(),min(),reduce—contained in </a:t>
+            </a:r>
+            <a:r>
+              <a:rPr lang="en-US" sz="2000" dirty="0" err="1"/>
+              <a:t>LongStream</a:t>
+            </a:r>
+            <a:r>
+              <a:rPr lang="en-US" sz="2000" dirty="0"/>
+              <a:t> class</a:t>
+            </a:r>
+          </a:p>
+          <a:p>
+            <a:pPr marL="0" indent="0">
+              <a:buNone/>
+            </a:pPr>
+            <a:endParaRPr lang="en-US" sz="2000" dirty="0"/>
+          </a:p>
+          <a:p>
+            <a:pPr marL="0" indent="0">
+              <a:buNone/>
+            </a:pPr>
+            <a:endParaRPr lang="en-US" sz="2000" dirty="0"/>
+          </a:p>
+          <a:p>
+            <a:endParaRPr lang="en-IN" dirty="0"/>
+          </a:p>
+        </p:txBody>
+      </p:sp>
+    </p:spTree>
+    <p:extLst>
+      <p:ext uri="{BB962C8B-B14F-4D97-AF65-F5344CB8AC3E}">
+        <p14:creationId xmlns:p14="http://schemas.microsoft.com/office/powerpoint/2010/main" val="2004578788"/>
+      </p:ext>
+    </p:extLst>
+  </p:cSld>
+  <p:clrMapOvr>
+    <a:masterClrMapping/>
+  </p:clrMapOvr>
+</p:sld>
+</file>
+
+<file path=ppt/slides/slide14.xml><?xml version="1.0" encoding="utf-8"?>
+<p:sld xmlns:a="http://schemas.openxmlformats.org/drawingml/2006/main" xmlns:r="http://schemas.openxmlformats.org/officeDocument/2006/relationships" xmlns:p="http://schemas.openxmlformats.org/presentationml/2006/main">
+  <p:cSld>
+    <p:spTree>
+      <p:nvGrpSpPr>
+        <p:cNvPr id="1" name=""/>
+        <p:cNvGrpSpPr/>
+        <p:nvPr/>
+      </p:nvGrpSpPr>
+      <p:grpSpPr>
+        <a:xfrm>
+          <a:off x="0" y="0"/>
+          <a:ext cx="0" cy="0"/>
+          <a:chOff x="0" y="0"/>
+          <a:chExt cx="0" cy="0"/>
+        </a:xfrm>
+      </p:grpSpPr>
+      <p:sp>
+        <p:nvSpPr>
+          <p:cNvPr id="3" name="Content Placeholder 2">
+            <a:extLst>
+              <a:ext uri="{FF2B5EF4-FFF2-40B4-BE49-F238E27FC236}">
+                <a16:creationId xmlns:a16="http://schemas.microsoft.com/office/drawing/2014/main" id="{7BF8AD71-1E27-4D4B-B130-D91E2EF4B4E8}"/>
+              </a:ext>
+            </a:extLst>
+          </p:cNvPr>
+          <p:cNvSpPr>
+            <a:spLocks noGrp="1"/>
+          </p:cNvSpPr>
+          <p:nvPr>
+            <p:ph idx="1"/>
+          </p:nvPr>
+        </p:nvSpPr>
+        <p:spPr>
+          <a:xfrm>
+            <a:off x="838200" y="552450"/>
+            <a:ext cx="10515600" cy="5624513"/>
+          </a:xfrm>
+        </p:spPr>
+        <p:txBody>
+          <a:bodyPr/>
+          <a:lstStyle/>
+          <a:p>
+            <a:r>
+              <a:rPr lang="en-US" dirty="0"/>
+              <a:t>Methods present in optional class:-</a:t>
+            </a:r>
+          </a:p>
+          <a:p>
+            <a:pPr marL="914400" lvl="1" indent="-457200">
+              <a:buFont typeface="+mj-lt"/>
+              <a:buAutoNum type="arabicPeriod"/>
+            </a:pPr>
+            <a:r>
+              <a:rPr lang="en-US" dirty="0"/>
+              <a:t> </a:t>
+            </a:r>
+            <a:r>
+              <a:rPr lang="en-US" dirty="0">
+                <a:solidFill>
+                  <a:srgbClr val="FF0000"/>
+                </a:solidFill>
+              </a:rPr>
+              <a:t>get</a:t>
+            </a:r>
+            <a:r>
+              <a:rPr lang="en-US" dirty="0"/>
+              <a:t>() method:- returns &lt;T&gt;</a:t>
+            </a:r>
+          </a:p>
+          <a:p>
+            <a:pPr lvl="2">
+              <a:buFont typeface="+mj-lt"/>
+              <a:buAutoNum type="arabicPeriod"/>
+            </a:pPr>
+            <a:r>
+              <a:rPr lang="en-US" sz="1000" dirty="0"/>
+              <a:t>Used to get value from optional </a:t>
+            </a:r>
+          </a:p>
+          <a:p>
+            <a:pPr lvl="1">
+              <a:buFont typeface="+mj-lt"/>
+              <a:buAutoNum type="arabicPeriod"/>
+            </a:pPr>
+            <a:r>
+              <a:rPr lang="en-US" sz="1800" dirty="0"/>
+              <a:t> </a:t>
+            </a:r>
+            <a:r>
+              <a:rPr lang="en-US" sz="2000" dirty="0" err="1">
+                <a:solidFill>
+                  <a:srgbClr val="FF0000"/>
+                </a:solidFill>
+              </a:rPr>
+              <a:t>ispresent</a:t>
+            </a:r>
+            <a:r>
+              <a:rPr lang="en-US" sz="2000" dirty="0"/>
+              <a:t>() </a:t>
+            </a:r>
+            <a:r>
+              <a:rPr lang="en-US" sz="1800" dirty="0"/>
+              <a:t>method:- returns Boolean</a:t>
+            </a:r>
+          </a:p>
+          <a:p>
+            <a:pPr lvl="1">
+              <a:buFont typeface="+mj-lt"/>
+              <a:buAutoNum type="arabicPeriod"/>
+            </a:pPr>
+            <a:r>
+              <a:rPr lang="en-US" sz="2000" dirty="0" err="1">
+                <a:solidFill>
+                  <a:srgbClr val="FF0000"/>
+                </a:solidFill>
+              </a:rPr>
+              <a:t>Ifpresent</a:t>
+            </a:r>
+            <a:r>
+              <a:rPr lang="en-US" sz="2000" dirty="0"/>
+              <a:t>(Consumer&lt;?super T&gt; consumer):- </a:t>
+            </a:r>
+            <a:r>
+              <a:rPr lang="en-US" sz="1800" dirty="0"/>
+              <a:t>	it checks if optional contains that value, and if it contains, then get that value</a:t>
+            </a:r>
+            <a:br>
+              <a:rPr lang="en-US" sz="1800" dirty="0"/>
+            </a:br>
+            <a:r>
+              <a:rPr lang="en-US" sz="1800" dirty="0"/>
+              <a:t>		example:</a:t>
+            </a:r>
+            <a:br>
+              <a:rPr lang="en-US" sz="1800" dirty="0"/>
+            </a:br>
+            <a:r>
+              <a:rPr lang="en-US" sz="1800" dirty="0"/>
+              <a:t>		Stream&lt;Double&gt; </a:t>
+            </a:r>
+            <a:r>
+              <a:rPr lang="en-US" sz="1800" dirty="0" err="1"/>
+              <a:t>doubleStream</a:t>
+            </a:r>
+            <a:r>
+              <a:rPr lang="en-US" sz="1800" dirty="0"/>
+              <a:t>=</a:t>
+            </a:r>
+            <a:r>
+              <a:rPr lang="en-US" sz="1800" dirty="0" err="1"/>
+              <a:t>Stream.of</a:t>
+            </a:r>
+            <a:r>
+              <a:rPr lang="en-US" sz="1800" dirty="0"/>
+              <a:t>(1.0,2.0,3.0);</a:t>
+            </a:r>
+            <a:br>
+              <a:rPr lang="en-US" sz="1800" dirty="0"/>
+            </a:br>
+            <a:r>
+              <a:rPr lang="en-US" sz="1800" dirty="0"/>
+              <a:t>		Optional&lt;Double&gt; </a:t>
+            </a:r>
+            <a:r>
+              <a:rPr lang="en-US" sz="1800" dirty="0" err="1"/>
+              <a:t>aNum</a:t>
+            </a:r>
+            <a:r>
+              <a:rPr lang="en-US" sz="1800" dirty="0"/>
+              <a:t>=</a:t>
+            </a:r>
+            <a:r>
+              <a:rPr lang="en-US" sz="1800" dirty="0" err="1"/>
+              <a:t>doublestream.findFirst</a:t>
+            </a:r>
+            <a:r>
+              <a:rPr lang="en-US" sz="1800" dirty="0"/>
+              <a:t>();</a:t>
+            </a:r>
+            <a:br>
+              <a:rPr lang="en-US" sz="1800" dirty="0"/>
+            </a:br>
+            <a:r>
+              <a:rPr lang="en-US" sz="1800" dirty="0"/>
+              <a:t>		</a:t>
+            </a:r>
+            <a:r>
+              <a:rPr lang="en-US" sz="1800" dirty="0" err="1"/>
+              <a:t>aNum.ifPresent</a:t>
+            </a:r>
+            <a:r>
+              <a:rPr lang="en-US" sz="1800" dirty="0"/>
+              <a:t>(n-&gt;</a:t>
+            </a:r>
+            <a:r>
+              <a:rPr lang="en-US" sz="1800" dirty="0" err="1"/>
+              <a:t>System.out.println</a:t>
+            </a:r>
+            <a:r>
+              <a:rPr lang="en-US" sz="1800" dirty="0"/>
+              <a:t>(n));</a:t>
+            </a:r>
+          </a:p>
+          <a:p>
+            <a:pPr lvl="1">
+              <a:buFont typeface="+mj-lt"/>
+              <a:buAutoNum type="arabicPeriod"/>
+            </a:pPr>
+            <a:r>
+              <a:rPr lang="en-US" sz="1800" dirty="0">
+                <a:solidFill>
+                  <a:srgbClr val="FF0000"/>
+                </a:solidFill>
+              </a:rPr>
+              <a:t>Of</a:t>
+            </a:r>
+            <a:r>
+              <a:rPr lang="en-US" sz="1800" dirty="0"/>
+              <a:t>():- It creates a new Optional.</a:t>
+            </a:r>
+          </a:p>
+          <a:p>
+            <a:pPr lvl="1">
+              <a:buFont typeface="+mj-lt"/>
+              <a:buAutoNum type="arabicPeriod"/>
+            </a:pPr>
+            <a:r>
+              <a:rPr lang="en-US" sz="1800" dirty="0" err="1">
+                <a:solidFill>
+                  <a:srgbClr val="FF0000"/>
+                </a:solidFill>
+              </a:rPr>
+              <a:t>OfNullable</a:t>
+            </a:r>
+            <a:r>
+              <a:rPr lang="en-US" sz="1800" dirty="0"/>
+              <a:t>:- It creates a new optional only and only if object you pass is not null.</a:t>
+            </a:r>
+            <a:br>
+              <a:rPr lang="en-US" sz="1800" dirty="0"/>
+            </a:br>
+            <a:r>
+              <a:rPr lang="en-US" sz="1800" dirty="0"/>
+              <a:t>	Optional </a:t>
+            </a:r>
+            <a:r>
+              <a:rPr lang="en-IN" sz="1800" dirty="0">
+                <a:solidFill>
+                  <a:srgbClr val="6A3E3E"/>
+                </a:solidFill>
+                <a:latin typeface="Consolas" panose="020B0609020204030204" pitchFamily="49" charset="0"/>
+              </a:rPr>
+              <a:t>opt</a:t>
+            </a:r>
+            <a:r>
+              <a:rPr lang="en-IN" sz="1800" dirty="0">
+                <a:solidFill>
+                  <a:srgbClr val="000000"/>
+                </a:solidFill>
+                <a:latin typeface="Consolas" panose="020B0609020204030204" pitchFamily="49" charset="0"/>
+              </a:rPr>
+              <a:t>=</a:t>
+            </a:r>
+            <a:r>
+              <a:rPr lang="en-IN" sz="1800" dirty="0" err="1">
+                <a:solidFill>
+                  <a:srgbClr val="000000"/>
+                </a:solidFill>
+                <a:latin typeface="Consolas" panose="020B0609020204030204" pitchFamily="49" charset="0"/>
+              </a:rPr>
+              <a:t>Optional.</a:t>
+            </a:r>
+            <a:r>
+              <a:rPr lang="en-IN" sz="1800" i="1" dirty="0" err="1">
+                <a:solidFill>
+                  <a:srgbClr val="000000"/>
+                </a:solidFill>
+                <a:latin typeface="Consolas" panose="020B0609020204030204" pitchFamily="49" charset="0"/>
+              </a:rPr>
+              <a:t>of</a:t>
+            </a:r>
+            <a:r>
+              <a:rPr lang="en-IN" sz="1800" i="1" dirty="0">
+                <a:solidFill>
+                  <a:srgbClr val="000000"/>
+                </a:solidFill>
+                <a:latin typeface="Consolas" panose="020B0609020204030204" pitchFamily="49" charset="0"/>
+              </a:rPr>
+              <a:t>(</a:t>
+            </a:r>
+            <a:r>
+              <a:rPr lang="en-IN" sz="1800" i="1" dirty="0">
+                <a:solidFill>
+                  <a:srgbClr val="7F0055"/>
+                </a:solidFill>
+                <a:latin typeface="Consolas" panose="020B0609020204030204" pitchFamily="49" charset="0"/>
+              </a:rPr>
+              <a:t>null</a:t>
+            </a:r>
+            <a:r>
+              <a:rPr lang="en-IN" sz="1800" i="1" dirty="0">
+                <a:solidFill>
+                  <a:srgbClr val="000000"/>
+                </a:solidFill>
+                <a:latin typeface="Consolas" panose="020B0609020204030204" pitchFamily="49" charset="0"/>
+              </a:rPr>
+              <a:t>); //</a:t>
+            </a:r>
+            <a:r>
+              <a:rPr lang="en-IN" sz="1800" i="1" dirty="0" err="1">
+                <a:solidFill>
+                  <a:srgbClr val="FF0000"/>
+                </a:solidFill>
+                <a:latin typeface="Consolas" panose="020B0609020204030204" pitchFamily="49" charset="0"/>
+              </a:rPr>
+              <a:t>nullpointerexception</a:t>
+            </a:r>
+            <a:br>
+              <a:rPr lang="en-IN" sz="1800" i="1" dirty="0">
+                <a:solidFill>
+                  <a:srgbClr val="000000"/>
+                </a:solidFill>
+                <a:latin typeface="Consolas" panose="020B0609020204030204" pitchFamily="49" charset="0"/>
+              </a:rPr>
+            </a:br>
+            <a:r>
+              <a:rPr lang="en-IN" sz="1800" i="1" dirty="0">
+                <a:solidFill>
+                  <a:srgbClr val="000000"/>
+                </a:solidFill>
+                <a:latin typeface="Consolas" panose="020B0609020204030204" pitchFamily="49" charset="0"/>
+              </a:rPr>
+              <a:t>	</a:t>
+            </a:r>
+            <a:r>
+              <a:rPr lang="fr-FR" sz="1800" dirty="0" err="1">
+                <a:solidFill>
+                  <a:srgbClr val="000000"/>
+                </a:solidFill>
+                <a:latin typeface="Consolas" panose="020B0609020204030204" pitchFamily="49" charset="0"/>
+              </a:rPr>
+              <a:t>Optional</a:t>
+            </a:r>
+            <a:r>
+              <a:rPr lang="fr-FR" sz="1800" dirty="0">
+                <a:solidFill>
+                  <a:srgbClr val="000000"/>
+                </a:solidFill>
+                <a:latin typeface="Consolas" panose="020B0609020204030204" pitchFamily="49" charset="0"/>
+              </a:rPr>
+              <a:t> </a:t>
+            </a:r>
+            <a:r>
+              <a:rPr lang="fr-FR" sz="1800" dirty="0">
+                <a:solidFill>
+                  <a:srgbClr val="6A3E3E"/>
+                </a:solidFill>
+                <a:latin typeface="Consolas" panose="020B0609020204030204" pitchFamily="49" charset="0"/>
+              </a:rPr>
+              <a:t>opt1</a:t>
+            </a:r>
+            <a:r>
+              <a:rPr lang="fr-FR" sz="1800" dirty="0">
+                <a:solidFill>
+                  <a:srgbClr val="000000"/>
+                </a:solidFill>
+                <a:latin typeface="Consolas" panose="020B0609020204030204" pitchFamily="49" charset="0"/>
+              </a:rPr>
+              <a:t>=</a:t>
+            </a:r>
+            <a:r>
+              <a:rPr lang="fr-FR" sz="1800" dirty="0" err="1">
+                <a:solidFill>
+                  <a:srgbClr val="000000"/>
+                </a:solidFill>
+                <a:latin typeface="Consolas" panose="020B0609020204030204" pitchFamily="49" charset="0"/>
+              </a:rPr>
+              <a:t>Optional.</a:t>
+            </a:r>
+            <a:r>
+              <a:rPr lang="fr-FR" sz="1800" i="1" dirty="0" err="1">
+                <a:solidFill>
+                  <a:srgbClr val="000000"/>
+                </a:solidFill>
+                <a:latin typeface="Consolas" panose="020B0609020204030204" pitchFamily="49" charset="0"/>
+              </a:rPr>
+              <a:t>ofNullable</a:t>
+            </a:r>
+            <a:r>
+              <a:rPr lang="fr-FR" sz="1800" i="1" dirty="0">
+                <a:solidFill>
+                  <a:srgbClr val="000000"/>
+                </a:solidFill>
+                <a:latin typeface="Consolas" panose="020B0609020204030204" pitchFamily="49" charset="0"/>
+              </a:rPr>
+              <a:t>(</a:t>
+            </a:r>
+            <a:r>
+              <a:rPr lang="fr-FR" sz="1800" i="1" dirty="0" err="1">
+                <a:solidFill>
+                  <a:srgbClr val="7F0055"/>
+                </a:solidFill>
+                <a:latin typeface="Consolas" panose="020B0609020204030204" pitchFamily="49" charset="0"/>
+              </a:rPr>
+              <a:t>null</a:t>
+            </a:r>
+            <a:r>
+              <a:rPr lang="fr-FR" sz="1800" i="1" dirty="0">
+                <a:solidFill>
+                  <a:srgbClr val="000000"/>
+                </a:solidFill>
+                <a:latin typeface="Consolas" panose="020B0609020204030204" pitchFamily="49" charset="0"/>
+              </a:rPr>
+              <a:t>);</a:t>
+            </a:r>
+            <a:br>
+              <a:rPr lang="fr-FR" sz="1800" i="1" dirty="0">
+                <a:solidFill>
+                  <a:srgbClr val="000000"/>
+                </a:solidFill>
+                <a:latin typeface="Consolas" panose="020B0609020204030204" pitchFamily="49" charset="0"/>
+              </a:rPr>
+            </a:br>
+            <a:r>
+              <a:rPr lang="fr-FR" sz="1800" i="1" dirty="0">
+                <a:solidFill>
+                  <a:srgbClr val="000000"/>
+                </a:solidFill>
+                <a:latin typeface="Consolas" panose="020B0609020204030204" pitchFamily="49" charset="0"/>
+              </a:rPr>
+              <a:t>	S</a:t>
+            </a:r>
+            <a:r>
+              <a:rPr lang="en-IN" sz="1800" dirty="0" err="1">
+                <a:solidFill>
+                  <a:srgbClr val="000000"/>
+                </a:solidFill>
+                <a:latin typeface="Consolas" panose="020B0609020204030204" pitchFamily="49" charset="0"/>
+              </a:rPr>
+              <a:t>ystem.</a:t>
+            </a:r>
+            <a:r>
+              <a:rPr lang="en-IN" sz="1800" i="1" dirty="0" err="1">
+                <a:solidFill>
+                  <a:srgbClr val="0000C0"/>
+                </a:solidFill>
+                <a:latin typeface="Consolas" panose="020B0609020204030204" pitchFamily="49" charset="0"/>
+              </a:rPr>
+              <a:t>out</a:t>
+            </a:r>
+            <a:r>
+              <a:rPr lang="en-IN" sz="1800" i="1" dirty="0" err="1">
+                <a:solidFill>
+                  <a:srgbClr val="000000"/>
+                </a:solidFill>
+                <a:latin typeface="Consolas" panose="020B0609020204030204" pitchFamily="49" charset="0"/>
+              </a:rPr>
+              <a:t>.print</a:t>
+            </a:r>
+            <a:r>
+              <a:rPr lang="en-IN" sz="1800" i="1" dirty="0">
+                <a:solidFill>
+                  <a:srgbClr val="000000"/>
+                </a:solidFill>
+                <a:latin typeface="Consolas" panose="020B0609020204030204" pitchFamily="49" charset="0"/>
+              </a:rPr>
+              <a:t>(</a:t>
+            </a:r>
+            <a:r>
+              <a:rPr lang="en-IN" sz="1800" i="1" dirty="0">
+                <a:solidFill>
+                  <a:srgbClr val="6A3E3E"/>
+                </a:solidFill>
+                <a:latin typeface="Consolas" panose="020B0609020204030204" pitchFamily="49" charset="0"/>
+              </a:rPr>
+              <a:t>opt1</a:t>
+            </a:r>
+            <a:r>
+              <a:rPr lang="en-IN" sz="1800" i="1" dirty="0">
+                <a:solidFill>
+                  <a:srgbClr val="000000"/>
+                </a:solidFill>
+                <a:latin typeface="Consolas" panose="020B0609020204030204" pitchFamily="49" charset="0"/>
+              </a:rPr>
+              <a:t>.isPresent());</a:t>
+            </a:r>
+          </a:p>
+          <a:p>
+            <a:pPr lvl="1">
+              <a:buFont typeface="+mj-lt"/>
+              <a:buAutoNum type="arabicPeriod"/>
+            </a:pPr>
+            <a:r>
+              <a:rPr lang="en-IN" sz="1800" i="1" dirty="0">
+                <a:solidFill>
+                  <a:srgbClr val="FF0000"/>
+                </a:solidFill>
+                <a:latin typeface="Consolas" panose="020B0609020204030204" pitchFamily="49" charset="0"/>
+              </a:rPr>
+              <a:t>empty</a:t>
+            </a:r>
+            <a:r>
+              <a:rPr lang="en-IN" sz="1800" i="1" dirty="0">
+                <a:solidFill>
+                  <a:srgbClr val="000000"/>
+                </a:solidFill>
+                <a:latin typeface="Consolas" panose="020B0609020204030204" pitchFamily="49" charset="0"/>
+              </a:rPr>
+              <a:t>():-</a:t>
+            </a:r>
+            <a:r>
+              <a:rPr lang="en-IN" sz="1800" dirty="0">
+                <a:solidFill>
+                  <a:srgbClr val="000000"/>
+                </a:solidFill>
+                <a:latin typeface="Consolas" panose="020B0609020204030204" pitchFamily="49" charset="0"/>
+              </a:rPr>
+              <a:t>makes an </a:t>
+            </a:r>
+            <a:r>
+              <a:rPr lang="en-IN" sz="1800" dirty="0" err="1">
+                <a:solidFill>
+                  <a:srgbClr val="000000"/>
+                </a:solidFill>
+                <a:latin typeface="Consolas" panose="020B0609020204030204" pitchFamily="49" charset="0"/>
+              </a:rPr>
+              <a:t>expty</a:t>
+            </a:r>
+            <a:r>
+              <a:rPr lang="en-IN" sz="1800" dirty="0">
+                <a:solidFill>
+                  <a:srgbClr val="000000"/>
+                </a:solidFill>
+                <a:latin typeface="Consolas" panose="020B0609020204030204" pitchFamily="49" charset="0"/>
+              </a:rPr>
+              <a:t> optional</a:t>
+            </a:r>
+          </a:p>
+          <a:p>
+            <a:pPr lvl="1">
+              <a:buFont typeface="+mj-lt"/>
+              <a:buAutoNum type="arabicPeriod"/>
+            </a:pPr>
+            <a:r>
+              <a:rPr lang="en-IN" sz="1800" i="1" dirty="0" err="1">
+                <a:solidFill>
+                  <a:srgbClr val="FF0000"/>
+                </a:solidFill>
+                <a:latin typeface="Consolas" panose="020B0609020204030204" pitchFamily="49" charset="0"/>
+              </a:rPr>
+              <a:t>orElse</a:t>
+            </a:r>
+            <a:r>
+              <a:rPr lang="en-IN" sz="1800" i="1" dirty="0">
+                <a:solidFill>
+                  <a:srgbClr val="FF0000"/>
+                </a:solidFill>
+                <a:latin typeface="Consolas" panose="020B0609020204030204" pitchFamily="49" charset="0"/>
+              </a:rPr>
+              <a:t>():- </a:t>
+            </a:r>
+            <a:r>
+              <a:rPr lang="en-IN" sz="1800" dirty="0">
+                <a:solidFill>
+                  <a:srgbClr val="000000"/>
+                </a:solidFill>
+                <a:latin typeface="Consolas" panose="020B0609020204030204" pitchFamily="49" charset="0"/>
+              </a:rPr>
+              <a:t>if we get empty optional, we specify a value with </a:t>
+            </a:r>
+            <a:r>
+              <a:rPr lang="en-IN" sz="1800" dirty="0" err="1">
+                <a:solidFill>
+                  <a:srgbClr val="000000"/>
+                </a:solidFill>
+                <a:latin typeface="Consolas" panose="020B0609020204030204" pitchFamily="49" charset="0"/>
+              </a:rPr>
+              <a:t>orElse</a:t>
+            </a:r>
+            <a:r>
+              <a:rPr lang="en-IN" sz="1800" dirty="0">
+                <a:solidFill>
+                  <a:srgbClr val="000000"/>
+                </a:solidFill>
+                <a:latin typeface="Consolas" panose="020B0609020204030204" pitchFamily="49" charset="0"/>
+              </a:rPr>
+              <a:t> </a:t>
+            </a:r>
+          </a:p>
+          <a:p>
+            <a:pPr marL="0" indent="0" algn="l">
+              <a:buNone/>
+            </a:pPr>
+            <a:endParaRPr lang="en-US" sz="1400" dirty="0"/>
+          </a:p>
+          <a:p>
+            <a:pPr lvl="1"/>
+            <a:endParaRPr lang="en-US" sz="1400" dirty="0"/>
+          </a:p>
+          <a:p>
+            <a:pPr marL="0" indent="0">
+              <a:buNone/>
+            </a:pPr>
+            <a:endParaRPr lang="en-IN" dirty="0"/>
+          </a:p>
+        </p:txBody>
+      </p:sp>
+    </p:spTree>
+    <p:extLst>
+      <p:ext uri="{BB962C8B-B14F-4D97-AF65-F5344CB8AC3E}">
+        <p14:creationId xmlns:p14="http://schemas.microsoft.com/office/powerpoint/2010/main" val="3716596435"/>
+      </p:ext>
+    </p:extLst>
+  </p:cSld>
+  <p:clrMapOvr>
+    <a:masterClrMapping/>
+  </p:clrMapOvr>
+</p:sld>
+</file>
+
+<file path=ppt/slides/slide15.xml><?xml version="1.0" encoding="utf-8"?>
+<p:sld xmlns:a="http://schemas.openxmlformats.org/drawingml/2006/main" xmlns:r="http://schemas.openxmlformats.org/officeDocument/2006/relationships" xmlns:p="http://schemas.openxmlformats.org/presentationml/2006/main">
+  <p:cSld>
+    <p:spTree>
+      <p:nvGrpSpPr>
+        <p:cNvPr id="1" name=""/>
+        <p:cNvGrpSpPr/>
+        <p:nvPr/>
+      </p:nvGrpSpPr>
+      <p:grpSpPr>
+        <a:xfrm>
+          <a:off x="0" y="0"/>
+          <a:ext cx="0" cy="0"/>
+          <a:chOff x="0" y="0"/>
+          <a:chExt cx="0" cy="0"/>
+        </a:xfrm>
+      </p:grpSpPr>
+      <p:sp>
+        <p:nvSpPr>
+          <p:cNvPr id="3" name="Content Placeholder 2">
+            <a:extLst>
+              <a:ext uri="{FF2B5EF4-FFF2-40B4-BE49-F238E27FC236}">
+                <a16:creationId xmlns:a16="http://schemas.microsoft.com/office/drawing/2014/main" id="{0173338B-2E26-4391-A69F-F669B6ED9972}"/>
+              </a:ext>
+            </a:extLst>
+          </p:cNvPr>
+          <p:cNvSpPr>
+            <a:spLocks noGrp="1"/>
+          </p:cNvSpPr>
+          <p:nvPr>
+            <p:ph idx="1"/>
+          </p:nvPr>
+        </p:nvSpPr>
+        <p:spPr/>
+        <p:txBody>
+          <a:bodyPr/>
+          <a:lstStyle/>
+          <a:p>
+            <a:r>
+              <a:rPr lang="en-US" dirty="0"/>
+              <a:t>Example:-</a:t>
+            </a:r>
+          </a:p>
+          <a:p>
+            <a:r>
+              <a:rPr lang="en-IN" dirty="0"/>
+              <a:t>Optional&lt;Dog&gt; </a:t>
+            </a:r>
+            <a:r>
+              <a:rPr lang="en-IN" dirty="0" err="1"/>
+              <a:t>emptyDog</a:t>
+            </a:r>
+            <a:r>
+              <a:rPr lang="en-IN" dirty="0"/>
+              <a:t>=</a:t>
+            </a:r>
+            <a:r>
+              <a:rPr lang="en-IN" dirty="0" err="1"/>
+              <a:t>Optional.empty</a:t>
+            </a:r>
+            <a:r>
+              <a:rPr lang="en-IN" dirty="0"/>
+              <a:t>();</a:t>
+            </a:r>
+          </a:p>
+          <a:p>
+            <a:r>
+              <a:rPr lang="en-IN" dirty="0"/>
+              <a:t>Dog </a:t>
+            </a:r>
+            <a:r>
+              <a:rPr lang="en-IN" dirty="0" err="1"/>
+              <a:t>adog</a:t>
+            </a:r>
+            <a:r>
+              <a:rPr lang="en-IN" dirty="0"/>
+              <a:t>=</a:t>
+            </a:r>
+            <a:r>
+              <a:rPr lang="en-IN" dirty="0" err="1"/>
+              <a:t>emptyDog.orElse</a:t>
+            </a:r>
+            <a:r>
+              <a:rPr lang="en-IN" dirty="0"/>
+              <a:t>(new Dog(“Default Dog”,50,10);</a:t>
+            </a:r>
+          </a:p>
+          <a:p>
+            <a:r>
+              <a:rPr lang="en-IN" dirty="0" err="1"/>
+              <a:t>System.out.println</a:t>
+            </a:r>
+            <a:r>
+              <a:rPr lang="en-IN" dirty="0"/>
+              <a:t>(“A dog”+</a:t>
+            </a:r>
+            <a:r>
+              <a:rPr lang="en-IN" dirty="0" err="1"/>
+              <a:t>aDod</a:t>
+            </a:r>
+            <a:r>
+              <a:rPr lang="en-IN"/>
+              <a:t>);</a:t>
+            </a:r>
+            <a:endParaRPr lang="en-IN" dirty="0"/>
+          </a:p>
+        </p:txBody>
+      </p:sp>
+    </p:spTree>
+    <p:extLst>
+      <p:ext uri="{BB962C8B-B14F-4D97-AF65-F5344CB8AC3E}">
+        <p14:creationId xmlns:p14="http://schemas.microsoft.com/office/powerpoint/2010/main" val="3905213800"/>
       </p:ext>
     </p:extLst>
   </p:cSld>
@@ -4663,7 +6903,7 @@
         </p:spPr>
         <p:txBody>
           <a:bodyPr>
-            <a:normAutofit/>
+            <a:normAutofit fontScale="92500" lnSpcReduction="10000"/>
           </a:bodyPr>
           <a:lstStyle/>
           <a:p>
@@ -4766,9 +7006,6 @@
             </a:r>
           </a:p>
           <a:p>
-            <a:pPr marL="0" indent="0">
-              <a:buNone/>
-            </a:pPr>
             <a:r>
               <a:rPr lang="en-US" sz="2800" dirty="0"/>
               <a:t>	example: </a:t>
@@ -4780,44 +7017,470 @@
               <a:rPr lang="en-US" sz="2800" dirty="0"/>
               <a:t>	</a:t>
             </a:r>
-            <a:r>
-              <a:rPr lang="en-US" sz="2800" dirty="0" err="1"/>
-              <a:t>MyMap</a:t>
-            </a:r>
-            <a:r>
-              <a:rPr lang="en-US" sz="2800" dirty="0"/>
-              <a:t> &lt;String , Integer&gt;map;</a:t>
-            </a:r>
-          </a:p>
-          <a:p>
-            <a:pPr marL="0" indent="0">
+            <a:endParaRPr lang="en-IN" b="1" u="sng" dirty="0">
+              <a:solidFill>
+                <a:srgbClr val="000000"/>
+              </a:solidFill>
+              <a:latin typeface="Consolas" panose="020B0609020204030204" pitchFamily="49" charset="0"/>
+            </a:endParaRPr>
+          </a:p>
+          <a:p>
+            <a:pPr marL="1828800" lvl="4" indent="0">
               <a:buNone/>
             </a:pPr>
             <a:r>
-              <a:rPr lang="en-US" sz="2800" dirty="0"/>
-              <a:t>	</a:t>
-            </a:r>
-            <a:r>
-              <a:rPr lang="en-US" sz="2800" dirty="0" err="1"/>
-              <a:t>map.entrySet</a:t>
-            </a:r>
-            <a:r>
-              <a:rPr lang="en-US" sz="2800" dirty="0"/>
-              <a:t>().stream().filter(d-&gt;</a:t>
-            </a:r>
-            <a:r>
-              <a:rPr lang="en-US" sz="2800" dirty="0" err="1"/>
-              <a:t>d.getvalue</a:t>
-            </a:r>
-            <a:r>
-              <a:rPr lang="en-US" sz="2800" dirty="0"/>
-              <a:t>()&gt;4</a:t>
-            </a:r>
-          </a:p>
-          <a:p>
-            <a:pPr marL="0" indent="0">
+              <a:rPr lang="en-IN" sz="1600" dirty="0">
+                <a:solidFill>
+                  <a:srgbClr val="000000"/>
+                </a:solidFill>
+                <a:latin typeface="Consolas" panose="020B0609020204030204" pitchFamily="49" charset="0"/>
+              </a:rPr>
+              <a:t> Map &lt;</a:t>
+            </a:r>
+            <a:r>
+              <a:rPr lang="en-IN" sz="1600" dirty="0" err="1">
+                <a:solidFill>
+                  <a:srgbClr val="000000"/>
+                </a:solidFill>
+                <a:latin typeface="Consolas" panose="020B0609020204030204" pitchFamily="49" charset="0"/>
+              </a:rPr>
+              <a:t>Integer,String</a:t>
+            </a:r>
+            <a:r>
+              <a:rPr lang="en-IN" sz="1600" dirty="0">
+                <a:solidFill>
+                  <a:srgbClr val="000000"/>
+                </a:solidFill>
+                <a:latin typeface="Consolas" panose="020B0609020204030204" pitchFamily="49" charset="0"/>
+              </a:rPr>
+              <a:t>&gt;</a:t>
+            </a:r>
+            <a:r>
+              <a:rPr lang="en-IN" sz="1600" dirty="0" err="1">
+                <a:solidFill>
+                  <a:srgbClr val="6A3E3E"/>
+                </a:solidFill>
+                <a:latin typeface="Consolas" panose="020B0609020204030204" pitchFamily="49" charset="0"/>
+              </a:rPr>
+              <a:t>myMap</a:t>
+            </a:r>
+            <a:r>
+              <a:rPr lang="en-IN" sz="1600" dirty="0">
+                <a:solidFill>
+                  <a:srgbClr val="000000"/>
+                </a:solidFill>
+                <a:latin typeface="Consolas" panose="020B0609020204030204" pitchFamily="49" charset="0"/>
+              </a:rPr>
+              <a:t>=</a:t>
+            </a:r>
+            <a:r>
+              <a:rPr lang="en-IN" sz="1600" b="1" u="sng" dirty="0">
+                <a:solidFill>
+                  <a:srgbClr val="7F0055"/>
+                </a:solidFill>
+                <a:latin typeface="Consolas" panose="020B0609020204030204" pitchFamily="49" charset="0"/>
+              </a:rPr>
+              <a:t>new</a:t>
+            </a:r>
+            <a:r>
+              <a:rPr lang="en-IN" sz="1600" b="1" u="sng" dirty="0">
+                <a:solidFill>
+                  <a:srgbClr val="000000"/>
+                </a:solidFill>
+                <a:latin typeface="Consolas" panose="020B0609020204030204" pitchFamily="49" charset="0"/>
+              </a:rPr>
+              <a:t> HashMap(); </a:t>
+            </a:r>
+            <a:r>
+              <a:rPr lang="en-IN" sz="1600" dirty="0" err="1">
+                <a:solidFill>
+                  <a:srgbClr val="6A3E3E"/>
+                </a:solidFill>
+                <a:latin typeface="Consolas" panose="020B0609020204030204" pitchFamily="49" charset="0"/>
+              </a:rPr>
+              <a:t>myMap</a:t>
+            </a:r>
+            <a:r>
+              <a:rPr lang="en-IN" sz="1600" dirty="0" err="1">
+                <a:solidFill>
+                  <a:srgbClr val="000000"/>
+                </a:solidFill>
+                <a:latin typeface="Consolas" panose="020B0609020204030204" pitchFamily="49" charset="0"/>
+              </a:rPr>
+              <a:t>.put</a:t>
+            </a:r>
+            <a:r>
+              <a:rPr lang="en-IN" sz="1600" dirty="0">
+                <a:solidFill>
+                  <a:srgbClr val="000000"/>
+                </a:solidFill>
+                <a:latin typeface="Consolas" panose="020B0609020204030204" pitchFamily="49" charset="0"/>
+              </a:rPr>
+              <a:t>(1, </a:t>
+            </a:r>
+            <a:r>
+              <a:rPr lang="en-IN" sz="1600" dirty="0">
+                <a:solidFill>
+                  <a:srgbClr val="2A00FF"/>
+                </a:solidFill>
+                <a:latin typeface="Consolas" panose="020B0609020204030204" pitchFamily="49" charset="0"/>
+              </a:rPr>
+              <a:t>"one"</a:t>
+            </a:r>
+            <a:r>
+              <a:rPr lang="en-IN" sz="1600" dirty="0">
+                <a:solidFill>
+                  <a:srgbClr val="000000"/>
+                </a:solidFill>
+                <a:latin typeface="Consolas" panose="020B0609020204030204" pitchFamily="49" charset="0"/>
+              </a:rPr>
+              <a:t>);</a:t>
+            </a:r>
+          </a:p>
+          <a:p>
+            <a:pPr marL="1828800" lvl="4" indent="0">
               <a:buNone/>
             </a:pPr>
+            <a:r>
+              <a:rPr lang="en-IN" sz="1600" dirty="0">
+                <a:solidFill>
+                  <a:srgbClr val="000000"/>
+                </a:solidFill>
+                <a:latin typeface="Consolas" panose="020B0609020204030204" pitchFamily="49" charset="0"/>
+              </a:rPr>
+              <a:t> </a:t>
+            </a:r>
+            <a:r>
+              <a:rPr lang="en-IN" sz="1600" dirty="0" err="1">
+                <a:solidFill>
+                  <a:srgbClr val="6A3E3E"/>
+                </a:solidFill>
+                <a:latin typeface="Consolas" panose="020B0609020204030204" pitchFamily="49" charset="0"/>
+              </a:rPr>
+              <a:t>myMap</a:t>
+            </a:r>
+            <a:r>
+              <a:rPr lang="en-IN" sz="1600" dirty="0" err="1">
+                <a:solidFill>
+                  <a:srgbClr val="000000"/>
+                </a:solidFill>
+                <a:latin typeface="Consolas" panose="020B0609020204030204" pitchFamily="49" charset="0"/>
+              </a:rPr>
+              <a:t>.put</a:t>
+            </a:r>
+            <a:r>
+              <a:rPr lang="en-IN" sz="1600" dirty="0">
+                <a:solidFill>
+                  <a:srgbClr val="000000"/>
+                </a:solidFill>
+                <a:latin typeface="Consolas" panose="020B0609020204030204" pitchFamily="49" charset="0"/>
+              </a:rPr>
+              <a:t>(2, </a:t>
+            </a:r>
+            <a:r>
+              <a:rPr lang="en-IN" sz="1600" dirty="0">
+                <a:solidFill>
+                  <a:srgbClr val="2A00FF"/>
+                </a:solidFill>
+                <a:latin typeface="Consolas" panose="020B0609020204030204" pitchFamily="49" charset="0"/>
+              </a:rPr>
+              <a:t>"two"</a:t>
+            </a:r>
+            <a:r>
+              <a:rPr lang="en-IN" sz="1600" dirty="0">
+                <a:solidFill>
+                  <a:srgbClr val="000000"/>
+                </a:solidFill>
+                <a:latin typeface="Consolas" panose="020B0609020204030204" pitchFamily="49" charset="0"/>
+              </a:rPr>
+              <a:t>);</a:t>
+            </a:r>
+          </a:p>
+          <a:p>
+            <a:pPr marL="1828800" lvl="4" indent="0">
+              <a:buNone/>
+            </a:pPr>
+            <a:r>
+              <a:rPr lang="en-IN" sz="1600" dirty="0">
+                <a:solidFill>
+                  <a:srgbClr val="000000"/>
+                </a:solidFill>
+                <a:latin typeface="Consolas" panose="020B0609020204030204" pitchFamily="49" charset="0"/>
+              </a:rPr>
+              <a:t> </a:t>
+            </a:r>
+            <a:r>
+              <a:rPr lang="en-IN" sz="1600" dirty="0" err="1">
+                <a:solidFill>
+                  <a:srgbClr val="6A3E3E"/>
+                </a:solidFill>
+                <a:latin typeface="Consolas" panose="020B0609020204030204" pitchFamily="49" charset="0"/>
+              </a:rPr>
+              <a:t>myMap</a:t>
+            </a:r>
+            <a:r>
+              <a:rPr lang="en-IN" sz="1600" dirty="0" err="1">
+                <a:solidFill>
+                  <a:srgbClr val="000000"/>
+                </a:solidFill>
+                <a:latin typeface="Consolas" panose="020B0609020204030204" pitchFamily="49" charset="0"/>
+              </a:rPr>
+              <a:t>.put</a:t>
+            </a:r>
+            <a:r>
+              <a:rPr lang="en-IN" sz="1600" dirty="0">
+                <a:solidFill>
+                  <a:srgbClr val="000000"/>
+                </a:solidFill>
+                <a:latin typeface="Consolas" panose="020B0609020204030204" pitchFamily="49" charset="0"/>
+              </a:rPr>
+              <a:t>(3, </a:t>
+            </a:r>
+            <a:r>
+              <a:rPr lang="en-IN" sz="1600" dirty="0">
+                <a:solidFill>
+                  <a:srgbClr val="2A00FF"/>
+                </a:solidFill>
+                <a:latin typeface="Consolas" panose="020B0609020204030204" pitchFamily="49" charset="0"/>
+              </a:rPr>
+              <a:t>"three"</a:t>
+            </a:r>
+            <a:r>
+              <a:rPr lang="en-IN" sz="1600" dirty="0">
+                <a:solidFill>
+                  <a:srgbClr val="000000"/>
+                </a:solidFill>
+                <a:latin typeface="Consolas" panose="020B0609020204030204" pitchFamily="49" charset="0"/>
+              </a:rPr>
+              <a:t>);</a:t>
+            </a:r>
+          </a:p>
+          <a:p>
+            <a:pPr marL="1828800" lvl="4" indent="0">
+              <a:buNone/>
+            </a:pPr>
+            <a:r>
+              <a:rPr lang="en-IN" sz="1600" dirty="0">
+                <a:solidFill>
+                  <a:srgbClr val="000000"/>
+                </a:solidFill>
+                <a:latin typeface="Consolas" panose="020B0609020204030204" pitchFamily="49" charset="0"/>
+              </a:rPr>
+              <a:t> </a:t>
+            </a:r>
+          </a:p>
+          <a:p>
+            <a:pPr marL="1828800" lvl="4" indent="0">
+              <a:buNone/>
+            </a:pPr>
+            <a:r>
+              <a:rPr lang="en-US" sz="1600" dirty="0">
+                <a:solidFill>
+                  <a:srgbClr val="000000"/>
+                </a:solidFill>
+                <a:latin typeface="Consolas" panose="020B0609020204030204" pitchFamily="49" charset="0"/>
+              </a:rPr>
+              <a:t> Stream &lt;Entry&lt;</a:t>
+            </a:r>
+            <a:r>
+              <a:rPr lang="en-US" sz="1600" dirty="0" err="1">
+                <a:solidFill>
+                  <a:srgbClr val="000000"/>
+                </a:solidFill>
+                <a:latin typeface="Consolas" panose="020B0609020204030204" pitchFamily="49" charset="0"/>
+              </a:rPr>
+              <a:t>Integer,String</a:t>
+            </a:r>
+            <a:r>
+              <a:rPr lang="en-US" sz="1600" dirty="0">
+                <a:solidFill>
+                  <a:srgbClr val="000000"/>
+                </a:solidFill>
+                <a:latin typeface="Consolas" panose="020B0609020204030204" pitchFamily="49" charset="0"/>
+              </a:rPr>
+              <a:t>&gt;&gt;</a:t>
+            </a:r>
+            <a:r>
+              <a:rPr lang="en-US" sz="1600" dirty="0" err="1">
+                <a:solidFill>
+                  <a:srgbClr val="6A3E3E"/>
+                </a:solidFill>
+                <a:latin typeface="Consolas" panose="020B0609020204030204" pitchFamily="49" charset="0"/>
+              </a:rPr>
+              <a:t>mapStream</a:t>
+            </a:r>
+            <a:r>
+              <a:rPr lang="en-US" sz="1600" dirty="0">
+                <a:solidFill>
+                  <a:srgbClr val="000000"/>
+                </a:solidFill>
+                <a:latin typeface="Consolas" panose="020B0609020204030204" pitchFamily="49" charset="0"/>
+              </a:rPr>
+              <a:t> = </a:t>
+            </a:r>
+            <a:r>
+              <a:rPr lang="en-US" sz="1600" dirty="0" err="1">
+                <a:solidFill>
+                  <a:srgbClr val="6A3E3E"/>
+                </a:solidFill>
+                <a:latin typeface="Consolas" panose="020B0609020204030204" pitchFamily="49" charset="0"/>
+              </a:rPr>
+              <a:t>myMap</a:t>
+            </a:r>
+            <a:r>
+              <a:rPr lang="en-US" sz="1600" dirty="0" err="1">
+                <a:solidFill>
+                  <a:srgbClr val="000000"/>
+                </a:solidFill>
+                <a:latin typeface="Consolas" panose="020B0609020204030204" pitchFamily="49" charset="0"/>
+              </a:rPr>
+              <a:t>.entrySet</a:t>
+            </a:r>
+            <a:r>
+              <a:rPr lang="en-US" sz="1600" dirty="0">
+                <a:solidFill>
+                  <a:srgbClr val="000000"/>
+                </a:solidFill>
+                <a:latin typeface="Consolas" panose="020B0609020204030204" pitchFamily="49" charset="0"/>
+              </a:rPr>
+              <a:t>().stream();</a:t>
+            </a:r>
+          </a:p>
+          <a:p>
+            <a:pPr marL="1828800" lvl="4" indent="0">
+              <a:buNone/>
+            </a:pPr>
+            <a:r>
+              <a:rPr lang="en-IN" sz="1600" dirty="0">
+                <a:solidFill>
+                  <a:srgbClr val="000000"/>
+                </a:solidFill>
+                <a:latin typeface="Consolas" panose="020B0609020204030204" pitchFamily="49" charset="0"/>
+              </a:rPr>
+              <a:t> </a:t>
+            </a:r>
+          </a:p>
+          <a:p>
+            <a:pPr marL="1828800" lvl="4" indent="0">
+              <a:buNone/>
+            </a:pPr>
+            <a:r>
+              <a:rPr lang="en-IN" sz="1600" dirty="0">
+                <a:solidFill>
+                  <a:srgbClr val="000000"/>
+                </a:solidFill>
+                <a:latin typeface="Consolas" panose="020B0609020204030204" pitchFamily="49" charset="0"/>
+              </a:rPr>
+              <a:t> </a:t>
+            </a:r>
+            <a:r>
+              <a:rPr lang="en-IN" sz="1600" dirty="0" err="1">
+                <a:solidFill>
+                  <a:srgbClr val="6A3E3E"/>
+                </a:solidFill>
+                <a:latin typeface="Consolas" panose="020B0609020204030204" pitchFamily="49" charset="0"/>
+              </a:rPr>
+              <a:t>mapStream</a:t>
+            </a:r>
+            <a:r>
+              <a:rPr lang="en-IN" sz="1600" dirty="0" err="1">
+                <a:solidFill>
+                  <a:srgbClr val="000000"/>
+                </a:solidFill>
+                <a:latin typeface="Consolas" panose="020B0609020204030204" pitchFamily="49" charset="0"/>
+              </a:rPr>
+              <a:t>.forEach</a:t>
+            </a:r>
+            <a:r>
+              <a:rPr lang="en-IN" sz="1600" dirty="0">
+                <a:solidFill>
+                  <a:srgbClr val="000000"/>
+                </a:solidFill>
+                <a:latin typeface="Consolas" panose="020B0609020204030204" pitchFamily="49" charset="0"/>
+              </a:rPr>
+              <a:t>(</a:t>
+            </a:r>
+            <a:r>
+              <a:rPr lang="en-IN" sz="1600" dirty="0">
+                <a:solidFill>
+                  <a:srgbClr val="6A3E3E"/>
+                </a:solidFill>
+                <a:latin typeface="Consolas" panose="020B0609020204030204" pitchFamily="49" charset="0"/>
+              </a:rPr>
+              <a:t>e</a:t>
+            </a:r>
+            <a:r>
+              <a:rPr lang="en-IN" sz="1600" dirty="0">
+                <a:solidFill>
+                  <a:srgbClr val="000000"/>
+                </a:solidFill>
+                <a:latin typeface="Consolas" panose="020B0609020204030204" pitchFamily="49" charset="0"/>
+              </a:rPr>
+              <a:t>-&gt;</a:t>
+            </a:r>
+            <a:r>
+              <a:rPr lang="en-IN" sz="1600" dirty="0" err="1">
+                <a:solidFill>
+                  <a:srgbClr val="000000"/>
+                </a:solidFill>
+                <a:latin typeface="Consolas" panose="020B0609020204030204" pitchFamily="49" charset="0"/>
+              </a:rPr>
+              <a:t>System.</a:t>
+            </a:r>
+            <a:r>
+              <a:rPr lang="en-IN" sz="1600" b="1" i="1" dirty="0" err="1">
+                <a:solidFill>
+                  <a:srgbClr val="0000C0"/>
+                </a:solidFill>
+                <a:latin typeface="Consolas" panose="020B0609020204030204" pitchFamily="49" charset="0"/>
+              </a:rPr>
+              <a:t>out</a:t>
+            </a:r>
+            <a:r>
+              <a:rPr lang="en-IN" sz="1600" b="1" i="1" dirty="0" err="1">
+                <a:solidFill>
+                  <a:srgbClr val="000000"/>
+                </a:solidFill>
+                <a:latin typeface="Consolas" panose="020B0609020204030204" pitchFamily="49" charset="0"/>
+              </a:rPr>
+              <a:t>.print</a:t>
+            </a:r>
+            <a:r>
+              <a:rPr lang="en-IN" sz="1600" b="1" i="1" dirty="0">
+                <a:solidFill>
+                  <a:srgbClr val="000000"/>
+                </a:solidFill>
+                <a:latin typeface="Consolas" panose="020B0609020204030204" pitchFamily="49" charset="0"/>
+              </a:rPr>
+              <a:t>(</a:t>
+            </a:r>
+            <a:r>
+              <a:rPr lang="en-IN" sz="1600" b="1" i="1" dirty="0" err="1">
+                <a:solidFill>
+                  <a:srgbClr val="6A3E3E"/>
+                </a:solidFill>
+                <a:latin typeface="Consolas" panose="020B0609020204030204" pitchFamily="49" charset="0"/>
+              </a:rPr>
+              <a:t>e</a:t>
+            </a:r>
+            <a:r>
+              <a:rPr lang="en-IN" sz="1600" b="1" i="1" dirty="0" err="1">
+                <a:solidFill>
+                  <a:srgbClr val="000000"/>
+                </a:solidFill>
+                <a:latin typeface="Consolas" panose="020B0609020204030204" pitchFamily="49" charset="0"/>
+              </a:rPr>
+              <a:t>.getValue</a:t>
+            </a:r>
+            <a:r>
+              <a:rPr lang="en-IN" sz="1600" b="1" i="1" dirty="0">
+                <a:solidFill>
+                  <a:srgbClr val="000000"/>
+                </a:solidFill>
+                <a:latin typeface="Consolas" panose="020B0609020204030204" pitchFamily="49" charset="0"/>
+              </a:rPr>
+              <a:t>()));</a:t>
+            </a:r>
             <a:br>
               <a:rPr lang="en-US" dirty="0"/>
             </a:br>
@@ -4948,6 +7611,192 @@
                                   </p:childTnLst>
                                 </p:cTn>
                               </p:par>
+                              <p:par>
+                                <p:cTn id="11" presetID="1" presetClass="entr" presetSubtype="0" fill="hold" nodeType="withEffect">
+                                  <p:stCondLst>
+                                    <p:cond delay="0"/>
+                                  </p:stCondLst>
+                                  <p:childTnLst>
+                                    <p:set>
+                                      <p:cBhvr>
+                                        <p:cTn id="12" dur="1" fill="hold">
+                                          <p:stCondLst>
+                                            <p:cond delay="0"/>
+                                          </p:stCondLst>
+                                        </p:cTn>
+                                        <p:tgtEl>
+                                          <p:spTgt spid="3">
+                                            <p:txEl>
+                                              <p:pRg st="4" end="4"/>
+                                            </p:txEl>
+                                          </p:spTgt>
+                                        </p:tgtEl>
+                                        <p:attrNameLst>
+                                          <p:attrName>style.visibility</p:attrName>
+                                        </p:attrNameLst>
+                                      </p:cBhvr>
+                                      <p:to>
+                                        <p:strVal val="visible"/>
+                                      </p:to>
+                                    </p:set>
+                                  </p:childTnLst>
+                                </p:cTn>
+                              </p:par>
+                              <p:par>
+                                <p:cTn id="13" presetID="1" presetClass="entr" presetSubtype="0" fill="hold" nodeType="withEffect">
+                                  <p:stCondLst>
+                                    <p:cond delay="0"/>
+                                  </p:stCondLst>
+                                  <p:childTnLst>
+                                    <p:set>
+                                      <p:cBhvr>
+                                        <p:cTn id="14" dur="1" fill="hold">
+                                          <p:stCondLst>
+                                            <p:cond delay="0"/>
+                                          </p:stCondLst>
+                                        </p:cTn>
+                                        <p:tgtEl>
+                                          <p:spTgt spid="3">
+                                            <p:txEl>
+                                              <p:pRg st="5" end="5"/>
+                                            </p:txEl>
+                                          </p:spTgt>
+                                        </p:tgtEl>
+                                        <p:attrNameLst>
+                                          <p:attrName>style.visibility</p:attrName>
+                                        </p:attrNameLst>
+                                      </p:cBhvr>
+                                      <p:to>
+                                        <p:strVal val="visible"/>
+                                      </p:to>
+                                    </p:set>
+                                  </p:childTnLst>
+                                </p:cTn>
+                              </p:par>
+                              <p:par>
+                                <p:cTn id="15" presetID="1" presetClass="entr" presetSubtype="0" fill="hold" nodeType="withEffect">
+                                  <p:stCondLst>
+                                    <p:cond delay="0"/>
+                                  </p:stCondLst>
+                                  <p:childTnLst>
+                                    <p:set>
+                                      <p:cBhvr>
+                                        <p:cTn id="16" dur="1" fill="hold">
+                                          <p:stCondLst>
+                                            <p:cond delay="0"/>
+                                          </p:stCondLst>
+                                        </p:cTn>
+                                        <p:tgtEl>
+                                          <p:spTgt spid="3">
+                                            <p:txEl>
+                                              <p:pRg st="6" end="6"/>
+                                            </p:txEl>
+                                          </p:spTgt>
+                                        </p:tgtEl>
+                                        <p:attrNameLst>
+                                          <p:attrName>style.visibility</p:attrName>
+                                        </p:attrNameLst>
+                                      </p:cBhvr>
+                                      <p:to>
+                                        <p:strVal val="visible"/>
+                                      </p:to>
+                                    </p:set>
+                                  </p:childTnLst>
+                                </p:cTn>
+                              </p:par>
+                              <p:par>
+                                <p:cTn id="17" presetID="1" presetClass="entr" presetSubtype="0" fill="hold" nodeType="withEffect">
+                                  <p:stCondLst>
+                                    <p:cond delay="0"/>
+                                  </p:stCondLst>
+                                  <p:childTnLst>
+                                    <p:set>
+                                      <p:cBhvr>
+                                        <p:cTn id="18" dur="1" fill="hold">
+                                          <p:stCondLst>
+                                            <p:cond delay="0"/>
+                                          </p:stCondLst>
+                                        </p:cTn>
+                                        <p:tgtEl>
+                                          <p:spTgt spid="3">
+                                            <p:txEl>
+                                              <p:pRg st="7" end="7"/>
+                                            </p:txEl>
+                                          </p:spTgt>
+                                        </p:tgtEl>
+                                        <p:attrNameLst>
+                                          <p:attrName>style.visibility</p:attrName>
+                                        </p:attrNameLst>
+                                      </p:cBhvr>
+                                      <p:to>
+                                        <p:strVal val="visible"/>
+                                      </p:to>
+                                    </p:set>
+                                  </p:childTnLst>
+                                </p:cTn>
+                              </p:par>
+                              <p:par>
+                                <p:cTn id="19" presetID="1" presetClass="entr" presetSubtype="0" fill="hold" nodeType="withEffect">
+                                  <p:stCondLst>
+                                    <p:cond delay="0"/>
+                                  </p:stCondLst>
+                                  <p:childTnLst>
+                                    <p:set>
+                                      <p:cBhvr>
+                                        <p:cTn id="20" dur="1" fill="hold">
+                                          <p:stCondLst>
+                                            <p:cond delay="0"/>
+                                          </p:stCondLst>
+                                        </p:cTn>
+                                        <p:tgtEl>
+                                          <p:spTgt spid="3">
+                                            <p:txEl>
+                                              <p:pRg st="8" end="8"/>
+                                            </p:txEl>
+                                          </p:spTgt>
+                                        </p:tgtEl>
+                                        <p:attrNameLst>
+                                          <p:attrName>style.visibility</p:attrName>
+                                        </p:attrNameLst>
+                                      </p:cBhvr>
+                                      <p:to>
+                                        <p:strVal val="visible"/>
+                                      </p:to>
+                                    </p:set>
+                                  </p:childTnLst>
+                                </p:cTn>
+                              </p:par>
+                              <p:par>
+                                <p:cTn id="21" presetID="1" presetClass="entr" presetSubtype="0" fill="hold" nodeType="withEffect">
+                                  <p:stCondLst>
+                                    <p:cond delay="0"/>
+                                  </p:stCondLst>
+                                  <p:childTnLst>
+                                    <p:set>
+                                      <p:cBhvr>
+                                        <p:cTn id="22" dur="1" fill="hold">
+                                          <p:stCondLst>
+                                            <p:cond delay="0"/>
+                                          </p:stCondLst>
+                                        </p:cTn>
+                                        <p:tgtEl>
+                                          <p:spTgt spid="3">
+                                            <p:txEl>
+                                              <p:pRg st="9" end="9"/>
+                                            </p:txEl>
+                                          </p:spTgt>
+                                        </p:tgtEl>
+                                        <p:attrNameLst>
+                                          <p:attrName>style.visibility</p:attrName>
+                                        </p:attrNameLst>
+                                      </p:cBhvr>
+                                      <p:to>
+                                        <p:strVal val="visible"/>
+                                      </p:to>
+                                    </p:set>
+                                  </p:childTnLst>
+                                </p:cTn>
+                              </p:par>
                             </p:childTnLst>
                           </p:cTn>
                         </p:par>
@@ -5168,12 +8017,24 @@
               <a:t>	</a:t>
             </a:r>
             <a:r>
-              <a:rPr lang="en-US" sz="1800" dirty="0" err="1"/>
+              <a:rPr lang="en-US" sz="1800" dirty="0" err="1">
+                <a:solidFill>
+                  <a:srgbClr val="FF0000"/>
+                </a:solidFill>
+              </a:rPr>
               <a:t>DoubleStream</a:t>
             </a:r>
             <a:r>
+              <a:rPr lang="en-US" sz="1800" dirty="0">
+                <a:solidFill>
+                  <a:srgbClr val="FF0000"/>
+                </a:solidFill>
+              </a:rPr>
+              <a:t> ds</a:t>
+            </a:r>
+            <a:r>
               <a:rPr lang="en-US" sz="1800" dirty="0"/>
-              <a:t> ds=</a:t>
+              <a:t>=</a:t>
             </a:r>
             <a:r>
               <a:rPr lang="en-US" sz="1800" dirty="0" err="1"/>

--- a/Java8/Lambda/Streams.pptx
+++ b/Java8/Lambda/Streams.pptx
@@ -287,7 +287,7 @@
           <a:p>
             <a:fld id="{3EECC916-8326-4398-98E3-595A05AF34C3}" type="datetimeFigureOut">
               <a:rPr lang="en-IN" smtClean="0"/>
-              <a:t>23-10-2021</a:t>
+              <a:t>27-10-2021</a:t>
             </a:fld>
             <a:endParaRPr lang="en-IN"/>
           </a:p>
@@ -487,7 +487,7 @@
           <a:p>
             <a:fld id="{3EECC916-8326-4398-98E3-595A05AF34C3}" type="datetimeFigureOut">
               <a:rPr lang="en-IN" smtClean="0"/>
-              <a:t>23-10-2021</a:t>
+              <a:t>27-10-2021</a:t>
             </a:fld>
             <a:endParaRPr lang="en-IN"/>
           </a:p>
@@ -697,7 +697,7 @@
           <a:p>
             <a:fld id="{3EECC916-8326-4398-98E3-595A05AF34C3}" type="datetimeFigureOut">
               <a:rPr lang="en-IN" smtClean="0"/>
-              <a:t>23-10-2021</a:t>
+              <a:t>27-10-2021</a:t>
             </a:fld>
             <a:endParaRPr lang="en-IN"/>
           </a:p>
@@ -897,7 +897,7 @@
           <a:p>
             <a:fld id="{3EECC916-8326-4398-98E3-595A05AF34C3}" type="datetimeFigureOut">
               <a:rPr lang="en-IN" smtClean="0"/>
-              <a:t>23-10-2021</a:t>
+              <a:t>27-10-2021</a:t>
             </a:fld>
             <a:endParaRPr lang="en-IN"/>
           </a:p>
@@ -1173,7 +1173,7 @@
           <a:p>
             <a:fld id="{3EECC916-8326-4398-98E3-595A05AF34C3}" type="datetimeFigureOut">
               <a:rPr lang="en-IN" smtClean="0"/>
-              <a:t>23-10-2021</a:t>
+              <a:t>27-10-2021</a:t>
             </a:fld>
             <a:endParaRPr lang="en-IN"/>
           </a:p>
@@ -1441,7 +1441,7 @@
           <a:p>
             <a:fld id="{3EECC916-8326-4398-98E3-595A05AF34C3}" type="datetimeFigureOut">
               <a:rPr lang="en-IN" smtClean="0"/>
-              <a:t>23-10-2021</a:t>
+              <a:t>27-10-2021</a:t>
             </a:fld>
             <a:endParaRPr lang="en-IN"/>
           </a:p>
@@ -1856,7 +1856,7 @@
           <a:p>
             <a:fld id="{3EECC916-8326-4398-98E3-595A05AF34C3}" type="datetimeFigureOut">
               <a:rPr lang="en-IN" smtClean="0"/>
-              <a:t>23-10-2021</a:t>
+              <a:t>27-10-2021</a:t>
             </a:fld>
             <a:endParaRPr lang="en-IN"/>
           </a:p>
@@ -1998,7 +1998,7 @@
           <a:p>
             <a:fld id="{3EECC916-8326-4398-98E3-595A05AF34C3}" type="datetimeFigureOut">
               <a:rPr lang="en-IN" smtClean="0"/>
-              <a:t>23-10-2021</a:t>
+              <a:t>27-10-2021</a:t>
             </a:fld>
             <a:endParaRPr lang="en-IN"/>
           </a:p>
@@ -2111,7 +2111,7 @@
           <a:p>
             <a:fld id="{3EECC916-8326-4398-98E3-595A05AF34C3}" type="datetimeFigureOut">
               <a:rPr lang="en-IN" smtClean="0"/>
-              <a:t>23-10-2021</a:t>
+              <a:t>27-10-2021</a:t>
             </a:fld>
             <a:endParaRPr lang="en-IN"/>
           </a:p>
@@ -2424,7 +2424,7 @@
           <a:p>
             <a:fld id="{3EECC916-8326-4398-98E3-595A05AF34C3}" type="datetimeFigureOut">
               <a:rPr lang="en-IN" smtClean="0"/>
-              <a:t>23-10-2021</a:t>
+              <a:t>27-10-2021</a:t>
             </a:fld>
             <a:endParaRPr lang="en-IN"/>
           </a:p>
@@ -2713,7 +2713,7 @@
           <a:p>
             <a:fld id="{3EECC916-8326-4398-98E3-595A05AF34C3}" type="datetimeFigureOut">
               <a:rPr lang="en-IN" smtClean="0"/>
-              <a:t>23-10-2021</a:t>
+              <a:t>27-10-2021</a:t>
             </a:fld>
             <a:endParaRPr lang="en-IN"/>
           </a:p>
@@ -2956,7 +2956,7 @@
           <a:p>
             <a:fld id="{3EECC916-8326-4398-98E3-595A05AF34C3}" type="datetimeFigureOut">
               <a:rPr lang="en-IN" smtClean="0"/>
-              <a:t>23-10-2021</a:t>
+              <a:t>27-10-2021</a:t>
             </a:fld>
             <a:endParaRPr lang="en-IN"/>
           </a:p>
@@ -4711,15 +4711,15 @@
             </a:r>
             <a:r>
               <a:rPr lang="en-US" dirty="0"/>
-              <a:t>that may or </a:t>
-            </a:r>
-            <a:r>
-              <a:rPr lang="en-US" dirty="0" err="1"/>
-              <a:t>maynot</a:t>
+              <a:t>that may </a:t>
+            </a:r>
+            <a:r>
+              <a:rPr lang="en-US"/>
+              <a:t>or may not </a:t>
             </a:r>
             <a:r>
               <a:rPr lang="en-US" dirty="0"/>
-              <a:t> contain a value.</a:t>
+              <a:t>contain a value.</a:t>
             </a:r>
           </a:p>
           <a:p>

--- a/Java8/Lambda/Streams.pptx
+++ b/Java8/Lambda/Streams.pptx
@@ -287,7 +287,7 @@
           <a:p>
             <a:fld id="{3EECC916-8326-4398-98E3-595A05AF34C3}" type="datetimeFigureOut">
               <a:rPr lang="en-IN" smtClean="0"/>
-              <a:t>27-10-2021</a:t>
+              <a:t>04-12-2021</a:t>
             </a:fld>
             <a:endParaRPr lang="en-IN"/>
           </a:p>
@@ -487,7 +487,7 @@
           <a:p>
             <a:fld id="{3EECC916-8326-4398-98E3-595A05AF34C3}" type="datetimeFigureOut">
               <a:rPr lang="en-IN" smtClean="0"/>
-              <a:t>27-10-2021</a:t>
+              <a:t>04-12-2021</a:t>
             </a:fld>
             <a:endParaRPr lang="en-IN"/>
           </a:p>
@@ -697,7 +697,7 @@
           <a:p>
             <a:fld id="{3EECC916-8326-4398-98E3-595A05AF34C3}" type="datetimeFigureOut">
               <a:rPr lang="en-IN" smtClean="0"/>
-              <a:t>27-10-2021</a:t>
+              <a:t>04-12-2021</a:t>
             </a:fld>
             <a:endParaRPr lang="en-IN"/>
           </a:p>
@@ -897,7 +897,7 @@
           <a:p>
             <a:fld id="{3EECC916-8326-4398-98E3-595A05AF34C3}" type="datetimeFigureOut">
               <a:rPr lang="en-IN" smtClean="0"/>
-              <a:t>27-10-2021</a:t>
+              <a:t>04-12-2021</a:t>
             </a:fld>
             <a:endParaRPr lang="en-IN"/>
           </a:p>
@@ -1173,7 +1173,7 @@
           <a:p>
             <a:fld id="{3EECC916-8326-4398-98E3-595A05AF34C3}" type="datetimeFigureOut">
               <a:rPr lang="en-IN" smtClean="0"/>
-              <a:t>27-10-2021</a:t>
+              <a:t>04-12-2021</a:t>
             </a:fld>
             <a:endParaRPr lang="en-IN"/>
           </a:p>
@@ -1441,7 +1441,7 @@
           <a:p>
             <a:fld id="{3EECC916-8326-4398-98E3-595A05AF34C3}" type="datetimeFigureOut">
               <a:rPr lang="en-IN" smtClean="0"/>
-              <a:t>27-10-2021</a:t>
+              <a:t>04-12-2021</a:t>
             </a:fld>
             <a:endParaRPr lang="en-IN"/>
           </a:p>
@@ -1856,7 +1856,7 @@
           <a:p>
             <a:fld id="{3EECC916-8326-4398-98E3-595A05AF34C3}" type="datetimeFigureOut">
               <a:rPr lang="en-IN" smtClean="0"/>
-              <a:t>27-10-2021</a:t>
+              <a:t>04-12-2021</a:t>
             </a:fld>
             <a:endParaRPr lang="en-IN"/>
           </a:p>
@@ -1998,7 +1998,7 @@
           <a:p>
             <a:fld id="{3EECC916-8326-4398-98E3-595A05AF34C3}" type="datetimeFigureOut">
               <a:rPr lang="en-IN" smtClean="0"/>
-              <a:t>27-10-2021</a:t>
+              <a:t>04-12-2021</a:t>
             </a:fld>
             <a:endParaRPr lang="en-IN"/>
           </a:p>
@@ -2111,7 +2111,7 @@
           <a:p>
             <a:fld id="{3EECC916-8326-4398-98E3-595A05AF34C3}" type="datetimeFigureOut">
               <a:rPr lang="en-IN" smtClean="0"/>
-              <a:t>27-10-2021</a:t>
+              <a:t>04-12-2021</a:t>
             </a:fld>
             <a:endParaRPr lang="en-IN"/>
           </a:p>
@@ -2424,7 +2424,7 @@
           <a:p>
             <a:fld id="{3EECC916-8326-4398-98E3-595A05AF34C3}" type="datetimeFigureOut">
               <a:rPr lang="en-IN" smtClean="0"/>
-              <a:t>27-10-2021</a:t>
+              <a:t>04-12-2021</a:t>
             </a:fld>
             <a:endParaRPr lang="en-IN"/>
           </a:p>
@@ -2713,7 +2713,7 @@
           <a:p>
             <a:fld id="{3EECC916-8326-4398-98E3-595A05AF34C3}" type="datetimeFigureOut">
               <a:rPr lang="en-IN" smtClean="0"/>
-              <a:t>27-10-2021</a:t>
+              <a:t>04-12-2021</a:t>
             </a:fld>
             <a:endParaRPr lang="en-IN"/>
           </a:p>
@@ -2956,7 +2956,7 @@
           <a:p>
             <a:fld id="{3EECC916-8326-4398-98E3-595A05AF34C3}" type="datetimeFigureOut">
               <a:rPr lang="en-IN" smtClean="0"/>
-              <a:t>27-10-2021</a:t>
+              <a:t>04-12-2021</a:t>
             </a:fld>
             <a:endParaRPr lang="en-IN"/>
           </a:p>
@@ -5703,7 +5703,7 @@
         </p:spPr>
         <p:txBody>
           <a:bodyPr>
-            <a:normAutofit fontScale="92500" lnSpcReduction="10000"/>
+            <a:normAutofit fontScale="85000" lnSpcReduction="20000"/>
           </a:bodyPr>
           <a:lstStyle/>
           <a:p>
@@ -5731,7 +5731,7 @@
             </a:r>
             <a:r>
               <a:rPr lang="en-US" dirty="0"/>
-              <a:t>that can be processed with operations.</a:t>
+              <a:t>that supports various methods which can be pipelined to produce the desired result..</a:t>
             </a:r>
           </a:p>
           <a:p>
@@ -5741,7 +5741,7 @@
             </a:pPr>
             <a:r>
               <a:rPr lang="en-US" dirty="0"/>
-              <a:t>It is </a:t>
+              <a:t>A stream is a sequence of objects It is </a:t>
             </a:r>
             <a:r>
               <a:rPr lang="en-US" dirty="0">
@@ -5763,6 +5763,16 @@
             </a:pPr>
             <a:r>
               <a:rPr lang="en-US" dirty="0"/>
+              <a:t>Streams don’t change the original data structure, they only provide the result as per the pipelined methods.</a:t>
+            </a:r>
+          </a:p>
+          <a:p>
+            <a:pPr>
+              <a:buFont typeface="Wingdings" panose="05000000000000000000" pitchFamily="2" charset="2"/>
+              <a:buChar char="Ø"/>
+            </a:pPr>
+            <a:r>
+              <a:rPr lang="en-US" dirty="0"/>
               <a:t>Example:- </a:t>
             </a:r>
           </a:p>
@@ -5831,10 +5841,12 @@
             </a:r>
             <a:r>
               <a:rPr lang="en-IN" sz="1800" dirty="0"/>
-              <a:t>(c-&gt;c&gt;10);</a:t>
-            </a:r>
-          </a:p>
-          <a:p>
+              <a:t>(c-&gt;c&gt;</a:t>
+            </a:r>
+            <a:r>
+              <a:rPr lang="en-IN" sz="1800"/>
+              <a:t>10);</a:t>
+            </a:r>
             <a:endParaRPr lang="en-IN" sz="1800" dirty="0">
               <a:solidFill>
                 <a:srgbClr val="FF0000"/>
@@ -6164,39 +6176,26 @@
                                   </p:childTnLst>
                                 </p:cTn>
                               </p:par>
+                            </p:childTnLst>
+                          </p:cTn>
+                        </p:par>
+                      </p:childTnLst>
+                    </p:cTn>
+                  </p:par>
+                  <p:par>
+                    <p:cTn id="23" fill="hold">
+                      <p:stCondLst>
+                        <p:cond delay="indefinite"/>
+                      </p:stCondLst>
+                      <p:childTnLst>
+                        <p:par>
+                          <p:cTn id="24" fill="hold">
+                            <p:stCondLst>
+                              <p:cond delay="0"/>
+                            </p:stCondLst>
+                            <p:childTnLst>
                               <p:par>
-                                <p:cTn id="23" presetID="1" presetClass="entr" presetSubtype="0" fill="hold" nodeType="withEffect">
-                                  <p:stCondLst>
-                                    <p:cond delay="0"/>
-                                  </p:stCondLst>
-                                  <p:childTnLst>
-                                    <p:set>
-                                      <p:cBhvr>
-                                        <p:cTn id="24" dur="1" fill="hold">
-                                          <p:stCondLst>
-                                            <p:cond delay="0"/>
-                                          </p:stCondLst>
-                                        </p:cTn>
-                                        <p:tgtEl>
-                                          <p:spTgt spid="3">
-                                            <p:txEl>
-                                              <p:pRg st="5" end="5"/>
-                                            </p:txEl>
-                                          </p:spTgt>
-                                        </p:tgtEl>
-                                        <p:attrNameLst>
-                                          <p:attrName>style.visibility</p:attrName>
-                                        </p:attrNameLst>
-                                      </p:cBhvr>
-                                      <p:to>
-                                        <p:strVal val="visible"/>
-                                      </p:to>
-                                    </p:set>
-                                  </p:childTnLst>
-                                </p:cTn>
-                              </p:par>
-                              <p:par>
-                                <p:cTn id="25" presetID="1" presetClass="entr" presetSubtype="0" fill="hold" nodeType="withEffect">
+                                <p:cTn id="25" presetID="1" presetClass="entr" presetSubtype="0" fill="hold" nodeType="clickEffect">
                                   <p:stCondLst>
                                     <p:cond delay="0"/>
                                   </p:stCondLst>
@@ -6211,7 +6210,7 @@
                                         <p:tgtEl>
                                           <p:spTgt spid="3">
                                             <p:txEl>
-                                              <p:pRg st="6" end="6"/>
+                                              <p:pRg st="5" end="5"/>
                                             </p:txEl>
                                           </p:spTgt>
                                         </p:tgtEl>
@@ -6242,6 +6241,37 @@
                                         <p:tgtEl>
                                           <p:spTgt spid="3">
                                             <p:txEl>
+                                              <p:pRg st="6" end="6"/>
+                                            </p:txEl>
+                                          </p:spTgt>
+                                        </p:tgtEl>
+                                        <p:attrNameLst>
+                                          <p:attrName>style.visibility</p:attrName>
+                                        </p:attrNameLst>
+                                      </p:cBhvr>
+                                      <p:to>
+                                        <p:strVal val="visible"/>
+                                      </p:to>
+                                    </p:set>
+                                  </p:childTnLst>
+                                </p:cTn>
+                              </p:par>
+                              <p:par>
+                                <p:cTn id="29" presetID="1" presetClass="entr" presetSubtype="0" fill="hold" nodeType="withEffect">
+                                  <p:stCondLst>
+                                    <p:cond delay="0"/>
+                                  </p:stCondLst>
+                                  <p:childTnLst>
+                                    <p:set>
+                                      <p:cBhvr>
+                                        <p:cTn id="30" dur="1" fill="hold">
+                                          <p:stCondLst>
+                                            <p:cond delay="0"/>
+                                          </p:stCondLst>
+                                        </p:cTn>
+                                        <p:tgtEl>
+                                          <p:spTgt spid="3">
+                                            <p:txEl>
                                               <p:pRg st="7" end="7"/>
                                             </p:txEl>
                                           </p:spTgt>
@@ -6257,26 +6287,8 @@
                                   </p:childTnLst>
                                 </p:cTn>
                               </p:par>
-                            </p:childTnLst>
-                          </p:cTn>
-                        </p:par>
-                      </p:childTnLst>
-                    </p:cTn>
-                  </p:par>
-                  <p:par>
-                    <p:cTn id="29" fill="hold">
-                      <p:stCondLst>
-                        <p:cond delay="indefinite"/>
-                      </p:stCondLst>
-                      <p:childTnLst>
-                        <p:par>
-                          <p:cTn id="30" fill="hold">
-                            <p:stCondLst>
-                              <p:cond delay="0"/>
-                            </p:stCondLst>
-                            <p:childTnLst>
                               <p:par>
-                                <p:cTn id="31" presetID="1" presetClass="entr" presetSubtype="0" fill="hold" nodeType="clickEffect">
+                                <p:cTn id="31" presetID="1" presetClass="entr" presetSubtype="0" fill="hold" nodeType="withEffect">
                                   <p:stCondLst>
                                     <p:cond delay="0"/>
                                   </p:stCondLst>
@@ -6291,7 +6303,7 @@
                                         <p:tgtEl>
                                           <p:spTgt spid="3">
                                             <p:txEl>
-                                              <p:pRg st="9" end="9"/>
+                                              <p:pRg st="8" end="8"/>
                                             </p:txEl>
                                           </p:spTgt>
                                         </p:tgtEl>
@@ -6340,7 +6352,7 @@
                                         <p:tgtEl>
                                           <p:spTgt spid="3">
                                             <p:txEl>
-                                              <p:pRg st="11" end="11"/>
+                                              <p:pRg st="9" end="9"/>
                                             </p:txEl>
                                           </p:spTgt>
                                         </p:tgtEl>
@@ -6382,6 +6394,55 @@
                                     <p:set>
                                       <p:cBhvr>
                                         <p:cTn id="40" dur="1" fill="hold">
+                                          <p:stCondLst>
+                                            <p:cond delay="0"/>
+                                          </p:stCondLst>
+                                        </p:cTn>
+                                        <p:tgtEl>
+                                          <p:spTgt spid="3">
+                                            <p:txEl>
+                                              <p:pRg st="11" end="11"/>
+                                            </p:txEl>
+                                          </p:spTgt>
+                                        </p:tgtEl>
+                                        <p:attrNameLst>
+                                          <p:attrName>style.visibility</p:attrName>
+                                        </p:attrNameLst>
+                                      </p:cBhvr>
+                                      <p:to>
+                                        <p:strVal val="visible"/>
+                                      </p:to>
+                                    </p:set>
+                                  </p:childTnLst>
+                                </p:cTn>
+                              </p:par>
+                            </p:childTnLst>
+                          </p:cTn>
+                        </p:par>
+                      </p:childTnLst>
+                    </p:cTn>
+                  </p:par>
+                  <p:par>
+                    <p:cTn id="41" fill="hold">
+                      <p:stCondLst>
+                        <p:cond delay="indefinite"/>
+                      </p:stCondLst>
+                      <p:childTnLst>
+                        <p:par>
+                          <p:cTn id="42" fill="hold">
+                            <p:stCondLst>
+                              <p:cond delay="0"/>
+                            </p:stCondLst>
+                            <p:childTnLst>
+                              <p:par>
+                                <p:cTn id="43" presetID="1" presetClass="entr" presetSubtype="0" fill="hold" nodeType="clickEffect">
+                                  <p:stCondLst>
+                                    <p:cond delay="0"/>
+                                  </p:stCondLst>
+                                  <p:childTnLst>
+                                    <p:set>
+                                      <p:cBhvr>
+                                        <p:cTn id="44" dur="1" fill="hold">
                                           <p:stCondLst>
                                             <p:cond delay="0"/>
                                           </p:stCondLst>
@@ -6475,13 +6536,24 @@
           </a:xfrm>
         </p:spPr>
         <p:txBody>
-          <a:bodyPr/>
+          <a:bodyPr>
+            <a:normAutofit lnSpcReduction="10000"/>
+          </a:bodyPr>
           <a:lstStyle/>
           <a:p>
             <a:r>
               <a:rPr lang="en-US" dirty="0"/>
               <a:t>3 parts of stream:-</a:t>
             </a:r>
+          </a:p>
+          <a:p>
+            <a:r>
+              <a:rPr lang="en-US" dirty="0"/>
+              <a:t>Each intermediate operation is lazily executed and returns a stream as a result, hence various intermediate operations can be pipelined. Terminal operations mark the end of the stream and return the result.</a:t>
+            </a:r>
+          </a:p>
+          <a:p>
+            <a:endParaRPr lang="en-US" dirty="0"/>
           </a:p>
           <a:p>
             <a:pPr marL="514350" indent="-514350">
@@ -6767,7 +6839,7 @@
                                         <p:tgtEl>
                                           <p:spTgt spid="3">
                                             <p:txEl>
-                                              <p:pRg st="2" end="2"/>
+                                              <p:pRg st="3" end="3"/>
                                             </p:txEl>
                                           </p:spTgt>
                                         </p:tgtEl>
@@ -6816,7 +6888,56 @@
                                         <p:tgtEl>
                                           <p:spTgt spid="3">
                                             <p:txEl>
-                                              <p:pRg st="3" end="3"/>
+                                              <p:pRg st="4" end="4"/>
+                                            </p:txEl>
+                                          </p:spTgt>
+                                        </p:tgtEl>
+                                        <p:attrNameLst>
+                                          <p:attrName>style.visibility</p:attrName>
+                                        </p:attrNameLst>
+                                      </p:cBhvr>
+                                      <p:to>
+                                        <p:strVal val="visible"/>
+                                      </p:to>
+                                    </p:set>
+                                  </p:childTnLst>
+                                </p:cTn>
+                              </p:par>
+                            </p:childTnLst>
+                          </p:cTn>
+                        </p:par>
+                      </p:childTnLst>
+                    </p:cTn>
+                  </p:par>
+                  <p:par>
+                    <p:cTn id="19" fill="hold">
+                      <p:stCondLst>
+                        <p:cond delay="indefinite"/>
+                      </p:stCondLst>
+                      <p:childTnLst>
+                        <p:par>
+                          <p:cTn id="20" fill="hold">
+                            <p:stCondLst>
+                              <p:cond delay="0"/>
+                            </p:stCondLst>
+                            <p:childTnLst>
+                              <p:par>
+                                <p:cTn id="21" presetID="1" presetClass="entr" presetSubtype="0" fill="hold" nodeType="clickEffect">
+                                  <p:stCondLst>
+                                    <p:cond delay="0"/>
+                                  </p:stCondLst>
+                                  <p:childTnLst>
+                                    <p:set>
+                                      <p:cBhvr>
+                                        <p:cTn id="22" dur="1" fill="hold">
+                                          <p:stCondLst>
+                                            <p:cond delay="0"/>
+                                          </p:stCondLst>
+                                        </p:cTn>
+                                        <p:tgtEl>
+                                          <p:spTgt spid="3">
+                                            <p:txEl>
+                                              <p:pRg st="5" end="5"/>
                                             </p:txEl>
                                           </p:spTgt>
                                         </p:tgtEl>

--- a/Java8/Lambda/Streams.pptx
+++ b/Java8/Lambda/Streams.pptx
@@ -1,25 +1,29 @@
 
 <file path=ppt/presentation.xml><?xml version="1.0" encoding="utf-8"?>
-<p:presentation xmlns:a="http://schemas.openxmlformats.org/drawingml/2006/main" xmlns:r="http://schemas.openxmlformats.org/officeDocument/2006/relationships" xmlns:p="http://schemas.openxmlformats.org/presentationml/2006/main" saveSubsetFonts="1">
+<p:presentation xmlns:a="http://schemas.openxmlformats.org/drawingml/2006/main" xmlns:r="http://schemas.openxmlformats.org/officeDocument/2006/relationships" xmlns:p="http://schemas.openxmlformats.org/presentationml/2006/main">
   <p:sldMasterIdLst>
     <p:sldMasterId id="2147483648" r:id="rId1"/>
+    <p:sldMasterId id="2147483660" r:id="rId3"/>
   </p:sldMasterIdLst>
   <p:sldIdLst>
-    <p:sldId id="256" r:id="rId2"/>
-    <p:sldId id="257" r:id="rId3"/>
-    <p:sldId id="258" r:id="rId4"/>
-    <p:sldId id="259" r:id="rId5"/>
-    <p:sldId id="260" r:id="rId6"/>
-    <p:sldId id="261" r:id="rId7"/>
-    <p:sldId id="262" r:id="rId8"/>
-    <p:sldId id="263" r:id="rId9"/>
-    <p:sldId id="264" r:id="rId10"/>
-    <p:sldId id="265" r:id="rId11"/>
-    <p:sldId id="266" r:id="rId12"/>
-    <p:sldId id="267" r:id="rId13"/>
-    <p:sldId id="268" r:id="rId14"/>
-    <p:sldId id="269" r:id="rId15"/>
-    <p:sldId id="270" r:id="rId16"/>
+    <p:sldId id="256" r:id="rId4"/>
+    <p:sldId id="257" r:id="rId5"/>
+    <p:sldId id="258" r:id="rId6"/>
+    <p:sldId id="259" r:id="rId7"/>
+    <p:sldId id="260" r:id="rId8"/>
+    <p:sldId id="261" r:id="rId9"/>
+    <p:sldId id="262" r:id="rId10"/>
+    <p:sldId id="263" r:id="rId11"/>
+    <p:sldId id="264" r:id="rId12"/>
+    <p:sldId id="265" r:id="rId13"/>
+    <p:sldId id="266" r:id="rId14"/>
+    <p:sldId id="267" r:id="rId15"/>
+    <p:sldId id="268" r:id="rId16"/>
+    <p:sldId id="269" r:id="rId17"/>
+    <p:sldId id="270" r:id="rId18"/>
+    <p:sldId id="273" r:id="rId19"/>
+    <p:sldId id="274" r:id="rId20"/>
+    <p:sldId id="275" r:id="rId21"/>
   </p:sldIdLst>
   <p:sldSz cx="12192000" cy="6858000"/>
   <p:notesSz cx="6858000" cy="9144000"/>
@@ -118,23 +122,12 @@
       </a:defRPr>
     </a:lvl9pPr>
   </p:defaultTextStyle>
-  <p:extLst>
-    <p:ext uri="{EFAFB233-063F-42B5-8137-9DF3F51BA10A}">
-      <p15:sldGuideLst xmlns:p15="http://schemas.microsoft.com/office/powerpoint/2012/main"/>
-    </p:ext>
-  </p:extLst>
 </p:presentation>
 </file>
 
 <file path=ppt/commentAuthors.xml><?xml version="1.0" encoding="utf-8"?>
 <p:cmAuthorLst xmlns:a="http://schemas.openxmlformats.org/drawingml/2006/main" xmlns:r="http://schemas.openxmlformats.org/officeDocument/2006/relationships" xmlns:p="http://schemas.openxmlformats.org/presentationml/2006/main">
-  <p:cmAuthor id="1" name="nishant arora" initials="na" lastIdx="1" clrIdx="0">
-    <p:extLst>
-      <p:ext uri="{19B8F6BF-5375-455C-9EA6-DF929625EA0E}">
-        <p15:presenceInfo xmlns:p15="http://schemas.microsoft.com/office/powerpoint/2012/main" userId="363d2b0a0ffb6990" providerId="Windows Live"/>
-      </p:ext>
-    </p:extLst>
-  </p:cmAuthor>
+  <p:cmAuthor id="1" name="nishant arora" initials="na" lastIdx="1" clrIdx="0"/>
 </p:cmAuthorLst>
 </file>
 
@@ -157,13 +150,7 @@
       </p:grpSpPr>
       <p:sp>
         <p:nvSpPr>
-          <p:cNvPr id="2" name="Title 1">
-            <a:extLst>
-              <a:ext uri="{FF2B5EF4-FFF2-40B4-BE49-F238E27FC236}">
-                <a16:creationId xmlns:a16="http://schemas.microsoft.com/office/drawing/2014/main" id="{DEBB7CDF-2574-4581-A620-124211A4164A}"/>
-              </a:ext>
-            </a:extLst>
-          </p:cNvPr>
+          <p:cNvPr id="2" name="Title 1"/>
           <p:cNvSpPr>
             <a:spLocks noGrp="1"/>
           </p:cNvSpPr>
@@ -195,13 +182,7 @@
       </p:sp>
       <p:sp>
         <p:nvSpPr>
-          <p:cNvPr id="3" name="Subtitle 2">
-            <a:extLst>
-              <a:ext uri="{FF2B5EF4-FFF2-40B4-BE49-F238E27FC236}">
-                <a16:creationId xmlns:a16="http://schemas.microsoft.com/office/drawing/2014/main" id="{A3B75F79-C3B9-4D30-9E84-191DA04F809D}"/>
-              </a:ext>
-            </a:extLst>
-          </p:cNvPr>
+          <p:cNvPr id="3" name="Subtitle 2"/>
           <p:cNvSpPr>
             <a:spLocks noGrp="1"/>
           </p:cNvSpPr>
@@ -266,13 +247,7 @@
       </p:sp>
       <p:sp>
         <p:nvSpPr>
-          <p:cNvPr id="4" name="Date Placeholder 3">
-            <a:extLst>
-              <a:ext uri="{FF2B5EF4-FFF2-40B4-BE49-F238E27FC236}">
-                <a16:creationId xmlns:a16="http://schemas.microsoft.com/office/drawing/2014/main" id="{14A76701-AEE5-4FBD-9A22-EFBF2F8BC5D2}"/>
-              </a:ext>
-            </a:extLst>
-          </p:cNvPr>
+          <p:cNvPr id="4" name="Date Placeholder 3"/>
           <p:cNvSpPr>
             <a:spLocks noGrp="1"/>
           </p:cNvSpPr>
@@ -287,7 +262,6 @@
           <a:p>
             <a:fld id="{3EECC916-8326-4398-98E3-595A05AF34C3}" type="datetimeFigureOut">
               <a:rPr lang="en-IN" smtClean="0"/>
-              <a:t>04-12-2021</a:t>
             </a:fld>
             <a:endParaRPr lang="en-IN"/>
           </a:p>
@@ -295,13 +269,7 @@
       </p:sp>
       <p:sp>
         <p:nvSpPr>
-          <p:cNvPr id="5" name="Footer Placeholder 4">
-            <a:extLst>
-              <a:ext uri="{FF2B5EF4-FFF2-40B4-BE49-F238E27FC236}">
-                <a16:creationId xmlns:a16="http://schemas.microsoft.com/office/drawing/2014/main" id="{74D74814-7AA3-4DEF-931D-2C07D5FEB13E}"/>
-              </a:ext>
-            </a:extLst>
-          </p:cNvPr>
+          <p:cNvPr id="5" name="Footer Placeholder 4"/>
           <p:cNvSpPr>
             <a:spLocks noGrp="1"/>
           </p:cNvSpPr>
@@ -320,13 +288,7 @@
       </p:sp>
       <p:sp>
         <p:nvSpPr>
-          <p:cNvPr id="6" name="Slide Number Placeholder 5">
-            <a:extLst>
-              <a:ext uri="{FF2B5EF4-FFF2-40B4-BE49-F238E27FC236}">
-                <a16:creationId xmlns:a16="http://schemas.microsoft.com/office/drawing/2014/main" id="{7FDD5C75-BFD0-4A33-9D01-FB4C841B4DEC}"/>
-              </a:ext>
-            </a:extLst>
-          </p:cNvPr>
+          <p:cNvPr id="6" name="Slide Number Placeholder 5"/>
           <p:cNvSpPr>
             <a:spLocks noGrp="1"/>
           </p:cNvSpPr>
@@ -341,18 +303,12 @@
           <a:p>
             <a:fld id="{AF78E629-3A9D-4480-B2D6-B9213383901A}" type="slidenum">
               <a:rPr lang="en-IN" smtClean="0"/>
-              <a:t>‹#›</a:t>
             </a:fld>
             <a:endParaRPr lang="en-IN"/>
           </a:p>
         </p:txBody>
       </p:sp>
     </p:spTree>
-    <p:extLst>
-      <p:ext uri="{BB962C8B-B14F-4D97-AF65-F5344CB8AC3E}">
-        <p14:creationId xmlns:p14="http://schemas.microsoft.com/office/powerpoint/2010/main" val="3240138492"/>
-      </p:ext>
-    </p:extLst>
   </p:cSld>
   <p:clrMapOvr>
     <a:masterClrMapping/>
@@ -379,13 +335,7 @@
       </p:grpSpPr>
       <p:sp>
         <p:nvSpPr>
-          <p:cNvPr id="2" name="Title 1">
-            <a:extLst>
-              <a:ext uri="{FF2B5EF4-FFF2-40B4-BE49-F238E27FC236}">
-                <a16:creationId xmlns:a16="http://schemas.microsoft.com/office/drawing/2014/main" id="{26E8E862-CF79-4CFC-829B-B4D2B636ED27}"/>
-              </a:ext>
-            </a:extLst>
-          </p:cNvPr>
+          <p:cNvPr id="2" name="Title 1"/>
           <p:cNvSpPr>
             <a:spLocks noGrp="1"/>
           </p:cNvSpPr>
@@ -408,13 +358,7 @@
       </p:sp>
       <p:sp>
         <p:nvSpPr>
-          <p:cNvPr id="3" name="Vertical Text Placeholder 2">
-            <a:extLst>
-              <a:ext uri="{FF2B5EF4-FFF2-40B4-BE49-F238E27FC236}">
-                <a16:creationId xmlns:a16="http://schemas.microsoft.com/office/drawing/2014/main" id="{CF45FA65-2B65-40AB-B1F4-8A2D8403CE91}"/>
-              </a:ext>
-            </a:extLst>
-          </p:cNvPr>
+          <p:cNvPr id="3" name="Vertical Text Placeholder 2"/>
           <p:cNvSpPr>
             <a:spLocks noGrp="1"/>
           </p:cNvSpPr>
@@ -432,6 +376,7 @@
               <a:rPr lang="en-US"/>
               <a:t>Click to edit Master text styles</a:t>
             </a:r>
+            <a:endParaRPr lang="en-US"/>
           </a:p>
           <a:p>
             <a:pPr lvl="1"/>
@@ -439,6 +384,7 @@
               <a:rPr lang="en-US"/>
               <a:t>Second level</a:t>
             </a:r>
+            <a:endParaRPr lang="en-US"/>
           </a:p>
           <a:p>
             <a:pPr lvl="2"/>
@@ -446,6 +392,7 @@
               <a:rPr lang="en-US"/>
               <a:t>Third level</a:t>
             </a:r>
+            <a:endParaRPr lang="en-US"/>
           </a:p>
           <a:p>
             <a:pPr lvl="3"/>
@@ -453,6 +400,7 @@
               <a:rPr lang="en-US"/>
               <a:t>Fourth level</a:t>
             </a:r>
+            <a:endParaRPr lang="en-US"/>
           </a:p>
           <a:p>
             <a:pPr lvl="4"/>
@@ -466,13 +414,7 @@
       </p:sp>
       <p:sp>
         <p:nvSpPr>
-          <p:cNvPr id="4" name="Date Placeholder 3">
-            <a:extLst>
-              <a:ext uri="{FF2B5EF4-FFF2-40B4-BE49-F238E27FC236}">
-                <a16:creationId xmlns:a16="http://schemas.microsoft.com/office/drawing/2014/main" id="{83302831-A45C-4EF7-BF00-E5A445009B34}"/>
-              </a:ext>
-            </a:extLst>
-          </p:cNvPr>
+          <p:cNvPr id="4" name="Date Placeholder 3"/>
           <p:cNvSpPr>
             <a:spLocks noGrp="1"/>
           </p:cNvSpPr>
@@ -487,7 +429,6 @@
           <a:p>
             <a:fld id="{3EECC916-8326-4398-98E3-595A05AF34C3}" type="datetimeFigureOut">
               <a:rPr lang="en-IN" smtClean="0"/>
-              <a:t>04-12-2021</a:t>
             </a:fld>
             <a:endParaRPr lang="en-IN"/>
           </a:p>
@@ -495,13 +436,7 @@
       </p:sp>
       <p:sp>
         <p:nvSpPr>
-          <p:cNvPr id="5" name="Footer Placeholder 4">
-            <a:extLst>
-              <a:ext uri="{FF2B5EF4-FFF2-40B4-BE49-F238E27FC236}">
-                <a16:creationId xmlns:a16="http://schemas.microsoft.com/office/drawing/2014/main" id="{CB1469DB-20A6-4659-A112-F53BE13BAFEE}"/>
-              </a:ext>
-            </a:extLst>
-          </p:cNvPr>
+          <p:cNvPr id="5" name="Footer Placeholder 4"/>
           <p:cNvSpPr>
             <a:spLocks noGrp="1"/>
           </p:cNvSpPr>
@@ -520,13 +455,7 @@
       </p:sp>
       <p:sp>
         <p:nvSpPr>
-          <p:cNvPr id="6" name="Slide Number Placeholder 5">
-            <a:extLst>
-              <a:ext uri="{FF2B5EF4-FFF2-40B4-BE49-F238E27FC236}">
-                <a16:creationId xmlns:a16="http://schemas.microsoft.com/office/drawing/2014/main" id="{A2437ACA-F8B2-425A-9FAF-02712ED2FDE6}"/>
-              </a:ext>
-            </a:extLst>
-          </p:cNvPr>
+          <p:cNvPr id="6" name="Slide Number Placeholder 5"/>
           <p:cNvSpPr>
             <a:spLocks noGrp="1"/>
           </p:cNvSpPr>
@@ -541,18 +470,12 @@
           <a:p>
             <a:fld id="{AF78E629-3A9D-4480-B2D6-B9213383901A}" type="slidenum">
               <a:rPr lang="en-IN" smtClean="0"/>
-              <a:t>‹#›</a:t>
             </a:fld>
             <a:endParaRPr lang="en-IN"/>
           </a:p>
         </p:txBody>
       </p:sp>
     </p:spTree>
-    <p:extLst>
-      <p:ext uri="{BB962C8B-B14F-4D97-AF65-F5344CB8AC3E}">
-        <p14:creationId xmlns:p14="http://schemas.microsoft.com/office/powerpoint/2010/main" val="2815547639"/>
-      </p:ext>
-    </p:extLst>
   </p:cSld>
   <p:clrMapOvr>
     <a:masterClrMapping/>
@@ -579,13 +502,7 @@
       </p:grpSpPr>
       <p:sp>
         <p:nvSpPr>
-          <p:cNvPr id="2" name="Vertical Title 1">
-            <a:extLst>
-              <a:ext uri="{FF2B5EF4-FFF2-40B4-BE49-F238E27FC236}">
-                <a16:creationId xmlns:a16="http://schemas.microsoft.com/office/drawing/2014/main" id="{708987BB-1ED6-411D-A216-FB308AA26523}"/>
-              </a:ext>
-            </a:extLst>
-          </p:cNvPr>
+          <p:cNvPr id="2" name="Vertical Title 1"/>
           <p:cNvSpPr>
             <a:spLocks noGrp="1"/>
           </p:cNvSpPr>
@@ -613,13 +530,7 @@
       </p:sp>
       <p:sp>
         <p:nvSpPr>
-          <p:cNvPr id="3" name="Vertical Text Placeholder 2">
-            <a:extLst>
-              <a:ext uri="{FF2B5EF4-FFF2-40B4-BE49-F238E27FC236}">
-                <a16:creationId xmlns:a16="http://schemas.microsoft.com/office/drawing/2014/main" id="{8D003001-418A-48D4-8124-18B67CAEF2AC}"/>
-              </a:ext>
-            </a:extLst>
-          </p:cNvPr>
+          <p:cNvPr id="3" name="Vertical Text Placeholder 2"/>
           <p:cNvSpPr>
             <a:spLocks noGrp="1"/>
           </p:cNvSpPr>
@@ -642,6 +553,7 @@
               <a:rPr lang="en-US"/>
               <a:t>Click to edit Master text styles</a:t>
             </a:r>
+            <a:endParaRPr lang="en-US"/>
           </a:p>
           <a:p>
             <a:pPr lvl="1"/>
@@ -649,6 +561,7 @@
               <a:rPr lang="en-US"/>
               <a:t>Second level</a:t>
             </a:r>
+            <a:endParaRPr lang="en-US"/>
           </a:p>
           <a:p>
             <a:pPr lvl="2"/>
@@ -656,6 +569,7 @@
               <a:rPr lang="en-US"/>
               <a:t>Third level</a:t>
             </a:r>
+            <a:endParaRPr lang="en-US"/>
           </a:p>
           <a:p>
             <a:pPr lvl="3"/>
@@ -663,6 +577,7 @@
               <a:rPr lang="en-US"/>
               <a:t>Fourth level</a:t>
             </a:r>
+            <a:endParaRPr lang="en-US"/>
           </a:p>
           <a:p>
             <a:pPr lvl="4"/>
@@ -676,13 +591,7 @@
       </p:sp>
       <p:sp>
         <p:nvSpPr>
-          <p:cNvPr id="4" name="Date Placeholder 3">
-            <a:extLst>
-              <a:ext uri="{FF2B5EF4-FFF2-40B4-BE49-F238E27FC236}">
-                <a16:creationId xmlns:a16="http://schemas.microsoft.com/office/drawing/2014/main" id="{13DC6757-E891-4CFD-AAB2-9FEBA3926FE2}"/>
-              </a:ext>
-            </a:extLst>
-          </p:cNvPr>
+          <p:cNvPr id="4" name="Date Placeholder 3"/>
           <p:cNvSpPr>
             <a:spLocks noGrp="1"/>
           </p:cNvSpPr>
@@ -697,7 +606,6 @@
           <a:p>
             <a:fld id="{3EECC916-8326-4398-98E3-595A05AF34C3}" type="datetimeFigureOut">
               <a:rPr lang="en-IN" smtClean="0"/>
-              <a:t>04-12-2021</a:t>
             </a:fld>
             <a:endParaRPr lang="en-IN"/>
           </a:p>
@@ -705,13 +613,7 @@
       </p:sp>
       <p:sp>
         <p:nvSpPr>
-          <p:cNvPr id="5" name="Footer Placeholder 4">
-            <a:extLst>
-              <a:ext uri="{FF2B5EF4-FFF2-40B4-BE49-F238E27FC236}">
-                <a16:creationId xmlns:a16="http://schemas.microsoft.com/office/drawing/2014/main" id="{646E9092-5F25-4F49-987E-A07D14E7F5ED}"/>
-              </a:ext>
-            </a:extLst>
-          </p:cNvPr>
+          <p:cNvPr id="5" name="Footer Placeholder 4"/>
           <p:cNvSpPr>
             <a:spLocks noGrp="1"/>
           </p:cNvSpPr>
@@ -730,13 +632,7 @@
       </p:sp>
       <p:sp>
         <p:nvSpPr>
-          <p:cNvPr id="6" name="Slide Number Placeholder 5">
-            <a:extLst>
-              <a:ext uri="{FF2B5EF4-FFF2-40B4-BE49-F238E27FC236}">
-                <a16:creationId xmlns:a16="http://schemas.microsoft.com/office/drawing/2014/main" id="{18A00305-F2E8-4FA6-9DBF-485A3451DCEA}"/>
-              </a:ext>
-            </a:extLst>
-          </p:cNvPr>
+          <p:cNvPr id="6" name="Slide Number Placeholder 5"/>
           <p:cNvSpPr>
             <a:spLocks noGrp="1"/>
           </p:cNvSpPr>
@@ -751,18 +647,12 @@
           <a:p>
             <a:fld id="{AF78E629-3A9D-4480-B2D6-B9213383901A}" type="slidenum">
               <a:rPr lang="en-IN" smtClean="0"/>
-              <a:t>‹#›</a:t>
             </a:fld>
             <a:endParaRPr lang="en-IN"/>
           </a:p>
         </p:txBody>
       </p:sp>
     </p:spTree>
-    <p:extLst>
-      <p:ext uri="{BB962C8B-B14F-4D97-AF65-F5344CB8AC3E}">
-        <p14:creationId xmlns:p14="http://schemas.microsoft.com/office/powerpoint/2010/main" val="1554356727"/>
-      </p:ext>
-    </p:extLst>
   </p:cSld>
   <p:clrMapOvr>
     <a:masterClrMapping/>
@@ -770,7 +660,192 @@
 </p:sldLayout>
 </file>
 
-<file path=ppt/slideLayouts/slideLayout2.xml><?xml version="1.0" encoding="utf-8"?>
+<file path=ppt/slideLayouts/slideLayout12.xml><?xml version="1.0" encoding="utf-8"?>
+<p:sldLayout xmlns:a="http://schemas.openxmlformats.org/drawingml/2006/main" xmlns:r="http://schemas.openxmlformats.org/officeDocument/2006/relationships" xmlns:p="http://schemas.openxmlformats.org/presentationml/2006/main" type="title" preserve="1">
+  <p:cSld name="Title Slide">
+    <p:spTree>
+      <p:nvGrpSpPr>
+        <p:cNvPr id="1" name=""/>
+        <p:cNvGrpSpPr/>
+        <p:nvPr/>
+      </p:nvGrpSpPr>
+      <p:grpSpPr>
+        <a:xfrm>
+          <a:off x="0" y="0"/>
+          <a:ext cx="0" cy="0"/>
+          <a:chOff x="0" y="0"/>
+          <a:chExt cx="0" cy="0"/>
+        </a:xfrm>
+      </p:grpSpPr>
+      <p:sp>
+        <p:nvSpPr>
+          <p:cNvPr id="2" name="Title 1"/>
+          <p:cNvSpPr>
+            <a:spLocks noGrp="1"/>
+          </p:cNvSpPr>
+          <p:nvPr>
+            <p:ph type="ctrTitle"/>
+          </p:nvPr>
+        </p:nvSpPr>
+        <p:spPr>
+          <a:xfrm>
+            <a:off x="1524000" y="1122363"/>
+            <a:ext cx="9144000" cy="2387600"/>
+          </a:xfrm>
+        </p:spPr>
+        <p:txBody>
+          <a:bodyPr anchor="b"/>
+          <a:lstStyle>
+            <a:lvl1pPr algn="ctr">
+              <a:defRPr sz="6000"/>
+            </a:lvl1pPr>
+          </a:lstStyle>
+          <a:p>
+            <a:r>
+              <a:rPr lang="en-US"/>
+              <a:t>Click to edit Master title style</a:t>
+            </a:r>
+            <a:endParaRPr lang="en-IN"/>
+          </a:p>
+        </p:txBody>
+      </p:sp>
+      <p:sp>
+        <p:nvSpPr>
+          <p:cNvPr id="3" name="Subtitle 2"/>
+          <p:cNvSpPr>
+            <a:spLocks noGrp="1"/>
+          </p:cNvSpPr>
+          <p:nvPr>
+            <p:ph type="subTitle" idx="1"/>
+          </p:nvPr>
+        </p:nvSpPr>
+        <p:spPr>
+          <a:xfrm>
+            <a:off x="1524000" y="3602038"/>
+            <a:ext cx="9144000" cy="1655762"/>
+          </a:xfrm>
+        </p:spPr>
+        <p:txBody>
+          <a:bodyPr/>
+          <a:lstStyle>
+            <a:lvl1pPr marL="0" indent="0" algn="ctr">
+              <a:buNone/>
+              <a:defRPr sz="2400"/>
+            </a:lvl1pPr>
+            <a:lvl2pPr marL="457200" indent="0" algn="ctr">
+              <a:buNone/>
+              <a:defRPr sz="2000"/>
+            </a:lvl2pPr>
+            <a:lvl3pPr marL="914400" indent="0" algn="ctr">
+              <a:buNone/>
+              <a:defRPr sz="1800"/>
+            </a:lvl3pPr>
+            <a:lvl4pPr marL="1371600" indent="0" algn="ctr">
+              <a:buNone/>
+              <a:defRPr sz="1600"/>
+            </a:lvl4pPr>
+            <a:lvl5pPr marL="1828800" indent="0" algn="ctr">
+              <a:buNone/>
+              <a:defRPr sz="1600"/>
+            </a:lvl5pPr>
+            <a:lvl6pPr marL="2286000" indent="0" algn="ctr">
+              <a:buNone/>
+              <a:defRPr sz="1600"/>
+            </a:lvl6pPr>
+            <a:lvl7pPr marL="2743200" indent="0" algn="ctr">
+              <a:buNone/>
+              <a:defRPr sz="1600"/>
+            </a:lvl7pPr>
+            <a:lvl8pPr marL="3200400" indent="0" algn="ctr">
+              <a:buNone/>
+              <a:defRPr sz="1600"/>
+            </a:lvl8pPr>
+            <a:lvl9pPr marL="3657600" indent="0" algn="ctr">
+              <a:buNone/>
+              <a:defRPr sz="1600"/>
+            </a:lvl9pPr>
+          </a:lstStyle>
+          <a:p>
+            <a:r>
+              <a:rPr lang="en-US"/>
+              <a:t>Click to edit Master subtitle style</a:t>
+            </a:r>
+            <a:endParaRPr lang="en-IN"/>
+          </a:p>
+        </p:txBody>
+      </p:sp>
+      <p:sp>
+        <p:nvSpPr>
+          <p:cNvPr id="4" name="Date Placeholder 3"/>
+          <p:cNvSpPr>
+            <a:spLocks noGrp="1"/>
+          </p:cNvSpPr>
+          <p:nvPr>
+            <p:ph type="dt" sz="half" idx="10"/>
+          </p:nvPr>
+        </p:nvSpPr>
+        <p:spPr/>
+        <p:txBody>
+          <a:bodyPr/>
+          <a:lstStyle/>
+          <a:p>
+            <a:fld id="{3EECC916-8326-4398-98E3-595A05AF34C3}" type="datetimeFigureOut">
+              <a:rPr lang="en-IN" smtClean="0"/>
+            </a:fld>
+            <a:endParaRPr lang="en-IN"/>
+          </a:p>
+        </p:txBody>
+      </p:sp>
+      <p:sp>
+        <p:nvSpPr>
+          <p:cNvPr id="5" name="Footer Placeholder 4"/>
+          <p:cNvSpPr>
+            <a:spLocks noGrp="1"/>
+          </p:cNvSpPr>
+          <p:nvPr>
+            <p:ph type="ftr" sz="quarter" idx="11"/>
+          </p:nvPr>
+        </p:nvSpPr>
+        <p:spPr/>
+        <p:txBody>
+          <a:bodyPr/>
+          <a:lstStyle/>
+          <a:p>
+            <a:endParaRPr lang="en-IN"/>
+          </a:p>
+        </p:txBody>
+      </p:sp>
+      <p:sp>
+        <p:nvSpPr>
+          <p:cNvPr id="6" name="Slide Number Placeholder 5"/>
+          <p:cNvSpPr>
+            <a:spLocks noGrp="1"/>
+          </p:cNvSpPr>
+          <p:nvPr>
+            <p:ph type="sldNum" sz="quarter" idx="12"/>
+          </p:nvPr>
+        </p:nvSpPr>
+        <p:spPr/>
+        <p:txBody>
+          <a:bodyPr/>
+          <a:lstStyle/>
+          <a:p>
+            <a:fld id="{AF78E629-3A9D-4480-B2D6-B9213383901A}" type="slidenum">
+              <a:rPr lang="en-IN" smtClean="0"/>
+            </a:fld>
+            <a:endParaRPr lang="en-IN"/>
+          </a:p>
+        </p:txBody>
+      </p:sp>
+    </p:spTree>
+  </p:cSld>
+  <p:clrMapOvr>
+    <a:masterClrMapping/>
+  </p:clrMapOvr>
+</p:sldLayout>
+</file>
+
+<file path=ppt/slideLayouts/slideLayout13.xml><?xml version="1.0" encoding="utf-8"?>
 <p:sldLayout xmlns:a="http://schemas.openxmlformats.org/drawingml/2006/main" xmlns:r="http://schemas.openxmlformats.org/officeDocument/2006/relationships" xmlns:p="http://schemas.openxmlformats.org/presentationml/2006/main" type="obj" preserve="1">
   <p:cSld name="Title and Content">
     <p:spTree>
@@ -789,13 +864,7 @@
       </p:grpSpPr>
       <p:sp>
         <p:nvSpPr>
-          <p:cNvPr id="2" name="Title 1">
-            <a:extLst>
-              <a:ext uri="{FF2B5EF4-FFF2-40B4-BE49-F238E27FC236}">
-                <a16:creationId xmlns:a16="http://schemas.microsoft.com/office/drawing/2014/main" id="{A31F9F62-4562-4086-A3E0-55D3A1432821}"/>
-              </a:ext>
-            </a:extLst>
-          </p:cNvPr>
+          <p:cNvPr id="2" name="Title 1"/>
           <p:cNvSpPr>
             <a:spLocks noGrp="1"/>
           </p:cNvSpPr>
@@ -818,13 +887,7 @@
       </p:sp>
       <p:sp>
         <p:nvSpPr>
-          <p:cNvPr id="3" name="Content Placeholder 2">
-            <a:extLst>
-              <a:ext uri="{FF2B5EF4-FFF2-40B4-BE49-F238E27FC236}">
-                <a16:creationId xmlns:a16="http://schemas.microsoft.com/office/drawing/2014/main" id="{B83F9783-788F-4E7F-B42C-084B7D605EDF}"/>
-              </a:ext>
-            </a:extLst>
-          </p:cNvPr>
+          <p:cNvPr id="3" name="Content Placeholder 2"/>
           <p:cNvSpPr>
             <a:spLocks noGrp="1"/>
           </p:cNvSpPr>
@@ -842,6 +905,7 @@
               <a:rPr lang="en-US"/>
               <a:t>Click to edit Master text styles</a:t>
             </a:r>
+            <a:endParaRPr lang="en-US"/>
           </a:p>
           <a:p>
             <a:pPr lvl="1"/>
@@ -849,6 +913,7 @@
               <a:rPr lang="en-US"/>
               <a:t>Second level</a:t>
             </a:r>
+            <a:endParaRPr lang="en-US"/>
           </a:p>
           <a:p>
             <a:pPr lvl="2"/>
@@ -856,6 +921,7 @@
               <a:rPr lang="en-US"/>
               <a:t>Third level</a:t>
             </a:r>
+            <a:endParaRPr lang="en-US"/>
           </a:p>
           <a:p>
             <a:pPr lvl="3"/>
@@ -863,6 +929,7 @@
               <a:rPr lang="en-US"/>
               <a:t>Fourth level</a:t>
             </a:r>
+            <a:endParaRPr lang="en-US"/>
           </a:p>
           <a:p>
             <a:pPr lvl="4"/>
@@ -876,13 +943,7 @@
       </p:sp>
       <p:sp>
         <p:nvSpPr>
-          <p:cNvPr id="4" name="Date Placeholder 3">
-            <a:extLst>
-              <a:ext uri="{FF2B5EF4-FFF2-40B4-BE49-F238E27FC236}">
-                <a16:creationId xmlns:a16="http://schemas.microsoft.com/office/drawing/2014/main" id="{2F8A7DFF-63B2-43D7-A2CF-74AB37A8D101}"/>
-              </a:ext>
-            </a:extLst>
-          </p:cNvPr>
+          <p:cNvPr id="4" name="Date Placeholder 3"/>
           <p:cNvSpPr>
             <a:spLocks noGrp="1"/>
           </p:cNvSpPr>
@@ -897,7 +958,6 @@
           <a:p>
             <a:fld id="{3EECC916-8326-4398-98E3-595A05AF34C3}" type="datetimeFigureOut">
               <a:rPr lang="en-IN" smtClean="0"/>
-              <a:t>04-12-2021</a:t>
             </a:fld>
             <a:endParaRPr lang="en-IN"/>
           </a:p>
@@ -905,13 +965,7 @@
       </p:sp>
       <p:sp>
         <p:nvSpPr>
-          <p:cNvPr id="5" name="Footer Placeholder 4">
-            <a:extLst>
-              <a:ext uri="{FF2B5EF4-FFF2-40B4-BE49-F238E27FC236}">
-                <a16:creationId xmlns:a16="http://schemas.microsoft.com/office/drawing/2014/main" id="{8538895F-B83A-4DD0-B633-940E08D8B9AF}"/>
-              </a:ext>
-            </a:extLst>
-          </p:cNvPr>
+          <p:cNvPr id="5" name="Footer Placeholder 4"/>
           <p:cNvSpPr>
             <a:spLocks noGrp="1"/>
           </p:cNvSpPr>
@@ -930,13 +984,7 @@
       </p:sp>
       <p:sp>
         <p:nvSpPr>
-          <p:cNvPr id="6" name="Slide Number Placeholder 5">
-            <a:extLst>
-              <a:ext uri="{FF2B5EF4-FFF2-40B4-BE49-F238E27FC236}">
-                <a16:creationId xmlns:a16="http://schemas.microsoft.com/office/drawing/2014/main" id="{B2E18F0A-6F24-46C0-AE4B-36122E8C0F50}"/>
-              </a:ext>
-            </a:extLst>
-          </p:cNvPr>
+          <p:cNvPr id="6" name="Slide Number Placeholder 5"/>
           <p:cNvSpPr>
             <a:spLocks noGrp="1"/>
           </p:cNvSpPr>
@@ -951,18 +999,12 @@
           <a:p>
             <a:fld id="{AF78E629-3A9D-4480-B2D6-B9213383901A}" type="slidenum">
               <a:rPr lang="en-IN" smtClean="0"/>
-              <a:t>‹#›</a:t>
             </a:fld>
             <a:endParaRPr lang="en-IN"/>
           </a:p>
         </p:txBody>
       </p:sp>
     </p:spTree>
-    <p:extLst>
-      <p:ext uri="{BB962C8B-B14F-4D97-AF65-F5344CB8AC3E}">
-        <p14:creationId xmlns:p14="http://schemas.microsoft.com/office/powerpoint/2010/main" val="483252481"/>
-      </p:ext>
-    </p:extLst>
   </p:cSld>
   <p:clrMapOvr>
     <a:masterClrMapping/>
@@ -970,7 +1012,7 @@
 </p:sldLayout>
 </file>
 
-<file path=ppt/slideLayouts/slideLayout3.xml><?xml version="1.0" encoding="utf-8"?>
+<file path=ppt/slideLayouts/slideLayout14.xml><?xml version="1.0" encoding="utf-8"?>
 <p:sldLayout xmlns:a="http://schemas.openxmlformats.org/drawingml/2006/main" xmlns:r="http://schemas.openxmlformats.org/officeDocument/2006/relationships" xmlns:p="http://schemas.openxmlformats.org/presentationml/2006/main" type="secHead" preserve="1">
   <p:cSld name="Section Header">
     <p:spTree>
@@ -989,13 +1031,7 @@
       </p:grpSpPr>
       <p:sp>
         <p:nvSpPr>
-          <p:cNvPr id="2" name="Title 1">
-            <a:extLst>
-              <a:ext uri="{FF2B5EF4-FFF2-40B4-BE49-F238E27FC236}">
-                <a16:creationId xmlns:a16="http://schemas.microsoft.com/office/drawing/2014/main" id="{34DC7959-2495-4C3E-BA59-D18FFE94A94D}"/>
-              </a:ext>
-            </a:extLst>
-          </p:cNvPr>
+          <p:cNvPr id="2" name="Title 1"/>
           <p:cNvSpPr>
             <a:spLocks noGrp="1"/>
           </p:cNvSpPr>
@@ -1027,13 +1063,7 @@
       </p:sp>
       <p:sp>
         <p:nvSpPr>
-          <p:cNvPr id="3" name="Text Placeholder 2">
-            <a:extLst>
-              <a:ext uri="{FF2B5EF4-FFF2-40B4-BE49-F238E27FC236}">
-                <a16:creationId xmlns:a16="http://schemas.microsoft.com/office/drawing/2014/main" id="{01BA535F-6AA6-4C19-B5B2-9E0D363AB2E4}"/>
-              </a:ext>
-            </a:extLst>
-          </p:cNvPr>
+          <p:cNvPr id="3" name="Text Placeholder 2"/>
           <p:cNvSpPr>
             <a:spLocks noGrp="1"/>
           </p:cNvSpPr>
@@ -1147,18 +1177,13 @@
               <a:rPr lang="en-US"/>
               <a:t>Click to edit Master text styles</a:t>
             </a:r>
-          </a:p>
-        </p:txBody>
-      </p:sp>
-      <p:sp>
-        <p:nvSpPr>
-          <p:cNvPr id="4" name="Date Placeholder 3">
-            <a:extLst>
-              <a:ext uri="{FF2B5EF4-FFF2-40B4-BE49-F238E27FC236}">
-                <a16:creationId xmlns:a16="http://schemas.microsoft.com/office/drawing/2014/main" id="{A0F78BB4-6AF1-4707-9FB7-2DC3BBC365EB}"/>
-              </a:ext>
-            </a:extLst>
-          </p:cNvPr>
+            <a:endParaRPr lang="en-US"/>
+          </a:p>
+        </p:txBody>
+      </p:sp>
+      <p:sp>
+        <p:nvSpPr>
+          <p:cNvPr id="4" name="Date Placeholder 3"/>
           <p:cNvSpPr>
             <a:spLocks noGrp="1"/>
           </p:cNvSpPr>
@@ -1173,7 +1198,6 @@
           <a:p>
             <a:fld id="{3EECC916-8326-4398-98E3-595A05AF34C3}" type="datetimeFigureOut">
               <a:rPr lang="en-IN" smtClean="0"/>
-              <a:t>04-12-2021</a:t>
             </a:fld>
             <a:endParaRPr lang="en-IN"/>
           </a:p>
@@ -1181,13 +1205,7 @@
       </p:sp>
       <p:sp>
         <p:nvSpPr>
-          <p:cNvPr id="5" name="Footer Placeholder 4">
-            <a:extLst>
-              <a:ext uri="{FF2B5EF4-FFF2-40B4-BE49-F238E27FC236}">
-                <a16:creationId xmlns:a16="http://schemas.microsoft.com/office/drawing/2014/main" id="{77DDF209-910B-4959-9028-40B21683BC7F}"/>
-              </a:ext>
-            </a:extLst>
-          </p:cNvPr>
+          <p:cNvPr id="5" name="Footer Placeholder 4"/>
           <p:cNvSpPr>
             <a:spLocks noGrp="1"/>
           </p:cNvSpPr>
@@ -1206,13 +1224,7 @@
       </p:sp>
       <p:sp>
         <p:nvSpPr>
-          <p:cNvPr id="6" name="Slide Number Placeholder 5">
-            <a:extLst>
-              <a:ext uri="{FF2B5EF4-FFF2-40B4-BE49-F238E27FC236}">
-                <a16:creationId xmlns:a16="http://schemas.microsoft.com/office/drawing/2014/main" id="{9A970CFE-CED1-4DF9-B224-D2919E8CC648}"/>
-              </a:ext>
-            </a:extLst>
-          </p:cNvPr>
+          <p:cNvPr id="6" name="Slide Number Placeholder 5"/>
           <p:cNvSpPr>
             <a:spLocks noGrp="1"/>
           </p:cNvSpPr>
@@ -1227,18 +1239,12 @@
           <a:p>
             <a:fld id="{AF78E629-3A9D-4480-B2D6-B9213383901A}" type="slidenum">
               <a:rPr lang="en-IN" smtClean="0"/>
-              <a:t>‹#›</a:t>
             </a:fld>
             <a:endParaRPr lang="en-IN"/>
           </a:p>
         </p:txBody>
       </p:sp>
     </p:spTree>
-    <p:extLst>
-      <p:ext uri="{BB962C8B-B14F-4D97-AF65-F5344CB8AC3E}">
-        <p14:creationId xmlns:p14="http://schemas.microsoft.com/office/powerpoint/2010/main" val="3816709842"/>
-      </p:ext>
-    </p:extLst>
   </p:cSld>
   <p:clrMapOvr>
     <a:masterClrMapping/>
@@ -1246,7 +1252,7 @@
 </p:sldLayout>
 </file>
 
-<file path=ppt/slideLayouts/slideLayout4.xml><?xml version="1.0" encoding="utf-8"?>
+<file path=ppt/slideLayouts/slideLayout15.xml><?xml version="1.0" encoding="utf-8"?>
 <p:sldLayout xmlns:a="http://schemas.openxmlformats.org/drawingml/2006/main" xmlns:r="http://schemas.openxmlformats.org/officeDocument/2006/relationships" xmlns:p="http://schemas.openxmlformats.org/presentationml/2006/main" type="twoObj" preserve="1">
   <p:cSld name="Two Content">
     <p:spTree>
@@ -1265,13 +1271,7 @@
       </p:grpSpPr>
       <p:sp>
         <p:nvSpPr>
-          <p:cNvPr id="2" name="Title 1">
-            <a:extLst>
-              <a:ext uri="{FF2B5EF4-FFF2-40B4-BE49-F238E27FC236}">
-                <a16:creationId xmlns:a16="http://schemas.microsoft.com/office/drawing/2014/main" id="{63864587-C7E4-444C-94D9-82E8D9C8DACD}"/>
-              </a:ext>
-            </a:extLst>
-          </p:cNvPr>
+          <p:cNvPr id="2" name="Title 1"/>
           <p:cNvSpPr>
             <a:spLocks noGrp="1"/>
           </p:cNvSpPr>
@@ -1294,13 +1294,7 @@
       </p:sp>
       <p:sp>
         <p:nvSpPr>
-          <p:cNvPr id="3" name="Content Placeholder 2">
-            <a:extLst>
-              <a:ext uri="{FF2B5EF4-FFF2-40B4-BE49-F238E27FC236}">
-                <a16:creationId xmlns:a16="http://schemas.microsoft.com/office/drawing/2014/main" id="{8DA675FE-2473-4EAA-8A76-E6C79CFF3334}"/>
-              </a:ext>
-            </a:extLst>
-          </p:cNvPr>
+          <p:cNvPr id="3" name="Content Placeholder 2"/>
           <p:cNvSpPr>
             <a:spLocks noGrp="1"/>
           </p:cNvSpPr>
@@ -1323,6 +1317,7 @@
               <a:rPr lang="en-US"/>
               <a:t>Click to edit Master text styles</a:t>
             </a:r>
+            <a:endParaRPr lang="en-US"/>
           </a:p>
           <a:p>
             <a:pPr lvl="1"/>
@@ -1330,6 +1325,7 @@
               <a:rPr lang="en-US"/>
               <a:t>Second level</a:t>
             </a:r>
+            <a:endParaRPr lang="en-US"/>
           </a:p>
           <a:p>
             <a:pPr lvl="2"/>
@@ -1337,6 +1333,7 @@
               <a:rPr lang="en-US"/>
               <a:t>Third level</a:t>
             </a:r>
+            <a:endParaRPr lang="en-US"/>
           </a:p>
           <a:p>
             <a:pPr lvl="3"/>
@@ -1344,6 +1341,7 @@
               <a:rPr lang="en-US"/>
               <a:t>Fourth level</a:t>
             </a:r>
+            <a:endParaRPr lang="en-US"/>
           </a:p>
           <a:p>
             <a:pPr lvl="4"/>
@@ -1357,13 +1355,7 @@
       </p:sp>
       <p:sp>
         <p:nvSpPr>
-          <p:cNvPr id="4" name="Content Placeholder 3">
-            <a:extLst>
-              <a:ext uri="{FF2B5EF4-FFF2-40B4-BE49-F238E27FC236}">
-                <a16:creationId xmlns:a16="http://schemas.microsoft.com/office/drawing/2014/main" id="{26E122C2-F3A3-482F-B640-C63F4C8ED07E}"/>
-              </a:ext>
-            </a:extLst>
-          </p:cNvPr>
+          <p:cNvPr id="4" name="Content Placeholder 3"/>
           <p:cNvSpPr>
             <a:spLocks noGrp="1"/>
           </p:cNvSpPr>
@@ -1386,6 +1378,7 @@
               <a:rPr lang="en-US"/>
               <a:t>Click to edit Master text styles</a:t>
             </a:r>
+            <a:endParaRPr lang="en-US"/>
           </a:p>
           <a:p>
             <a:pPr lvl="1"/>
@@ -1393,6 +1386,7 @@
               <a:rPr lang="en-US"/>
               <a:t>Second level</a:t>
             </a:r>
+            <a:endParaRPr lang="en-US"/>
           </a:p>
           <a:p>
             <a:pPr lvl="2"/>
@@ -1400,6 +1394,7 @@
               <a:rPr lang="en-US"/>
               <a:t>Third level</a:t>
             </a:r>
+            <a:endParaRPr lang="en-US"/>
           </a:p>
           <a:p>
             <a:pPr lvl="3"/>
@@ -1407,6 +1402,7 @@
               <a:rPr lang="en-US"/>
               <a:t>Fourth level</a:t>
             </a:r>
+            <a:endParaRPr lang="en-US"/>
           </a:p>
           <a:p>
             <a:pPr lvl="4"/>
@@ -1420,13 +1416,7 @@
       </p:sp>
       <p:sp>
         <p:nvSpPr>
-          <p:cNvPr id="5" name="Date Placeholder 4">
-            <a:extLst>
-              <a:ext uri="{FF2B5EF4-FFF2-40B4-BE49-F238E27FC236}">
-                <a16:creationId xmlns:a16="http://schemas.microsoft.com/office/drawing/2014/main" id="{C1722DB2-A72A-418E-B6AD-B0DBD780BAC9}"/>
-              </a:ext>
-            </a:extLst>
-          </p:cNvPr>
+          <p:cNvPr id="5" name="Date Placeholder 4"/>
           <p:cNvSpPr>
             <a:spLocks noGrp="1"/>
           </p:cNvSpPr>
@@ -1441,7 +1431,6 @@
           <a:p>
             <a:fld id="{3EECC916-8326-4398-98E3-595A05AF34C3}" type="datetimeFigureOut">
               <a:rPr lang="en-IN" smtClean="0"/>
-              <a:t>04-12-2021</a:t>
             </a:fld>
             <a:endParaRPr lang="en-IN"/>
           </a:p>
@@ -1449,13 +1438,7 @@
       </p:sp>
       <p:sp>
         <p:nvSpPr>
-          <p:cNvPr id="6" name="Footer Placeholder 5">
-            <a:extLst>
-              <a:ext uri="{FF2B5EF4-FFF2-40B4-BE49-F238E27FC236}">
-                <a16:creationId xmlns:a16="http://schemas.microsoft.com/office/drawing/2014/main" id="{52BB1E28-3D2B-4D56-87CD-0D3D83540D64}"/>
-              </a:ext>
-            </a:extLst>
-          </p:cNvPr>
+          <p:cNvPr id="6" name="Footer Placeholder 5"/>
           <p:cNvSpPr>
             <a:spLocks noGrp="1"/>
           </p:cNvSpPr>
@@ -1474,13 +1457,7 @@
       </p:sp>
       <p:sp>
         <p:nvSpPr>
-          <p:cNvPr id="7" name="Slide Number Placeholder 6">
-            <a:extLst>
-              <a:ext uri="{FF2B5EF4-FFF2-40B4-BE49-F238E27FC236}">
-                <a16:creationId xmlns:a16="http://schemas.microsoft.com/office/drawing/2014/main" id="{22D25FAF-9800-419A-A3F2-F1EB7EC261DF}"/>
-              </a:ext>
-            </a:extLst>
-          </p:cNvPr>
+          <p:cNvPr id="7" name="Slide Number Placeholder 6"/>
           <p:cNvSpPr>
             <a:spLocks noGrp="1"/>
           </p:cNvSpPr>
@@ -1495,18 +1472,12 @@
           <a:p>
             <a:fld id="{AF78E629-3A9D-4480-B2D6-B9213383901A}" type="slidenum">
               <a:rPr lang="en-IN" smtClean="0"/>
-              <a:t>‹#›</a:t>
             </a:fld>
             <a:endParaRPr lang="en-IN"/>
           </a:p>
         </p:txBody>
       </p:sp>
     </p:spTree>
-    <p:extLst>
-      <p:ext uri="{BB962C8B-B14F-4D97-AF65-F5344CB8AC3E}">
-        <p14:creationId xmlns:p14="http://schemas.microsoft.com/office/powerpoint/2010/main" val="247886331"/>
-      </p:ext>
-    </p:extLst>
   </p:cSld>
   <p:clrMapOvr>
     <a:masterClrMapping/>
@@ -1514,7 +1485,7 @@
 </p:sldLayout>
 </file>
 
-<file path=ppt/slideLayouts/slideLayout5.xml><?xml version="1.0" encoding="utf-8"?>
+<file path=ppt/slideLayouts/slideLayout16.xml><?xml version="1.0" encoding="utf-8"?>
 <p:sldLayout xmlns:a="http://schemas.openxmlformats.org/drawingml/2006/main" xmlns:r="http://schemas.openxmlformats.org/officeDocument/2006/relationships" xmlns:p="http://schemas.openxmlformats.org/presentationml/2006/main" type="twoTxTwoObj" preserve="1">
   <p:cSld name="Comparison">
     <p:spTree>
@@ -1533,13 +1504,7 @@
       </p:grpSpPr>
       <p:sp>
         <p:nvSpPr>
-          <p:cNvPr id="2" name="Title 1">
-            <a:extLst>
-              <a:ext uri="{FF2B5EF4-FFF2-40B4-BE49-F238E27FC236}">
-                <a16:creationId xmlns:a16="http://schemas.microsoft.com/office/drawing/2014/main" id="{397173B0-A3A7-4971-9082-24AA858470F8}"/>
-              </a:ext>
-            </a:extLst>
-          </p:cNvPr>
+          <p:cNvPr id="2" name="Title 1"/>
           <p:cNvSpPr>
             <a:spLocks noGrp="1"/>
           </p:cNvSpPr>
@@ -1567,13 +1532,7 @@
       </p:sp>
       <p:sp>
         <p:nvSpPr>
-          <p:cNvPr id="3" name="Text Placeholder 2">
-            <a:extLst>
-              <a:ext uri="{FF2B5EF4-FFF2-40B4-BE49-F238E27FC236}">
-                <a16:creationId xmlns:a16="http://schemas.microsoft.com/office/drawing/2014/main" id="{3077A6EF-F593-4A8A-AD2A-12BFE6106DFE}"/>
-              </a:ext>
-            </a:extLst>
-          </p:cNvPr>
+          <p:cNvPr id="3" name="Text Placeholder 2"/>
           <p:cNvSpPr>
             <a:spLocks noGrp="1"/>
           </p:cNvSpPr>
@@ -1633,18 +1592,13 @@
               <a:rPr lang="en-US"/>
               <a:t>Click to edit Master text styles</a:t>
             </a:r>
-          </a:p>
-        </p:txBody>
-      </p:sp>
-      <p:sp>
-        <p:nvSpPr>
-          <p:cNvPr id="4" name="Content Placeholder 3">
-            <a:extLst>
-              <a:ext uri="{FF2B5EF4-FFF2-40B4-BE49-F238E27FC236}">
-                <a16:creationId xmlns:a16="http://schemas.microsoft.com/office/drawing/2014/main" id="{7BA1E4BB-1635-485C-A5D0-F36F1013004E}"/>
-              </a:ext>
-            </a:extLst>
-          </p:cNvPr>
+            <a:endParaRPr lang="en-US"/>
+          </a:p>
+        </p:txBody>
+      </p:sp>
+      <p:sp>
+        <p:nvSpPr>
+          <p:cNvPr id="4" name="Content Placeholder 3"/>
           <p:cNvSpPr>
             <a:spLocks noGrp="1"/>
           </p:cNvSpPr>
@@ -1667,6 +1621,7 @@
               <a:rPr lang="en-US"/>
               <a:t>Click to edit Master text styles</a:t>
             </a:r>
+            <a:endParaRPr lang="en-US"/>
           </a:p>
           <a:p>
             <a:pPr lvl="1"/>
@@ -1674,6 +1629,7 @@
               <a:rPr lang="en-US"/>
               <a:t>Second level</a:t>
             </a:r>
+            <a:endParaRPr lang="en-US"/>
           </a:p>
           <a:p>
             <a:pPr lvl="2"/>
@@ -1681,6 +1637,7 @@
               <a:rPr lang="en-US"/>
               <a:t>Third level</a:t>
             </a:r>
+            <a:endParaRPr lang="en-US"/>
           </a:p>
           <a:p>
             <a:pPr lvl="3"/>
@@ -1688,6 +1645,7 @@
               <a:rPr lang="en-US"/>
               <a:t>Fourth level</a:t>
             </a:r>
+            <a:endParaRPr lang="en-US"/>
           </a:p>
           <a:p>
             <a:pPr lvl="4"/>
@@ -1701,13 +1659,7 @@
       </p:sp>
       <p:sp>
         <p:nvSpPr>
-          <p:cNvPr id="5" name="Text Placeholder 4">
-            <a:extLst>
-              <a:ext uri="{FF2B5EF4-FFF2-40B4-BE49-F238E27FC236}">
-                <a16:creationId xmlns:a16="http://schemas.microsoft.com/office/drawing/2014/main" id="{820CC8B3-4F9A-4873-9BCE-487B715E377D}"/>
-              </a:ext>
-            </a:extLst>
-          </p:cNvPr>
+          <p:cNvPr id="5" name="Text Placeholder 4"/>
           <p:cNvSpPr>
             <a:spLocks noGrp="1"/>
           </p:cNvSpPr>
@@ -1767,18 +1719,13 @@
               <a:rPr lang="en-US"/>
               <a:t>Click to edit Master text styles</a:t>
             </a:r>
-          </a:p>
-        </p:txBody>
-      </p:sp>
-      <p:sp>
-        <p:nvSpPr>
-          <p:cNvPr id="6" name="Content Placeholder 5">
-            <a:extLst>
-              <a:ext uri="{FF2B5EF4-FFF2-40B4-BE49-F238E27FC236}">
-                <a16:creationId xmlns:a16="http://schemas.microsoft.com/office/drawing/2014/main" id="{BA902B6E-C330-44B8-97C2-5168743A7967}"/>
-              </a:ext>
-            </a:extLst>
-          </p:cNvPr>
+            <a:endParaRPr lang="en-US"/>
+          </a:p>
+        </p:txBody>
+      </p:sp>
+      <p:sp>
+        <p:nvSpPr>
+          <p:cNvPr id="6" name="Content Placeholder 5"/>
           <p:cNvSpPr>
             <a:spLocks noGrp="1"/>
           </p:cNvSpPr>
@@ -1801,6 +1748,7 @@
               <a:rPr lang="en-US"/>
               <a:t>Click to edit Master text styles</a:t>
             </a:r>
+            <a:endParaRPr lang="en-US"/>
           </a:p>
           <a:p>
             <a:pPr lvl="1"/>
@@ -1808,6 +1756,7 @@
               <a:rPr lang="en-US"/>
               <a:t>Second level</a:t>
             </a:r>
+            <a:endParaRPr lang="en-US"/>
           </a:p>
           <a:p>
             <a:pPr lvl="2"/>
@@ -1815,6 +1764,7 @@
               <a:rPr lang="en-US"/>
               <a:t>Third level</a:t>
             </a:r>
+            <a:endParaRPr lang="en-US"/>
           </a:p>
           <a:p>
             <a:pPr lvl="3"/>
@@ -1822,6 +1772,7 @@
               <a:rPr lang="en-US"/>
               <a:t>Fourth level</a:t>
             </a:r>
+            <a:endParaRPr lang="en-US"/>
           </a:p>
           <a:p>
             <a:pPr lvl="4"/>
@@ -1835,13 +1786,7 @@
       </p:sp>
       <p:sp>
         <p:nvSpPr>
-          <p:cNvPr id="7" name="Date Placeholder 6">
-            <a:extLst>
-              <a:ext uri="{FF2B5EF4-FFF2-40B4-BE49-F238E27FC236}">
-                <a16:creationId xmlns:a16="http://schemas.microsoft.com/office/drawing/2014/main" id="{5FEF2F5F-4E57-481E-B99D-87CBA884584F}"/>
-              </a:ext>
-            </a:extLst>
-          </p:cNvPr>
+          <p:cNvPr id="7" name="Date Placeholder 6"/>
           <p:cNvSpPr>
             <a:spLocks noGrp="1"/>
           </p:cNvSpPr>
@@ -1856,7 +1801,6 @@
           <a:p>
             <a:fld id="{3EECC916-8326-4398-98E3-595A05AF34C3}" type="datetimeFigureOut">
               <a:rPr lang="en-IN" smtClean="0"/>
-              <a:t>04-12-2021</a:t>
             </a:fld>
             <a:endParaRPr lang="en-IN"/>
           </a:p>
@@ -1864,13 +1808,7 @@
       </p:sp>
       <p:sp>
         <p:nvSpPr>
-          <p:cNvPr id="8" name="Footer Placeholder 7">
-            <a:extLst>
-              <a:ext uri="{FF2B5EF4-FFF2-40B4-BE49-F238E27FC236}">
-                <a16:creationId xmlns:a16="http://schemas.microsoft.com/office/drawing/2014/main" id="{F2AB3F05-7334-4C15-AB56-822C2C7376DC}"/>
-              </a:ext>
-            </a:extLst>
-          </p:cNvPr>
+          <p:cNvPr id="8" name="Footer Placeholder 7"/>
           <p:cNvSpPr>
             <a:spLocks noGrp="1"/>
           </p:cNvSpPr>
@@ -1889,13 +1827,7 @@
       </p:sp>
       <p:sp>
         <p:nvSpPr>
-          <p:cNvPr id="9" name="Slide Number Placeholder 8">
-            <a:extLst>
-              <a:ext uri="{FF2B5EF4-FFF2-40B4-BE49-F238E27FC236}">
-                <a16:creationId xmlns:a16="http://schemas.microsoft.com/office/drawing/2014/main" id="{880E4BA0-4BC4-45B0-A5D5-ED0AC93B5C94}"/>
-              </a:ext>
-            </a:extLst>
-          </p:cNvPr>
+          <p:cNvPr id="9" name="Slide Number Placeholder 8"/>
           <p:cNvSpPr>
             <a:spLocks noGrp="1"/>
           </p:cNvSpPr>
@@ -1910,18 +1842,12 @@
           <a:p>
             <a:fld id="{AF78E629-3A9D-4480-B2D6-B9213383901A}" type="slidenum">
               <a:rPr lang="en-IN" smtClean="0"/>
-              <a:t>‹#›</a:t>
             </a:fld>
             <a:endParaRPr lang="en-IN"/>
           </a:p>
         </p:txBody>
       </p:sp>
     </p:spTree>
-    <p:extLst>
-      <p:ext uri="{BB962C8B-B14F-4D97-AF65-F5344CB8AC3E}">
-        <p14:creationId xmlns:p14="http://schemas.microsoft.com/office/powerpoint/2010/main" val="2327402875"/>
-      </p:ext>
-    </p:extLst>
   </p:cSld>
   <p:clrMapOvr>
     <a:masterClrMapping/>
@@ -1929,7 +1855,7 @@
 </p:sldLayout>
 </file>
 
-<file path=ppt/slideLayouts/slideLayout6.xml><?xml version="1.0" encoding="utf-8"?>
+<file path=ppt/slideLayouts/slideLayout17.xml><?xml version="1.0" encoding="utf-8"?>
 <p:sldLayout xmlns:a="http://schemas.openxmlformats.org/drawingml/2006/main" xmlns:r="http://schemas.openxmlformats.org/officeDocument/2006/relationships" xmlns:p="http://schemas.openxmlformats.org/presentationml/2006/main" type="titleOnly" preserve="1">
   <p:cSld name="Title Only">
     <p:spTree>
@@ -1948,13 +1874,7 @@
       </p:grpSpPr>
       <p:sp>
         <p:nvSpPr>
-          <p:cNvPr id="2" name="Title 1">
-            <a:extLst>
-              <a:ext uri="{FF2B5EF4-FFF2-40B4-BE49-F238E27FC236}">
-                <a16:creationId xmlns:a16="http://schemas.microsoft.com/office/drawing/2014/main" id="{8D05AD1F-4EF0-4BF7-B891-712F409342DD}"/>
-              </a:ext>
-            </a:extLst>
-          </p:cNvPr>
+          <p:cNvPr id="2" name="Title 1"/>
           <p:cNvSpPr>
             <a:spLocks noGrp="1"/>
           </p:cNvSpPr>
@@ -1977,13 +1897,7 @@
       </p:sp>
       <p:sp>
         <p:nvSpPr>
-          <p:cNvPr id="3" name="Date Placeholder 2">
-            <a:extLst>
-              <a:ext uri="{FF2B5EF4-FFF2-40B4-BE49-F238E27FC236}">
-                <a16:creationId xmlns:a16="http://schemas.microsoft.com/office/drawing/2014/main" id="{A4B7B880-0D4E-4156-8C44-6205E5F878B3}"/>
-              </a:ext>
-            </a:extLst>
-          </p:cNvPr>
+          <p:cNvPr id="3" name="Date Placeholder 2"/>
           <p:cNvSpPr>
             <a:spLocks noGrp="1"/>
           </p:cNvSpPr>
@@ -1998,7 +1912,6 @@
           <a:p>
             <a:fld id="{3EECC916-8326-4398-98E3-595A05AF34C3}" type="datetimeFigureOut">
               <a:rPr lang="en-IN" smtClean="0"/>
-              <a:t>04-12-2021</a:t>
             </a:fld>
             <a:endParaRPr lang="en-IN"/>
           </a:p>
@@ -2006,13 +1919,7 @@
       </p:sp>
       <p:sp>
         <p:nvSpPr>
-          <p:cNvPr id="4" name="Footer Placeholder 3">
-            <a:extLst>
-              <a:ext uri="{FF2B5EF4-FFF2-40B4-BE49-F238E27FC236}">
-                <a16:creationId xmlns:a16="http://schemas.microsoft.com/office/drawing/2014/main" id="{03A559BA-82DB-48B9-AFE1-4FB9F409DE62}"/>
-              </a:ext>
-            </a:extLst>
-          </p:cNvPr>
+          <p:cNvPr id="4" name="Footer Placeholder 3"/>
           <p:cNvSpPr>
             <a:spLocks noGrp="1"/>
           </p:cNvSpPr>
@@ -2031,13 +1938,7 @@
       </p:sp>
       <p:sp>
         <p:nvSpPr>
-          <p:cNvPr id="5" name="Slide Number Placeholder 4">
-            <a:extLst>
-              <a:ext uri="{FF2B5EF4-FFF2-40B4-BE49-F238E27FC236}">
-                <a16:creationId xmlns:a16="http://schemas.microsoft.com/office/drawing/2014/main" id="{D6C3A9BE-5125-45DC-A79E-5D35DEAA1008}"/>
-              </a:ext>
-            </a:extLst>
-          </p:cNvPr>
+          <p:cNvPr id="5" name="Slide Number Placeholder 4"/>
           <p:cNvSpPr>
             <a:spLocks noGrp="1"/>
           </p:cNvSpPr>
@@ -2052,18 +1953,12 @@
           <a:p>
             <a:fld id="{AF78E629-3A9D-4480-B2D6-B9213383901A}" type="slidenum">
               <a:rPr lang="en-IN" smtClean="0"/>
-              <a:t>‹#›</a:t>
             </a:fld>
             <a:endParaRPr lang="en-IN"/>
           </a:p>
         </p:txBody>
       </p:sp>
     </p:spTree>
-    <p:extLst>
-      <p:ext uri="{BB962C8B-B14F-4D97-AF65-F5344CB8AC3E}">
-        <p14:creationId xmlns:p14="http://schemas.microsoft.com/office/powerpoint/2010/main" val="2786925654"/>
-      </p:ext>
-    </p:extLst>
   </p:cSld>
   <p:clrMapOvr>
     <a:masterClrMapping/>
@@ -2071,7 +1966,7 @@
 </p:sldLayout>
 </file>
 
-<file path=ppt/slideLayouts/slideLayout7.xml><?xml version="1.0" encoding="utf-8"?>
+<file path=ppt/slideLayouts/slideLayout18.xml><?xml version="1.0" encoding="utf-8"?>
 <p:sldLayout xmlns:a="http://schemas.openxmlformats.org/drawingml/2006/main" xmlns:r="http://schemas.openxmlformats.org/officeDocument/2006/relationships" xmlns:p="http://schemas.openxmlformats.org/presentationml/2006/main" type="blank" preserve="1">
   <p:cSld name="Blank">
     <p:spTree>
@@ -2090,13 +1985,7 @@
       </p:grpSpPr>
       <p:sp>
         <p:nvSpPr>
-          <p:cNvPr id="2" name="Date Placeholder 1">
-            <a:extLst>
-              <a:ext uri="{FF2B5EF4-FFF2-40B4-BE49-F238E27FC236}">
-                <a16:creationId xmlns:a16="http://schemas.microsoft.com/office/drawing/2014/main" id="{7CFCA061-5AAE-4A19-A5EB-D551D5D823E9}"/>
-              </a:ext>
-            </a:extLst>
-          </p:cNvPr>
+          <p:cNvPr id="2" name="Date Placeholder 1"/>
           <p:cNvSpPr>
             <a:spLocks noGrp="1"/>
           </p:cNvSpPr>
@@ -2111,7 +2000,6 @@
           <a:p>
             <a:fld id="{3EECC916-8326-4398-98E3-595A05AF34C3}" type="datetimeFigureOut">
               <a:rPr lang="en-IN" smtClean="0"/>
-              <a:t>04-12-2021</a:t>
             </a:fld>
             <a:endParaRPr lang="en-IN"/>
           </a:p>
@@ -2119,13 +2007,7 @@
       </p:sp>
       <p:sp>
         <p:nvSpPr>
-          <p:cNvPr id="3" name="Footer Placeholder 2">
-            <a:extLst>
-              <a:ext uri="{FF2B5EF4-FFF2-40B4-BE49-F238E27FC236}">
-                <a16:creationId xmlns:a16="http://schemas.microsoft.com/office/drawing/2014/main" id="{7ADA00EF-0F06-4B8A-ADEC-891B55491177}"/>
-              </a:ext>
-            </a:extLst>
-          </p:cNvPr>
+          <p:cNvPr id="3" name="Footer Placeholder 2"/>
           <p:cNvSpPr>
             <a:spLocks noGrp="1"/>
           </p:cNvSpPr>
@@ -2144,13 +2026,7 @@
       </p:sp>
       <p:sp>
         <p:nvSpPr>
-          <p:cNvPr id="4" name="Slide Number Placeholder 3">
-            <a:extLst>
-              <a:ext uri="{FF2B5EF4-FFF2-40B4-BE49-F238E27FC236}">
-                <a16:creationId xmlns:a16="http://schemas.microsoft.com/office/drawing/2014/main" id="{F18C7D07-EA19-4DAA-9E8E-9DE8A237A809}"/>
-              </a:ext>
-            </a:extLst>
-          </p:cNvPr>
+          <p:cNvPr id="4" name="Slide Number Placeholder 3"/>
           <p:cNvSpPr>
             <a:spLocks noGrp="1"/>
           </p:cNvSpPr>
@@ -2165,18 +2041,12 @@
           <a:p>
             <a:fld id="{AF78E629-3A9D-4480-B2D6-B9213383901A}" type="slidenum">
               <a:rPr lang="en-IN" smtClean="0"/>
-              <a:t>‹#›</a:t>
             </a:fld>
             <a:endParaRPr lang="en-IN"/>
           </a:p>
         </p:txBody>
       </p:sp>
     </p:spTree>
-    <p:extLst>
-      <p:ext uri="{BB962C8B-B14F-4D97-AF65-F5344CB8AC3E}">
-        <p14:creationId xmlns:p14="http://schemas.microsoft.com/office/powerpoint/2010/main" val="2281473847"/>
-      </p:ext>
-    </p:extLst>
   </p:cSld>
   <p:clrMapOvr>
     <a:masterClrMapping/>
@@ -2184,7 +2054,7 @@
 </p:sldLayout>
 </file>
 
-<file path=ppt/slideLayouts/slideLayout8.xml><?xml version="1.0" encoding="utf-8"?>
+<file path=ppt/slideLayouts/slideLayout19.xml><?xml version="1.0" encoding="utf-8"?>
 <p:sldLayout xmlns:a="http://schemas.openxmlformats.org/drawingml/2006/main" xmlns:r="http://schemas.openxmlformats.org/officeDocument/2006/relationships" xmlns:p="http://schemas.openxmlformats.org/presentationml/2006/main" type="objTx" preserve="1">
   <p:cSld name="Content with Caption">
     <p:spTree>
@@ -2203,13 +2073,7 @@
       </p:grpSpPr>
       <p:sp>
         <p:nvSpPr>
-          <p:cNvPr id="2" name="Title 1">
-            <a:extLst>
-              <a:ext uri="{FF2B5EF4-FFF2-40B4-BE49-F238E27FC236}">
-                <a16:creationId xmlns:a16="http://schemas.microsoft.com/office/drawing/2014/main" id="{FBFA2D29-E5CD-4B13-AC2D-FCD237EEB18C}"/>
-              </a:ext>
-            </a:extLst>
-          </p:cNvPr>
+          <p:cNvPr id="2" name="Title 1"/>
           <p:cNvSpPr>
             <a:spLocks noGrp="1"/>
           </p:cNvSpPr>
@@ -2241,13 +2105,7 @@
       </p:sp>
       <p:sp>
         <p:nvSpPr>
-          <p:cNvPr id="3" name="Content Placeholder 2">
-            <a:extLst>
-              <a:ext uri="{FF2B5EF4-FFF2-40B4-BE49-F238E27FC236}">
-                <a16:creationId xmlns:a16="http://schemas.microsoft.com/office/drawing/2014/main" id="{E1A292D6-3FF0-4B95-97F3-8F093E357205}"/>
-              </a:ext>
-            </a:extLst>
-          </p:cNvPr>
+          <p:cNvPr id="3" name="Content Placeholder 2"/>
           <p:cNvSpPr>
             <a:spLocks noGrp="1"/>
           </p:cNvSpPr>
@@ -2298,6 +2156,7 @@
               <a:rPr lang="en-US"/>
               <a:t>Click to edit Master text styles</a:t>
             </a:r>
+            <a:endParaRPr lang="en-US"/>
           </a:p>
           <a:p>
             <a:pPr lvl="1"/>
@@ -2305,6 +2164,7 @@
               <a:rPr lang="en-US"/>
               <a:t>Second level</a:t>
             </a:r>
+            <a:endParaRPr lang="en-US"/>
           </a:p>
           <a:p>
             <a:pPr lvl="2"/>
@@ -2312,6 +2172,7 @@
               <a:rPr lang="en-US"/>
               <a:t>Third level</a:t>
             </a:r>
+            <a:endParaRPr lang="en-US"/>
           </a:p>
           <a:p>
             <a:pPr lvl="3"/>
@@ -2319,6 +2180,7 @@
               <a:rPr lang="en-US"/>
               <a:t>Fourth level</a:t>
             </a:r>
+            <a:endParaRPr lang="en-US"/>
           </a:p>
           <a:p>
             <a:pPr lvl="4"/>
@@ -2332,13 +2194,7 @@
       </p:sp>
       <p:sp>
         <p:nvSpPr>
-          <p:cNvPr id="4" name="Text Placeholder 3">
-            <a:extLst>
-              <a:ext uri="{FF2B5EF4-FFF2-40B4-BE49-F238E27FC236}">
-                <a16:creationId xmlns:a16="http://schemas.microsoft.com/office/drawing/2014/main" id="{DAD27EC8-7644-4A3F-9EF7-66F664FB98DF}"/>
-              </a:ext>
-            </a:extLst>
-          </p:cNvPr>
+          <p:cNvPr id="4" name="Text Placeholder 3"/>
           <p:cNvSpPr>
             <a:spLocks noGrp="1"/>
           </p:cNvSpPr>
@@ -2398,18 +2254,13 @@
               <a:rPr lang="en-US"/>
               <a:t>Click to edit Master text styles</a:t>
             </a:r>
-          </a:p>
-        </p:txBody>
-      </p:sp>
-      <p:sp>
-        <p:nvSpPr>
-          <p:cNvPr id="5" name="Date Placeholder 4">
-            <a:extLst>
-              <a:ext uri="{FF2B5EF4-FFF2-40B4-BE49-F238E27FC236}">
-                <a16:creationId xmlns:a16="http://schemas.microsoft.com/office/drawing/2014/main" id="{C8F579C6-96B2-456A-B2E1-906DE6684C62}"/>
-              </a:ext>
-            </a:extLst>
-          </p:cNvPr>
+            <a:endParaRPr lang="en-US"/>
+          </a:p>
+        </p:txBody>
+      </p:sp>
+      <p:sp>
+        <p:nvSpPr>
+          <p:cNvPr id="5" name="Date Placeholder 4"/>
           <p:cNvSpPr>
             <a:spLocks noGrp="1"/>
           </p:cNvSpPr>
@@ -2424,7 +2275,6 @@
           <a:p>
             <a:fld id="{3EECC916-8326-4398-98E3-595A05AF34C3}" type="datetimeFigureOut">
               <a:rPr lang="en-IN" smtClean="0"/>
-              <a:t>04-12-2021</a:t>
             </a:fld>
             <a:endParaRPr lang="en-IN"/>
           </a:p>
@@ -2432,13 +2282,7 @@
       </p:sp>
       <p:sp>
         <p:nvSpPr>
-          <p:cNvPr id="6" name="Footer Placeholder 5">
-            <a:extLst>
-              <a:ext uri="{FF2B5EF4-FFF2-40B4-BE49-F238E27FC236}">
-                <a16:creationId xmlns:a16="http://schemas.microsoft.com/office/drawing/2014/main" id="{72F9D8A6-E93B-464E-AEA6-8B2BD8ACD480}"/>
-              </a:ext>
-            </a:extLst>
-          </p:cNvPr>
+          <p:cNvPr id="6" name="Footer Placeholder 5"/>
           <p:cNvSpPr>
             <a:spLocks noGrp="1"/>
           </p:cNvSpPr>
@@ -2457,13 +2301,7 @@
       </p:sp>
       <p:sp>
         <p:nvSpPr>
-          <p:cNvPr id="7" name="Slide Number Placeholder 6">
-            <a:extLst>
-              <a:ext uri="{FF2B5EF4-FFF2-40B4-BE49-F238E27FC236}">
-                <a16:creationId xmlns:a16="http://schemas.microsoft.com/office/drawing/2014/main" id="{27F49B34-4AF9-46E9-B3C9-9AA35E3339C8}"/>
-              </a:ext>
-            </a:extLst>
-          </p:cNvPr>
+          <p:cNvPr id="7" name="Slide Number Placeholder 6"/>
           <p:cNvSpPr>
             <a:spLocks noGrp="1"/>
           </p:cNvSpPr>
@@ -2478,18 +2316,2087 @@
           <a:p>
             <a:fld id="{AF78E629-3A9D-4480-B2D6-B9213383901A}" type="slidenum">
               <a:rPr lang="en-IN" smtClean="0"/>
-              <a:t>‹#›</a:t>
             </a:fld>
             <a:endParaRPr lang="en-IN"/>
           </a:p>
         </p:txBody>
       </p:sp>
     </p:spTree>
-    <p:extLst>
-      <p:ext uri="{BB962C8B-B14F-4D97-AF65-F5344CB8AC3E}">
-        <p14:creationId xmlns:p14="http://schemas.microsoft.com/office/powerpoint/2010/main" val="309019069"/>
-      </p:ext>
-    </p:extLst>
+  </p:cSld>
+  <p:clrMapOvr>
+    <a:masterClrMapping/>
+  </p:clrMapOvr>
+</p:sldLayout>
+</file>
+
+<file path=ppt/slideLayouts/slideLayout2.xml><?xml version="1.0" encoding="utf-8"?>
+<p:sldLayout xmlns:a="http://schemas.openxmlformats.org/drawingml/2006/main" xmlns:r="http://schemas.openxmlformats.org/officeDocument/2006/relationships" xmlns:p="http://schemas.openxmlformats.org/presentationml/2006/main" type="obj" preserve="1">
+  <p:cSld name="Title and Content">
+    <p:spTree>
+      <p:nvGrpSpPr>
+        <p:cNvPr id="1" name=""/>
+        <p:cNvGrpSpPr/>
+        <p:nvPr/>
+      </p:nvGrpSpPr>
+      <p:grpSpPr>
+        <a:xfrm>
+          <a:off x="0" y="0"/>
+          <a:ext cx="0" cy="0"/>
+          <a:chOff x="0" y="0"/>
+          <a:chExt cx="0" cy="0"/>
+        </a:xfrm>
+      </p:grpSpPr>
+      <p:sp>
+        <p:nvSpPr>
+          <p:cNvPr id="2" name="Title 1"/>
+          <p:cNvSpPr>
+            <a:spLocks noGrp="1"/>
+          </p:cNvSpPr>
+          <p:nvPr>
+            <p:ph type="title"/>
+          </p:nvPr>
+        </p:nvSpPr>
+        <p:spPr/>
+        <p:txBody>
+          <a:bodyPr/>
+          <a:lstStyle/>
+          <a:p>
+            <a:r>
+              <a:rPr lang="en-US"/>
+              <a:t>Click to edit Master title style</a:t>
+            </a:r>
+            <a:endParaRPr lang="en-IN"/>
+          </a:p>
+        </p:txBody>
+      </p:sp>
+      <p:sp>
+        <p:nvSpPr>
+          <p:cNvPr id="3" name="Content Placeholder 2"/>
+          <p:cNvSpPr>
+            <a:spLocks noGrp="1"/>
+          </p:cNvSpPr>
+          <p:nvPr>
+            <p:ph idx="1"/>
+          </p:nvPr>
+        </p:nvSpPr>
+        <p:spPr/>
+        <p:txBody>
+          <a:bodyPr/>
+          <a:lstStyle/>
+          <a:p>
+            <a:pPr lvl="0"/>
+            <a:r>
+              <a:rPr lang="en-US"/>
+              <a:t>Click to edit Master text styles</a:t>
+            </a:r>
+            <a:endParaRPr lang="en-US"/>
+          </a:p>
+          <a:p>
+            <a:pPr lvl="1"/>
+            <a:r>
+              <a:rPr lang="en-US"/>
+              <a:t>Second level</a:t>
+            </a:r>
+            <a:endParaRPr lang="en-US"/>
+          </a:p>
+          <a:p>
+            <a:pPr lvl="2"/>
+            <a:r>
+              <a:rPr lang="en-US"/>
+              <a:t>Third level</a:t>
+            </a:r>
+            <a:endParaRPr lang="en-US"/>
+          </a:p>
+          <a:p>
+            <a:pPr lvl="3"/>
+            <a:r>
+              <a:rPr lang="en-US"/>
+              <a:t>Fourth level</a:t>
+            </a:r>
+            <a:endParaRPr lang="en-US"/>
+          </a:p>
+          <a:p>
+            <a:pPr lvl="4"/>
+            <a:r>
+              <a:rPr lang="en-US"/>
+              <a:t>Fifth level</a:t>
+            </a:r>
+            <a:endParaRPr lang="en-IN"/>
+          </a:p>
+        </p:txBody>
+      </p:sp>
+      <p:sp>
+        <p:nvSpPr>
+          <p:cNvPr id="4" name="Date Placeholder 3"/>
+          <p:cNvSpPr>
+            <a:spLocks noGrp="1"/>
+          </p:cNvSpPr>
+          <p:nvPr>
+            <p:ph type="dt" sz="half" idx="10"/>
+          </p:nvPr>
+        </p:nvSpPr>
+        <p:spPr/>
+        <p:txBody>
+          <a:bodyPr/>
+          <a:lstStyle/>
+          <a:p>
+            <a:fld id="{3EECC916-8326-4398-98E3-595A05AF34C3}" type="datetimeFigureOut">
+              <a:rPr lang="en-IN" smtClean="0"/>
+            </a:fld>
+            <a:endParaRPr lang="en-IN"/>
+          </a:p>
+        </p:txBody>
+      </p:sp>
+      <p:sp>
+        <p:nvSpPr>
+          <p:cNvPr id="5" name="Footer Placeholder 4"/>
+          <p:cNvSpPr>
+            <a:spLocks noGrp="1"/>
+          </p:cNvSpPr>
+          <p:nvPr>
+            <p:ph type="ftr" sz="quarter" idx="11"/>
+          </p:nvPr>
+        </p:nvSpPr>
+        <p:spPr/>
+        <p:txBody>
+          <a:bodyPr/>
+          <a:lstStyle/>
+          <a:p>
+            <a:endParaRPr lang="en-IN"/>
+          </a:p>
+        </p:txBody>
+      </p:sp>
+      <p:sp>
+        <p:nvSpPr>
+          <p:cNvPr id="6" name="Slide Number Placeholder 5"/>
+          <p:cNvSpPr>
+            <a:spLocks noGrp="1"/>
+          </p:cNvSpPr>
+          <p:nvPr>
+            <p:ph type="sldNum" sz="quarter" idx="12"/>
+          </p:nvPr>
+        </p:nvSpPr>
+        <p:spPr/>
+        <p:txBody>
+          <a:bodyPr/>
+          <a:lstStyle/>
+          <a:p>
+            <a:fld id="{AF78E629-3A9D-4480-B2D6-B9213383901A}" type="slidenum">
+              <a:rPr lang="en-IN" smtClean="0"/>
+            </a:fld>
+            <a:endParaRPr lang="en-IN"/>
+          </a:p>
+        </p:txBody>
+      </p:sp>
+    </p:spTree>
+  </p:cSld>
+  <p:clrMapOvr>
+    <a:masterClrMapping/>
+  </p:clrMapOvr>
+</p:sldLayout>
+</file>
+
+<file path=ppt/slideLayouts/slideLayout20.xml><?xml version="1.0" encoding="utf-8"?>
+<p:sldLayout xmlns:a="http://schemas.openxmlformats.org/drawingml/2006/main" xmlns:r="http://schemas.openxmlformats.org/officeDocument/2006/relationships" xmlns:p="http://schemas.openxmlformats.org/presentationml/2006/main" type="picTx" preserve="1">
+  <p:cSld name="Picture with Caption">
+    <p:spTree>
+      <p:nvGrpSpPr>
+        <p:cNvPr id="1" name=""/>
+        <p:cNvGrpSpPr/>
+        <p:nvPr/>
+      </p:nvGrpSpPr>
+      <p:grpSpPr>
+        <a:xfrm>
+          <a:off x="0" y="0"/>
+          <a:ext cx="0" cy="0"/>
+          <a:chOff x="0" y="0"/>
+          <a:chExt cx="0" cy="0"/>
+        </a:xfrm>
+      </p:grpSpPr>
+      <p:sp>
+        <p:nvSpPr>
+          <p:cNvPr id="2" name="Title 1"/>
+          <p:cNvSpPr>
+            <a:spLocks noGrp="1"/>
+          </p:cNvSpPr>
+          <p:nvPr>
+            <p:ph type="title"/>
+          </p:nvPr>
+        </p:nvSpPr>
+        <p:spPr>
+          <a:xfrm>
+            <a:off x="839788" y="457200"/>
+            <a:ext cx="3932237" cy="1600200"/>
+          </a:xfrm>
+        </p:spPr>
+        <p:txBody>
+          <a:bodyPr anchor="b"/>
+          <a:lstStyle>
+            <a:lvl1pPr>
+              <a:defRPr sz="3200"/>
+            </a:lvl1pPr>
+          </a:lstStyle>
+          <a:p>
+            <a:r>
+              <a:rPr lang="en-US"/>
+              <a:t>Click to edit Master title style</a:t>
+            </a:r>
+            <a:endParaRPr lang="en-IN"/>
+          </a:p>
+        </p:txBody>
+      </p:sp>
+      <p:sp>
+        <p:nvSpPr>
+          <p:cNvPr id="3" name="Picture Placeholder 2"/>
+          <p:cNvSpPr>
+            <a:spLocks noGrp="1"/>
+          </p:cNvSpPr>
+          <p:nvPr>
+            <p:ph type="pic" idx="1"/>
+          </p:nvPr>
+        </p:nvSpPr>
+        <p:spPr>
+          <a:xfrm>
+            <a:off x="5183188" y="987425"/>
+            <a:ext cx="6172200" cy="4873625"/>
+          </a:xfrm>
+        </p:spPr>
+        <p:txBody>
+          <a:bodyPr/>
+          <a:lstStyle>
+            <a:lvl1pPr marL="0" indent="0">
+              <a:buNone/>
+              <a:defRPr sz="3200"/>
+            </a:lvl1pPr>
+            <a:lvl2pPr marL="457200" indent="0">
+              <a:buNone/>
+              <a:defRPr sz="2800"/>
+            </a:lvl2pPr>
+            <a:lvl3pPr marL="914400" indent="0">
+              <a:buNone/>
+              <a:defRPr sz="2400"/>
+            </a:lvl3pPr>
+            <a:lvl4pPr marL="1371600" indent="0">
+              <a:buNone/>
+              <a:defRPr sz="2000"/>
+            </a:lvl4pPr>
+            <a:lvl5pPr marL="1828800" indent="0">
+              <a:buNone/>
+              <a:defRPr sz="2000"/>
+            </a:lvl5pPr>
+            <a:lvl6pPr marL="2286000" indent="0">
+              <a:buNone/>
+              <a:defRPr sz="2000"/>
+            </a:lvl6pPr>
+            <a:lvl7pPr marL="2743200" indent="0">
+              <a:buNone/>
+              <a:defRPr sz="2000"/>
+            </a:lvl7pPr>
+            <a:lvl8pPr marL="3200400" indent="0">
+              <a:buNone/>
+              <a:defRPr sz="2000"/>
+            </a:lvl8pPr>
+            <a:lvl9pPr marL="3657600" indent="0">
+              <a:buNone/>
+              <a:defRPr sz="2000"/>
+            </a:lvl9pPr>
+          </a:lstStyle>
+          <a:p>
+            <a:endParaRPr lang="en-IN"/>
+          </a:p>
+        </p:txBody>
+      </p:sp>
+      <p:sp>
+        <p:nvSpPr>
+          <p:cNvPr id="4" name="Text Placeholder 3"/>
+          <p:cNvSpPr>
+            <a:spLocks noGrp="1"/>
+          </p:cNvSpPr>
+          <p:nvPr>
+            <p:ph type="body" sz="half" idx="2"/>
+          </p:nvPr>
+        </p:nvSpPr>
+        <p:spPr>
+          <a:xfrm>
+            <a:off x="839788" y="2057400"/>
+            <a:ext cx="3932237" cy="3811588"/>
+          </a:xfrm>
+        </p:spPr>
+        <p:txBody>
+          <a:bodyPr/>
+          <a:lstStyle>
+            <a:lvl1pPr marL="0" indent="0">
+              <a:buNone/>
+              <a:defRPr sz="1600"/>
+            </a:lvl1pPr>
+            <a:lvl2pPr marL="457200" indent="0">
+              <a:buNone/>
+              <a:defRPr sz="1400"/>
+            </a:lvl2pPr>
+            <a:lvl3pPr marL="914400" indent="0">
+              <a:buNone/>
+              <a:defRPr sz="1200"/>
+            </a:lvl3pPr>
+            <a:lvl4pPr marL="1371600" indent="0">
+              <a:buNone/>
+              <a:defRPr sz="1000"/>
+            </a:lvl4pPr>
+            <a:lvl5pPr marL="1828800" indent="0">
+              <a:buNone/>
+              <a:defRPr sz="1000"/>
+            </a:lvl5pPr>
+            <a:lvl6pPr marL="2286000" indent="0">
+              <a:buNone/>
+              <a:defRPr sz="1000"/>
+            </a:lvl6pPr>
+            <a:lvl7pPr marL="2743200" indent="0">
+              <a:buNone/>
+              <a:defRPr sz="1000"/>
+            </a:lvl7pPr>
+            <a:lvl8pPr marL="3200400" indent="0">
+              <a:buNone/>
+              <a:defRPr sz="1000"/>
+            </a:lvl8pPr>
+            <a:lvl9pPr marL="3657600" indent="0">
+              <a:buNone/>
+              <a:defRPr sz="1000"/>
+            </a:lvl9pPr>
+          </a:lstStyle>
+          <a:p>
+            <a:pPr lvl="0"/>
+            <a:r>
+              <a:rPr lang="en-US"/>
+              <a:t>Click to edit Master text styles</a:t>
+            </a:r>
+            <a:endParaRPr lang="en-US"/>
+          </a:p>
+        </p:txBody>
+      </p:sp>
+      <p:sp>
+        <p:nvSpPr>
+          <p:cNvPr id="5" name="Date Placeholder 4"/>
+          <p:cNvSpPr>
+            <a:spLocks noGrp="1"/>
+          </p:cNvSpPr>
+          <p:nvPr>
+            <p:ph type="dt" sz="half" idx="10"/>
+          </p:nvPr>
+        </p:nvSpPr>
+        <p:spPr/>
+        <p:txBody>
+          <a:bodyPr/>
+          <a:lstStyle/>
+          <a:p>
+            <a:fld id="{3EECC916-8326-4398-98E3-595A05AF34C3}" type="datetimeFigureOut">
+              <a:rPr lang="en-IN" smtClean="0"/>
+            </a:fld>
+            <a:endParaRPr lang="en-IN"/>
+          </a:p>
+        </p:txBody>
+      </p:sp>
+      <p:sp>
+        <p:nvSpPr>
+          <p:cNvPr id="6" name="Footer Placeholder 5"/>
+          <p:cNvSpPr>
+            <a:spLocks noGrp="1"/>
+          </p:cNvSpPr>
+          <p:nvPr>
+            <p:ph type="ftr" sz="quarter" idx="11"/>
+          </p:nvPr>
+        </p:nvSpPr>
+        <p:spPr/>
+        <p:txBody>
+          <a:bodyPr/>
+          <a:lstStyle/>
+          <a:p>
+            <a:endParaRPr lang="en-IN"/>
+          </a:p>
+        </p:txBody>
+      </p:sp>
+      <p:sp>
+        <p:nvSpPr>
+          <p:cNvPr id="7" name="Slide Number Placeholder 6"/>
+          <p:cNvSpPr>
+            <a:spLocks noGrp="1"/>
+          </p:cNvSpPr>
+          <p:nvPr>
+            <p:ph type="sldNum" sz="quarter" idx="12"/>
+          </p:nvPr>
+        </p:nvSpPr>
+        <p:spPr/>
+        <p:txBody>
+          <a:bodyPr/>
+          <a:lstStyle/>
+          <a:p>
+            <a:fld id="{AF78E629-3A9D-4480-B2D6-B9213383901A}" type="slidenum">
+              <a:rPr lang="en-IN" smtClean="0"/>
+            </a:fld>
+            <a:endParaRPr lang="en-IN"/>
+          </a:p>
+        </p:txBody>
+      </p:sp>
+    </p:spTree>
+  </p:cSld>
+  <p:clrMapOvr>
+    <a:masterClrMapping/>
+  </p:clrMapOvr>
+</p:sldLayout>
+</file>
+
+<file path=ppt/slideLayouts/slideLayout21.xml><?xml version="1.0" encoding="utf-8"?>
+<p:sldLayout xmlns:a="http://schemas.openxmlformats.org/drawingml/2006/main" xmlns:r="http://schemas.openxmlformats.org/officeDocument/2006/relationships" xmlns:p="http://schemas.openxmlformats.org/presentationml/2006/main" type="vertTx" preserve="1">
+  <p:cSld name="Title and Vertical Text">
+    <p:spTree>
+      <p:nvGrpSpPr>
+        <p:cNvPr id="1" name=""/>
+        <p:cNvGrpSpPr/>
+        <p:nvPr/>
+      </p:nvGrpSpPr>
+      <p:grpSpPr>
+        <a:xfrm>
+          <a:off x="0" y="0"/>
+          <a:ext cx="0" cy="0"/>
+          <a:chOff x="0" y="0"/>
+          <a:chExt cx="0" cy="0"/>
+        </a:xfrm>
+      </p:grpSpPr>
+      <p:sp>
+        <p:nvSpPr>
+          <p:cNvPr id="2" name="Title 1"/>
+          <p:cNvSpPr>
+            <a:spLocks noGrp="1"/>
+          </p:cNvSpPr>
+          <p:nvPr>
+            <p:ph type="title"/>
+          </p:nvPr>
+        </p:nvSpPr>
+        <p:spPr/>
+        <p:txBody>
+          <a:bodyPr/>
+          <a:lstStyle/>
+          <a:p>
+            <a:r>
+              <a:rPr lang="en-US"/>
+              <a:t>Click to edit Master title style</a:t>
+            </a:r>
+            <a:endParaRPr lang="en-IN"/>
+          </a:p>
+        </p:txBody>
+      </p:sp>
+      <p:sp>
+        <p:nvSpPr>
+          <p:cNvPr id="3" name="Vertical Text Placeholder 2"/>
+          <p:cNvSpPr>
+            <a:spLocks noGrp="1"/>
+          </p:cNvSpPr>
+          <p:nvPr>
+            <p:ph type="body" orient="vert" idx="1"/>
+          </p:nvPr>
+        </p:nvSpPr>
+        <p:spPr/>
+        <p:txBody>
+          <a:bodyPr vert="eaVert"/>
+          <a:lstStyle/>
+          <a:p>
+            <a:pPr lvl="0"/>
+            <a:r>
+              <a:rPr lang="en-US"/>
+              <a:t>Click to edit Master text styles</a:t>
+            </a:r>
+            <a:endParaRPr lang="en-US"/>
+          </a:p>
+          <a:p>
+            <a:pPr lvl="1"/>
+            <a:r>
+              <a:rPr lang="en-US"/>
+              <a:t>Second level</a:t>
+            </a:r>
+            <a:endParaRPr lang="en-US"/>
+          </a:p>
+          <a:p>
+            <a:pPr lvl="2"/>
+            <a:r>
+              <a:rPr lang="en-US"/>
+              <a:t>Third level</a:t>
+            </a:r>
+            <a:endParaRPr lang="en-US"/>
+          </a:p>
+          <a:p>
+            <a:pPr lvl="3"/>
+            <a:r>
+              <a:rPr lang="en-US"/>
+              <a:t>Fourth level</a:t>
+            </a:r>
+            <a:endParaRPr lang="en-US"/>
+          </a:p>
+          <a:p>
+            <a:pPr lvl="4"/>
+            <a:r>
+              <a:rPr lang="en-US"/>
+              <a:t>Fifth level</a:t>
+            </a:r>
+            <a:endParaRPr lang="en-IN"/>
+          </a:p>
+        </p:txBody>
+      </p:sp>
+      <p:sp>
+        <p:nvSpPr>
+          <p:cNvPr id="4" name="Date Placeholder 3"/>
+          <p:cNvSpPr>
+            <a:spLocks noGrp="1"/>
+          </p:cNvSpPr>
+          <p:nvPr>
+            <p:ph type="dt" sz="half" idx="10"/>
+          </p:nvPr>
+        </p:nvSpPr>
+        <p:spPr/>
+        <p:txBody>
+          <a:bodyPr/>
+          <a:lstStyle/>
+          <a:p>
+            <a:fld id="{3EECC916-8326-4398-98E3-595A05AF34C3}" type="datetimeFigureOut">
+              <a:rPr lang="en-IN" smtClean="0"/>
+            </a:fld>
+            <a:endParaRPr lang="en-IN"/>
+          </a:p>
+        </p:txBody>
+      </p:sp>
+      <p:sp>
+        <p:nvSpPr>
+          <p:cNvPr id="5" name="Footer Placeholder 4"/>
+          <p:cNvSpPr>
+            <a:spLocks noGrp="1"/>
+          </p:cNvSpPr>
+          <p:nvPr>
+            <p:ph type="ftr" sz="quarter" idx="11"/>
+          </p:nvPr>
+        </p:nvSpPr>
+        <p:spPr/>
+        <p:txBody>
+          <a:bodyPr/>
+          <a:lstStyle/>
+          <a:p>
+            <a:endParaRPr lang="en-IN"/>
+          </a:p>
+        </p:txBody>
+      </p:sp>
+      <p:sp>
+        <p:nvSpPr>
+          <p:cNvPr id="6" name="Slide Number Placeholder 5"/>
+          <p:cNvSpPr>
+            <a:spLocks noGrp="1"/>
+          </p:cNvSpPr>
+          <p:nvPr>
+            <p:ph type="sldNum" sz="quarter" idx="12"/>
+          </p:nvPr>
+        </p:nvSpPr>
+        <p:spPr/>
+        <p:txBody>
+          <a:bodyPr/>
+          <a:lstStyle/>
+          <a:p>
+            <a:fld id="{AF78E629-3A9D-4480-B2D6-B9213383901A}" type="slidenum">
+              <a:rPr lang="en-IN" smtClean="0"/>
+            </a:fld>
+            <a:endParaRPr lang="en-IN"/>
+          </a:p>
+        </p:txBody>
+      </p:sp>
+    </p:spTree>
+  </p:cSld>
+  <p:clrMapOvr>
+    <a:masterClrMapping/>
+  </p:clrMapOvr>
+</p:sldLayout>
+</file>
+
+<file path=ppt/slideLayouts/slideLayout22.xml><?xml version="1.0" encoding="utf-8"?>
+<p:sldLayout xmlns:a="http://schemas.openxmlformats.org/drawingml/2006/main" xmlns:r="http://schemas.openxmlformats.org/officeDocument/2006/relationships" xmlns:p="http://schemas.openxmlformats.org/presentationml/2006/main" type="vertTitleAndTx" preserve="1">
+  <p:cSld name="Vertical Title and Text">
+    <p:spTree>
+      <p:nvGrpSpPr>
+        <p:cNvPr id="1" name=""/>
+        <p:cNvGrpSpPr/>
+        <p:nvPr/>
+      </p:nvGrpSpPr>
+      <p:grpSpPr>
+        <a:xfrm>
+          <a:off x="0" y="0"/>
+          <a:ext cx="0" cy="0"/>
+          <a:chOff x="0" y="0"/>
+          <a:chExt cx="0" cy="0"/>
+        </a:xfrm>
+      </p:grpSpPr>
+      <p:sp>
+        <p:nvSpPr>
+          <p:cNvPr id="2" name="Vertical Title 1"/>
+          <p:cNvSpPr>
+            <a:spLocks noGrp="1"/>
+          </p:cNvSpPr>
+          <p:nvPr>
+            <p:ph type="title" orient="vert"/>
+          </p:nvPr>
+        </p:nvSpPr>
+        <p:spPr>
+          <a:xfrm>
+            <a:off x="8724900" y="365125"/>
+            <a:ext cx="2628900" cy="5811838"/>
+          </a:xfrm>
+        </p:spPr>
+        <p:txBody>
+          <a:bodyPr vert="eaVert"/>
+          <a:lstStyle/>
+          <a:p>
+            <a:r>
+              <a:rPr lang="en-US"/>
+              <a:t>Click to edit Master title style</a:t>
+            </a:r>
+            <a:endParaRPr lang="en-IN"/>
+          </a:p>
+        </p:txBody>
+      </p:sp>
+      <p:sp>
+        <p:nvSpPr>
+          <p:cNvPr id="3" name="Vertical Text Placeholder 2"/>
+          <p:cNvSpPr>
+            <a:spLocks noGrp="1"/>
+          </p:cNvSpPr>
+          <p:nvPr>
+            <p:ph type="body" orient="vert" idx="1"/>
+          </p:nvPr>
+        </p:nvSpPr>
+        <p:spPr>
+          <a:xfrm>
+            <a:off x="838200" y="365125"/>
+            <a:ext cx="7734300" cy="5811838"/>
+          </a:xfrm>
+        </p:spPr>
+        <p:txBody>
+          <a:bodyPr vert="eaVert"/>
+          <a:lstStyle/>
+          <a:p>
+            <a:pPr lvl="0"/>
+            <a:r>
+              <a:rPr lang="en-US"/>
+              <a:t>Click to edit Master text styles</a:t>
+            </a:r>
+            <a:endParaRPr lang="en-US"/>
+          </a:p>
+          <a:p>
+            <a:pPr lvl="1"/>
+            <a:r>
+              <a:rPr lang="en-US"/>
+              <a:t>Second level</a:t>
+            </a:r>
+            <a:endParaRPr lang="en-US"/>
+          </a:p>
+          <a:p>
+            <a:pPr lvl="2"/>
+            <a:r>
+              <a:rPr lang="en-US"/>
+              <a:t>Third level</a:t>
+            </a:r>
+            <a:endParaRPr lang="en-US"/>
+          </a:p>
+          <a:p>
+            <a:pPr lvl="3"/>
+            <a:r>
+              <a:rPr lang="en-US"/>
+              <a:t>Fourth level</a:t>
+            </a:r>
+            <a:endParaRPr lang="en-US"/>
+          </a:p>
+          <a:p>
+            <a:pPr lvl="4"/>
+            <a:r>
+              <a:rPr lang="en-US"/>
+              <a:t>Fifth level</a:t>
+            </a:r>
+            <a:endParaRPr lang="en-IN"/>
+          </a:p>
+        </p:txBody>
+      </p:sp>
+      <p:sp>
+        <p:nvSpPr>
+          <p:cNvPr id="4" name="Date Placeholder 3"/>
+          <p:cNvSpPr>
+            <a:spLocks noGrp="1"/>
+          </p:cNvSpPr>
+          <p:nvPr>
+            <p:ph type="dt" sz="half" idx="10"/>
+          </p:nvPr>
+        </p:nvSpPr>
+        <p:spPr/>
+        <p:txBody>
+          <a:bodyPr/>
+          <a:lstStyle/>
+          <a:p>
+            <a:fld id="{3EECC916-8326-4398-98E3-595A05AF34C3}" type="datetimeFigureOut">
+              <a:rPr lang="en-IN" smtClean="0"/>
+            </a:fld>
+            <a:endParaRPr lang="en-IN"/>
+          </a:p>
+        </p:txBody>
+      </p:sp>
+      <p:sp>
+        <p:nvSpPr>
+          <p:cNvPr id="5" name="Footer Placeholder 4"/>
+          <p:cNvSpPr>
+            <a:spLocks noGrp="1"/>
+          </p:cNvSpPr>
+          <p:nvPr>
+            <p:ph type="ftr" sz="quarter" idx="11"/>
+          </p:nvPr>
+        </p:nvSpPr>
+        <p:spPr/>
+        <p:txBody>
+          <a:bodyPr/>
+          <a:lstStyle/>
+          <a:p>
+            <a:endParaRPr lang="en-IN"/>
+          </a:p>
+        </p:txBody>
+      </p:sp>
+      <p:sp>
+        <p:nvSpPr>
+          <p:cNvPr id="6" name="Slide Number Placeholder 5"/>
+          <p:cNvSpPr>
+            <a:spLocks noGrp="1"/>
+          </p:cNvSpPr>
+          <p:nvPr>
+            <p:ph type="sldNum" sz="quarter" idx="12"/>
+          </p:nvPr>
+        </p:nvSpPr>
+        <p:spPr/>
+        <p:txBody>
+          <a:bodyPr/>
+          <a:lstStyle/>
+          <a:p>
+            <a:fld id="{AF78E629-3A9D-4480-B2D6-B9213383901A}" type="slidenum">
+              <a:rPr lang="en-IN" smtClean="0"/>
+            </a:fld>
+            <a:endParaRPr lang="en-IN"/>
+          </a:p>
+        </p:txBody>
+      </p:sp>
+    </p:spTree>
+  </p:cSld>
+  <p:clrMapOvr>
+    <a:masterClrMapping/>
+  </p:clrMapOvr>
+</p:sldLayout>
+</file>
+
+<file path=ppt/slideLayouts/slideLayout3.xml><?xml version="1.0" encoding="utf-8"?>
+<p:sldLayout xmlns:a="http://schemas.openxmlformats.org/drawingml/2006/main" xmlns:r="http://schemas.openxmlformats.org/officeDocument/2006/relationships" xmlns:p="http://schemas.openxmlformats.org/presentationml/2006/main" type="secHead" preserve="1">
+  <p:cSld name="Section Header">
+    <p:spTree>
+      <p:nvGrpSpPr>
+        <p:cNvPr id="1" name=""/>
+        <p:cNvGrpSpPr/>
+        <p:nvPr/>
+      </p:nvGrpSpPr>
+      <p:grpSpPr>
+        <a:xfrm>
+          <a:off x="0" y="0"/>
+          <a:ext cx="0" cy="0"/>
+          <a:chOff x="0" y="0"/>
+          <a:chExt cx="0" cy="0"/>
+        </a:xfrm>
+      </p:grpSpPr>
+      <p:sp>
+        <p:nvSpPr>
+          <p:cNvPr id="2" name="Title 1"/>
+          <p:cNvSpPr>
+            <a:spLocks noGrp="1"/>
+          </p:cNvSpPr>
+          <p:nvPr>
+            <p:ph type="title"/>
+          </p:nvPr>
+        </p:nvSpPr>
+        <p:spPr>
+          <a:xfrm>
+            <a:off x="831850" y="1709738"/>
+            <a:ext cx="10515600" cy="2852737"/>
+          </a:xfrm>
+        </p:spPr>
+        <p:txBody>
+          <a:bodyPr anchor="b"/>
+          <a:lstStyle>
+            <a:lvl1pPr>
+              <a:defRPr sz="6000"/>
+            </a:lvl1pPr>
+          </a:lstStyle>
+          <a:p>
+            <a:r>
+              <a:rPr lang="en-US"/>
+              <a:t>Click to edit Master title style</a:t>
+            </a:r>
+            <a:endParaRPr lang="en-IN"/>
+          </a:p>
+        </p:txBody>
+      </p:sp>
+      <p:sp>
+        <p:nvSpPr>
+          <p:cNvPr id="3" name="Text Placeholder 2"/>
+          <p:cNvSpPr>
+            <a:spLocks noGrp="1"/>
+          </p:cNvSpPr>
+          <p:nvPr>
+            <p:ph type="body" idx="1"/>
+          </p:nvPr>
+        </p:nvSpPr>
+        <p:spPr>
+          <a:xfrm>
+            <a:off x="831850" y="4589463"/>
+            <a:ext cx="10515600" cy="1500187"/>
+          </a:xfrm>
+        </p:spPr>
+        <p:txBody>
+          <a:bodyPr/>
+          <a:lstStyle>
+            <a:lvl1pPr marL="0" indent="0">
+              <a:buNone/>
+              <a:defRPr sz="2400">
+                <a:solidFill>
+                  <a:schemeClr val="tx1">
+                    <a:tint val="75000"/>
+                  </a:schemeClr>
+                </a:solidFill>
+              </a:defRPr>
+            </a:lvl1pPr>
+            <a:lvl2pPr marL="457200" indent="0">
+              <a:buNone/>
+              <a:defRPr sz="2000">
+                <a:solidFill>
+                  <a:schemeClr val="tx1">
+                    <a:tint val="75000"/>
+                  </a:schemeClr>
+                </a:solidFill>
+              </a:defRPr>
+            </a:lvl2pPr>
+            <a:lvl3pPr marL="914400" indent="0">
+              <a:buNone/>
+              <a:defRPr sz="1800">
+                <a:solidFill>
+                  <a:schemeClr val="tx1">
+                    <a:tint val="75000"/>
+                  </a:schemeClr>
+                </a:solidFill>
+              </a:defRPr>
+            </a:lvl3pPr>
+            <a:lvl4pPr marL="1371600" indent="0">
+              <a:buNone/>
+              <a:defRPr sz="1600">
+                <a:solidFill>
+                  <a:schemeClr val="tx1">
+                    <a:tint val="75000"/>
+                  </a:schemeClr>
+                </a:solidFill>
+              </a:defRPr>
+            </a:lvl4pPr>
+            <a:lvl5pPr marL="1828800" indent="0">
+              <a:buNone/>
+              <a:defRPr sz="1600">
+                <a:solidFill>
+                  <a:schemeClr val="tx1">
+                    <a:tint val="75000"/>
+                  </a:schemeClr>
+                </a:solidFill>
+              </a:defRPr>
+            </a:lvl5pPr>
+            <a:lvl6pPr marL="2286000" indent="0">
+              <a:buNone/>
+              <a:defRPr sz="1600">
+                <a:solidFill>
+                  <a:schemeClr val="tx1">
+                    <a:tint val="75000"/>
+                  </a:schemeClr>
+                </a:solidFill>
+              </a:defRPr>
+            </a:lvl6pPr>
+            <a:lvl7pPr marL="2743200" indent="0">
+              <a:buNone/>
+              <a:defRPr sz="1600">
+                <a:solidFill>
+                  <a:schemeClr val="tx1">
+                    <a:tint val="75000"/>
+                  </a:schemeClr>
+                </a:solidFill>
+              </a:defRPr>
+            </a:lvl7pPr>
+            <a:lvl8pPr marL="3200400" indent="0">
+              <a:buNone/>
+              <a:defRPr sz="1600">
+                <a:solidFill>
+                  <a:schemeClr val="tx1">
+                    <a:tint val="75000"/>
+                  </a:schemeClr>
+                </a:solidFill>
+              </a:defRPr>
+            </a:lvl8pPr>
+            <a:lvl9pPr marL="3657600" indent="0">
+              <a:buNone/>
+              <a:defRPr sz="1600">
+                <a:solidFill>
+                  <a:schemeClr val="tx1">
+                    <a:tint val="75000"/>
+                  </a:schemeClr>
+                </a:solidFill>
+              </a:defRPr>
+            </a:lvl9pPr>
+          </a:lstStyle>
+          <a:p>
+            <a:pPr lvl="0"/>
+            <a:r>
+              <a:rPr lang="en-US"/>
+              <a:t>Click to edit Master text styles</a:t>
+            </a:r>
+            <a:endParaRPr lang="en-US"/>
+          </a:p>
+        </p:txBody>
+      </p:sp>
+      <p:sp>
+        <p:nvSpPr>
+          <p:cNvPr id="4" name="Date Placeholder 3"/>
+          <p:cNvSpPr>
+            <a:spLocks noGrp="1"/>
+          </p:cNvSpPr>
+          <p:nvPr>
+            <p:ph type="dt" sz="half" idx="10"/>
+          </p:nvPr>
+        </p:nvSpPr>
+        <p:spPr/>
+        <p:txBody>
+          <a:bodyPr/>
+          <a:lstStyle/>
+          <a:p>
+            <a:fld id="{3EECC916-8326-4398-98E3-595A05AF34C3}" type="datetimeFigureOut">
+              <a:rPr lang="en-IN" smtClean="0"/>
+            </a:fld>
+            <a:endParaRPr lang="en-IN"/>
+          </a:p>
+        </p:txBody>
+      </p:sp>
+      <p:sp>
+        <p:nvSpPr>
+          <p:cNvPr id="5" name="Footer Placeholder 4"/>
+          <p:cNvSpPr>
+            <a:spLocks noGrp="1"/>
+          </p:cNvSpPr>
+          <p:nvPr>
+            <p:ph type="ftr" sz="quarter" idx="11"/>
+          </p:nvPr>
+        </p:nvSpPr>
+        <p:spPr/>
+        <p:txBody>
+          <a:bodyPr/>
+          <a:lstStyle/>
+          <a:p>
+            <a:endParaRPr lang="en-IN"/>
+          </a:p>
+        </p:txBody>
+      </p:sp>
+      <p:sp>
+        <p:nvSpPr>
+          <p:cNvPr id="6" name="Slide Number Placeholder 5"/>
+          <p:cNvSpPr>
+            <a:spLocks noGrp="1"/>
+          </p:cNvSpPr>
+          <p:nvPr>
+            <p:ph type="sldNum" sz="quarter" idx="12"/>
+          </p:nvPr>
+        </p:nvSpPr>
+        <p:spPr/>
+        <p:txBody>
+          <a:bodyPr/>
+          <a:lstStyle/>
+          <a:p>
+            <a:fld id="{AF78E629-3A9D-4480-B2D6-B9213383901A}" type="slidenum">
+              <a:rPr lang="en-IN" smtClean="0"/>
+            </a:fld>
+            <a:endParaRPr lang="en-IN"/>
+          </a:p>
+        </p:txBody>
+      </p:sp>
+    </p:spTree>
+  </p:cSld>
+  <p:clrMapOvr>
+    <a:masterClrMapping/>
+  </p:clrMapOvr>
+</p:sldLayout>
+</file>
+
+<file path=ppt/slideLayouts/slideLayout4.xml><?xml version="1.0" encoding="utf-8"?>
+<p:sldLayout xmlns:a="http://schemas.openxmlformats.org/drawingml/2006/main" xmlns:r="http://schemas.openxmlformats.org/officeDocument/2006/relationships" xmlns:p="http://schemas.openxmlformats.org/presentationml/2006/main" type="twoObj" preserve="1">
+  <p:cSld name="Two Content">
+    <p:spTree>
+      <p:nvGrpSpPr>
+        <p:cNvPr id="1" name=""/>
+        <p:cNvGrpSpPr/>
+        <p:nvPr/>
+      </p:nvGrpSpPr>
+      <p:grpSpPr>
+        <a:xfrm>
+          <a:off x="0" y="0"/>
+          <a:ext cx="0" cy="0"/>
+          <a:chOff x="0" y="0"/>
+          <a:chExt cx="0" cy="0"/>
+        </a:xfrm>
+      </p:grpSpPr>
+      <p:sp>
+        <p:nvSpPr>
+          <p:cNvPr id="2" name="Title 1"/>
+          <p:cNvSpPr>
+            <a:spLocks noGrp="1"/>
+          </p:cNvSpPr>
+          <p:nvPr>
+            <p:ph type="title"/>
+          </p:nvPr>
+        </p:nvSpPr>
+        <p:spPr/>
+        <p:txBody>
+          <a:bodyPr/>
+          <a:lstStyle/>
+          <a:p>
+            <a:r>
+              <a:rPr lang="en-US"/>
+              <a:t>Click to edit Master title style</a:t>
+            </a:r>
+            <a:endParaRPr lang="en-IN"/>
+          </a:p>
+        </p:txBody>
+      </p:sp>
+      <p:sp>
+        <p:nvSpPr>
+          <p:cNvPr id="3" name="Content Placeholder 2"/>
+          <p:cNvSpPr>
+            <a:spLocks noGrp="1"/>
+          </p:cNvSpPr>
+          <p:nvPr>
+            <p:ph sz="half" idx="1"/>
+          </p:nvPr>
+        </p:nvSpPr>
+        <p:spPr>
+          <a:xfrm>
+            <a:off x="838200" y="1825625"/>
+            <a:ext cx="5181600" cy="4351338"/>
+          </a:xfrm>
+        </p:spPr>
+        <p:txBody>
+          <a:bodyPr/>
+          <a:lstStyle/>
+          <a:p>
+            <a:pPr lvl="0"/>
+            <a:r>
+              <a:rPr lang="en-US"/>
+              <a:t>Click to edit Master text styles</a:t>
+            </a:r>
+            <a:endParaRPr lang="en-US"/>
+          </a:p>
+          <a:p>
+            <a:pPr lvl="1"/>
+            <a:r>
+              <a:rPr lang="en-US"/>
+              <a:t>Second level</a:t>
+            </a:r>
+            <a:endParaRPr lang="en-US"/>
+          </a:p>
+          <a:p>
+            <a:pPr lvl="2"/>
+            <a:r>
+              <a:rPr lang="en-US"/>
+              <a:t>Third level</a:t>
+            </a:r>
+            <a:endParaRPr lang="en-US"/>
+          </a:p>
+          <a:p>
+            <a:pPr lvl="3"/>
+            <a:r>
+              <a:rPr lang="en-US"/>
+              <a:t>Fourth level</a:t>
+            </a:r>
+            <a:endParaRPr lang="en-US"/>
+          </a:p>
+          <a:p>
+            <a:pPr lvl="4"/>
+            <a:r>
+              <a:rPr lang="en-US"/>
+              <a:t>Fifth level</a:t>
+            </a:r>
+            <a:endParaRPr lang="en-IN"/>
+          </a:p>
+        </p:txBody>
+      </p:sp>
+      <p:sp>
+        <p:nvSpPr>
+          <p:cNvPr id="4" name="Content Placeholder 3"/>
+          <p:cNvSpPr>
+            <a:spLocks noGrp="1"/>
+          </p:cNvSpPr>
+          <p:nvPr>
+            <p:ph sz="half" idx="2"/>
+          </p:nvPr>
+        </p:nvSpPr>
+        <p:spPr>
+          <a:xfrm>
+            <a:off x="6172200" y="1825625"/>
+            <a:ext cx="5181600" cy="4351338"/>
+          </a:xfrm>
+        </p:spPr>
+        <p:txBody>
+          <a:bodyPr/>
+          <a:lstStyle/>
+          <a:p>
+            <a:pPr lvl="0"/>
+            <a:r>
+              <a:rPr lang="en-US"/>
+              <a:t>Click to edit Master text styles</a:t>
+            </a:r>
+            <a:endParaRPr lang="en-US"/>
+          </a:p>
+          <a:p>
+            <a:pPr lvl="1"/>
+            <a:r>
+              <a:rPr lang="en-US"/>
+              <a:t>Second level</a:t>
+            </a:r>
+            <a:endParaRPr lang="en-US"/>
+          </a:p>
+          <a:p>
+            <a:pPr lvl="2"/>
+            <a:r>
+              <a:rPr lang="en-US"/>
+              <a:t>Third level</a:t>
+            </a:r>
+            <a:endParaRPr lang="en-US"/>
+          </a:p>
+          <a:p>
+            <a:pPr lvl="3"/>
+            <a:r>
+              <a:rPr lang="en-US"/>
+              <a:t>Fourth level</a:t>
+            </a:r>
+            <a:endParaRPr lang="en-US"/>
+          </a:p>
+          <a:p>
+            <a:pPr lvl="4"/>
+            <a:r>
+              <a:rPr lang="en-US"/>
+              <a:t>Fifth level</a:t>
+            </a:r>
+            <a:endParaRPr lang="en-IN"/>
+          </a:p>
+        </p:txBody>
+      </p:sp>
+      <p:sp>
+        <p:nvSpPr>
+          <p:cNvPr id="5" name="Date Placeholder 4"/>
+          <p:cNvSpPr>
+            <a:spLocks noGrp="1"/>
+          </p:cNvSpPr>
+          <p:nvPr>
+            <p:ph type="dt" sz="half" idx="10"/>
+          </p:nvPr>
+        </p:nvSpPr>
+        <p:spPr/>
+        <p:txBody>
+          <a:bodyPr/>
+          <a:lstStyle/>
+          <a:p>
+            <a:fld id="{3EECC916-8326-4398-98E3-595A05AF34C3}" type="datetimeFigureOut">
+              <a:rPr lang="en-IN" smtClean="0"/>
+            </a:fld>
+            <a:endParaRPr lang="en-IN"/>
+          </a:p>
+        </p:txBody>
+      </p:sp>
+      <p:sp>
+        <p:nvSpPr>
+          <p:cNvPr id="6" name="Footer Placeholder 5"/>
+          <p:cNvSpPr>
+            <a:spLocks noGrp="1"/>
+          </p:cNvSpPr>
+          <p:nvPr>
+            <p:ph type="ftr" sz="quarter" idx="11"/>
+          </p:nvPr>
+        </p:nvSpPr>
+        <p:spPr/>
+        <p:txBody>
+          <a:bodyPr/>
+          <a:lstStyle/>
+          <a:p>
+            <a:endParaRPr lang="en-IN"/>
+          </a:p>
+        </p:txBody>
+      </p:sp>
+      <p:sp>
+        <p:nvSpPr>
+          <p:cNvPr id="7" name="Slide Number Placeholder 6"/>
+          <p:cNvSpPr>
+            <a:spLocks noGrp="1"/>
+          </p:cNvSpPr>
+          <p:nvPr>
+            <p:ph type="sldNum" sz="quarter" idx="12"/>
+          </p:nvPr>
+        </p:nvSpPr>
+        <p:spPr/>
+        <p:txBody>
+          <a:bodyPr/>
+          <a:lstStyle/>
+          <a:p>
+            <a:fld id="{AF78E629-3A9D-4480-B2D6-B9213383901A}" type="slidenum">
+              <a:rPr lang="en-IN" smtClean="0"/>
+            </a:fld>
+            <a:endParaRPr lang="en-IN"/>
+          </a:p>
+        </p:txBody>
+      </p:sp>
+    </p:spTree>
+  </p:cSld>
+  <p:clrMapOvr>
+    <a:masterClrMapping/>
+  </p:clrMapOvr>
+</p:sldLayout>
+</file>
+
+<file path=ppt/slideLayouts/slideLayout5.xml><?xml version="1.0" encoding="utf-8"?>
+<p:sldLayout xmlns:a="http://schemas.openxmlformats.org/drawingml/2006/main" xmlns:r="http://schemas.openxmlformats.org/officeDocument/2006/relationships" xmlns:p="http://schemas.openxmlformats.org/presentationml/2006/main" type="twoTxTwoObj" preserve="1">
+  <p:cSld name="Comparison">
+    <p:spTree>
+      <p:nvGrpSpPr>
+        <p:cNvPr id="1" name=""/>
+        <p:cNvGrpSpPr/>
+        <p:nvPr/>
+      </p:nvGrpSpPr>
+      <p:grpSpPr>
+        <a:xfrm>
+          <a:off x="0" y="0"/>
+          <a:ext cx="0" cy="0"/>
+          <a:chOff x="0" y="0"/>
+          <a:chExt cx="0" cy="0"/>
+        </a:xfrm>
+      </p:grpSpPr>
+      <p:sp>
+        <p:nvSpPr>
+          <p:cNvPr id="2" name="Title 1"/>
+          <p:cNvSpPr>
+            <a:spLocks noGrp="1"/>
+          </p:cNvSpPr>
+          <p:nvPr>
+            <p:ph type="title"/>
+          </p:nvPr>
+        </p:nvSpPr>
+        <p:spPr>
+          <a:xfrm>
+            <a:off x="839788" y="365125"/>
+            <a:ext cx="10515600" cy="1325563"/>
+          </a:xfrm>
+        </p:spPr>
+        <p:txBody>
+          <a:bodyPr/>
+          <a:lstStyle/>
+          <a:p>
+            <a:r>
+              <a:rPr lang="en-US"/>
+              <a:t>Click to edit Master title style</a:t>
+            </a:r>
+            <a:endParaRPr lang="en-IN"/>
+          </a:p>
+        </p:txBody>
+      </p:sp>
+      <p:sp>
+        <p:nvSpPr>
+          <p:cNvPr id="3" name="Text Placeholder 2"/>
+          <p:cNvSpPr>
+            <a:spLocks noGrp="1"/>
+          </p:cNvSpPr>
+          <p:nvPr>
+            <p:ph type="body" idx="1"/>
+          </p:nvPr>
+        </p:nvSpPr>
+        <p:spPr>
+          <a:xfrm>
+            <a:off x="839788" y="1681163"/>
+            <a:ext cx="5157787" cy="823912"/>
+          </a:xfrm>
+        </p:spPr>
+        <p:txBody>
+          <a:bodyPr anchor="b"/>
+          <a:lstStyle>
+            <a:lvl1pPr marL="0" indent="0">
+              <a:buNone/>
+              <a:defRPr sz="2400" b="1"/>
+            </a:lvl1pPr>
+            <a:lvl2pPr marL="457200" indent="0">
+              <a:buNone/>
+              <a:defRPr sz="2000" b="1"/>
+            </a:lvl2pPr>
+            <a:lvl3pPr marL="914400" indent="0">
+              <a:buNone/>
+              <a:defRPr sz="1800" b="1"/>
+            </a:lvl3pPr>
+            <a:lvl4pPr marL="1371600" indent="0">
+              <a:buNone/>
+              <a:defRPr sz="1600" b="1"/>
+            </a:lvl4pPr>
+            <a:lvl5pPr marL="1828800" indent="0">
+              <a:buNone/>
+              <a:defRPr sz="1600" b="1"/>
+            </a:lvl5pPr>
+            <a:lvl6pPr marL="2286000" indent="0">
+              <a:buNone/>
+              <a:defRPr sz="1600" b="1"/>
+            </a:lvl6pPr>
+            <a:lvl7pPr marL="2743200" indent="0">
+              <a:buNone/>
+              <a:defRPr sz="1600" b="1"/>
+            </a:lvl7pPr>
+            <a:lvl8pPr marL="3200400" indent="0">
+              <a:buNone/>
+              <a:defRPr sz="1600" b="1"/>
+            </a:lvl8pPr>
+            <a:lvl9pPr marL="3657600" indent="0">
+              <a:buNone/>
+              <a:defRPr sz="1600" b="1"/>
+            </a:lvl9pPr>
+          </a:lstStyle>
+          <a:p>
+            <a:pPr lvl="0"/>
+            <a:r>
+              <a:rPr lang="en-US"/>
+              <a:t>Click to edit Master text styles</a:t>
+            </a:r>
+            <a:endParaRPr lang="en-US"/>
+          </a:p>
+        </p:txBody>
+      </p:sp>
+      <p:sp>
+        <p:nvSpPr>
+          <p:cNvPr id="4" name="Content Placeholder 3"/>
+          <p:cNvSpPr>
+            <a:spLocks noGrp="1"/>
+          </p:cNvSpPr>
+          <p:nvPr>
+            <p:ph sz="half" idx="2"/>
+          </p:nvPr>
+        </p:nvSpPr>
+        <p:spPr>
+          <a:xfrm>
+            <a:off x="839788" y="2505075"/>
+            <a:ext cx="5157787" cy="3684588"/>
+          </a:xfrm>
+        </p:spPr>
+        <p:txBody>
+          <a:bodyPr/>
+          <a:lstStyle/>
+          <a:p>
+            <a:pPr lvl="0"/>
+            <a:r>
+              <a:rPr lang="en-US"/>
+              <a:t>Click to edit Master text styles</a:t>
+            </a:r>
+            <a:endParaRPr lang="en-US"/>
+          </a:p>
+          <a:p>
+            <a:pPr lvl="1"/>
+            <a:r>
+              <a:rPr lang="en-US"/>
+              <a:t>Second level</a:t>
+            </a:r>
+            <a:endParaRPr lang="en-US"/>
+          </a:p>
+          <a:p>
+            <a:pPr lvl="2"/>
+            <a:r>
+              <a:rPr lang="en-US"/>
+              <a:t>Third level</a:t>
+            </a:r>
+            <a:endParaRPr lang="en-US"/>
+          </a:p>
+          <a:p>
+            <a:pPr lvl="3"/>
+            <a:r>
+              <a:rPr lang="en-US"/>
+              <a:t>Fourth level</a:t>
+            </a:r>
+            <a:endParaRPr lang="en-US"/>
+          </a:p>
+          <a:p>
+            <a:pPr lvl="4"/>
+            <a:r>
+              <a:rPr lang="en-US"/>
+              <a:t>Fifth level</a:t>
+            </a:r>
+            <a:endParaRPr lang="en-IN"/>
+          </a:p>
+        </p:txBody>
+      </p:sp>
+      <p:sp>
+        <p:nvSpPr>
+          <p:cNvPr id="5" name="Text Placeholder 4"/>
+          <p:cNvSpPr>
+            <a:spLocks noGrp="1"/>
+          </p:cNvSpPr>
+          <p:nvPr>
+            <p:ph type="body" sz="quarter" idx="3"/>
+          </p:nvPr>
+        </p:nvSpPr>
+        <p:spPr>
+          <a:xfrm>
+            <a:off x="6172200" y="1681163"/>
+            <a:ext cx="5183188" cy="823912"/>
+          </a:xfrm>
+        </p:spPr>
+        <p:txBody>
+          <a:bodyPr anchor="b"/>
+          <a:lstStyle>
+            <a:lvl1pPr marL="0" indent="0">
+              <a:buNone/>
+              <a:defRPr sz="2400" b="1"/>
+            </a:lvl1pPr>
+            <a:lvl2pPr marL="457200" indent="0">
+              <a:buNone/>
+              <a:defRPr sz="2000" b="1"/>
+            </a:lvl2pPr>
+            <a:lvl3pPr marL="914400" indent="0">
+              <a:buNone/>
+              <a:defRPr sz="1800" b="1"/>
+            </a:lvl3pPr>
+            <a:lvl4pPr marL="1371600" indent="0">
+              <a:buNone/>
+              <a:defRPr sz="1600" b="1"/>
+            </a:lvl4pPr>
+            <a:lvl5pPr marL="1828800" indent="0">
+              <a:buNone/>
+              <a:defRPr sz="1600" b="1"/>
+            </a:lvl5pPr>
+            <a:lvl6pPr marL="2286000" indent="0">
+              <a:buNone/>
+              <a:defRPr sz="1600" b="1"/>
+            </a:lvl6pPr>
+            <a:lvl7pPr marL="2743200" indent="0">
+              <a:buNone/>
+              <a:defRPr sz="1600" b="1"/>
+            </a:lvl7pPr>
+            <a:lvl8pPr marL="3200400" indent="0">
+              <a:buNone/>
+              <a:defRPr sz="1600" b="1"/>
+            </a:lvl8pPr>
+            <a:lvl9pPr marL="3657600" indent="0">
+              <a:buNone/>
+              <a:defRPr sz="1600" b="1"/>
+            </a:lvl9pPr>
+          </a:lstStyle>
+          <a:p>
+            <a:pPr lvl="0"/>
+            <a:r>
+              <a:rPr lang="en-US"/>
+              <a:t>Click to edit Master text styles</a:t>
+            </a:r>
+            <a:endParaRPr lang="en-US"/>
+          </a:p>
+        </p:txBody>
+      </p:sp>
+      <p:sp>
+        <p:nvSpPr>
+          <p:cNvPr id="6" name="Content Placeholder 5"/>
+          <p:cNvSpPr>
+            <a:spLocks noGrp="1"/>
+          </p:cNvSpPr>
+          <p:nvPr>
+            <p:ph sz="quarter" idx="4"/>
+          </p:nvPr>
+        </p:nvSpPr>
+        <p:spPr>
+          <a:xfrm>
+            <a:off x="6172200" y="2505075"/>
+            <a:ext cx="5183188" cy="3684588"/>
+          </a:xfrm>
+        </p:spPr>
+        <p:txBody>
+          <a:bodyPr/>
+          <a:lstStyle/>
+          <a:p>
+            <a:pPr lvl="0"/>
+            <a:r>
+              <a:rPr lang="en-US"/>
+              <a:t>Click to edit Master text styles</a:t>
+            </a:r>
+            <a:endParaRPr lang="en-US"/>
+          </a:p>
+          <a:p>
+            <a:pPr lvl="1"/>
+            <a:r>
+              <a:rPr lang="en-US"/>
+              <a:t>Second level</a:t>
+            </a:r>
+            <a:endParaRPr lang="en-US"/>
+          </a:p>
+          <a:p>
+            <a:pPr lvl="2"/>
+            <a:r>
+              <a:rPr lang="en-US"/>
+              <a:t>Third level</a:t>
+            </a:r>
+            <a:endParaRPr lang="en-US"/>
+          </a:p>
+          <a:p>
+            <a:pPr lvl="3"/>
+            <a:r>
+              <a:rPr lang="en-US"/>
+              <a:t>Fourth level</a:t>
+            </a:r>
+            <a:endParaRPr lang="en-US"/>
+          </a:p>
+          <a:p>
+            <a:pPr lvl="4"/>
+            <a:r>
+              <a:rPr lang="en-US"/>
+              <a:t>Fifth level</a:t>
+            </a:r>
+            <a:endParaRPr lang="en-IN"/>
+          </a:p>
+        </p:txBody>
+      </p:sp>
+      <p:sp>
+        <p:nvSpPr>
+          <p:cNvPr id="7" name="Date Placeholder 6"/>
+          <p:cNvSpPr>
+            <a:spLocks noGrp="1"/>
+          </p:cNvSpPr>
+          <p:nvPr>
+            <p:ph type="dt" sz="half" idx="10"/>
+          </p:nvPr>
+        </p:nvSpPr>
+        <p:spPr/>
+        <p:txBody>
+          <a:bodyPr/>
+          <a:lstStyle/>
+          <a:p>
+            <a:fld id="{3EECC916-8326-4398-98E3-595A05AF34C3}" type="datetimeFigureOut">
+              <a:rPr lang="en-IN" smtClean="0"/>
+            </a:fld>
+            <a:endParaRPr lang="en-IN"/>
+          </a:p>
+        </p:txBody>
+      </p:sp>
+      <p:sp>
+        <p:nvSpPr>
+          <p:cNvPr id="8" name="Footer Placeholder 7"/>
+          <p:cNvSpPr>
+            <a:spLocks noGrp="1"/>
+          </p:cNvSpPr>
+          <p:nvPr>
+            <p:ph type="ftr" sz="quarter" idx="11"/>
+          </p:nvPr>
+        </p:nvSpPr>
+        <p:spPr/>
+        <p:txBody>
+          <a:bodyPr/>
+          <a:lstStyle/>
+          <a:p>
+            <a:endParaRPr lang="en-IN"/>
+          </a:p>
+        </p:txBody>
+      </p:sp>
+      <p:sp>
+        <p:nvSpPr>
+          <p:cNvPr id="9" name="Slide Number Placeholder 8"/>
+          <p:cNvSpPr>
+            <a:spLocks noGrp="1"/>
+          </p:cNvSpPr>
+          <p:nvPr>
+            <p:ph type="sldNum" sz="quarter" idx="12"/>
+          </p:nvPr>
+        </p:nvSpPr>
+        <p:spPr/>
+        <p:txBody>
+          <a:bodyPr/>
+          <a:lstStyle/>
+          <a:p>
+            <a:fld id="{AF78E629-3A9D-4480-B2D6-B9213383901A}" type="slidenum">
+              <a:rPr lang="en-IN" smtClean="0"/>
+            </a:fld>
+            <a:endParaRPr lang="en-IN"/>
+          </a:p>
+        </p:txBody>
+      </p:sp>
+    </p:spTree>
+  </p:cSld>
+  <p:clrMapOvr>
+    <a:masterClrMapping/>
+  </p:clrMapOvr>
+</p:sldLayout>
+</file>
+
+<file path=ppt/slideLayouts/slideLayout6.xml><?xml version="1.0" encoding="utf-8"?>
+<p:sldLayout xmlns:a="http://schemas.openxmlformats.org/drawingml/2006/main" xmlns:r="http://schemas.openxmlformats.org/officeDocument/2006/relationships" xmlns:p="http://schemas.openxmlformats.org/presentationml/2006/main" type="titleOnly" preserve="1">
+  <p:cSld name="Title Only">
+    <p:spTree>
+      <p:nvGrpSpPr>
+        <p:cNvPr id="1" name=""/>
+        <p:cNvGrpSpPr/>
+        <p:nvPr/>
+      </p:nvGrpSpPr>
+      <p:grpSpPr>
+        <a:xfrm>
+          <a:off x="0" y="0"/>
+          <a:ext cx="0" cy="0"/>
+          <a:chOff x="0" y="0"/>
+          <a:chExt cx="0" cy="0"/>
+        </a:xfrm>
+      </p:grpSpPr>
+      <p:sp>
+        <p:nvSpPr>
+          <p:cNvPr id="2" name="Title 1"/>
+          <p:cNvSpPr>
+            <a:spLocks noGrp="1"/>
+          </p:cNvSpPr>
+          <p:nvPr>
+            <p:ph type="title"/>
+          </p:nvPr>
+        </p:nvSpPr>
+        <p:spPr/>
+        <p:txBody>
+          <a:bodyPr/>
+          <a:lstStyle/>
+          <a:p>
+            <a:r>
+              <a:rPr lang="en-US"/>
+              <a:t>Click to edit Master title style</a:t>
+            </a:r>
+            <a:endParaRPr lang="en-IN"/>
+          </a:p>
+        </p:txBody>
+      </p:sp>
+      <p:sp>
+        <p:nvSpPr>
+          <p:cNvPr id="3" name="Date Placeholder 2"/>
+          <p:cNvSpPr>
+            <a:spLocks noGrp="1"/>
+          </p:cNvSpPr>
+          <p:nvPr>
+            <p:ph type="dt" sz="half" idx="10"/>
+          </p:nvPr>
+        </p:nvSpPr>
+        <p:spPr/>
+        <p:txBody>
+          <a:bodyPr/>
+          <a:lstStyle/>
+          <a:p>
+            <a:fld id="{3EECC916-8326-4398-98E3-595A05AF34C3}" type="datetimeFigureOut">
+              <a:rPr lang="en-IN" smtClean="0"/>
+            </a:fld>
+            <a:endParaRPr lang="en-IN"/>
+          </a:p>
+        </p:txBody>
+      </p:sp>
+      <p:sp>
+        <p:nvSpPr>
+          <p:cNvPr id="4" name="Footer Placeholder 3"/>
+          <p:cNvSpPr>
+            <a:spLocks noGrp="1"/>
+          </p:cNvSpPr>
+          <p:nvPr>
+            <p:ph type="ftr" sz="quarter" idx="11"/>
+          </p:nvPr>
+        </p:nvSpPr>
+        <p:spPr/>
+        <p:txBody>
+          <a:bodyPr/>
+          <a:lstStyle/>
+          <a:p>
+            <a:endParaRPr lang="en-IN"/>
+          </a:p>
+        </p:txBody>
+      </p:sp>
+      <p:sp>
+        <p:nvSpPr>
+          <p:cNvPr id="5" name="Slide Number Placeholder 4"/>
+          <p:cNvSpPr>
+            <a:spLocks noGrp="1"/>
+          </p:cNvSpPr>
+          <p:nvPr>
+            <p:ph type="sldNum" sz="quarter" idx="12"/>
+          </p:nvPr>
+        </p:nvSpPr>
+        <p:spPr/>
+        <p:txBody>
+          <a:bodyPr/>
+          <a:lstStyle/>
+          <a:p>
+            <a:fld id="{AF78E629-3A9D-4480-B2D6-B9213383901A}" type="slidenum">
+              <a:rPr lang="en-IN" smtClean="0"/>
+            </a:fld>
+            <a:endParaRPr lang="en-IN"/>
+          </a:p>
+        </p:txBody>
+      </p:sp>
+    </p:spTree>
+  </p:cSld>
+  <p:clrMapOvr>
+    <a:masterClrMapping/>
+  </p:clrMapOvr>
+</p:sldLayout>
+</file>
+
+<file path=ppt/slideLayouts/slideLayout7.xml><?xml version="1.0" encoding="utf-8"?>
+<p:sldLayout xmlns:a="http://schemas.openxmlformats.org/drawingml/2006/main" xmlns:r="http://schemas.openxmlformats.org/officeDocument/2006/relationships" xmlns:p="http://schemas.openxmlformats.org/presentationml/2006/main" type="blank" preserve="1">
+  <p:cSld name="Blank">
+    <p:spTree>
+      <p:nvGrpSpPr>
+        <p:cNvPr id="1" name=""/>
+        <p:cNvGrpSpPr/>
+        <p:nvPr/>
+      </p:nvGrpSpPr>
+      <p:grpSpPr>
+        <a:xfrm>
+          <a:off x="0" y="0"/>
+          <a:ext cx="0" cy="0"/>
+          <a:chOff x="0" y="0"/>
+          <a:chExt cx="0" cy="0"/>
+        </a:xfrm>
+      </p:grpSpPr>
+      <p:sp>
+        <p:nvSpPr>
+          <p:cNvPr id="2" name="Date Placeholder 1"/>
+          <p:cNvSpPr>
+            <a:spLocks noGrp="1"/>
+          </p:cNvSpPr>
+          <p:nvPr>
+            <p:ph type="dt" sz="half" idx="10"/>
+          </p:nvPr>
+        </p:nvSpPr>
+        <p:spPr/>
+        <p:txBody>
+          <a:bodyPr/>
+          <a:lstStyle/>
+          <a:p>
+            <a:fld id="{3EECC916-8326-4398-98E3-595A05AF34C3}" type="datetimeFigureOut">
+              <a:rPr lang="en-IN" smtClean="0"/>
+            </a:fld>
+            <a:endParaRPr lang="en-IN"/>
+          </a:p>
+        </p:txBody>
+      </p:sp>
+      <p:sp>
+        <p:nvSpPr>
+          <p:cNvPr id="3" name="Footer Placeholder 2"/>
+          <p:cNvSpPr>
+            <a:spLocks noGrp="1"/>
+          </p:cNvSpPr>
+          <p:nvPr>
+            <p:ph type="ftr" sz="quarter" idx="11"/>
+          </p:nvPr>
+        </p:nvSpPr>
+        <p:spPr/>
+        <p:txBody>
+          <a:bodyPr/>
+          <a:lstStyle/>
+          <a:p>
+            <a:endParaRPr lang="en-IN"/>
+          </a:p>
+        </p:txBody>
+      </p:sp>
+      <p:sp>
+        <p:nvSpPr>
+          <p:cNvPr id="4" name="Slide Number Placeholder 3"/>
+          <p:cNvSpPr>
+            <a:spLocks noGrp="1"/>
+          </p:cNvSpPr>
+          <p:nvPr>
+            <p:ph type="sldNum" sz="quarter" idx="12"/>
+          </p:nvPr>
+        </p:nvSpPr>
+        <p:spPr/>
+        <p:txBody>
+          <a:bodyPr/>
+          <a:lstStyle/>
+          <a:p>
+            <a:fld id="{AF78E629-3A9D-4480-B2D6-B9213383901A}" type="slidenum">
+              <a:rPr lang="en-IN" smtClean="0"/>
+            </a:fld>
+            <a:endParaRPr lang="en-IN"/>
+          </a:p>
+        </p:txBody>
+      </p:sp>
+    </p:spTree>
+  </p:cSld>
+  <p:clrMapOvr>
+    <a:masterClrMapping/>
+  </p:clrMapOvr>
+</p:sldLayout>
+</file>
+
+<file path=ppt/slideLayouts/slideLayout8.xml><?xml version="1.0" encoding="utf-8"?>
+<p:sldLayout xmlns:a="http://schemas.openxmlformats.org/drawingml/2006/main" xmlns:r="http://schemas.openxmlformats.org/officeDocument/2006/relationships" xmlns:p="http://schemas.openxmlformats.org/presentationml/2006/main" type="objTx" preserve="1">
+  <p:cSld name="Content with Caption">
+    <p:spTree>
+      <p:nvGrpSpPr>
+        <p:cNvPr id="1" name=""/>
+        <p:cNvGrpSpPr/>
+        <p:nvPr/>
+      </p:nvGrpSpPr>
+      <p:grpSpPr>
+        <a:xfrm>
+          <a:off x="0" y="0"/>
+          <a:ext cx="0" cy="0"/>
+          <a:chOff x="0" y="0"/>
+          <a:chExt cx="0" cy="0"/>
+        </a:xfrm>
+      </p:grpSpPr>
+      <p:sp>
+        <p:nvSpPr>
+          <p:cNvPr id="2" name="Title 1"/>
+          <p:cNvSpPr>
+            <a:spLocks noGrp="1"/>
+          </p:cNvSpPr>
+          <p:nvPr>
+            <p:ph type="title"/>
+          </p:nvPr>
+        </p:nvSpPr>
+        <p:spPr>
+          <a:xfrm>
+            <a:off x="839788" y="457200"/>
+            <a:ext cx="3932237" cy="1600200"/>
+          </a:xfrm>
+        </p:spPr>
+        <p:txBody>
+          <a:bodyPr anchor="b"/>
+          <a:lstStyle>
+            <a:lvl1pPr>
+              <a:defRPr sz="3200"/>
+            </a:lvl1pPr>
+          </a:lstStyle>
+          <a:p>
+            <a:r>
+              <a:rPr lang="en-US"/>
+              <a:t>Click to edit Master title style</a:t>
+            </a:r>
+            <a:endParaRPr lang="en-IN"/>
+          </a:p>
+        </p:txBody>
+      </p:sp>
+      <p:sp>
+        <p:nvSpPr>
+          <p:cNvPr id="3" name="Content Placeholder 2"/>
+          <p:cNvSpPr>
+            <a:spLocks noGrp="1"/>
+          </p:cNvSpPr>
+          <p:nvPr>
+            <p:ph idx="1"/>
+          </p:nvPr>
+        </p:nvSpPr>
+        <p:spPr>
+          <a:xfrm>
+            <a:off x="5183188" y="987425"/>
+            <a:ext cx="6172200" cy="4873625"/>
+          </a:xfrm>
+        </p:spPr>
+        <p:txBody>
+          <a:bodyPr/>
+          <a:lstStyle>
+            <a:lvl1pPr>
+              <a:defRPr sz="3200"/>
+            </a:lvl1pPr>
+            <a:lvl2pPr>
+              <a:defRPr sz="2800"/>
+            </a:lvl2pPr>
+            <a:lvl3pPr>
+              <a:defRPr sz="2400"/>
+            </a:lvl3pPr>
+            <a:lvl4pPr>
+              <a:defRPr sz="2000"/>
+            </a:lvl4pPr>
+            <a:lvl5pPr>
+              <a:defRPr sz="2000"/>
+            </a:lvl5pPr>
+            <a:lvl6pPr>
+              <a:defRPr sz="2000"/>
+            </a:lvl6pPr>
+            <a:lvl7pPr>
+              <a:defRPr sz="2000"/>
+            </a:lvl7pPr>
+            <a:lvl8pPr>
+              <a:defRPr sz="2000"/>
+            </a:lvl8pPr>
+            <a:lvl9pPr>
+              <a:defRPr sz="2000"/>
+            </a:lvl9pPr>
+          </a:lstStyle>
+          <a:p>
+            <a:pPr lvl="0"/>
+            <a:r>
+              <a:rPr lang="en-US"/>
+              <a:t>Click to edit Master text styles</a:t>
+            </a:r>
+            <a:endParaRPr lang="en-US"/>
+          </a:p>
+          <a:p>
+            <a:pPr lvl="1"/>
+            <a:r>
+              <a:rPr lang="en-US"/>
+              <a:t>Second level</a:t>
+            </a:r>
+            <a:endParaRPr lang="en-US"/>
+          </a:p>
+          <a:p>
+            <a:pPr lvl="2"/>
+            <a:r>
+              <a:rPr lang="en-US"/>
+              <a:t>Third level</a:t>
+            </a:r>
+            <a:endParaRPr lang="en-US"/>
+          </a:p>
+          <a:p>
+            <a:pPr lvl="3"/>
+            <a:r>
+              <a:rPr lang="en-US"/>
+              <a:t>Fourth level</a:t>
+            </a:r>
+            <a:endParaRPr lang="en-US"/>
+          </a:p>
+          <a:p>
+            <a:pPr lvl="4"/>
+            <a:r>
+              <a:rPr lang="en-US"/>
+              <a:t>Fifth level</a:t>
+            </a:r>
+            <a:endParaRPr lang="en-IN"/>
+          </a:p>
+        </p:txBody>
+      </p:sp>
+      <p:sp>
+        <p:nvSpPr>
+          <p:cNvPr id="4" name="Text Placeholder 3"/>
+          <p:cNvSpPr>
+            <a:spLocks noGrp="1"/>
+          </p:cNvSpPr>
+          <p:nvPr>
+            <p:ph type="body" sz="half" idx="2"/>
+          </p:nvPr>
+        </p:nvSpPr>
+        <p:spPr>
+          <a:xfrm>
+            <a:off x="839788" y="2057400"/>
+            <a:ext cx="3932237" cy="3811588"/>
+          </a:xfrm>
+        </p:spPr>
+        <p:txBody>
+          <a:bodyPr/>
+          <a:lstStyle>
+            <a:lvl1pPr marL="0" indent="0">
+              <a:buNone/>
+              <a:defRPr sz="1600"/>
+            </a:lvl1pPr>
+            <a:lvl2pPr marL="457200" indent="0">
+              <a:buNone/>
+              <a:defRPr sz="1400"/>
+            </a:lvl2pPr>
+            <a:lvl3pPr marL="914400" indent="0">
+              <a:buNone/>
+              <a:defRPr sz="1200"/>
+            </a:lvl3pPr>
+            <a:lvl4pPr marL="1371600" indent="0">
+              <a:buNone/>
+              <a:defRPr sz="1000"/>
+            </a:lvl4pPr>
+            <a:lvl5pPr marL="1828800" indent="0">
+              <a:buNone/>
+              <a:defRPr sz="1000"/>
+            </a:lvl5pPr>
+            <a:lvl6pPr marL="2286000" indent="0">
+              <a:buNone/>
+              <a:defRPr sz="1000"/>
+            </a:lvl6pPr>
+            <a:lvl7pPr marL="2743200" indent="0">
+              <a:buNone/>
+              <a:defRPr sz="1000"/>
+            </a:lvl7pPr>
+            <a:lvl8pPr marL="3200400" indent="0">
+              <a:buNone/>
+              <a:defRPr sz="1000"/>
+            </a:lvl8pPr>
+            <a:lvl9pPr marL="3657600" indent="0">
+              <a:buNone/>
+              <a:defRPr sz="1000"/>
+            </a:lvl9pPr>
+          </a:lstStyle>
+          <a:p>
+            <a:pPr lvl="0"/>
+            <a:r>
+              <a:rPr lang="en-US"/>
+              <a:t>Click to edit Master text styles</a:t>
+            </a:r>
+            <a:endParaRPr lang="en-US"/>
+          </a:p>
+        </p:txBody>
+      </p:sp>
+      <p:sp>
+        <p:nvSpPr>
+          <p:cNvPr id="5" name="Date Placeholder 4"/>
+          <p:cNvSpPr>
+            <a:spLocks noGrp="1"/>
+          </p:cNvSpPr>
+          <p:nvPr>
+            <p:ph type="dt" sz="half" idx="10"/>
+          </p:nvPr>
+        </p:nvSpPr>
+        <p:spPr/>
+        <p:txBody>
+          <a:bodyPr/>
+          <a:lstStyle/>
+          <a:p>
+            <a:fld id="{3EECC916-8326-4398-98E3-595A05AF34C3}" type="datetimeFigureOut">
+              <a:rPr lang="en-IN" smtClean="0"/>
+            </a:fld>
+            <a:endParaRPr lang="en-IN"/>
+          </a:p>
+        </p:txBody>
+      </p:sp>
+      <p:sp>
+        <p:nvSpPr>
+          <p:cNvPr id="6" name="Footer Placeholder 5"/>
+          <p:cNvSpPr>
+            <a:spLocks noGrp="1"/>
+          </p:cNvSpPr>
+          <p:nvPr>
+            <p:ph type="ftr" sz="quarter" idx="11"/>
+          </p:nvPr>
+        </p:nvSpPr>
+        <p:spPr/>
+        <p:txBody>
+          <a:bodyPr/>
+          <a:lstStyle/>
+          <a:p>
+            <a:endParaRPr lang="en-IN"/>
+          </a:p>
+        </p:txBody>
+      </p:sp>
+      <p:sp>
+        <p:nvSpPr>
+          <p:cNvPr id="7" name="Slide Number Placeholder 6"/>
+          <p:cNvSpPr>
+            <a:spLocks noGrp="1"/>
+          </p:cNvSpPr>
+          <p:nvPr>
+            <p:ph type="sldNum" sz="quarter" idx="12"/>
+          </p:nvPr>
+        </p:nvSpPr>
+        <p:spPr/>
+        <p:txBody>
+          <a:bodyPr/>
+          <a:lstStyle/>
+          <a:p>
+            <a:fld id="{AF78E629-3A9D-4480-B2D6-B9213383901A}" type="slidenum">
+              <a:rPr lang="en-IN" smtClean="0"/>
+            </a:fld>
+            <a:endParaRPr lang="en-IN"/>
+          </a:p>
+        </p:txBody>
+      </p:sp>
+    </p:spTree>
   </p:cSld>
   <p:clrMapOvr>
     <a:masterClrMapping/>
@@ -2516,13 +4423,7 @@
       </p:grpSpPr>
       <p:sp>
         <p:nvSpPr>
-          <p:cNvPr id="2" name="Title 1">
-            <a:extLst>
-              <a:ext uri="{FF2B5EF4-FFF2-40B4-BE49-F238E27FC236}">
-                <a16:creationId xmlns:a16="http://schemas.microsoft.com/office/drawing/2014/main" id="{7E155692-D01A-42F1-9ABF-78F250D9875F}"/>
-              </a:ext>
-            </a:extLst>
-          </p:cNvPr>
+          <p:cNvPr id="2" name="Title 1"/>
           <p:cNvSpPr>
             <a:spLocks noGrp="1"/>
           </p:cNvSpPr>
@@ -2554,13 +4455,7 @@
       </p:sp>
       <p:sp>
         <p:nvSpPr>
-          <p:cNvPr id="3" name="Picture Placeholder 2">
-            <a:extLst>
-              <a:ext uri="{FF2B5EF4-FFF2-40B4-BE49-F238E27FC236}">
-                <a16:creationId xmlns:a16="http://schemas.microsoft.com/office/drawing/2014/main" id="{AB60F351-B5C8-4746-A915-D8D6E339B2EA}"/>
-              </a:ext>
-            </a:extLst>
-          </p:cNvPr>
+          <p:cNvPr id="3" name="Picture Placeholder 2"/>
           <p:cNvSpPr>
             <a:spLocks noGrp="1"/>
           </p:cNvSpPr>
@@ -2621,13 +4516,7 @@
       </p:sp>
       <p:sp>
         <p:nvSpPr>
-          <p:cNvPr id="4" name="Text Placeholder 3">
-            <a:extLst>
-              <a:ext uri="{FF2B5EF4-FFF2-40B4-BE49-F238E27FC236}">
-                <a16:creationId xmlns:a16="http://schemas.microsoft.com/office/drawing/2014/main" id="{6E0B61D6-0B3D-4A94-BF65-CD7ED47FCA29}"/>
-              </a:ext>
-            </a:extLst>
-          </p:cNvPr>
+          <p:cNvPr id="4" name="Text Placeholder 3"/>
           <p:cNvSpPr>
             <a:spLocks noGrp="1"/>
           </p:cNvSpPr>
@@ -2687,18 +4576,13 @@
               <a:rPr lang="en-US"/>
               <a:t>Click to edit Master text styles</a:t>
             </a:r>
-          </a:p>
-        </p:txBody>
-      </p:sp>
-      <p:sp>
-        <p:nvSpPr>
-          <p:cNvPr id="5" name="Date Placeholder 4">
-            <a:extLst>
-              <a:ext uri="{FF2B5EF4-FFF2-40B4-BE49-F238E27FC236}">
-                <a16:creationId xmlns:a16="http://schemas.microsoft.com/office/drawing/2014/main" id="{A8BE1250-6BBF-4A20-B997-52B5D3AD6B95}"/>
-              </a:ext>
-            </a:extLst>
-          </p:cNvPr>
+            <a:endParaRPr lang="en-US"/>
+          </a:p>
+        </p:txBody>
+      </p:sp>
+      <p:sp>
+        <p:nvSpPr>
+          <p:cNvPr id="5" name="Date Placeholder 4"/>
           <p:cNvSpPr>
             <a:spLocks noGrp="1"/>
           </p:cNvSpPr>
@@ -2713,7 +4597,6 @@
           <a:p>
             <a:fld id="{3EECC916-8326-4398-98E3-595A05AF34C3}" type="datetimeFigureOut">
               <a:rPr lang="en-IN" smtClean="0"/>
-              <a:t>04-12-2021</a:t>
             </a:fld>
             <a:endParaRPr lang="en-IN"/>
           </a:p>
@@ -2721,13 +4604,7 @@
       </p:sp>
       <p:sp>
         <p:nvSpPr>
-          <p:cNvPr id="6" name="Footer Placeholder 5">
-            <a:extLst>
-              <a:ext uri="{FF2B5EF4-FFF2-40B4-BE49-F238E27FC236}">
-                <a16:creationId xmlns:a16="http://schemas.microsoft.com/office/drawing/2014/main" id="{D8DF6DF0-D10C-4F87-B91C-0DCE1483ED6F}"/>
-              </a:ext>
-            </a:extLst>
-          </p:cNvPr>
+          <p:cNvPr id="6" name="Footer Placeholder 5"/>
           <p:cNvSpPr>
             <a:spLocks noGrp="1"/>
           </p:cNvSpPr>
@@ -2746,13 +4623,7 @@
       </p:sp>
       <p:sp>
         <p:nvSpPr>
-          <p:cNvPr id="7" name="Slide Number Placeholder 6">
-            <a:extLst>
-              <a:ext uri="{FF2B5EF4-FFF2-40B4-BE49-F238E27FC236}">
-                <a16:creationId xmlns:a16="http://schemas.microsoft.com/office/drawing/2014/main" id="{098A704A-A187-405D-AF2E-1ABD0E28EAEC}"/>
-              </a:ext>
-            </a:extLst>
-          </p:cNvPr>
+          <p:cNvPr id="7" name="Slide Number Placeholder 6"/>
           <p:cNvSpPr>
             <a:spLocks noGrp="1"/>
           </p:cNvSpPr>
@@ -2767,18 +4638,12 @@
           <a:p>
             <a:fld id="{AF78E629-3A9D-4480-B2D6-B9213383901A}" type="slidenum">
               <a:rPr lang="en-IN" smtClean="0"/>
-              <a:t>‹#›</a:t>
             </a:fld>
             <a:endParaRPr lang="en-IN"/>
           </a:p>
         </p:txBody>
       </p:sp>
     </p:spTree>
-    <p:extLst>
-      <p:ext uri="{BB962C8B-B14F-4D97-AF65-F5344CB8AC3E}">
-        <p14:creationId xmlns:p14="http://schemas.microsoft.com/office/powerpoint/2010/main" val="4196423675"/>
-      </p:ext>
-    </p:extLst>
   </p:cSld>
   <p:clrMapOvr>
     <a:masterClrMapping/>
@@ -2810,13 +4675,7 @@
       </p:grpSpPr>
       <p:sp>
         <p:nvSpPr>
-          <p:cNvPr id="2" name="Title Placeholder 1">
-            <a:extLst>
-              <a:ext uri="{FF2B5EF4-FFF2-40B4-BE49-F238E27FC236}">
-                <a16:creationId xmlns:a16="http://schemas.microsoft.com/office/drawing/2014/main" id="{4DB0D270-13E2-4619-B0A2-34C7A0ED5D1A}"/>
-              </a:ext>
-            </a:extLst>
-          </p:cNvPr>
+          <p:cNvPr id="2" name="Title Placeholder 1"/>
           <p:cNvSpPr>
             <a:spLocks noGrp="1"/>
           </p:cNvSpPr>
@@ -2849,13 +4708,7 @@
       </p:sp>
       <p:sp>
         <p:nvSpPr>
-          <p:cNvPr id="3" name="Text Placeholder 2">
-            <a:extLst>
-              <a:ext uri="{FF2B5EF4-FFF2-40B4-BE49-F238E27FC236}">
-                <a16:creationId xmlns:a16="http://schemas.microsoft.com/office/drawing/2014/main" id="{58234F15-D392-460E-B089-EB28CE430345}"/>
-              </a:ext>
-            </a:extLst>
-          </p:cNvPr>
+          <p:cNvPr id="3" name="Text Placeholder 2"/>
           <p:cNvSpPr>
             <a:spLocks noGrp="1"/>
           </p:cNvSpPr>
@@ -2883,6 +4736,7 @@
               <a:rPr lang="en-US"/>
               <a:t>Click to edit Master text styles</a:t>
             </a:r>
+            <a:endParaRPr lang="en-US"/>
           </a:p>
           <a:p>
             <a:pPr lvl="1"/>
@@ -2890,6 +4744,7 @@
               <a:rPr lang="en-US"/>
               <a:t>Second level</a:t>
             </a:r>
+            <a:endParaRPr lang="en-US"/>
           </a:p>
           <a:p>
             <a:pPr lvl="2"/>
@@ -2897,6 +4752,7 @@
               <a:rPr lang="en-US"/>
               <a:t>Third level</a:t>
             </a:r>
+            <a:endParaRPr lang="en-US"/>
           </a:p>
           <a:p>
             <a:pPr lvl="3"/>
@@ -2904,6 +4760,7 @@
               <a:rPr lang="en-US"/>
               <a:t>Fourth level</a:t>
             </a:r>
+            <a:endParaRPr lang="en-US"/>
           </a:p>
           <a:p>
             <a:pPr lvl="4"/>
@@ -2917,13 +4774,7 @@
       </p:sp>
       <p:sp>
         <p:nvSpPr>
-          <p:cNvPr id="4" name="Date Placeholder 3">
-            <a:extLst>
-              <a:ext uri="{FF2B5EF4-FFF2-40B4-BE49-F238E27FC236}">
-                <a16:creationId xmlns:a16="http://schemas.microsoft.com/office/drawing/2014/main" id="{41B44AE8-B378-41E3-8276-169181A928C1}"/>
-              </a:ext>
-            </a:extLst>
-          </p:cNvPr>
+          <p:cNvPr id="4" name="Date Placeholder 3"/>
           <p:cNvSpPr>
             <a:spLocks noGrp="1"/>
           </p:cNvSpPr>
@@ -2956,7 +4807,6 @@
           <a:p>
             <a:fld id="{3EECC916-8326-4398-98E3-595A05AF34C3}" type="datetimeFigureOut">
               <a:rPr lang="en-IN" smtClean="0"/>
-              <a:t>04-12-2021</a:t>
             </a:fld>
             <a:endParaRPr lang="en-IN"/>
           </a:p>
@@ -2964,13 +4814,7 @@
       </p:sp>
       <p:sp>
         <p:nvSpPr>
-          <p:cNvPr id="5" name="Footer Placeholder 4">
-            <a:extLst>
-              <a:ext uri="{FF2B5EF4-FFF2-40B4-BE49-F238E27FC236}">
-                <a16:creationId xmlns:a16="http://schemas.microsoft.com/office/drawing/2014/main" id="{CBE7DDD4-B07A-4814-AAC5-C0F713337E7C}"/>
-              </a:ext>
-            </a:extLst>
-          </p:cNvPr>
+          <p:cNvPr id="5" name="Footer Placeholder 4"/>
           <p:cNvSpPr>
             <a:spLocks noGrp="1"/>
           </p:cNvSpPr>
@@ -3007,13 +4851,7 @@
       </p:sp>
       <p:sp>
         <p:nvSpPr>
-          <p:cNvPr id="6" name="Slide Number Placeholder 5">
-            <a:extLst>
-              <a:ext uri="{FF2B5EF4-FFF2-40B4-BE49-F238E27FC236}">
-                <a16:creationId xmlns:a16="http://schemas.microsoft.com/office/drawing/2014/main" id="{1EAE9FCE-C682-454D-80F5-6642D8CA2CFF}"/>
-              </a:ext>
-            </a:extLst>
-          </p:cNvPr>
+          <p:cNvPr id="6" name="Slide Number Placeholder 5"/>
           <p:cNvSpPr>
             <a:spLocks noGrp="1"/>
           </p:cNvSpPr>
@@ -3046,18 +4884,12 @@
           <a:p>
             <a:fld id="{AF78E629-3A9D-4480-B2D6-B9213383901A}" type="slidenum">
               <a:rPr lang="en-IN" smtClean="0"/>
-              <a:t>‹#›</a:t>
             </a:fld>
             <a:endParaRPr lang="en-IN"/>
           </a:p>
         </p:txBody>
       </p:sp>
     </p:spTree>
-    <p:extLst>
-      <p:ext uri="{BB962C8B-B14F-4D97-AF65-F5344CB8AC3E}">
-        <p14:creationId xmlns:p14="http://schemas.microsoft.com/office/powerpoint/2010/main" val="128290353"/>
-      </p:ext>
-    </p:extLst>
   </p:cSld>
   <p:clrMap bg1="lt1" tx1="dk1" bg2="lt2" tx2="dk2" accent1="accent1" accent2="accent2" accent3="accent3" accent4="accent4" accent5="accent5" accent6="accent6" hlink="hlink" folHlink="folHlink"/>
   <p:sldLayoutIdLst>
@@ -3072,6 +4904,543 @@
     <p:sldLayoutId id="2147483657" r:id="rId9"/>
     <p:sldLayoutId id="2147483658" r:id="rId10"/>
     <p:sldLayoutId id="2147483659" r:id="rId11"/>
+  </p:sldLayoutIdLst>
+  <p:txStyles>
+    <p:titleStyle>
+      <a:lvl1pPr algn="l" defTabSz="914400" rtl="0" eaLnBrk="1" latinLnBrk="0" hangingPunct="1">
+        <a:lnSpc>
+          <a:spcPct val="90000"/>
+        </a:lnSpc>
+        <a:spcBef>
+          <a:spcPct val="0"/>
+        </a:spcBef>
+        <a:buNone/>
+        <a:defRPr sz="4400" kern="1200">
+          <a:solidFill>
+            <a:schemeClr val="tx1"/>
+          </a:solidFill>
+          <a:latin typeface="+mj-lt"/>
+          <a:ea typeface="+mj-ea"/>
+          <a:cs typeface="+mj-cs"/>
+        </a:defRPr>
+      </a:lvl1pPr>
+    </p:titleStyle>
+    <p:bodyStyle>
+      <a:lvl1pPr marL="228600" indent="-228600" algn="l" defTabSz="914400" rtl="0" eaLnBrk="1" latinLnBrk="0" hangingPunct="1">
+        <a:lnSpc>
+          <a:spcPct val="90000"/>
+        </a:lnSpc>
+        <a:spcBef>
+          <a:spcPts val="1000"/>
+        </a:spcBef>
+        <a:buFont typeface="Arial" panose="020B0604020202020204" pitchFamily="34" charset="0"/>
+        <a:buChar char="•"/>
+        <a:defRPr sz="2800" kern="1200">
+          <a:solidFill>
+            <a:schemeClr val="tx1"/>
+          </a:solidFill>
+          <a:latin typeface="+mn-lt"/>
+          <a:ea typeface="+mn-ea"/>
+          <a:cs typeface="+mn-cs"/>
+        </a:defRPr>
+      </a:lvl1pPr>
+      <a:lvl2pPr marL="685800" indent="-228600" algn="l" defTabSz="914400" rtl="0" eaLnBrk="1" latinLnBrk="0" hangingPunct="1">
+        <a:lnSpc>
+          <a:spcPct val="90000"/>
+        </a:lnSpc>
+        <a:spcBef>
+          <a:spcPts val="500"/>
+        </a:spcBef>
+        <a:buFont typeface="Arial" panose="020B0604020202020204" pitchFamily="34" charset="0"/>
+        <a:buChar char="•"/>
+        <a:defRPr sz="2400" kern="1200">
+          <a:solidFill>
+            <a:schemeClr val="tx1"/>
+          </a:solidFill>
+          <a:latin typeface="+mn-lt"/>
+          <a:ea typeface="+mn-ea"/>
+          <a:cs typeface="+mn-cs"/>
+        </a:defRPr>
+      </a:lvl2pPr>
+      <a:lvl3pPr marL="1143000" indent="-228600" algn="l" defTabSz="914400" rtl="0" eaLnBrk="1" latinLnBrk="0" hangingPunct="1">
+        <a:lnSpc>
+          <a:spcPct val="90000"/>
+        </a:lnSpc>
+        <a:spcBef>
+          <a:spcPts val="500"/>
+        </a:spcBef>
+        <a:buFont typeface="Arial" panose="020B0604020202020204" pitchFamily="34" charset="0"/>
+        <a:buChar char="•"/>
+        <a:defRPr sz="2000" kern="1200">
+          <a:solidFill>
+            <a:schemeClr val="tx1"/>
+          </a:solidFill>
+          <a:latin typeface="+mn-lt"/>
+          <a:ea typeface="+mn-ea"/>
+          <a:cs typeface="+mn-cs"/>
+        </a:defRPr>
+      </a:lvl3pPr>
+      <a:lvl4pPr marL="1600200" indent="-228600" algn="l" defTabSz="914400" rtl="0" eaLnBrk="1" latinLnBrk="0" hangingPunct="1">
+        <a:lnSpc>
+          <a:spcPct val="90000"/>
+        </a:lnSpc>
+        <a:spcBef>
+          <a:spcPts val="500"/>
+        </a:spcBef>
+        <a:buFont typeface="Arial" panose="020B0604020202020204" pitchFamily="34" charset="0"/>
+        <a:buChar char="•"/>
+        <a:defRPr sz="1800" kern="1200">
+          <a:solidFill>
+            <a:schemeClr val="tx1"/>
+          </a:solidFill>
+          <a:latin typeface="+mn-lt"/>
+          <a:ea typeface="+mn-ea"/>
+          <a:cs typeface="+mn-cs"/>
+        </a:defRPr>
+      </a:lvl4pPr>
+      <a:lvl5pPr marL="2057400" indent="-228600" algn="l" defTabSz="914400" rtl="0" eaLnBrk="1" latinLnBrk="0" hangingPunct="1">
+        <a:lnSpc>
+          <a:spcPct val="90000"/>
+        </a:lnSpc>
+        <a:spcBef>
+          <a:spcPts val="500"/>
+        </a:spcBef>
+        <a:buFont typeface="Arial" panose="020B0604020202020204" pitchFamily="34" charset="0"/>
+        <a:buChar char="•"/>
+        <a:defRPr sz="1800" kern="1200">
+          <a:solidFill>
+            <a:schemeClr val="tx1"/>
+          </a:solidFill>
+          <a:latin typeface="+mn-lt"/>
+          <a:ea typeface="+mn-ea"/>
+          <a:cs typeface="+mn-cs"/>
+        </a:defRPr>
+      </a:lvl5pPr>
+      <a:lvl6pPr marL="2514600" indent="-228600" algn="l" defTabSz="914400" rtl="0" eaLnBrk="1" latinLnBrk="0" hangingPunct="1">
+        <a:lnSpc>
+          <a:spcPct val="90000"/>
+        </a:lnSpc>
+        <a:spcBef>
+          <a:spcPts val="500"/>
+        </a:spcBef>
+        <a:buFont typeface="Arial" panose="020B0604020202020204" pitchFamily="34" charset="0"/>
+        <a:buChar char="•"/>
+        <a:defRPr sz="1800" kern="1200">
+          <a:solidFill>
+            <a:schemeClr val="tx1"/>
+          </a:solidFill>
+          <a:latin typeface="+mn-lt"/>
+          <a:ea typeface="+mn-ea"/>
+          <a:cs typeface="+mn-cs"/>
+        </a:defRPr>
+      </a:lvl6pPr>
+      <a:lvl7pPr marL="2971800" indent="-228600" algn="l" defTabSz="914400" rtl="0" eaLnBrk="1" latinLnBrk="0" hangingPunct="1">
+        <a:lnSpc>
+          <a:spcPct val="90000"/>
+        </a:lnSpc>
+        <a:spcBef>
+          <a:spcPts val="500"/>
+        </a:spcBef>
+        <a:buFont typeface="Arial" panose="020B0604020202020204" pitchFamily="34" charset="0"/>
+        <a:buChar char="•"/>
+        <a:defRPr sz="1800" kern="1200">
+          <a:solidFill>
+            <a:schemeClr val="tx1"/>
+          </a:solidFill>
+          <a:latin typeface="+mn-lt"/>
+          <a:ea typeface="+mn-ea"/>
+          <a:cs typeface="+mn-cs"/>
+        </a:defRPr>
+      </a:lvl7pPr>
+      <a:lvl8pPr marL="3429000" indent="-228600" algn="l" defTabSz="914400" rtl="0" eaLnBrk="1" latinLnBrk="0" hangingPunct="1">
+        <a:lnSpc>
+          <a:spcPct val="90000"/>
+        </a:lnSpc>
+        <a:spcBef>
+          <a:spcPts val="500"/>
+        </a:spcBef>
+        <a:buFont typeface="Arial" panose="020B0604020202020204" pitchFamily="34" charset="0"/>
+        <a:buChar char="•"/>
+        <a:defRPr sz="1800" kern="1200">
+          <a:solidFill>
+            <a:schemeClr val="tx1"/>
+          </a:solidFill>
+          <a:latin typeface="+mn-lt"/>
+          <a:ea typeface="+mn-ea"/>
+          <a:cs typeface="+mn-cs"/>
+        </a:defRPr>
+      </a:lvl8pPr>
+      <a:lvl9pPr marL="3886200" indent="-228600" algn="l" defTabSz="914400" rtl="0" eaLnBrk="1" latinLnBrk="0" hangingPunct="1">
+        <a:lnSpc>
+          <a:spcPct val="90000"/>
+        </a:lnSpc>
+        <a:spcBef>
+          <a:spcPts val="500"/>
+        </a:spcBef>
+        <a:buFont typeface="Arial" panose="020B0604020202020204" pitchFamily="34" charset="0"/>
+        <a:buChar char="•"/>
+        <a:defRPr sz="1800" kern="1200">
+          <a:solidFill>
+            <a:schemeClr val="tx1"/>
+          </a:solidFill>
+          <a:latin typeface="+mn-lt"/>
+          <a:ea typeface="+mn-ea"/>
+          <a:cs typeface="+mn-cs"/>
+        </a:defRPr>
+      </a:lvl9pPr>
+    </p:bodyStyle>
+    <p:otherStyle>
+      <a:defPPr>
+        <a:defRPr lang="en-US"/>
+      </a:defPPr>
+      <a:lvl1pPr marL="0" algn="l" defTabSz="914400" rtl="0" eaLnBrk="1" latinLnBrk="0" hangingPunct="1">
+        <a:defRPr sz="1800" kern="1200">
+          <a:solidFill>
+            <a:schemeClr val="tx1"/>
+          </a:solidFill>
+          <a:latin typeface="+mn-lt"/>
+          <a:ea typeface="+mn-ea"/>
+          <a:cs typeface="+mn-cs"/>
+        </a:defRPr>
+      </a:lvl1pPr>
+      <a:lvl2pPr marL="457200" algn="l" defTabSz="914400" rtl="0" eaLnBrk="1" latinLnBrk="0" hangingPunct="1">
+        <a:defRPr sz="1800" kern="1200">
+          <a:solidFill>
+            <a:schemeClr val="tx1"/>
+          </a:solidFill>
+          <a:latin typeface="+mn-lt"/>
+          <a:ea typeface="+mn-ea"/>
+          <a:cs typeface="+mn-cs"/>
+        </a:defRPr>
+      </a:lvl2pPr>
+      <a:lvl3pPr marL="914400" algn="l" defTabSz="914400" rtl="0" eaLnBrk="1" latinLnBrk="0" hangingPunct="1">
+        <a:defRPr sz="1800" kern="1200">
+          <a:solidFill>
+            <a:schemeClr val="tx1"/>
+          </a:solidFill>
+          <a:latin typeface="+mn-lt"/>
+          <a:ea typeface="+mn-ea"/>
+          <a:cs typeface="+mn-cs"/>
+        </a:defRPr>
+      </a:lvl3pPr>
+      <a:lvl4pPr marL="1371600" algn="l" defTabSz="914400" rtl="0" eaLnBrk="1" latinLnBrk="0" hangingPunct="1">
+        <a:defRPr sz="1800" kern="1200">
+          <a:solidFill>
+            <a:schemeClr val="tx1"/>
+          </a:solidFill>
+          <a:latin typeface="+mn-lt"/>
+          <a:ea typeface="+mn-ea"/>
+          <a:cs typeface="+mn-cs"/>
+        </a:defRPr>
+      </a:lvl4pPr>
+      <a:lvl5pPr marL="1828800" algn="l" defTabSz="914400" rtl="0" eaLnBrk="1" latinLnBrk="0" hangingPunct="1">
+        <a:defRPr sz="1800" kern="1200">
+          <a:solidFill>
+            <a:schemeClr val="tx1"/>
+          </a:solidFill>
+          <a:latin typeface="+mn-lt"/>
+          <a:ea typeface="+mn-ea"/>
+          <a:cs typeface="+mn-cs"/>
+        </a:defRPr>
+      </a:lvl5pPr>
+      <a:lvl6pPr marL="2286000" algn="l" defTabSz="914400" rtl="0" eaLnBrk="1" latinLnBrk="0" hangingPunct="1">
+        <a:defRPr sz="1800" kern="1200">
+          <a:solidFill>
+            <a:schemeClr val="tx1"/>
+          </a:solidFill>
+          <a:latin typeface="+mn-lt"/>
+          <a:ea typeface="+mn-ea"/>
+          <a:cs typeface="+mn-cs"/>
+        </a:defRPr>
+      </a:lvl6pPr>
+      <a:lvl7pPr marL="2743200" algn="l" defTabSz="914400" rtl="0" eaLnBrk="1" latinLnBrk="0" hangingPunct="1">
+        <a:defRPr sz="1800" kern="1200">
+          <a:solidFill>
+            <a:schemeClr val="tx1"/>
+          </a:solidFill>
+          <a:latin typeface="+mn-lt"/>
+          <a:ea typeface="+mn-ea"/>
+          <a:cs typeface="+mn-cs"/>
+        </a:defRPr>
+      </a:lvl7pPr>
+      <a:lvl8pPr marL="3200400" algn="l" defTabSz="914400" rtl="0" eaLnBrk="1" latinLnBrk="0" hangingPunct="1">
+        <a:defRPr sz="1800" kern="1200">
+          <a:solidFill>
+            <a:schemeClr val="tx1"/>
+          </a:solidFill>
+          <a:latin typeface="+mn-lt"/>
+          <a:ea typeface="+mn-ea"/>
+          <a:cs typeface="+mn-cs"/>
+        </a:defRPr>
+      </a:lvl8pPr>
+      <a:lvl9pPr marL="3657600" algn="l" defTabSz="914400" rtl="0" eaLnBrk="1" latinLnBrk="0" hangingPunct="1">
+        <a:defRPr sz="1800" kern="1200">
+          <a:solidFill>
+            <a:schemeClr val="tx1"/>
+          </a:solidFill>
+          <a:latin typeface="+mn-lt"/>
+          <a:ea typeface="+mn-ea"/>
+          <a:cs typeface="+mn-cs"/>
+        </a:defRPr>
+      </a:lvl9pPr>
+    </p:otherStyle>
+  </p:txStyles>
+</p:sldMaster>
+</file>
+
+<file path=ppt/slideMasters/slideMaster2.xml><?xml version="1.0" encoding="utf-8"?>
+<p:sldMaster xmlns:a="http://schemas.openxmlformats.org/drawingml/2006/main" xmlns:r="http://schemas.openxmlformats.org/officeDocument/2006/relationships" xmlns:p="http://schemas.openxmlformats.org/presentationml/2006/main">
+  <p:cSld>
+    <p:bg>
+      <p:bgRef idx="1001">
+        <a:schemeClr val="bg1"/>
+      </p:bgRef>
+    </p:bg>
+    <p:spTree>
+      <p:nvGrpSpPr>
+        <p:cNvPr id="1" name=""/>
+        <p:cNvGrpSpPr/>
+        <p:nvPr/>
+      </p:nvGrpSpPr>
+      <p:grpSpPr>
+        <a:xfrm>
+          <a:off x="0" y="0"/>
+          <a:ext cx="0" cy="0"/>
+          <a:chOff x="0" y="0"/>
+          <a:chExt cx="0" cy="0"/>
+        </a:xfrm>
+      </p:grpSpPr>
+      <p:sp>
+        <p:nvSpPr>
+          <p:cNvPr id="2" name="Title Placeholder 1"/>
+          <p:cNvSpPr>
+            <a:spLocks noGrp="1"/>
+          </p:cNvSpPr>
+          <p:nvPr>
+            <p:ph type="title"/>
+          </p:nvPr>
+        </p:nvSpPr>
+        <p:spPr>
+          <a:xfrm>
+            <a:off x="838200" y="365125"/>
+            <a:ext cx="10515600" cy="1325563"/>
+          </a:xfrm>
+          <a:prstGeom prst="rect">
+            <a:avLst/>
+          </a:prstGeom>
+        </p:spPr>
+        <p:txBody>
+          <a:bodyPr vert="horz" lIns="91440" tIns="45720" rIns="91440" bIns="45720" rtlCol="0" anchor="ctr">
+            <a:normAutofit/>
+          </a:bodyPr>
+          <a:lstStyle/>
+          <a:p>
+            <a:r>
+              <a:rPr lang="en-US"/>
+              <a:t>Click to edit Master title style</a:t>
+            </a:r>
+            <a:endParaRPr lang="en-IN"/>
+          </a:p>
+        </p:txBody>
+      </p:sp>
+      <p:sp>
+        <p:nvSpPr>
+          <p:cNvPr id="3" name="Text Placeholder 2"/>
+          <p:cNvSpPr>
+            <a:spLocks noGrp="1"/>
+          </p:cNvSpPr>
+          <p:nvPr>
+            <p:ph type="body" idx="1"/>
+          </p:nvPr>
+        </p:nvSpPr>
+        <p:spPr>
+          <a:xfrm>
+            <a:off x="838200" y="1825625"/>
+            <a:ext cx="10515600" cy="4351338"/>
+          </a:xfrm>
+          <a:prstGeom prst="rect">
+            <a:avLst/>
+          </a:prstGeom>
+        </p:spPr>
+        <p:txBody>
+          <a:bodyPr vert="horz" lIns="91440" tIns="45720" rIns="91440" bIns="45720" rtlCol="0">
+            <a:normAutofit/>
+          </a:bodyPr>
+          <a:lstStyle/>
+          <a:p>
+            <a:pPr lvl="0"/>
+            <a:r>
+              <a:rPr lang="en-US"/>
+              <a:t>Click to edit Master text styles</a:t>
+            </a:r>
+            <a:endParaRPr lang="en-US"/>
+          </a:p>
+          <a:p>
+            <a:pPr lvl="1"/>
+            <a:r>
+              <a:rPr lang="en-US"/>
+              <a:t>Second level</a:t>
+            </a:r>
+            <a:endParaRPr lang="en-US"/>
+          </a:p>
+          <a:p>
+            <a:pPr lvl="2"/>
+            <a:r>
+              <a:rPr lang="en-US"/>
+              <a:t>Third level</a:t>
+            </a:r>
+            <a:endParaRPr lang="en-US"/>
+          </a:p>
+          <a:p>
+            <a:pPr lvl="3"/>
+            <a:r>
+              <a:rPr lang="en-US"/>
+              <a:t>Fourth level</a:t>
+            </a:r>
+            <a:endParaRPr lang="en-US"/>
+          </a:p>
+          <a:p>
+            <a:pPr lvl="4"/>
+            <a:r>
+              <a:rPr lang="en-US"/>
+              <a:t>Fifth level</a:t>
+            </a:r>
+            <a:endParaRPr lang="en-IN"/>
+          </a:p>
+        </p:txBody>
+      </p:sp>
+      <p:sp>
+        <p:nvSpPr>
+          <p:cNvPr id="4" name="Date Placeholder 3"/>
+          <p:cNvSpPr>
+            <a:spLocks noGrp="1"/>
+          </p:cNvSpPr>
+          <p:nvPr>
+            <p:ph type="dt" sz="half" idx="2"/>
+          </p:nvPr>
+        </p:nvSpPr>
+        <p:spPr>
+          <a:xfrm>
+            <a:off x="838200" y="6356350"/>
+            <a:ext cx="2743200" cy="365125"/>
+          </a:xfrm>
+          <a:prstGeom prst="rect">
+            <a:avLst/>
+          </a:prstGeom>
+        </p:spPr>
+        <p:txBody>
+          <a:bodyPr vert="horz" lIns="91440" tIns="45720" rIns="91440" bIns="45720" rtlCol="0" anchor="ctr"/>
+          <a:lstStyle>
+            <a:lvl1pPr algn="l">
+              <a:defRPr sz="1200">
+                <a:solidFill>
+                  <a:schemeClr val="tx1">
+                    <a:tint val="75000"/>
+                  </a:schemeClr>
+                </a:solidFill>
+              </a:defRPr>
+            </a:lvl1pPr>
+          </a:lstStyle>
+          <a:p>
+            <a:fld id="{3EECC916-8326-4398-98E3-595A05AF34C3}" type="datetimeFigureOut">
+              <a:rPr lang="en-IN" smtClean="0"/>
+            </a:fld>
+            <a:endParaRPr lang="en-IN"/>
+          </a:p>
+        </p:txBody>
+      </p:sp>
+      <p:sp>
+        <p:nvSpPr>
+          <p:cNvPr id="5" name="Footer Placeholder 4"/>
+          <p:cNvSpPr>
+            <a:spLocks noGrp="1"/>
+          </p:cNvSpPr>
+          <p:nvPr>
+            <p:ph type="ftr" sz="quarter" idx="3"/>
+          </p:nvPr>
+        </p:nvSpPr>
+        <p:spPr>
+          <a:xfrm>
+            <a:off x="4038600" y="6356350"/>
+            <a:ext cx="4114800" cy="365125"/>
+          </a:xfrm>
+          <a:prstGeom prst="rect">
+            <a:avLst/>
+          </a:prstGeom>
+        </p:spPr>
+        <p:txBody>
+          <a:bodyPr vert="horz" lIns="91440" tIns="45720" rIns="91440" bIns="45720" rtlCol="0" anchor="ctr"/>
+          <a:lstStyle>
+            <a:lvl1pPr algn="ctr">
+              <a:defRPr sz="1200">
+                <a:solidFill>
+                  <a:schemeClr val="tx1">
+                    <a:tint val="75000"/>
+                  </a:schemeClr>
+                </a:solidFill>
+              </a:defRPr>
+            </a:lvl1pPr>
+          </a:lstStyle>
+          <a:p>
+            <a:endParaRPr lang="en-IN"/>
+          </a:p>
+        </p:txBody>
+      </p:sp>
+      <p:sp>
+        <p:nvSpPr>
+          <p:cNvPr id="6" name="Slide Number Placeholder 5"/>
+          <p:cNvSpPr>
+            <a:spLocks noGrp="1"/>
+          </p:cNvSpPr>
+          <p:nvPr>
+            <p:ph type="sldNum" sz="quarter" idx="4"/>
+          </p:nvPr>
+        </p:nvSpPr>
+        <p:spPr>
+          <a:xfrm>
+            <a:off x="8610600" y="6356350"/>
+            <a:ext cx="2743200" cy="365125"/>
+          </a:xfrm>
+          <a:prstGeom prst="rect">
+            <a:avLst/>
+          </a:prstGeom>
+        </p:spPr>
+        <p:txBody>
+          <a:bodyPr vert="horz" lIns="91440" tIns="45720" rIns="91440" bIns="45720" rtlCol="0" anchor="ctr"/>
+          <a:lstStyle>
+            <a:lvl1pPr algn="r">
+              <a:defRPr sz="1200">
+                <a:solidFill>
+                  <a:schemeClr val="tx1">
+                    <a:tint val="75000"/>
+                  </a:schemeClr>
+                </a:solidFill>
+              </a:defRPr>
+            </a:lvl1pPr>
+          </a:lstStyle>
+          <a:p>
+            <a:fld id="{AF78E629-3A9D-4480-B2D6-B9213383901A}" type="slidenum">
+              <a:rPr lang="en-IN" smtClean="0"/>
+            </a:fld>
+            <a:endParaRPr lang="en-IN"/>
+          </a:p>
+        </p:txBody>
+      </p:sp>
+    </p:spTree>
+  </p:cSld>
+  <p:clrMap bg1="lt1" tx1="dk1" bg2="lt2" tx2="dk2" accent1="accent1" accent2="accent2" accent3="accent3" accent4="accent4" accent5="accent5" accent6="accent6" hlink="hlink" folHlink="folHlink"/>
+  <p:sldLayoutIdLst>
+    <p:sldLayoutId id="2147483661" r:id="rId1"/>
+    <p:sldLayoutId id="2147483662" r:id="rId2"/>
+    <p:sldLayoutId id="2147483663" r:id="rId3"/>
+    <p:sldLayoutId id="2147483664" r:id="rId4"/>
+    <p:sldLayoutId id="2147483665" r:id="rId5"/>
+    <p:sldLayoutId id="2147483666" r:id="rId6"/>
+    <p:sldLayoutId id="2147483667" r:id="rId7"/>
+    <p:sldLayoutId id="2147483668" r:id="rId8"/>
+    <p:sldLayoutId id="2147483669" r:id="rId9"/>
+    <p:sldLayoutId id="2147483670" r:id="rId10"/>
+    <p:sldLayoutId id="2147483671" r:id="rId11"/>
   </p:sldLayoutIdLst>
   <p:txStyles>
     <p:titleStyle>
@@ -3375,13 +5744,7 @@
       </p:grpSpPr>
       <p:sp>
         <p:nvSpPr>
-          <p:cNvPr id="2" name="Title 1">
-            <a:extLst>
-              <a:ext uri="{FF2B5EF4-FFF2-40B4-BE49-F238E27FC236}">
-                <a16:creationId xmlns:a16="http://schemas.microsoft.com/office/drawing/2014/main" id="{CDDEF01C-B0AB-4AC7-A451-150936D4DE2A}"/>
-              </a:ext>
-            </a:extLst>
-          </p:cNvPr>
+          <p:cNvPr id="2" name="Title 1"/>
           <p:cNvSpPr>
             <a:spLocks noGrp="1"/>
           </p:cNvSpPr>
@@ -3404,13 +5767,7 @@
       </p:sp>
       <p:sp>
         <p:nvSpPr>
-          <p:cNvPr id="3" name="Subtitle 2">
-            <a:extLst>
-              <a:ext uri="{FF2B5EF4-FFF2-40B4-BE49-F238E27FC236}">
-                <a16:creationId xmlns:a16="http://schemas.microsoft.com/office/drawing/2014/main" id="{E7C991C6-6DDB-43CC-9057-AB4A0D64C96D}"/>
-              </a:ext>
-            </a:extLst>
-          </p:cNvPr>
+          <p:cNvPr id="3" name="Subtitle 2"/>
           <p:cNvSpPr>
             <a:spLocks noGrp="1"/>
           </p:cNvSpPr>
@@ -3428,11 +5785,6 @@
         </p:txBody>
       </p:sp>
     </p:spTree>
-    <p:extLst>
-      <p:ext uri="{BB962C8B-B14F-4D97-AF65-F5344CB8AC3E}">
-        <p14:creationId xmlns:p14="http://schemas.microsoft.com/office/powerpoint/2010/main" val="3745957300"/>
-      </p:ext>
-    </p:extLst>
   </p:cSld>
   <p:clrMapOvr>
     <a:masterClrMapping/>
@@ -3459,13 +5811,7 @@
       </p:grpSpPr>
       <p:sp>
         <p:nvSpPr>
-          <p:cNvPr id="3" name="Content Placeholder 2">
-            <a:extLst>
-              <a:ext uri="{FF2B5EF4-FFF2-40B4-BE49-F238E27FC236}">
-                <a16:creationId xmlns:a16="http://schemas.microsoft.com/office/drawing/2014/main" id="{08F96734-8D09-4989-8FE9-333AA704DF99}"/>
-              </a:ext>
-            </a:extLst>
-          </p:cNvPr>
+          <p:cNvPr id="3" name="Content Placeholder 2"/>
           <p:cNvSpPr>
             <a:spLocks noGrp="1"/>
           </p:cNvSpPr>
@@ -3490,12 +5836,14 @@
               <a:rPr lang="en-US" b="1" dirty="0"/>
               <a:t>Develop a code to extract primitive data from an object using Map keyword</a:t>
             </a:r>
+            <a:endParaRPr lang="en-US" b="1" dirty="0"/>
           </a:p>
           <a:p>
             <a:r>
               <a:rPr lang="en-US" dirty="0"/>
               <a:t>Example:-</a:t>
             </a:r>
+            <a:endParaRPr lang="en-US" dirty="0"/>
           </a:p>
           <a:p>
             <a:pPr marL="0" indent="0" algn="l">
@@ -3519,6 +5867,12 @@
               </a:rPr>
               <a:t> Reading</a:t>
             </a:r>
+            <a:endParaRPr lang="en-IN" sz="1800" b="1" dirty="0">
+              <a:solidFill>
+                <a:srgbClr val="000000"/>
+              </a:solidFill>
+              <a:latin typeface="Consolas" panose="020B0609020204030204" pitchFamily="49" charset="0"/>
+            </a:endParaRPr>
           </a:p>
           <a:p>
             <a:pPr marL="0" indent="0" algn="l">
@@ -3533,6 +5887,12 @@
               </a:rPr>
               <a:t>{</a:t>
             </a:r>
+            <a:endParaRPr lang="en-IN" sz="1800" dirty="0">
+              <a:solidFill>
+                <a:srgbClr val="000000"/>
+              </a:solidFill>
+              <a:latin typeface="Consolas" panose="020B0609020204030204" pitchFamily="49" charset="0"/>
+            </a:endParaRPr>
           </a:p>
           <a:p>
             <a:pPr marL="0" indent="0" algn="l">
@@ -3574,6 +5934,12 @@
               </a:rPr>
               <a:t>;</a:t>
             </a:r>
+            <a:endParaRPr lang="en-IN" sz="1800" b="1" dirty="0">
+              <a:solidFill>
+                <a:srgbClr val="000000"/>
+              </a:solidFill>
+              <a:latin typeface="Consolas" panose="020B0609020204030204" pitchFamily="49" charset="0"/>
+            </a:endParaRPr>
           </a:p>
           <a:p>
             <a:pPr marL="0" indent="0" algn="l">
@@ -3657,6 +6023,12 @@
               </a:rPr>
               <a:t>();</a:t>
             </a:r>
+            <a:endParaRPr lang="en-US" sz="1600" b="1" u="sng" dirty="0">
+              <a:solidFill>
+                <a:srgbClr val="000000"/>
+              </a:solidFill>
+              <a:latin typeface="Consolas" panose="020B0609020204030204" pitchFamily="49" charset="0"/>
+            </a:endParaRPr>
           </a:p>
           <a:p>
             <a:pPr marL="0" indent="0" algn="l">
@@ -3797,6 +6169,12 @@
               </a:rPr>
               <a:t>, which don’t have average method</a:t>
             </a:r>
+            <a:endParaRPr lang="en-US" sz="1600" dirty="0">
+              <a:solidFill>
+                <a:srgbClr val="000000"/>
+              </a:solidFill>
+              <a:latin typeface="Consolas" panose="020B0609020204030204" pitchFamily="49" charset="0"/>
+            </a:endParaRPr>
           </a:p>
           <a:p>
             <a:pPr marL="0" indent="0" algn="l">
@@ -4000,6 +6378,12 @@
               </a:rPr>
               <a:t> for int and long primitive values.</a:t>
             </a:r>
+            <a:endParaRPr lang="en-US" sz="1600" dirty="0">
+              <a:solidFill>
+                <a:srgbClr val="000000"/>
+              </a:solidFill>
+              <a:latin typeface="Consolas" panose="020B0609020204030204" pitchFamily="49" charset="0"/>
+            </a:endParaRPr>
           </a:p>
           <a:p>
             <a:pPr marL="0" indent="0" algn="l">
@@ -4010,11 +6394,6 @@
         </p:txBody>
       </p:sp>
     </p:spTree>
-    <p:extLst>
-      <p:ext uri="{BB962C8B-B14F-4D97-AF65-F5344CB8AC3E}">
-        <p14:creationId xmlns:p14="http://schemas.microsoft.com/office/powerpoint/2010/main" val="3295022430"/>
-      </p:ext>
-    </p:extLst>
   </p:cSld>
   <p:clrMapOvr>
     <a:masterClrMapping/>
@@ -4041,13 +6420,7 @@
       </p:grpSpPr>
       <p:sp>
         <p:nvSpPr>
-          <p:cNvPr id="3" name="Content Placeholder 2">
-            <a:extLst>
-              <a:ext uri="{FF2B5EF4-FFF2-40B4-BE49-F238E27FC236}">
-                <a16:creationId xmlns:a16="http://schemas.microsoft.com/office/drawing/2014/main" id="{59E1DFEB-7A5D-461B-AFAA-F907B96E8AE6}"/>
-              </a:ext>
-            </a:extLst>
-          </p:cNvPr>
+          <p:cNvPr id="3" name="Content Placeholder 2"/>
           <p:cNvSpPr>
             <a:spLocks noGrp="1"/>
           </p:cNvSpPr>
@@ -4069,6 +6442,7 @@
               <a:rPr lang="en-US" b="1" dirty="0"/>
               <a:t>Reductions:-</a:t>
             </a:r>
+            <a:endParaRPr lang="en-US" b="1" dirty="0"/>
           </a:p>
           <a:p>
             <a:endParaRPr lang="en-US" b="1" dirty="0"/>
@@ -4080,23 +6454,11 @@
       </p:sp>
       <p:graphicFrame>
         <p:nvGraphicFramePr>
-          <p:cNvPr id="4" name="Table 4">
-            <a:extLst>
-              <a:ext uri="{FF2B5EF4-FFF2-40B4-BE49-F238E27FC236}">
-                <a16:creationId xmlns:a16="http://schemas.microsoft.com/office/drawing/2014/main" id="{942666C2-07C0-4BE2-B6DC-CFFB7664208B}"/>
-              </a:ext>
-            </a:extLst>
-          </p:cNvPr>
+          <p:cNvPr id="4" name="Table 4"/>
           <p:cNvGraphicFramePr>
             <a:graphicFrameLocks noGrp="1"/>
           </p:cNvGraphicFramePr>
-          <p:nvPr>
-            <p:extLst>
-              <p:ext uri="{D42A27DB-BD31-4B8C-83A1-F6EECF244321}">
-                <p14:modId xmlns:p14="http://schemas.microsoft.com/office/powerpoint/2010/main" val="3062390943"/>
-              </p:ext>
-            </p:extLst>
-          </p:nvPr>
+          <p:nvPr/>
         </p:nvGraphicFramePr>
         <p:xfrm>
           <a:off x="228600" y="868363"/>
@@ -4109,20 +6471,8 @@
                 <a:tableStyleId>{5C22544A-7EE6-4342-B048-85BDC9FD1C3A}</a:tableStyleId>
               </a:tblPr>
               <a:tblGrid>
-                <a:gridCol w="5684134">
-                  <a:extLst>
-                    <a:ext uri="{9D8B030D-6E8A-4147-A177-3AD203B41FA5}">
-                      <a16:colId xmlns:a16="http://schemas.microsoft.com/office/drawing/2014/main" val="3762158321"/>
-                    </a:ext>
-                  </a:extLst>
-                </a:gridCol>
-                <a:gridCol w="5202941">
-                  <a:extLst>
-                    <a:ext uri="{9D8B030D-6E8A-4147-A177-3AD203B41FA5}">
-                      <a16:colId xmlns:a16="http://schemas.microsoft.com/office/drawing/2014/main" val="2558047403"/>
-                    </a:ext>
-                  </a:extLst>
-                </a:gridCol>
+                <a:gridCol w="5684134"/>
+                <a:gridCol w="5202941"/>
               </a:tblGrid>
               <a:tr h="370840">
                 <a:tc>
@@ -4153,11 +6503,6 @@
                   </a:txBody>
                   <a:tcPr/>
                 </a:tc>
-                <a:extLst>
-                  <a:ext uri="{0D108BD9-81ED-4DB2-BD59-A6C34878D82A}">
-                    <a16:rowId xmlns:a16="http://schemas.microsoft.com/office/drawing/2014/main" val="4209490674"/>
-                  </a:ext>
-                </a:extLst>
               </a:tr>
               <a:tr h="370840">
                 <a:tc>
@@ -4177,12 +6522,14 @@
                         <a:rPr lang="en-US" sz="1400" dirty="0"/>
                         <a:t> accumulator)</a:t>
                       </a:r>
+                      <a:endParaRPr lang="en-US" sz="1400" dirty="0"/>
                     </a:p>
                     <a:p>
                       <a:r>
                         <a:rPr lang="en-US" sz="1400" i="1" dirty="0"/>
                         <a:t>An operator is a function that takes a value and return value of same type.</a:t>
                       </a:r>
+                      <a:endParaRPr lang="en-US" sz="1400" i="1" dirty="0"/>
                     </a:p>
                     <a:p>
                       <a:endParaRPr lang="en-US" sz="1400" dirty="0"/>
@@ -4203,7 +6550,7 @@
                           <a:latin typeface="+mn-lt"/>
                           <a:ea typeface="+mn-ea"/>
                           <a:cs typeface="+mn-cs"/>
-                          <a:hlinkClick r:id="rId2"/>
+                          <a:hlinkClick r:id="rId1"/>
                         </a:rPr>
                         <a:t>reduction</a:t>
                       </a:r>
@@ -4222,7 +6569,7 @@
                           <a:latin typeface="+mn-lt"/>
                           <a:ea typeface="+mn-ea"/>
                           <a:cs typeface="+mn-cs"/>
-                          <a:hlinkClick r:id="rId3"/>
+                          <a:hlinkClick r:id="rId2"/>
                         </a:rPr>
                         <a:t>associative</a:t>
                       </a:r>
@@ -4246,18 +6593,21 @@
                         <a:rPr lang="en-US" dirty="0"/>
                         <a:t>average</a:t>
                       </a:r>
+                      <a:endParaRPr lang="en-US" dirty="0"/>
                     </a:p>
                     <a:p>
                       <a:r>
                         <a:rPr lang="en-US" dirty="0"/>
                         <a:t>sum</a:t>
                       </a:r>
+                      <a:endParaRPr lang="en-US" dirty="0"/>
                     </a:p>
                     <a:p>
                       <a:r>
                         <a:rPr lang="en-US" dirty="0"/>
                         <a:t>count</a:t>
                       </a:r>
+                      <a:endParaRPr lang="en-US" dirty="0"/>
                     </a:p>
                     <a:p>
                       <a:endParaRPr lang="en-IN" dirty="0"/>
@@ -4265,11 +6615,6 @@
                   </a:txBody>
                   <a:tcPr/>
                 </a:tc>
-                <a:extLst>
-                  <a:ext uri="{0D108BD9-81ED-4DB2-BD59-A6C34878D82A}">
-                    <a16:rowId xmlns:a16="http://schemas.microsoft.com/office/drawing/2014/main" val="604080394"/>
-                  </a:ext>
-                </a:extLst>
               </a:tr>
               <a:tr h="370840">
                 <a:tc>
@@ -4312,11 +6657,6 @@
                   </a:txBody>
                   <a:tcPr/>
                 </a:tc>
-                <a:extLst>
-                  <a:ext uri="{0D108BD9-81ED-4DB2-BD59-A6C34878D82A}">
-                    <a16:rowId xmlns:a16="http://schemas.microsoft.com/office/drawing/2014/main" val="413507459"/>
-                  </a:ext>
-                </a:extLst>
               </a:tr>
               <a:tr h="370840">
                 <a:tc>
@@ -4386,11 +6726,6 @@
                   </a:txBody>
                   <a:tcPr/>
                 </a:tc>
-                <a:extLst>
-                  <a:ext uri="{0D108BD9-81ED-4DB2-BD59-A6C34878D82A}">
-                    <a16:rowId xmlns:a16="http://schemas.microsoft.com/office/drawing/2014/main" val="1390043626"/>
-                  </a:ext>
-                </a:extLst>
               </a:tr>
               <a:tr h="370840">
                 <a:tc>
@@ -4482,7 +6817,6 @@
                         <a:buSzTx/>
                         <a:buFontTx/>
                         <a:buNone/>
-                        <a:tabLst/>
                         <a:defRPr/>
                       </a:pPr>
                       <a:r>
@@ -4562,22 +6896,12 @@
                   </a:txBody>
                   <a:tcPr/>
                 </a:tc>
-                <a:extLst>
-                  <a:ext uri="{0D108BD9-81ED-4DB2-BD59-A6C34878D82A}">
-                    <a16:rowId xmlns:a16="http://schemas.microsoft.com/office/drawing/2014/main" val="604765635"/>
-                  </a:ext>
-                </a:extLst>
               </a:tr>
             </a:tbl>
           </a:graphicData>
         </a:graphic>
       </p:graphicFrame>
     </p:spTree>
-    <p:extLst>
-      <p:ext uri="{BB962C8B-B14F-4D97-AF65-F5344CB8AC3E}">
-        <p14:creationId xmlns:p14="http://schemas.microsoft.com/office/powerpoint/2010/main" val="3561214417"/>
-      </p:ext>
-    </p:extLst>
   </p:cSld>
   <p:clrMapOvr>
     <a:masterClrMapping/>
@@ -4604,13 +6928,7 @@
       </p:grpSpPr>
       <p:sp>
         <p:nvSpPr>
-          <p:cNvPr id="2" name="Title 1">
-            <a:extLst>
-              <a:ext uri="{FF2B5EF4-FFF2-40B4-BE49-F238E27FC236}">
-                <a16:creationId xmlns:a16="http://schemas.microsoft.com/office/drawing/2014/main" id="{3DB7AC21-A61B-4966-803A-01C24538CCE2}"/>
-              </a:ext>
-            </a:extLst>
-          </p:cNvPr>
+          <p:cNvPr id="2" name="Title 1"/>
           <p:cNvSpPr>
             <a:spLocks noGrp="1"/>
           </p:cNvSpPr>
@@ -4639,11 +6957,6 @@
         </p:txBody>
       </p:sp>
     </p:spTree>
-    <p:extLst>
-      <p:ext uri="{BB962C8B-B14F-4D97-AF65-F5344CB8AC3E}">
-        <p14:creationId xmlns:p14="http://schemas.microsoft.com/office/powerpoint/2010/main" val="237285641"/>
-      </p:ext>
-    </p:extLst>
   </p:cSld>
   <p:clrMapOvr>
     <a:masterClrMapping/>
@@ -4670,13 +6983,7 @@
       </p:grpSpPr>
       <p:sp>
         <p:nvSpPr>
-          <p:cNvPr id="3" name="Content Placeholder 2">
-            <a:extLst>
-              <a:ext uri="{FF2B5EF4-FFF2-40B4-BE49-F238E27FC236}">
-                <a16:creationId xmlns:a16="http://schemas.microsoft.com/office/drawing/2014/main" id="{61A461C3-0A2D-4A89-8870-D4BD355D7729}"/>
-              </a:ext>
-            </a:extLst>
-          </p:cNvPr>
+          <p:cNvPr id="3" name="Content Placeholder 2"/>
           <p:cNvSpPr>
             <a:spLocks noGrp="1"/>
           </p:cNvSpPr>
@@ -4721,6 +7028,7 @@
               <a:rPr lang="en-US" dirty="0"/>
               <a:t>contain a value.</a:t>
             </a:r>
+            <a:endParaRPr lang="en-US" dirty="0"/>
           </a:p>
           <a:p>
             <a:r>
@@ -4739,6 +7047,7 @@
               <a:rPr lang="en-US" sz="2000" dirty="0"/>
               <a:t>any values ,return Optional.</a:t>
             </a:r>
+            <a:endParaRPr lang="en-US" sz="2000" dirty="0"/>
           </a:p>
           <a:p>
             <a:r>
@@ -4797,6 +7106,7 @@
               <a:rPr lang="en-US" dirty="0"/>
               <a:t>:-</a:t>
             </a:r>
+            <a:endParaRPr lang="en-US" dirty="0"/>
           </a:p>
           <a:p>
             <a:pPr marL="0" indent="0">
@@ -4814,6 +7124,7 @@
               <a:rPr lang="en-US" sz="2000" dirty="0"/>
               <a:t> are present in stream interface.</a:t>
             </a:r>
+            <a:endParaRPr lang="en-US" sz="2000" dirty="0"/>
           </a:p>
           <a:p>
             <a:pPr marL="0" indent="0">
@@ -4839,6 +7150,7 @@
               <a:rPr lang="en-US" sz="2000" dirty="0"/>
               <a:t> class</a:t>
             </a:r>
+            <a:endParaRPr lang="en-US" sz="2000" dirty="0"/>
           </a:p>
           <a:p>
             <a:pPr marL="0" indent="0">
@@ -4864,6 +7176,7 @@
               <a:rPr lang="en-US" sz="2000" dirty="0"/>
               <a:t> class</a:t>
             </a:r>
+            <a:endParaRPr lang="en-US" sz="2000" dirty="0"/>
           </a:p>
           <a:p>
             <a:pPr marL="0" indent="0">
@@ -4889,6 +7202,7 @@
               <a:rPr lang="en-US" sz="2000" dirty="0"/>
               <a:t> class</a:t>
             </a:r>
+            <a:endParaRPr lang="en-US" sz="2000" dirty="0"/>
           </a:p>
           <a:p>
             <a:pPr marL="0" indent="0">
@@ -4908,11 +7222,6 @@
         </p:txBody>
       </p:sp>
     </p:spTree>
-    <p:extLst>
-      <p:ext uri="{BB962C8B-B14F-4D97-AF65-F5344CB8AC3E}">
-        <p14:creationId xmlns:p14="http://schemas.microsoft.com/office/powerpoint/2010/main" val="2004578788"/>
-      </p:ext>
-    </p:extLst>
   </p:cSld>
   <p:clrMapOvr>
     <a:masterClrMapping/>
@@ -4939,13 +7248,7 @@
       </p:grpSpPr>
       <p:sp>
         <p:nvSpPr>
-          <p:cNvPr id="3" name="Content Placeholder 2">
-            <a:extLst>
-              <a:ext uri="{FF2B5EF4-FFF2-40B4-BE49-F238E27FC236}">
-                <a16:creationId xmlns:a16="http://schemas.microsoft.com/office/drawing/2014/main" id="{7BF8AD71-1E27-4D4B-B130-D91E2EF4B4E8}"/>
-              </a:ext>
-            </a:extLst>
-          </p:cNvPr>
+          <p:cNvPr id="3" name="Content Placeholder 2"/>
           <p:cNvSpPr>
             <a:spLocks noGrp="1"/>
           </p:cNvSpPr>
@@ -4967,6 +7270,7 @@
               <a:rPr lang="en-US" dirty="0"/>
               <a:t>Methods present in optional class:-</a:t>
             </a:r>
+            <a:endParaRPr lang="en-US" dirty="0"/>
           </a:p>
           <a:p>
             <a:pPr marL="914400" lvl="1" indent="-457200">
@@ -4989,6 +7293,7 @@
               <a:rPr lang="en-US" dirty="0"/>
               <a:t>() method:- returns &lt;T&gt;</a:t>
             </a:r>
+            <a:endParaRPr lang="en-US" dirty="0"/>
           </a:p>
           <a:p>
             <a:pPr lvl="2">
@@ -4999,6 +7304,7 @@
               <a:rPr lang="en-US" sz="1000" dirty="0"/>
               <a:t>Used to get value from optional </a:t>
             </a:r>
+            <a:endParaRPr lang="en-US" sz="1000" dirty="0"/>
           </a:p>
           <a:p>
             <a:pPr lvl="1">
@@ -5025,6 +7331,7 @@
               <a:rPr lang="en-US" sz="1800" dirty="0"/>
               <a:t>method:- returns Boolean</a:t>
             </a:r>
+            <a:endParaRPr lang="en-US" sz="1800" dirty="0"/>
           </a:p>
           <a:p>
             <a:pPr lvl="1">
@@ -5123,6 +7430,7 @@
               <a:rPr lang="en-US" sz="1800" dirty="0"/>
               <a:t>(n));</a:t>
             </a:r>
+            <a:endParaRPr lang="en-US" sz="1800" dirty="0"/>
           </a:p>
           <a:p>
             <a:pPr lvl="1">
@@ -5141,6 +7449,7 @@
               <a:rPr lang="en-US" sz="1800" dirty="0"/>
               <a:t>():- It creates a new Optional.</a:t>
             </a:r>
+            <a:endParaRPr lang="en-US" sz="1800" dirty="0"/>
           </a:p>
           <a:p>
             <a:pPr lvl="1">
@@ -5407,6 +7716,12 @@
               </a:rPr>
               <a:t>.isPresent());</a:t>
             </a:r>
+            <a:endParaRPr lang="en-IN" sz="1800" i="1" dirty="0">
+              <a:solidFill>
+                <a:srgbClr val="000000"/>
+              </a:solidFill>
+              <a:latin typeface="Consolas" panose="020B0609020204030204" pitchFamily="49" charset="0"/>
+            </a:endParaRPr>
           </a:p>
           <a:p>
             <a:pPr lvl="1">
@@ -5458,6 +7773,12 @@
               </a:rPr>
               <a:t> optional</a:t>
             </a:r>
+            <a:endParaRPr lang="en-IN" sz="1800" dirty="0">
+              <a:solidFill>
+                <a:srgbClr val="000000"/>
+              </a:solidFill>
+              <a:latin typeface="Consolas" panose="020B0609020204030204" pitchFamily="49" charset="0"/>
+            </a:endParaRPr>
           </a:p>
           <a:p>
             <a:pPr lvl="1">
@@ -5509,6 +7830,12 @@
               </a:rPr>
               <a:t> </a:t>
             </a:r>
+            <a:endParaRPr lang="en-IN" sz="1800" dirty="0">
+              <a:solidFill>
+                <a:srgbClr val="000000"/>
+              </a:solidFill>
+              <a:latin typeface="Consolas" panose="020B0609020204030204" pitchFamily="49" charset="0"/>
+            </a:endParaRPr>
           </a:p>
           <a:p>
             <a:pPr marL="0" indent="0" algn="l">
@@ -5529,11 +7856,6 @@
         </p:txBody>
       </p:sp>
     </p:spTree>
-    <p:extLst>
-      <p:ext uri="{BB962C8B-B14F-4D97-AF65-F5344CB8AC3E}">
-        <p14:creationId xmlns:p14="http://schemas.microsoft.com/office/powerpoint/2010/main" val="3716596435"/>
-      </p:ext>
-    </p:extLst>
   </p:cSld>
   <p:clrMapOvr>
     <a:masterClrMapping/>
@@ -5560,13 +7882,7 @@
       </p:grpSpPr>
       <p:sp>
         <p:nvSpPr>
-          <p:cNvPr id="3" name="Content Placeholder 2">
-            <a:extLst>
-              <a:ext uri="{FF2B5EF4-FFF2-40B4-BE49-F238E27FC236}">
-                <a16:creationId xmlns:a16="http://schemas.microsoft.com/office/drawing/2014/main" id="{0173338B-2E26-4391-A69F-F669B6ED9972}"/>
-              </a:ext>
-            </a:extLst>
-          </p:cNvPr>
+          <p:cNvPr id="3" name="Content Placeholder 2"/>
           <p:cNvSpPr>
             <a:spLocks noGrp="1"/>
           </p:cNvSpPr>
@@ -5583,6 +7899,7 @@
               <a:rPr lang="en-US" dirty="0"/>
               <a:t>Example:-</a:t>
             </a:r>
+            <a:endParaRPr lang="en-US" dirty="0"/>
           </a:p>
           <a:p>
             <a:r>
@@ -5605,6 +7922,7 @@
               <a:rPr lang="en-IN" dirty="0"/>
               <a:t>();</a:t>
             </a:r>
+            <a:endParaRPr lang="en-IN" dirty="0"/>
           </a:p>
           <a:p>
             <a:r>
@@ -5627,6 +7945,7 @@
               <a:rPr lang="en-IN" dirty="0"/>
               <a:t>(new Dog(“Default Dog”,50,10);</a:t>
             </a:r>
+            <a:endParaRPr lang="en-IN" dirty="0"/>
           </a:p>
           <a:p>
             <a:r>
@@ -5650,11 +7969,237 @@
         </p:txBody>
       </p:sp>
     </p:spTree>
-    <p:extLst>
-      <p:ext uri="{BB962C8B-B14F-4D97-AF65-F5344CB8AC3E}">
-        <p14:creationId xmlns:p14="http://schemas.microsoft.com/office/powerpoint/2010/main" val="3905213800"/>
-      </p:ext>
-    </p:extLst>
+  </p:cSld>
+  <p:clrMapOvr>
+    <a:masterClrMapping/>
+  </p:clrMapOvr>
+</p:sld>
+</file>
+
+<file path=ppt/slides/slide16.xml><?xml version="1.0" encoding="utf-8"?>
+<p:sld xmlns:a="http://schemas.openxmlformats.org/drawingml/2006/main" xmlns:r="http://schemas.openxmlformats.org/officeDocument/2006/relationships" xmlns:p="http://schemas.openxmlformats.org/presentationml/2006/main">
+  <p:cSld>
+    <p:spTree>
+      <p:nvGrpSpPr>
+        <p:cNvPr id="1" name=""/>
+        <p:cNvGrpSpPr/>
+        <p:nvPr/>
+      </p:nvGrpSpPr>
+      <p:grpSpPr/>
+      <p:sp>
+        <p:nvSpPr>
+          <p:cNvPr id="2" name="Title 1"/>
+          <p:cNvSpPr>
+            <a:spLocks noGrp="1"/>
+          </p:cNvSpPr>
+          <p:nvPr>
+            <p:ph type="title"/>
+          </p:nvPr>
+        </p:nvSpPr>
+        <p:spPr>
+          <a:xfrm>
+            <a:off x="1164590" y="2629535"/>
+            <a:ext cx="10515600" cy="1325563"/>
+          </a:xfrm>
+        </p:spPr>
+        <p:txBody>
+          <a:bodyPr/>
+          <a:p>
+            <a:r>
+              <a:rPr lang="en-US"/>
+              <a:t>Java 8 in action Streams</a:t>
+            </a:r>
+            <a:endParaRPr lang="en-US"/>
+          </a:p>
+        </p:txBody>
+      </p:sp>
+      <p:sp>
+        <p:nvSpPr>
+          <p:cNvPr id="3" name="Content Placeholder 2"/>
+          <p:cNvSpPr>
+            <a:spLocks noGrp="1"/>
+          </p:cNvSpPr>
+          <p:nvPr>
+            <p:ph idx="1"/>
+          </p:nvPr>
+        </p:nvSpPr>
+        <p:spPr/>
+        <p:txBody>
+          <a:bodyPr/>
+          <a:p>
+            <a:endParaRPr lang="en-US"/>
+          </a:p>
+        </p:txBody>
+      </p:sp>
+    </p:spTree>
+  </p:cSld>
+  <p:clrMapOvr>
+    <a:masterClrMapping/>
+  </p:clrMapOvr>
+</p:sld>
+</file>
+
+<file path=ppt/slides/slide17.xml><?xml version="1.0" encoding="utf-8"?>
+<p:sld xmlns:a="http://schemas.openxmlformats.org/drawingml/2006/main" xmlns:r="http://schemas.openxmlformats.org/officeDocument/2006/relationships" xmlns:p="http://schemas.openxmlformats.org/presentationml/2006/main">
+  <p:cSld>
+    <p:spTree>
+      <p:nvGrpSpPr>
+        <p:cNvPr id="1" name=""/>
+        <p:cNvGrpSpPr/>
+        <p:nvPr/>
+      </p:nvGrpSpPr>
+      <p:grpSpPr/>
+      <p:sp>
+        <p:nvSpPr>
+          <p:cNvPr id="2" name="Title 1"/>
+          <p:cNvSpPr>
+            <a:spLocks noGrp="1"/>
+          </p:cNvSpPr>
+          <p:nvPr>
+            <p:ph type="title"/>
+          </p:nvPr>
+        </p:nvSpPr>
+        <p:spPr/>
+        <p:txBody>
+          <a:bodyPr/>
+          <a:p>
+            <a:r>
+              <a:rPr lang="en-US"/>
+              <a:t>Motivation</a:t>
+            </a:r>
+            <a:endParaRPr lang="en-US"/>
+          </a:p>
+        </p:txBody>
+      </p:sp>
+      <p:sp>
+        <p:nvSpPr>
+          <p:cNvPr id="3" name="Content Placeholder 2"/>
+          <p:cNvSpPr>
+            <a:spLocks noGrp="1"/>
+          </p:cNvSpPr>
+          <p:nvPr>
+            <p:ph idx="1"/>
+          </p:nvPr>
+        </p:nvSpPr>
+        <p:spPr/>
+        <p:txBody>
+          <a:bodyPr/>
+          <a:p>
+            <a:r>
+              <a:rPr lang="en-US"/>
+              <a:t>In SQL, we have </a:t>
+            </a:r>
+            <a:r>
+              <a:rPr lang="en-US" b="1"/>
+              <a:t>declarative programming</a:t>
+            </a:r>
+            <a:endParaRPr lang="en-US" b="1"/>
+          </a:p>
+          <a:p>
+            <a:pPr lvl="1"/>
+            <a:r>
+              <a:rPr lang="en-US"/>
+              <a:t>we dont worry about how sorting is done, we just declare it</a:t>
+            </a:r>
+            <a:endParaRPr lang="en-US"/>
+          </a:p>
+          <a:p>
+            <a:pPr lvl="1"/>
+            <a:r>
+              <a:rPr lang="en-US"/>
+              <a:t>same way, how can we achieve same in Java??</a:t>
+            </a:r>
+            <a:endParaRPr lang="en-US"/>
+          </a:p>
+          <a:p>
+            <a:pPr lvl="0"/>
+            <a:r>
+              <a:rPr lang="en-US"/>
+              <a:t>We also dont have a provision in Java to leverage </a:t>
+            </a:r>
+            <a:r>
+              <a:rPr lang="en-US" b="1"/>
+              <a:t>parallel processing</a:t>
+            </a:r>
+            <a:endParaRPr lang="en-US" b="1"/>
+          </a:p>
+          <a:p>
+            <a:pPr lvl="0"/>
+            <a:endParaRPr lang="en-US"/>
+          </a:p>
+          <a:p>
+            <a:pPr lvl="0"/>
+            <a:r>
+              <a:rPr lang="en-US"/>
+              <a:t>The solution is --- STREAMS</a:t>
+            </a:r>
+            <a:endParaRPr lang="en-US"/>
+          </a:p>
+        </p:txBody>
+      </p:sp>
+    </p:spTree>
+  </p:cSld>
+  <p:clrMapOvr>
+    <a:masterClrMapping/>
+  </p:clrMapOvr>
+</p:sld>
+</file>
+
+<file path=ppt/slides/slide18.xml><?xml version="1.0" encoding="utf-8"?>
+<p:sld xmlns:a="http://schemas.openxmlformats.org/drawingml/2006/main" xmlns:r="http://schemas.openxmlformats.org/officeDocument/2006/relationships" xmlns:p="http://schemas.openxmlformats.org/presentationml/2006/main">
+  <p:cSld>
+    <p:spTree>
+      <p:nvGrpSpPr>
+        <p:cNvPr id="1" name=""/>
+        <p:cNvGrpSpPr/>
+        <p:nvPr/>
+      </p:nvGrpSpPr>
+      <p:grpSpPr/>
+      <p:sp>
+        <p:nvSpPr>
+          <p:cNvPr id="2" name="Title 1"/>
+          <p:cNvSpPr>
+            <a:spLocks noGrp="1"/>
+          </p:cNvSpPr>
+          <p:nvPr>
+            <p:ph type="title"/>
+          </p:nvPr>
+        </p:nvSpPr>
+        <p:spPr/>
+        <p:txBody>
+          <a:bodyPr/>
+          <a:p>
+            <a:r>
+              <a:rPr lang="en-US"/>
+              <a:t>What is a stream</a:t>
+            </a:r>
+            <a:endParaRPr lang="en-US"/>
+          </a:p>
+        </p:txBody>
+      </p:sp>
+      <p:sp>
+        <p:nvSpPr>
+          <p:cNvPr id="3" name="Content Placeholder 2"/>
+          <p:cNvSpPr>
+            <a:spLocks noGrp="1"/>
+          </p:cNvSpPr>
+          <p:nvPr>
+            <p:ph idx="1"/>
+          </p:nvPr>
+        </p:nvSpPr>
+        <p:spPr/>
+        <p:txBody>
+          <a:bodyPr/>
+          <a:p>
+            <a:r>
+              <a:rPr lang="en-US"/>
+              <a:t>A stream provides access to a datasource in a stream way and follows declarative syntax?? my own definition</a:t>
+            </a:r>
+            <a:endParaRPr lang="en-US"/>
+          </a:p>
+        </p:txBody>
+      </p:sp>
+    </p:spTree>
   </p:cSld>
   <p:clrMapOvr>
     <a:masterClrMapping/>
@@ -5681,13 +8226,7 @@
       </p:grpSpPr>
       <p:sp>
         <p:nvSpPr>
-          <p:cNvPr id="3" name="Content Placeholder 2">
-            <a:extLst>
-              <a:ext uri="{FF2B5EF4-FFF2-40B4-BE49-F238E27FC236}">
-                <a16:creationId xmlns:a16="http://schemas.microsoft.com/office/drawing/2014/main" id="{F7D016EB-C2FD-420C-829F-D39FE382DBF0}"/>
-              </a:ext>
-            </a:extLst>
-          </p:cNvPr>
+          <p:cNvPr id="3" name="Content Placeholder 2"/>
           <p:cNvSpPr>
             <a:spLocks noGrp="1"/>
           </p:cNvSpPr>
@@ -5711,6 +8250,7 @@
               <a:rPr lang="en-US" dirty="0"/>
               <a:t>What is a stream?</a:t>
             </a:r>
+            <a:endParaRPr lang="en-US" dirty="0"/>
           </a:p>
           <a:p>
             <a:pPr>
@@ -5733,6 +8273,7 @@
               <a:rPr lang="en-US" dirty="0"/>
               <a:t>that supports various methods which can be pipelined to produce the desired result..</a:t>
             </a:r>
+            <a:endParaRPr lang="en-US" dirty="0"/>
           </a:p>
           <a:p>
             <a:pPr>
@@ -5755,6 +8296,7 @@
               <a:rPr lang="en-US" dirty="0"/>
               <a:t> object, can only be created once.</a:t>
             </a:r>
+            <a:endParaRPr lang="en-US" dirty="0"/>
           </a:p>
           <a:p>
             <a:pPr>
@@ -5765,6 +8307,7 @@
               <a:rPr lang="en-US" dirty="0"/>
               <a:t>Streams don’t change the original data structure, they only provide the result as per the pipelined methods.</a:t>
             </a:r>
+            <a:endParaRPr lang="en-US" dirty="0"/>
           </a:p>
           <a:p>
             <a:pPr>
@@ -5775,12 +8318,14 @@
               <a:rPr lang="en-US" dirty="0"/>
               <a:t>Example:- </a:t>
             </a:r>
+            <a:endParaRPr lang="en-US" dirty="0"/>
           </a:p>
           <a:p>
             <a:r>
               <a:rPr lang="en-IN" sz="1800" b="1" dirty="0"/>
               <a:t>int[] a= {1,2,3};</a:t>
             </a:r>
+            <a:endParaRPr lang="en-IN" sz="1800" b="1" dirty="0"/>
           </a:p>
           <a:p>
             <a:r>
@@ -5811,6 +8356,7 @@
               <a:rPr lang="en-US" sz="1800" i="1" u="sng" dirty="0"/>
               <a:t>(a);</a:t>
             </a:r>
+            <a:endParaRPr lang="en-US" sz="1800" i="1" u="sng" dirty="0"/>
           </a:p>
           <a:p>
             <a:r>
@@ -5833,6 +8379,7 @@
               <a:rPr lang="en-IN" sz="1800" b="1" i="1" dirty="0"/>
               <a:t>(b));</a:t>
             </a:r>
+            <a:endParaRPr lang="en-IN" sz="1800" b="1" i="1" dirty="0"/>
           </a:p>
           <a:p>
             <a:r>
@@ -5882,6 +8429,7 @@
               <a:rPr lang="en-US" sz="1800" dirty="0"/>
               <a:t>upon or closed</a:t>
             </a:r>
+            <a:endParaRPr lang="en-US" sz="1800" dirty="0"/>
           </a:p>
           <a:p>
             <a:endParaRPr lang="en-US" sz="1800" dirty="0"/>
@@ -5899,6 +8447,11 @@
               </a:rPr>
               <a:t>If we want to perform multiple operations on stream, we have to perform it in one line only. Because the data flows itself on stream . Its like a river, once water flows out, we can’t bring back the stream.</a:t>
             </a:r>
+            <a:endParaRPr lang="en-US" sz="2400" dirty="0">
+              <a:solidFill>
+                <a:prstClr val="black"/>
+              </a:solidFill>
+            </a:endParaRPr>
           </a:p>
           <a:p>
             <a:pPr lvl="0">
@@ -5913,6 +8466,11 @@
               </a:rPr>
               <a:t>A stream is not a data structure, as it does not store any data in itself.</a:t>
             </a:r>
+            <a:endParaRPr lang="en-US" sz="2400" dirty="0">
+              <a:solidFill>
+                <a:prstClr val="black"/>
+              </a:solidFill>
+            </a:endParaRPr>
           </a:p>
           <a:p>
             <a:endParaRPr lang="en-IN" dirty="0"/>
@@ -5920,11 +8478,6 @@
         </p:txBody>
       </p:sp>
     </p:spTree>
-    <p:extLst>
-      <p:ext uri="{BB962C8B-B14F-4D97-AF65-F5344CB8AC3E}">
-        <p14:creationId xmlns:p14="http://schemas.microsoft.com/office/powerpoint/2010/main" val="3617961084"/>
-      </p:ext>
-    </p:extLst>
   </p:cSld>
   <p:clrMapOvr>
     <a:masterClrMapping/>
@@ -6515,13 +9068,7 @@
       </p:grpSpPr>
       <p:sp>
         <p:nvSpPr>
-          <p:cNvPr id="3" name="Content Placeholder 2">
-            <a:extLst>
-              <a:ext uri="{FF2B5EF4-FFF2-40B4-BE49-F238E27FC236}">
-                <a16:creationId xmlns:a16="http://schemas.microsoft.com/office/drawing/2014/main" id="{531C1700-B706-4775-8A7B-335459DA5931}"/>
-              </a:ext>
-            </a:extLst>
-          </p:cNvPr>
+          <p:cNvPr id="3" name="Content Placeholder 2"/>
           <p:cNvSpPr>
             <a:spLocks noGrp="1"/>
           </p:cNvSpPr>
@@ -6545,12 +9092,14 @@
               <a:rPr lang="en-US" dirty="0"/>
               <a:t>3 parts of stream:-</a:t>
             </a:r>
+            <a:endParaRPr lang="en-US" dirty="0"/>
           </a:p>
           <a:p>
             <a:r>
               <a:rPr lang="en-US" dirty="0"/>
               <a:t>Each intermediate operation is lazily executed and returns a stream as a result, hence various intermediate operations can be pipelined. Terminal operations mark the end of the stream and return the result.</a:t>
             </a:r>
+            <a:endParaRPr lang="en-US" dirty="0"/>
           </a:p>
           <a:p>
             <a:endParaRPr lang="en-US" dirty="0"/>
@@ -6572,6 +9121,7 @@
               <a:rPr lang="en-US" dirty="0"/>
               <a:t>:- can be collection, array, file, or one or more values</a:t>
             </a:r>
+            <a:endParaRPr lang="en-US" dirty="0"/>
           </a:p>
           <a:p>
             <a:pPr marL="514350" indent="-514350">
@@ -6598,6 +9148,7 @@
               <a:rPr lang="en-US" dirty="0"/>
               <a:t>: filter()—uses a predicate</a:t>
             </a:r>
+            <a:endParaRPr lang="en-US" dirty="0"/>
           </a:p>
           <a:p>
             <a:pPr marL="514350" indent="-514350">
@@ -6685,6 +9236,7 @@
               <a:rPr lang="en-IN" dirty="0"/>
               <a:t>count elements in the stream</a:t>
             </a:r>
+            <a:endParaRPr lang="en-IN" dirty="0"/>
           </a:p>
           <a:p>
             <a:pPr marL="514350" indent="-514350">
@@ -6696,11 +9248,6 @@
         </p:txBody>
       </p:sp>
     </p:spTree>
-    <p:extLst>
-      <p:ext uri="{BB962C8B-B14F-4D97-AF65-F5344CB8AC3E}">
-        <p14:creationId xmlns:p14="http://schemas.microsoft.com/office/powerpoint/2010/main" val="2001401444"/>
-      </p:ext>
-    </p:extLst>
   </p:cSld>
   <p:clrMapOvr>
     <a:masterClrMapping/>
@@ -7002,13 +9549,7 @@
       </p:grpSpPr>
       <p:sp>
         <p:nvSpPr>
-          <p:cNvPr id="3" name="Content Placeholder 2">
-            <a:extLst>
-              <a:ext uri="{FF2B5EF4-FFF2-40B4-BE49-F238E27FC236}">
-                <a16:creationId xmlns:a16="http://schemas.microsoft.com/office/drawing/2014/main" id="{1B73287C-31F5-4122-A8E7-F4142CD3DA08}"/>
-              </a:ext>
-            </a:extLst>
-          </p:cNvPr>
+          <p:cNvPr id="3" name="Content Placeholder 2"/>
           <p:cNvSpPr>
             <a:spLocks noGrp="1"/>
           </p:cNvSpPr>
@@ -7032,6 +9573,7 @@
               <a:rPr lang="en-US" dirty="0"/>
               <a:t>HOW TO CREATE STREAM?</a:t>
             </a:r>
+            <a:endParaRPr lang="en-US" dirty="0"/>
           </a:p>
           <a:p>
             <a:pPr marL="514350" indent="-514350">
@@ -7125,6 +9667,7 @@
               <a:rPr lang="en-US" sz="2800" dirty="0"/>
               <a:t>() method to turn Map into   a set.</a:t>
             </a:r>
+            <a:endParaRPr lang="en-US" sz="2800" dirty="0"/>
           </a:p>
           <a:p>
             <a:r>
@@ -7257,6 +9800,12 @@
               </a:rPr>
               <a:t>);</a:t>
             </a:r>
+            <a:endParaRPr lang="en-IN" sz="1600" dirty="0">
+              <a:solidFill>
+                <a:srgbClr val="000000"/>
+              </a:solidFill>
+              <a:latin typeface="Consolas" panose="020B0609020204030204" pitchFamily="49" charset="0"/>
+            </a:endParaRPr>
           </a:p>
           <a:p>
             <a:pPr marL="1828800" lvl="4" indent="0">
@@ -7316,6 +9865,12 @@
               </a:rPr>
               <a:t>);</a:t>
             </a:r>
+            <a:endParaRPr lang="en-IN" sz="1600" dirty="0">
+              <a:solidFill>
+                <a:srgbClr val="000000"/>
+              </a:solidFill>
+              <a:latin typeface="Consolas" panose="020B0609020204030204" pitchFamily="49" charset="0"/>
+            </a:endParaRPr>
           </a:p>
           <a:p>
             <a:pPr marL="1828800" lvl="4" indent="0">
@@ -7375,6 +9930,12 @@
               </a:rPr>
               <a:t>);</a:t>
             </a:r>
+            <a:endParaRPr lang="en-IN" sz="1600" dirty="0">
+              <a:solidFill>
+                <a:srgbClr val="000000"/>
+              </a:solidFill>
+              <a:latin typeface="Consolas" panose="020B0609020204030204" pitchFamily="49" charset="0"/>
+            </a:endParaRPr>
           </a:p>
           <a:p>
             <a:pPr marL="1828800" lvl="4" indent="0">
@@ -7389,6 +9950,12 @@
               </a:rPr>
               <a:t> </a:t>
             </a:r>
+            <a:endParaRPr lang="en-IN" sz="1600" dirty="0">
+              <a:solidFill>
+                <a:srgbClr val="000000"/>
+              </a:solidFill>
+              <a:latin typeface="Consolas" panose="020B0609020204030204" pitchFamily="49" charset="0"/>
+            </a:endParaRPr>
           </a:p>
           <a:p>
             <a:pPr marL="1828800" lvl="4" indent="0">
@@ -7466,6 +10033,12 @@
               </a:rPr>
               <a:t>().stream();</a:t>
             </a:r>
+            <a:endParaRPr lang="en-US" sz="1600" dirty="0">
+              <a:solidFill>
+                <a:srgbClr val="000000"/>
+              </a:solidFill>
+              <a:latin typeface="Consolas" panose="020B0609020204030204" pitchFamily="49" charset="0"/>
+            </a:endParaRPr>
           </a:p>
           <a:p>
             <a:pPr marL="1828800" lvl="4" indent="0">
@@ -7480,6 +10053,12 @@
               </a:rPr>
               <a:t> </a:t>
             </a:r>
+            <a:endParaRPr lang="en-IN" sz="1600" dirty="0">
+              <a:solidFill>
+                <a:srgbClr val="000000"/>
+              </a:solidFill>
+              <a:latin typeface="Consolas" panose="020B0609020204030204" pitchFamily="49" charset="0"/>
+            </a:endParaRPr>
           </a:p>
           <a:p>
             <a:pPr marL="1828800" lvl="4" indent="0">
@@ -7610,11 +10189,6 @@
         </p:txBody>
       </p:sp>
     </p:spTree>
-    <p:extLst>
-      <p:ext uri="{BB962C8B-B14F-4D97-AF65-F5344CB8AC3E}">
-        <p14:creationId xmlns:p14="http://schemas.microsoft.com/office/powerpoint/2010/main" val="3113326339"/>
-      </p:ext>
-    </p:extLst>
   </p:cSld>
   <p:clrMapOvr>
     <a:masterClrMapping/>
@@ -7968,13 +10542,7 @@
       </p:grpSpPr>
       <p:sp>
         <p:nvSpPr>
-          <p:cNvPr id="3" name="Content Placeholder 2">
-            <a:extLst>
-              <a:ext uri="{FF2B5EF4-FFF2-40B4-BE49-F238E27FC236}">
-                <a16:creationId xmlns:a16="http://schemas.microsoft.com/office/drawing/2014/main" id="{DBA51F10-2E28-4193-BFDC-1AEF4BB4D33A}"/>
-              </a:ext>
-            </a:extLst>
-          </p:cNvPr>
+          <p:cNvPr id="3" name="Content Placeholder 2"/>
           <p:cNvSpPr>
             <a:spLocks noGrp="1"/>
           </p:cNvSpPr>
@@ -8001,6 +10569,7 @@
               <a:rPr lang="en-US" dirty="0"/>
               <a:t>HOW TO CREATE STREAM?</a:t>
             </a:r>
+            <a:endParaRPr lang="en-US" dirty="0"/>
           </a:p>
           <a:p>
             <a:pPr marL="0" indent="0">
@@ -8022,6 +10591,7 @@
               <a:rPr lang="en-US" dirty="0"/>
               <a:t>.</a:t>
             </a:r>
+            <a:endParaRPr lang="en-US" dirty="0"/>
           </a:p>
           <a:p>
             <a:pPr marL="457200" lvl="1" indent="0">
@@ -8039,6 +10609,7 @@
               <a:rPr lang="en-US" sz="1600" dirty="0"/>
               <a:t>”,”Zooey”};</a:t>
             </a:r>
+            <a:endParaRPr lang="en-US" sz="1600" dirty="0"/>
           </a:p>
           <a:p>
             <a:pPr marL="457200" lvl="1" indent="0">
@@ -8064,6 +10635,7 @@
               <a:rPr lang="en-US" sz="1600" dirty="0"/>
               <a:t>(dogs);</a:t>
             </a:r>
+            <a:endParaRPr lang="en-US" sz="1600" dirty="0"/>
           </a:p>
           <a:p>
             <a:pPr marL="0" indent="0">
@@ -8085,6 +10657,7 @@
               <a:rPr lang="en-US" dirty="0"/>
               <a:t>:</a:t>
             </a:r>
+            <a:endParaRPr lang="en-US" dirty="0"/>
           </a:p>
           <a:p>
             <a:pPr marL="457200" lvl="1" indent="0">
@@ -8102,6 +10675,7 @@
               <a:rPr lang="en-US" sz="1800" dirty="0"/>
               <a:t>.</a:t>
             </a:r>
+            <a:endParaRPr lang="en-US" sz="1800" dirty="0"/>
           </a:p>
           <a:p>
             <a:pPr marL="457200" lvl="1" indent="0">
@@ -8111,6 +10685,7 @@
               <a:rPr lang="en-US" sz="1800" dirty="0"/>
               <a:t>Example:-</a:t>
             </a:r>
+            <a:endParaRPr lang="en-US" sz="1800" dirty="0"/>
           </a:p>
           <a:p>
             <a:pPr marL="457200" lvl="1" indent="0">
@@ -8128,6 +10703,7 @@
               <a:rPr lang="en-US" sz="1800" dirty="0"/>
               <a:t>={123.1,123.2}; </a:t>
             </a:r>
+            <a:endParaRPr lang="en-US" sz="1800" dirty="0"/>
           </a:p>
           <a:p>
             <a:pPr marL="457200" lvl="1" indent="0">
@@ -8173,6 +10749,7 @@
               <a:rPr lang="en-US" sz="1800" dirty="0"/>
               <a:t>);</a:t>
             </a:r>
+            <a:endParaRPr lang="en-US" sz="1800" dirty="0"/>
           </a:p>
           <a:p>
             <a:pPr marL="457200" lvl="1" indent="0">
@@ -8206,6 +10783,7 @@
               <a:rPr lang="en-US" sz="1800" dirty="0"/>
               <a:t>);</a:t>
             </a:r>
+            <a:endParaRPr lang="en-US" sz="1800" dirty="0"/>
           </a:p>
           <a:p>
             <a:pPr marL="457200" lvl="1" indent="0">
@@ -8233,6 +10811,7 @@
               <a:rPr lang="en-US" dirty="0"/>
               <a:t>keyword</a:t>
             </a:r>
+            <a:endParaRPr lang="en-US" dirty="0"/>
           </a:p>
           <a:p>
             <a:pPr marL="0" indent="0">
@@ -8242,6 +10821,7 @@
               <a:rPr lang="en-US" dirty="0"/>
               <a:t>    	This is very flexible to use as it can take any object.</a:t>
             </a:r>
+            <a:endParaRPr lang="en-US" dirty="0"/>
           </a:p>
           <a:p>
             <a:pPr marL="0" indent="0">
@@ -8275,6 +10855,7 @@
               <a:rPr lang="en-US" sz="1800" i="1" dirty="0"/>
               <a:t>(1,2,"hello");</a:t>
             </a:r>
+            <a:endParaRPr lang="en-US" sz="1800" i="1" dirty="0"/>
           </a:p>
           <a:p>
             <a:pPr marL="0" indent="0">
@@ -8317,11 +10898,6 @@
         </p:txBody>
       </p:sp>
     </p:spTree>
-    <p:extLst>
-      <p:ext uri="{BB962C8B-B14F-4D97-AF65-F5344CB8AC3E}">
-        <p14:creationId xmlns:p14="http://schemas.microsoft.com/office/powerpoint/2010/main" val="3582347090"/>
-      </p:ext>
-    </p:extLst>
   </p:cSld>
   <p:clrMapOvr>
     <a:masterClrMapping/>
@@ -8979,13 +11555,7 @@
       </p:grpSpPr>
       <p:sp>
         <p:nvSpPr>
-          <p:cNvPr id="3" name="Content Placeholder 2">
-            <a:extLst>
-              <a:ext uri="{FF2B5EF4-FFF2-40B4-BE49-F238E27FC236}">
-                <a16:creationId xmlns:a16="http://schemas.microsoft.com/office/drawing/2014/main" id="{162FF6D9-862C-44DE-BE0B-97CFA64F54A0}"/>
-              </a:ext>
-            </a:extLst>
-          </p:cNvPr>
+          <p:cNvPr id="3" name="Content Placeholder 2"/>
           <p:cNvSpPr>
             <a:spLocks noGrp="1"/>
           </p:cNvSpPr>
@@ -9013,6 +11583,7 @@
               <a:rPr lang="en-US" dirty="0"/>
               <a:t> method</a:t>
             </a:r>
+            <a:endParaRPr lang="en-US" dirty="0"/>
           </a:p>
           <a:p>
             <a:pPr marL="0" indent="0">
@@ -9053,11 +11624,6 @@
         </p:txBody>
       </p:sp>
     </p:spTree>
-    <p:extLst>
-      <p:ext uri="{BB962C8B-B14F-4D97-AF65-F5344CB8AC3E}">
-        <p14:creationId xmlns:p14="http://schemas.microsoft.com/office/powerpoint/2010/main" val="2233552417"/>
-      </p:ext>
-    </p:extLst>
   </p:cSld>
   <p:clrMapOvr>
     <a:masterClrMapping/>
@@ -9194,13 +11760,7 @@
       </p:grpSpPr>
       <p:sp>
         <p:nvSpPr>
-          <p:cNvPr id="3" name="Content Placeholder 2">
-            <a:extLst>
-              <a:ext uri="{FF2B5EF4-FFF2-40B4-BE49-F238E27FC236}">
-                <a16:creationId xmlns:a16="http://schemas.microsoft.com/office/drawing/2014/main" id="{A5B175E1-F8CB-4C09-976A-1095D6BE15FE}"/>
-              </a:ext>
-            </a:extLst>
-          </p:cNvPr>
+          <p:cNvPr id="3" name="Content Placeholder 2"/>
           <p:cNvSpPr>
             <a:spLocks noGrp="1"/>
           </p:cNvSpPr>
@@ -9224,12 +11784,14 @@
               <a:rPr lang="en-US" dirty="0"/>
               <a:t>Why streams instead of collections?</a:t>
             </a:r>
+            <a:endParaRPr lang="en-US" dirty="0"/>
           </a:p>
           <a:p>
             <a:r>
               <a:rPr lang="en-US" dirty="0"/>
               <a:t>Ans:- 1.Pipeline usage 2. They are lazy</a:t>
             </a:r>
+            <a:endParaRPr lang="en-US" dirty="0"/>
           </a:p>
           <a:p>
             <a:pPr marL="514350" indent="-514350">
@@ -9291,6 +11853,7 @@
               <a:rPr lang="en-US" sz="1900" dirty="0"/>
               <a:t>);</a:t>
             </a:r>
+            <a:endParaRPr lang="en-US" sz="1900" dirty="0"/>
           </a:p>
           <a:p>
             <a:pPr marL="457200" lvl="1" indent="0">
@@ -9308,6 +11871,7 @@
               <a:rPr lang="en-US" sz="1900" dirty="0"/>
               <a:t> too. Data keeps flowing from left to right at each intermediate step. Its called a pipeline or assembly line. It makes processing faster and this also helps to achieve parallel programming which we will see later.</a:t>
             </a:r>
+            <a:endParaRPr lang="en-US" sz="1900" dirty="0"/>
           </a:p>
           <a:p>
             <a:pPr marL="514350" indent="-514350">
@@ -9325,6 +11889,7 @@
               <a:rPr lang="en-US" sz="2800" dirty="0"/>
               <a:t>Lazy</a:t>
             </a:r>
+            <a:endParaRPr lang="en-US" sz="2800" dirty="0"/>
           </a:p>
           <a:p>
             <a:pPr marL="0" indent="0">
@@ -9334,6 +11899,7 @@
               <a:rPr lang="en-US" sz="2000" dirty="0"/>
               <a:t>	Until we define any terminal operation on stream, no data flows through stream as streams don’t contain any data on their own.</a:t>
             </a:r>
+            <a:endParaRPr lang="en-US" sz="2000" dirty="0"/>
           </a:p>
           <a:p>
             <a:pPr marL="514350" indent="-514350">
@@ -9364,11 +11930,6 @@
         </p:txBody>
       </p:sp>
     </p:spTree>
-    <p:extLst>
-      <p:ext uri="{BB962C8B-B14F-4D97-AF65-F5344CB8AC3E}">
-        <p14:creationId xmlns:p14="http://schemas.microsoft.com/office/powerpoint/2010/main" val="4038797144"/>
-      </p:ext>
-    </p:extLst>
   </p:cSld>
   <p:clrMapOvr>
     <a:masterClrMapping/>
@@ -9634,13 +12195,7 @@
       </p:grpSpPr>
       <p:sp>
         <p:nvSpPr>
-          <p:cNvPr id="3" name="Content Placeholder 2">
-            <a:extLst>
-              <a:ext uri="{FF2B5EF4-FFF2-40B4-BE49-F238E27FC236}">
-                <a16:creationId xmlns:a16="http://schemas.microsoft.com/office/drawing/2014/main" id="{4149DE74-FD66-42CD-AD5C-C29D953F4DBE}"/>
-              </a:ext>
-            </a:extLst>
-          </p:cNvPr>
+          <p:cNvPr id="3" name="Content Placeholder 2"/>
           <p:cNvSpPr>
             <a:spLocks noGrp="1"/>
           </p:cNvSpPr>
@@ -9662,6 +12217,7 @@
               <a:rPr lang="en-US" dirty="0"/>
               <a:t>Operating inside a stream using map() method and peek() method</a:t>
             </a:r>
+            <a:endParaRPr lang="en-US" dirty="0"/>
           </a:p>
           <a:p>
             <a:endParaRPr lang="en-US" dirty="0"/>
@@ -9675,6 +12231,7 @@
               <a:rPr lang="en-US" sz="2000" dirty="0"/>
               <a:t>The Map filter reduce is an abstraction for elements that operate on sequence of elements</a:t>
             </a:r>
+            <a:endParaRPr lang="en-US" sz="2000" dirty="0"/>
           </a:p>
           <a:p>
             <a:pPr marL="514350" indent="-514350">
@@ -9726,6 +12283,7 @@
               <a:rPr lang="en-US" sz="2000" dirty="0"/>
               <a:t>Reduce-&gt; perform terminal operation</a:t>
             </a:r>
+            <a:endParaRPr lang="en-US" sz="2000" dirty="0"/>
           </a:p>
           <a:p>
             <a:pPr marL="514350" indent="-514350">
@@ -9767,6 +12325,7 @@
               <a:rPr lang="en-US" sz="2000" dirty="0"/>
               <a:t>) method. </a:t>
             </a:r>
+            <a:endParaRPr lang="en-US" sz="2000" dirty="0"/>
           </a:p>
           <a:p>
             <a:pPr marL="514350" indent="-514350">
@@ -9789,6 +12348,7 @@
               <a:rPr lang="en-US" sz="2000" dirty="0"/>
               <a:t>and passes stream value to next intermediate operation if result is true</a:t>
             </a:r>
+            <a:endParaRPr lang="en-US" sz="2000" dirty="0"/>
           </a:p>
           <a:p>
             <a:pPr marL="514350" indent="-514350">
@@ -9800,11 +12360,6 @@
         </p:txBody>
       </p:sp>
     </p:spTree>
-    <p:extLst>
-      <p:ext uri="{BB962C8B-B14F-4D97-AF65-F5344CB8AC3E}">
-        <p14:creationId xmlns:p14="http://schemas.microsoft.com/office/powerpoint/2010/main" val="1428189796"/>
-      </p:ext>
-    </p:extLst>
   </p:cSld>
   <p:clrMapOvr>
     <a:masterClrMapping/>
@@ -9831,13 +12386,7 @@
       </p:grpSpPr>
       <p:sp>
         <p:nvSpPr>
-          <p:cNvPr id="2" name="Title 1">
-            <a:extLst>
-              <a:ext uri="{FF2B5EF4-FFF2-40B4-BE49-F238E27FC236}">
-                <a16:creationId xmlns:a16="http://schemas.microsoft.com/office/drawing/2014/main" id="{5D72D7F5-A7A5-44AC-834C-5C8BE6C4E5B8}"/>
-              </a:ext>
-            </a:extLst>
-          </p:cNvPr>
+          <p:cNvPr id="2" name="Title 1"/>
           <p:cNvSpPr>
             <a:spLocks noGrp="1"/>
           </p:cNvSpPr>
@@ -9860,13 +12409,7 @@
       </p:sp>
       <p:sp>
         <p:nvSpPr>
-          <p:cNvPr id="3" name="Content Placeholder 2">
-            <a:extLst>
-              <a:ext uri="{FF2B5EF4-FFF2-40B4-BE49-F238E27FC236}">
-                <a16:creationId xmlns:a16="http://schemas.microsoft.com/office/drawing/2014/main" id="{817C3E68-C9E0-4EE0-80E9-5A29847E5ED7}"/>
-              </a:ext>
-            </a:extLst>
-          </p:cNvPr>
+          <p:cNvPr id="3" name="Content Placeholder 2"/>
           <p:cNvSpPr>
             <a:spLocks noGrp="1"/>
           </p:cNvSpPr>
@@ -9885,6 +12428,7 @@
               <a:rPr lang="en-US" dirty="0"/>
               <a:t>The peek method allows us to peek into the stream as elements flow by in.</a:t>
             </a:r>
+            <a:endParaRPr lang="en-US" dirty="0"/>
           </a:p>
           <a:p>
             <a:r>
@@ -9903,6 +12447,7 @@
               <a:rPr lang="en-US" dirty="0"/>
               <a:t>. It can’t modify anything inside stream.</a:t>
             </a:r>
+            <a:endParaRPr lang="en-US" dirty="0"/>
           </a:p>
           <a:p>
             <a:pPr algn="l"/>
@@ -9960,6 +12505,12 @@
               </a:rPr>
               <a:t>(1,2);</a:t>
             </a:r>
+            <a:endParaRPr lang="en-US" sz="1800" i="1" dirty="0">
+              <a:solidFill>
+                <a:srgbClr val="000000"/>
+              </a:solidFill>
+              <a:latin typeface="Consolas" panose="020B0609020204030204" pitchFamily="49" charset="0"/>
+            </a:endParaRPr>
           </a:p>
           <a:p>
             <a:pPr algn="l"/>
@@ -10197,6 +12748,12 @@
               </a:rPr>
               <a:t>));</a:t>
             </a:r>
+            <a:endParaRPr lang="en-IN" sz="1800" b="1" i="1" dirty="0">
+              <a:solidFill>
+                <a:srgbClr val="000000"/>
+              </a:solidFill>
+              <a:latin typeface="Consolas" panose="020B0609020204030204" pitchFamily="49" charset="0"/>
+            </a:endParaRPr>
           </a:p>
           <a:p>
             <a:pPr algn="l"/>
@@ -10236,6 +12793,12 @@
               </a:rPr>
               <a:t>)</a:t>
             </a:r>
+            <a:endParaRPr lang="en-IN" sz="1800" b="1" i="1" dirty="0">
+              <a:solidFill>
+                <a:srgbClr val="000000"/>
+              </a:solidFill>
+              <a:latin typeface="Consolas" panose="020B0609020204030204" pitchFamily="49" charset="0"/>
+            </a:endParaRPr>
           </a:p>
           <a:p>
             <a:pPr algn="l"/>
@@ -10248,6 +12811,12 @@
               </a:rPr>
               <a:t>1</a:t>
             </a:r>
+            <a:endParaRPr lang="en-IN" sz="1800" dirty="0">
+              <a:solidFill>
+                <a:srgbClr val="000000"/>
+              </a:solidFill>
+              <a:latin typeface="Consolas" panose="020B0609020204030204" pitchFamily="49" charset="0"/>
+            </a:endParaRPr>
           </a:p>
           <a:p>
             <a:pPr algn="l"/>
@@ -10260,6 +12829,12 @@
               </a:rPr>
               <a:t>square is 1</a:t>
             </a:r>
+            <a:endParaRPr lang="en-IN" sz="1800" dirty="0">
+              <a:solidFill>
+                <a:srgbClr val="000000"/>
+              </a:solidFill>
+              <a:latin typeface="Consolas" panose="020B0609020204030204" pitchFamily="49" charset="0"/>
+            </a:endParaRPr>
           </a:p>
           <a:p>
             <a:pPr algn="l"/>
@@ -10272,6 +12847,12 @@
               </a:rPr>
               <a:t>2</a:t>
             </a:r>
+            <a:endParaRPr lang="en-IN" sz="1800" dirty="0">
+              <a:solidFill>
+                <a:srgbClr val="000000"/>
+              </a:solidFill>
+              <a:latin typeface="Consolas" panose="020B0609020204030204" pitchFamily="49" charset="0"/>
+            </a:endParaRPr>
           </a:p>
           <a:p>
             <a:pPr algn="l"/>
@@ -10284,6 +12865,12 @@
               </a:rPr>
               <a:t>square is 4</a:t>
             </a:r>
+            <a:endParaRPr lang="en-IN" sz="1800" dirty="0">
+              <a:solidFill>
+                <a:srgbClr val="000000"/>
+              </a:solidFill>
+              <a:latin typeface="Consolas" panose="020B0609020204030204" pitchFamily="49" charset="0"/>
+            </a:endParaRPr>
           </a:p>
           <a:p>
             <a:pPr algn="l"/>
@@ -10292,11 +12879,6 @@
         </p:txBody>
       </p:sp>
     </p:spTree>
-    <p:extLst>
-      <p:ext uri="{BB962C8B-B14F-4D97-AF65-F5344CB8AC3E}">
-        <p14:creationId xmlns:p14="http://schemas.microsoft.com/office/powerpoint/2010/main" val="3136735285"/>
-      </p:ext>
-    </p:extLst>
   </p:cSld>
   <p:clrMapOvr>
     <a:masterClrMapping/>
@@ -10347,7 +12929,7 @@
     </a:clrScheme>
     <a:fontScheme name="Office">
       <a:majorFont>
-        <a:latin typeface="Calibri Light" panose="020F0302020204030204"/>
+        <a:latin typeface="Calibri Light"/>
         <a:ea typeface=""/>
         <a:cs typeface=""/>
         <a:font script="Jpan" typeface="游ゴシック Light"/>
@@ -10380,26 +12962,9 @@
         <a:font script="Viet" typeface="Times New Roman"/>
         <a:font script="Uigh" typeface="Microsoft Uighur"/>
         <a:font script="Geor" typeface="Sylfaen"/>
-        <a:font script="Armn" typeface="Arial"/>
-        <a:font script="Bugi" typeface="Leelawadee UI"/>
-        <a:font script="Bopo" typeface="Microsoft JhengHei"/>
-        <a:font script="Java" typeface="Javanese Text"/>
-        <a:font script="Lisu" typeface="Segoe UI"/>
-        <a:font script="Mymr" typeface="Myanmar Text"/>
-        <a:font script="Nkoo" typeface="Ebrima"/>
-        <a:font script="Olck" typeface="Nirmala UI"/>
-        <a:font script="Osma" typeface="Ebrima"/>
-        <a:font script="Phag" typeface="Phagspa"/>
-        <a:font script="Syrn" typeface="Estrangelo Edessa"/>
-        <a:font script="Syrj" typeface="Estrangelo Edessa"/>
-        <a:font script="Syre" typeface="Estrangelo Edessa"/>
-        <a:font script="Sora" typeface="Nirmala UI"/>
-        <a:font script="Tale" typeface="Microsoft Tai Le"/>
-        <a:font script="Talu" typeface="Microsoft New Tai Lue"/>
-        <a:font script="Tfng" typeface="Ebrima"/>
       </a:majorFont>
       <a:minorFont>
-        <a:latin typeface="Calibri" panose="020F0502020204030204"/>
+        <a:latin typeface="Calibri"/>
         <a:ea typeface=""/>
         <a:cs typeface=""/>
         <a:font script="Jpan" typeface="游ゴシック"/>
@@ -10432,23 +12997,6 @@
         <a:font script="Viet" typeface="Arial"/>
         <a:font script="Uigh" typeface="Microsoft Uighur"/>
         <a:font script="Geor" typeface="Sylfaen"/>
-        <a:font script="Armn" typeface="Arial"/>
-        <a:font script="Bugi" typeface="Leelawadee UI"/>
-        <a:font script="Bopo" typeface="Microsoft JhengHei"/>
-        <a:font script="Java" typeface="Javanese Text"/>
-        <a:font script="Lisu" typeface="Segoe UI"/>
-        <a:font script="Mymr" typeface="Myanmar Text"/>
-        <a:font script="Nkoo" typeface="Ebrima"/>
-        <a:font script="Olck" typeface="Nirmala UI"/>
-        <a:font script="Osma" typeface="Ebrima"/>
-        <a:font script="Phag" typeface="Phagspa"/>
-        <a:font script="Syrn" typeface="Estrangelo Edessa"/>
-        <a:font script="Syrj" typeface="Estrangelo Edessa"/>
-        <a:font script="Syre" typeface="Estrangelo Edessa"/>
-        <a:font script="Sora" typeface="Nirmala UI"/>
-        <a:font script="Tale" typeface="Microsoft Tai Le"/>
-        <a:font script="Talu" typeface="Microsoft New Tai Lue"/>
-        <a:font script="Tfng" typeface="Ebrima"/>
       </a:minorFont>
     </a:fontScheme>
     <a:fmtScheme name="Office">
@@ -10589,8 +13137,265 @@
       </a:bgFillStyleLst>
     </a:fmtScheme>
   </a:themeElements>
-  <a:objectDefaults/>
-  <a:extraClrSchemeLst/>
+  <a:extLst>
+    <a:ext uri="{05A4C25C-085E-4340-85A3-A5531E510DB2}">
+      <thm15:themeFamily xmlns:thm15="http://schemas.microsoft.com/office/thememl/2012/main" name="Office Theme" id="{62F939B6-93AF-4DB8-9C6B-D6C7DFDC589F}" vid="{4A3C46E8-61CC-4603-A589-7422A47A8E4A}"/>
+    </a:ext>
+  </a:extLst>
+</a:theme>
+</file>
+
+<file path=ppt/theme/theme2.xml><?xml version="1.0" encoding="utf-8"?>
+<a:theme xmlns:a="http://schemas.openxmlformats.org/drawingml/2006/main" name="1_Office Theme">
+  <a:themeElements>
+    <a:clrScheme name="Office">
+      <a:dk1>
+        <a:sysClr val="windowText" lastClr="000000"/>
+      </a:dk1>
+      <a:lt1>
+        <a:sysClr val="window" lastClr="FFFFFF"/>
+      </a:lt1>
+      <a:dk2>
+        <a:srgbClr val="44546A"/>
+      </a:dk2>
+      <a:lt2>
+        <a:srgbClr val="E7E6E6"/>
+      </a:lt2>
+      <a:accent1>
+        <a:srgbClr val="4472C4"/>
+      </a:accent1>
+      <a:accent2>
+        <a:srgbClr val="ED7D31"/>
+      </a:accent2>
+      <a:accent3>
+        <a:srgbClr val="A5A5A5"/>
+      </a:accent3>
+      <a:accent4>
+        <a:srgbClr val="FFC000"/>
+      </a:accent4>
+      <a:accent5>
+        <a:srgbClr val="5B9BD5"/>
+      </a:accent5>
+      <a:accent6>
+        <a:srgbClr val="70AD47"/>
+      </a:accent6>
+      <a:hlink>
+        <a:srgbClr val="0563C1"/>
+      </a:hlink>
+      <a:folHlink>
+        <a:srgbClr val="954F72"/>
+      </a:folHlink>
+    </a:clrScheme>
+    <a:fontScheme name="Office">
+      <a:majorFont>
+        <a:latin typeface="Calibri Light"/>
+        <a:ea typeface=""/>
+        <a:cs typeface=""/>
+        <a:font script="Jpan" typeface="游ゴシック Light"/>
+        <a:font script="Hang" typeface="맑은 고딕"/>
+        <a:font script="Hans" typeface="等线 Light"/>
+        <a:font script="Hant" typeface="新細明體"/>
+        <a:font script="Arab" typeface="Times New Roman"/>
+        <a:font script="Hebr" typeface="Times New Roman"/>
+        <a:font script="Thai" typeface="Angsana New"/>
+        <a:font script="Ethi" typeface="Nyala"/>
+        <a:font script="Beng" typeface="Vrinda"/>
+        <a:font script="Gujr" typeface="Shruti"/>
+        <a:font script="Khmr" typeface="MoolBoran"/>
+        <a:font script="Knda" typeface="Tunga"/>
+        <a:font script="Guru" typeface="Raavi"/>
+        <a:font script="Cans" typeface="Euphemia"/>
+        <a:font script="Cher" typeface="Plantagenet Cherokee"/>
+        <a:font script="Yiii" typeface="Microsoft Yi Baiti"/>
+        <a:font script="Tibt" typeface="Microsoft Himalaya"/>
+        <a:font script="Thaa" typeface="MV Boli"/>
+        <a:font script="Deva" typeface="Mangal"/>
+        <a:font script="Telu" typeface="Gautami"/>
+        <a:font script="Taml" typeface="Latha"/>
+        <a:font script="Syrc" typeface="Estrangelo Edessa"/>
+        <a:font script="Orya" typeface="Kalinga"/>
+        <a:font script="Mlym" typeface="Kartika"/>
+        <a:font script="Laoo" typeface="DokChampa"/>
+        <a:font script="Sinh" typeface="Iskoola Pota"/>
+        <a:font script="Mong" typeface="Mongolian Baiti"/>
+        <a:font script="Viet" typeface="Times New Roman"/>
+        <a:font script="Uigh" typeface="Microsoft Uighur"/>
+        <a:font script="Geor" typeface="Sylfaen"/>
+      </a:majorFont>
+      <a:minorFont>
+        <a:latin typeface="Calibri"/>
+        <a:ea typeface=""/>
+        <a:cs typeface=""/>
+        <a:font script="Jpan" typeface="游ゴシック"/>
+        <a:font script="Hang" typeface="맑은 고딕"/>
+        <a:font script="Hans" typeface="等线"/>
+        <a:font script="Hant" typeface="新細明體"/>
+        <a:font script="Arab" typeface="Arial"/>
+        <a:font script="Hebr" typeface="Arial"/>
+        <a:font script="Thai" typeface="Cordia New"/>
+        <a:font script="Ethi" typeface="Nyala"/>
+        <a:font script="Beng" typeface="Vrinda"/>
+        <a:font script="Gujr" typeface="Shruti"/>
+        <a:font script="Khmr" typeface="DaunPenh"/>
+        <a:font script="Knda" typeface="Tunga"/>
+        <a:font script="Guru" typeface="Raavi"/>
+        <a:font script="Cans" typeface="Euphemia"/>
+        <a:font script="Cher" typeface="Plantagenet Cherokee"/>
+        <a:font script="Yiii" typeface="Microsoft Yi Baiti"/>
+        <a:font script="Tibt" typeface="Microsoft Himalaya"/>
+        <a:font script="Thaa" typeface="MV Boli"/>
+        <a:font script="Deva" typeface="Mangal"/>
+        <a:font script="Telu" typeface="Gautami"/>
+        <a:font script="Taml" typeface="Latha"/>
+        <a:font script="Syrc" typeface="Estrangelo Edessa"/>
+        <a:font script="Orya" typeface="Kalinga"/>
+        <a:font script="Mlym" typeface="Kartika"/>
+        <a:font script="Laoo" typeface="DokChampa"/>
+        <a:font script="Sinh" typeface="Iskoola Pota"/>
+        <a:font script="Mong" typeface="Mongolian Baiti"/>
+        <a:font script="Viet" typeface="Arial"/>
+        <a:font script="Uigh" typeface="Microsoft Uighur"/>
+        <a:font script="Geor" typeface="Sylfaen"/>
+      </a:minorFont>
+    </a:fontScheme>
+    <a:fmtScheme name="Office">
+      <a:fillStyleLst>
+        <a:solidFill>
+          <a:schemeClr val="phClr"/>
+        </a:solidFill>
+        <a:gradFill rotWithShape="1">
+          <a:gsLst>
+            <a:gs pos="0">
+              <a:schemeClr val="phClr">
+                <a:lumMod val="110000"/>
+                <a:satMod val="105000"/>
+                <a:tint val="67000"/>
+              </a:schemeClr>
+            </a:gs>
+            <a:gs pos="50000">
+              <a:schemeClr val="phClr">
+                <a:lumMod val="105000"/>
+                <a:satMod val="103000"/>
+                <a:tint val="73000"/>
+              </a:schemeClr>
+            </a:gs>
+            <a:gs pos="100000">
+              <a:schemeClr val="phClr">
+                <a:lumMod val="105000"/>
+                <a:satMod val="109000"/>
+                <a:tint val="81000"/>
+              </a:schemeClr>
+            </a:gs>
+          </a:gsLst>
+          <a:lin ang="5400000" scaled="0"/>
+        </a:gradFill>
+        <a:gradFill rotWithShape="1">
+          <a:gsLst>
+            <a:gs pos="0">
+              <a:schemeClr val="phClr">
+                <a:satMod val="103000"/>
+                <a:lumMod val="102000"/>
+                <a:tint val="94000"/>
+              </a:schemeClr>
+            </a:gs>
+            <a:gs pos="50000">
+              <a:schemeClr val="phClr">
+                <a:satMod val="110000"/>
+                <a:lumMod val="100000"/>
+                <a:shade val="100000"/>
+              </a:schemeClr>
+            </a:gs>
+            <a:gs pos="100000">
+              <a:schemeClr val="phClr">
+                <a:lumMod val="99000"/>
+                <a:satMod val="120000"/>
+                <a:shade val="78000"/>
+              </a:schemeClr>
+            </a:gs>
+          </a:gsLst>
+          <a:lin ang="5400000" scaled="0"/>
+        </a:gradFill>
+      </a:fillStyleLst>
+      <a:lnStyleLst>
+        <a:ln w="6350" cap="flat" cmpd="sng" algn="ctr">
+          <a:solidFill>
+            <a:schemeClr val="phClr"/>
+          </a:solidFill>
+          <a:prstDash val="solid"/>
+          <a:miter lim="800000"/>
+        </a:ln>
+        <a:ln w="12700" cap="flat" cmpd="sng" algn="ctr">
+          <a:solidFill>
+            <a:schemeClr val="phClr"/>
+          </a:solidFill>
+          <a:prstDash val="solid"/>
+          <a:miter lim="800000"/>
+        </a:ln>
+        <a:ln w="19050" cap="flat" cmpd="sng" algn="ctr">
+          <a:solidFill>
+            <a:schemeClr val="phClr"/>
+          </a:solidFill>
+          <a:prstDash val="solid"/>
+          <a:miter lim="800000"/>
+        </a:ln>
+      </a:lnStyleLst>
+      <a:effectStyleLst>
+        <a:effectStyle>
+          <a:effectLst/>
+        </a:effectStyle>
+        <a:effectStyle>
+          <a:effectLst/>
+        </a:effectStyle>
+        <a:effectStyle>
+          <a:effectLst>
+            <a:outerShdw blurRad="57150" dist="19050" dir="5400000" algn="ctr" rotWithShape="0">
+              <a:srgbClr val="000000">
+                <a:alpha val="63000"/>
+              </a:srgbClr>
+            </a:outerShdw>
+          </a:effectLst>
+        </a:effectStyle>
+      </a:effectStyleLst>
+      <a:bgFillStyleLst>
+        <a:solidFill>
+          <a:schemeClr val="phClr"/>
+        </a:solidFill>
+        <a:solidFill>
+          <a:schemeClr val="phClr">
+            <a:tint val="95000"/>
+            <a:satMod val="170000"/>
+          </a:schemeClr>
+        </a:solidFill>
+        <a:gradFill rotWithShape="1">
+          <a:gsLst>
+            <a:gs pos="0">
+              <a:schemeClr val="phClr">
+                <a:tint val="93000"/>
+                <a:satMod val="150000"/>
+                <a:shade val="98000"/>
+                <a:lumMod val="102000"/>
+              </a:schemeClr>
+            </a:gs>
+            <a:gs pos="50000">
+              <a:schemeClr val="phClr">
+                <a:tint val="98000"/>
+                <a:satMod val="130000"/>
+                <a:shade val="90000"/>
+                <a:lumMod val="103000"/>
+              </a:schemeClr>
+            </a:gs>
+            <a:gs pos="100000">
+              <a:schemeClr val="phClr">
+                <a:shade val="63000"/>
+                <a:satMod val="120000"/>
+              </a:schemeClr>
+            </a:gs>
+          </a:gsLst>
+          <a:lin ang="5400000" scaled="0"/>
+        </a:gradFill>
+      </a:bgFillStyleLst>
+    </a:fmtScheme>
+  </a:themeElements>
   <a:extLst>
     <a:ext uri="{05A4C25C-085E-4340-85A3-A5531E510DB2}">
       <thm15:themeFamily xmlns:thm15="http://schemas.microsoft.com/office/thememl/2012/main" name="Office Theme" id="{62F939B6-93AF-4DB8-9C6B-D6C7DFDC589F}" vid="{4A3C46E8-61CC-4603-A589-7422A47A8E4A}"/>
